--- a/Assets/StreamingAssets/2D_Objects/Test/Test.pptx
+++ b/Assets/StreamingAssets/2D_Objects/Test/Test.pptx
@@ -53,58 +53,64 @@
     <p:sldId id="348" r:id="rId47"/>
     <p:sldId id="349" r:id="rId48"/>
     <p:sldId id="350" r:id="rId49"/>
-    <p:sldId id="351" r:id="rId50"/>
-    <p:sldId id="352" r:id="rId51"/>
-    <p:sldId id="353" r:id="rId52"/>
-    <p:sldId id="354" r:id="rId53"/>
-    <p:sldId id="355" r:id="rId54"/>
-    <p:sldId id="356" r:id="rId55"/>
-    <p:sldId id="357" r:id="rId56"/>
-    <p:sldId id="364" r:id="rId57"/>
-    <p:sldId id="361" r:id="rId58"/>
-    <p:sldId id="362" r:id="rId59"/>
-    <p:sldId id="363" r:id="rId60"/>
-    <p:sldId id="360" r:id="rId61"/>
-    <p:sldId id="358" r:id="rId62"/>
-    <p:sldId id="365" r:id="rId63"/>
-    <p:sldId id="366" r:id="rId64"/>
-    <p:sldId id="367" r:id="rId65"/>
-    <p:sldId id="368" r:id="rId66"/>
-    <p:sldId id="369" r:id="rId67"/>
-    <p:sldId id="370" r:id="rId68"/>
-    <p:sldId id="371" r:id="rId69"/>
-    <p:sldId id="372" r:id="rId70"/>
-    <p:sldId id="373" r:id="rId71"/>
-    <p:sldId id="379" r:id="rId72"/>
-    <p:sldId id="380" r:id="rId73"/>
-    <p:sldId id="381" r:id="rId74"/>
-    <p:sldId id="382" r:id="rId75"/>
-    <p:sldId id="383" r:id="rId76"/>
-    <p:sldId id="374" r:id="rId77"/>
-    <p:sldId id="375" r:id="rId78"/>
-    <p:sldId id="376" r:id="rId79"/>
-    <p:sldId id="377" r:id="rId80"/>
-    <p:sldId id="378" r:id="rId81"/>
-    <p:sldId id="384" r:id="rId82"/>
-    <p:sldId id="385" r:id="rId83"/>
-    <p:sldId id="386" r:id="rId84"/>
-    <p:sldId id="387" r:id="rId85"/>
-    <p:sldId id="388" r:id="rId86"/>
-    <p:sldId id="389" r:id="rId87"/>
-    <p:sldId id="390" r:id="rId88"/>
-    <p:sldId id="391" r:id="rId89"/>
-    <p:sldId id="392" r:id="rId90"/>
-    <p:sldId id="393" r:id="rId91"/>
-    <p:sldId id="394" r:id="rId92"/>
-    <p:sldId id="395" r:id="rId93"/>
-    <p:sldId id="396" r:id="rId94"/>
-    <p:sldId id="397" r:id="rId95"/>
-    <p:sldId id="398" r:id="rId96"/>
-    <p:sldId id="399" r:id="rId97"/>
-    <p:sldId id="400" r:id="rId98"/>
-    <p:sldId id="401" r:id="rId99"/>
-    <p:sldId id="402" r:id="rId100"/>
-    <p:sldId id="403" r:id="rId101"/>
+    <p:sldId id="404" r:id="rId50"/>
+    <p:sldId id="351" r:id="rId51"/>
+    <p:sldId id="352" r:id="rId52"/>
+    <p:sldId id="405" r:id="rId53"/>
+    <p:sldId id="406" r:id="rId54"/>
+    <p:sldId id="353" r:id="rId55"/>
+    <p:sldId id="407" r:id="rId56"/>
+    <p:sldId id="408" r:id="rId57"/>
+    <p:sldId id="409" r:id="rId58"/>
+    <p:sldId id="410" r:id="rId59"/>
+    <p:sldId id="411" r:id="rId60"/>
+    <p:sldId id="412" r:id="rId61"/>
+    <p:sldId id="357" r:id="rId62"/>
+    <p:sldId id="364" r:id="rId63"/>
+    <p:sldId id="361" r:id="rId64"/>
+    <p:sldId id="362" r:id="rId65"/>
+    <p:sldId id="363" r:id="rId66"/>
+    <p:sldId id="360" r:id="rId67"/>
+    <p:sldId id="358" r:id="rId68"/>
+    <p:sldId id="365" r:id="rId69"/>
+    <p:sldId id="366" r:id="rId70"/>
+    <p:sldId id="367" r:id="rId71"/>
+    <p:sldId id="368" r:id="rId72"/>
+    <p:sldId id="369" r:id="rId73"/>
+    <p:sldId id="370" r:id="rId74"/>
+    <p:sldId id="371" r:id="rId75"/>
+    <p:sldId id="372" r:id="rId76"/>
+    <p:sldId id="373" r:id="rId77"/>
+    <p:sldId id="379" r:id="rId78"/>
+    <p:sldId id="380" r:id="rId79"/>
+    <p:sldId id="381" r:id="rId80"/>
+    <p:sldId id="382" r:id="rId81"/>
+    <p:sldId id="383" r:id="rId82"/>
+    <p:sldId id="374" r:id="rId83"/>
+    <p:sldId id="375" r:id="rId84"/>
+    <p:sldId id="376" r:id="rId85"/>
+    <p:sldId id="377" r:id="rId86"/>
+    <p:sldId id="378" r:id="rId87"/>
+    <p:sldId id="384" r:id="rId88"/>
+    <p:sldId id="385" r:id="rId89"/>
+    <p:sldId id="386" r:id="rId90"/>
+    <p:sldId id="387" r:id="rId91"/>
+    <p:sldId id="388" r:id="rId92"/>
+    <p:sldId id="389" r:id="rId93"/>
+    <p:sldId id="390" r:id="rId94"/>
+    <p:sldId id="391" r:id="rId95"/>
+    <p:sldId id="392" r:id="rId96"/>
+    <p:sldId id="393" r:id="rId97"/>
+    <p:sldId id="394" r:id="rId98"/>
+    <p:sldId id="395" r:id="rId99"/>
+    <p:sldId id="396" r:id="rId100"/>
+    <p:sldId id="397" r:id="rId101"/>
+    <p:sldId id="398" r:id="rId102"/>
+    <p:sldId id="399" r:id="rId103"/>
+    <p:sldId id="400" r:id="rId104"/>
+    <p:sldId id="401" r:id="rId105"/>
+    <p:sldId id="402" r:id="rId106"/>
+    <p:sldId id="403" r:id="rId107"/>
   </p:sldIdLst>
   <p:sldSz cx="12192000" cy="6858000"/>
   <p:notesSz cx="6858000" cy="9144000"/>
@@ -3718,6 +3724,817 @@
         </p:nvSpPr>
         <p:spPr>
           <a:xfrm>
+            <a:off x="0" y="360947"/>
+            <a:ext cx="12192000" cy="5710990"/>
+          </a:xfrm>
+        </p:spPr>
+        <p:txBody>
+          <a:bodyPr>
+            <a:normAutofit fontScale="92500" lnSpcReduction="10000"/>
+          </a:bodyPr>
+          <a:lstStyle/>
+          <a:p>
+            <a:pPr marL="0" indent="0" algn="ctr">
+              <a:buNone/>
+            </a:pPr>
+            <a:r>
+              <a:rPr lang="en-US" sz="6000" b="1" dirty="0"/>
+              <a:t>TRIAL 3</a:t>
+            </a:r>
+          </a:p>
+          <a:p>
+            <a:pPr marL="0" indent="0" algn="ctr">
+              <a:buNone/>
+            </a:pPr>
+            <a:r>
+              <a:rPr lang="en-US" sz="6000" b="1" dirty="0"/>
+              <a:t>BLOCK CRITERION + RANDOM (R) </a:t>
+            </a:r>
+          </a:p>
+          <a:p>
+            <a:pPr marL="0" indent="0" algn="ctr">
+              <a:buNone/>
+            </a:pPr>
+            <a:r>
+              <a:rPr lang="en-US" sz="6000" dirty="0"/>
+              <a:t>Enclosure: Circle</a:t>
+            </a:r>
+          </a:p>
+          <a:p>
+            <a:pPr marL="0" indent="0" algn="ctr">
+              <a:buNone/>
+            </a:pPr>
+            <a:r>
+              <a:rPr lang="en-US" sz="6000" dirty="0"/>
+              <a:t>All Goals: (V: Cube + Apple, I: Sphere)</a:t>
+            </a:r>
+          </a:p>
+          <a:p>
+            <a:pPr marL="0" indent="0" algn="ctr">
+              <a:buNone/>
+            </a:pPr>
+            <a:r>
+              <a:rPr lang="en-US" sz="6000" dirty="0"/>
+              <a:t>Quota = 3</a:t>
+            </a:r>
+          </a:p>
+          <a:p>
+            <a:pPr marL="0" indent="0" algn="ctr">
+              <a:buNone/>
+            </a:pPr>
+            <a:r>
+              <a:rPr lang="en-US" sz="6000" dirty="0"/>
+              <a:t>Landmarks: All</a:t>
+            </a:r>
+          </a:p>
+          <a:p>
+            <a:pPr marL="0" indent="0" algn="ctr">
+              <a:buNone/>
+            </a:pPr>
+            <a:r>
+              <a:rPr lang="en-US" sz="6000" dirty="0"/>
+              <a:t>Scene #3</a:t>
+            </a:r>
+          </a:p>
+        </p:txBody>
+      </p:sp>
+    </p:spTree>
+    <p:extLst>
+      <p:ext uri="{BB962C8B-B14F-4D97-AF65-F5344CB8AC3E}">
+        <p14:creationId xmlns:p14="http://schemas.microsoft.com/office/powerpoint/2010/main" val="3914449700"/>
+      </p:ext>
+    </p:extLst>
+  </p:cSld>
+  <p:clrMapOvr>
+    <a:masterClrMapping/>
+  </p:clrMapOvr>
+</p:sld>
+</file>
+
+<file path=ppt/slides/slide101.xml><?xml version="1.0" encoding="utf-8"?>
+<p:sld xmlns:a="http://schemas.openxmlformats.org/drawingml/2006/main" xmlns:r="http://schemas.openxmlformats.org/officeDocument/2006/relationships" xmlns:p="http://schemas.openxmlformats.org/presentationml/2006/main">
+  <p:cSld>
+    <p:spTree>
+      <p:nvGrpSpPr>
+        <p:cNvPr id="1" name=""/>
+        <p:cNvGrpSpPr/>
+        <p:nvPr/>
+      </p:nvGrpSpPr>
+      <p:grpSpPr>
+        <a:xfrm>
+          <a:off x="0" y="0"/>
+          <a:ext cx="0" cy="0"/>
+          <a:chOff x="0" y="0"/>
+          <a:chExt cx="0" cy="0"/>
+        </a:xfrm>
+      </p:grpSpPr>
+      <p:sp>
+        <p:nvSpPr>
+          <p:cNvPr id="3" name="Content Placeholder 2">
+            <a:extLst>
+              <a:ext uri="{FF2B5EF4-FFF2-40B4-BE49-F238E27FC236}">
+                <a16:creationId xmlns:a16="http://schemas.microsoft.com/office/drawing/2014/main" id="{22D632B1-FAA3-4BF6-8228-E17DFD494D6A}"/>
+              </a:ext>
+            </a:extLst>
+          </p:cNvPr>
+          <p:cNvSpPr>
+            <a:spLocks noGrp="1"/>
+          </p:cNvSpPr>
+          <p:nvPr>
+            <p:ph idx="1"/>
+          </p:nvPr>
+        </p:nvSpPr>
+        <p:spPr>
+          <a:xfrm>
+            <a:off x="0" y="240633"/>
+            <a:ext cx="12192000" cy="6424862"/>
+          </a:xfrm>
+        </p:spPr>
+        <p:txBody>
+          <a:bodyPr>
+            <a:normAutofit lnSpcReduction="10000"/>
+          </a:bodyPr>
+          <a:lstStyle/>
+          <a:p>
+            <a:pPr marL="0" indent="0" algn="ctr">
+              <a:buNone/>
+            </a:pPr>
+            <a:r>
+              <a:rPr lang="en-US" sz="6000" b="1" dirty="0"/>
+              <a:t>TRIAL 4 </a:t>
+            </a:r>
+          </a:p>
+          <a:p>
+            <a:pPr marL="0" indent="0" algn="ctr">
+              <a:buNone/>
+            </a:pPr>
+            <a:r>
+              <a:rPr lang="en-US" sz="6000" b="1" dirty="0"/>
+              <a:t>BLOCK CRITERION + RANDOM (R) </a:t>
+            </a:r>
+          </a:p>
+          <a:p>
+            <a:pPr marL="0" indent="0" algn="ctr">
+              <a:buNone/>
+            </a:pPr>
+            <a:r>
+              <a:rPr lang="en-US" sz="6000" dirty="0"/>
+              <a:t>Enclosure: Invisible Floor</a:t>
+            </a:r>
+          </a:p>
+          <a:p>
+            <a:pPr marL="0" indent="0" algn="ctr">
+              <a:buNone/>
+            </a:pPr>
+            <a:r>
+              <a:rPr lang="en-US" sz="6000" dirty="0"/>
+              <a:t>All Goals: (V: Sphere, I: Water)</a:t>
+            </a:r>
+          </a:p>
+          <a:p>
+            <a:pPr marL="0" indent="0" algn="ctr">
+              <a:buNone/>
+            </a:pPr>
+            <a:r>
+              <a:rPr lang="en-US" sz="6000" dirty="0"/>
+              <a:t>Quota = 2</a:t>
+            </a:r>
+          </a:p>
+          <a:p>
+            <a:pPr marL="0" indent="0" algn="ctr">
+              <a:buNone/>
+            </a:pPr>
+            <a:r>
+              <a:rPr lang="en-US" sz="6000" dirty="0"/>
+              <a:t>Landmarks: All</a:t>
+            </a:r>
+          </a:p>
+          <a:p>
+            <a:pPr marL="0" indent="0" algn="ctr">
+              <a:buNone/>
+            </a:pPr>
+            <a:r>
+              <a:rPr lang="en-US" sz="6000" dirty="0"/>
+              <a:t>Scene #3</a:t>
+            </a:r>
+          </a:p>
+        </p:txBody>
+      </p:sp>
+    </p:spTree>
+    <p:extLst>
+      <p:ext uri="{BB962C8B-B14F-4D97-AF65-F5344CB8AC3E}">
+        <p14:creationId xmlns:p14="http://schemas.microsoft.com/office/powerpoint/2010/main" val="1382452850"/>
+      </p:ext>
+    </p:extLst>
+  </p:cSld>
+  <p:clrMapOvr>
+    <a:masterClrMapping/>
+  </p:clrMapOvr>
+</p:sld>
+</file>
+
+<file path=ppt/slides/slide102.xml><?xml version="1.0" encoding="utf-8"?>
+<p:sld xmlns:a="http://schemas.openxmlformats.org/drawingml/2006/main" xmlns:r="http://schemas.openxmlformats.org/officeDocument/2006/relationships" xmlns:p="http://schemas.openxmlformats.org/presentationml/2006/main">
+  <p:cSld>
+    <p:spTree>
+      <p:nvGrpSpPr>
+        <p:cNvPr id="1" name=""/>
+        <p:cNvGrpSpPr/>
+        <p:nvPr/>
+      </p:nvGrpSpPr>
+      <p:grpSpPr>
+        <a:xfrm>
+          <a:off x="0" y="0"/>
+          <a:ext cx="0" cy="0"/>
+          <a:chOff x="0" y="0"/>
+          <a:chExt cx="0" cy="0"/>
+        </a:xfrm>
+      </p:grpSpPr>
+      <p:sp>
+        <p:nvSpPr>
+          <p:cNvPr id="4" name="Rectangle 3">
+            <a:extLst>
+              <a:ext uri="{FF2B5EF4-FFF2-40B4-BE49-F238E27FC236}">
+                <a16:creationId xmlns:a16="http://schemas.microsoft.com/office/drawing/2014/main" id="{EEA24FE4-CF88-4576-8D74-4D4BF0A7AC43}"/>
+              </a:ext>
+            </a:extLst>
+          </p:cNvPr>
+          <p:cNvSpPr/>
+          <p:nvPr/>
+        </p:nvSpPr>
+        <p:spPr>
+          <a:xfrm>
+            <a:off x="0" y="0"/>
+            <a:ext cx="12192000" cy="6858000"/>
+          </a:xfrm>
+          <a:prstGeom prst="rect">
+            <a:avLst/>
+          </a:prstGeom>
+          <a:solidFill>
+            <a:srgbClr val="F1CB68"/>
+          </a:solidFill>
+        </p:spPr>
+        <p:style>
+          <a:lnRef idx="2">
+            <a:schemeClr val="accent1">
+              <a:shade val="50000"/>
+            </a:schemeClr>
+          </a:lnRef>
+          <a:fillRef idx="1">
+            <a:schemeClr val="accent1"/>
+          </a:fillRef>
+          <a:effectRef idx="0">
+            <a:schemeClr val="accent1"/>
+          </a:effectRef>
+          <a:fontRef idx="minor">
+            <a:schemeClr val="lt1"/>
+          </a:fontRef>
+        </p:style>
+        <p:txBody>
+          <a:bodyPr rtlCol="0" anchor="ctr"/>
+          <a:lstStyle/>
+          <a:p>
+            <a:pPr algn="ctr"/>
+            <a:endParaRPr lang="en-US"/>
+          </a:p>
+        </p:txBody>
+      </p:sp>
+      <p:sp>
+        <p:nvSpPr>
+          <p:cNvPr id="3" name="Content Placeholder 2">
+            <a:extLst>
+              <a:ext uri="{FF2B5EF4-FFF2-40B4-BE49-F238E27FC236}">
+                <a16:creationId xmlns:a16="http://schemas.microsoft.com/office/drawing/2014/main" id="{22D632B1-FAA3-4BF6-8228-E17DFD494D6A}"/>
+              </a:ext>
+            </a:extLst>
+          </p:cNvPr>
+          <p:cNvSpPr>
+            <a:spLocks noGrp="1"/>
+          </p:cNvSpPr>
+          <p:nvPr>
+            <p:ph idx="1"/>
+          </p:nvPr>
+        </p:nvSpPr>
+        <p:spPr>
+          <a:xfrm>
+            <a:off x="0" y="1825625"/>
+            <a:ext cx="12192000" cy="3275764"/>
+          </a:xfrm>
+        </p:spPr>
+        <p:txBody>
+          <a:bodyPr>
+            <a:normAutofit/>
+          </a:bodyPr>
+          <a:lstStyle/>
+          <a:p>
+            <a:pPr marL="0" indent="0" algn="ctr">
+              <a:buNone/>
+            </a:pPr>
+            <a:r>
+              <a:rPr lang="en-US" sz="6000" b="1" dirty="0">
+                <a:solidFill>
+                  <a:schemeClr val="bg1"/>
+                </a:solidFill>
+              </a:rPr>
+              <a:t>TESTING BLOCKS</a:t>
+            </a:r>
+          </a:p>
+          <a:p>
+            <a:pPr marL="0" indent="0" algn="ctr">
+              <a:buNone/>
+            </a:pPr>
+            <a:r>
+              <a:rPr lang="en-US" sz="6000" b="1" dirty="0">
+                <a:solidFill>
+                  <a:schemeClr val="bg1"/>
+                </a:solidFill>
+              </a:rPr>
+              <a:t>BLOCK Criterion = 3</a:t>
+            </a:r>
+          </a:p>
+          <a:p>
+            <a:pPr marL="0" indent="0" algn="ctr">
+              <a:buNone/>
+            </a:pPr>
+            <a:r>
+              <a:rPr lang="en-US" sz="6000" b="1" dirty="0">
+                <a:solidFill>
+                  <a:schemeClr val="bg1"/>
+                </a:solidFill>
+              </a:rPr>
+              <a:t>RANDOM (NO R) 4 Trial – Test</a:t>
+            </a:r>
+            <a:endParaRPr lang="en-US" sz="6000" dirty="0">
+              <a:solidFill>
+                <a:schemeClr val="bg1"/>
+              </a:solidFill>
+            </a:endParaRPr>
+          </a:p>
+        </p:txBody>
+      </p:sp>
+      <p:sp>
+        <p:nvSpPr>
+          <p:cNvPr id="5" name="Rectangle 4">
+            <a:extLst>
+              <a:ext uri="{FF2B5EF4-FFF2-40B4-BE49-F238E27FC236}">
+                <a16:creationId xmlns:a16="http://schemas.microsoft.com/office/drawing/2014/main" id="{B88DD02E-DCFD-45EE-9598-68240FEFC8EB}"/>
+              </a:ext>
+            </a:extLst>
+          </p:cNvPr>
+          <p:cNvSpPr/>
+          <p:nvPr/>
+        </p:nvSpPr>
+        <p:spPr>
+          <a:xfrm>
+            <a:off x="3172326" y="5403834"/>
+            <a:ext cx="5847347" cy="866274"/>
+          </a:xfrm>
+          <a:prstGeom prst="rect">
+            <a:avLst/>
+          </a:prstGeom>
+        </p:spPr>
+        <p:style>
+          <a:lnRef idx="2">
+            <a:schemeClr val="dk1">
+              <a:shade val="50000"/>
+            </a:schemeClr>
+          </a:lnRef>
+          <a:fillRef idx="1">
+            <a:schemeClr val="dk1"/>
+          </a:fillRef>
+          <a:effectRef idx="0">
+            <a:schemeClr val="dk1"/>
+          </a:effectRef>
+          <a:fontRef idx="minor">
+            <a:schemeClr val="lt1"/>
+          </a:fontRef>
+        </p:style>
+        <p:txBody>
+          <a:bodyPr rtlCol="0" anchor="ctr"/>
+          <a:lstStyle/>
+          <a:p>
+            <a:pPr algn="ctr"/>
+            <a:r>
+              <a:rPr lang="en-US" sz="3200" b="1" dirty="0"/>
+              <a:t>PRESS SPACE TO BEGIN TEST</a:t>
+            </a:r>
+          </a:p>
+        </p:txBody>
+      </p:sp>
+    </p:spTree>
+    <p:extLst>
+      <p:ext uri="{BB962C8B-B14F-4D97-AF65-F5344CB8AC3E}">
+        <p14:creationId xmlns:p14="http://schemas.microsoft.com/office/powerpoint/2010/main" val="3207918826"/>
+      </p:ext>
+    </p:extLst>
+  </p:cSld>
+  <p:clrMapOvr>
+    <a:masterClrMapping/>
+  </p:clrMapOvr>
+</p:sld>
+</file>
+
+<file path=ppt/slides/slide103.xml><?xml version="1.0" encoding="utf-8"?>
+<p:sld xmlns:a="http://schemas.openxmlformats.org/drawingml/2006/main" xmlns:r="http://schemas.openxmlformats.org/officeDocument/2006/relationships" xmlns:p="http://schemas.openxmlformats.org/presentationml/2006/main">
+  <p:cSld>
+    <p:spTree>
+      <p:nvGrpSpPr>
+        <p:cNvPr id="1" name=""/>
+        <p:cNvGrpSpPr/>
+        <p:nvPr/>
+      </p:nvGrpSpPr>
+      <p:grpSpPr>
+        <a:xfrm>
+          <a:off x="0" y="0"/>
+          <a:ext cx="0" cy="0"/>
+          <a:chOff x="0" y="0"/>
+          <a:chExt cx="0" cy="0"/>
+        </a:xfrm>
+      </p:grpSpPr>
+      <p:sp>
+        <p:nvSpPr>
+          <p:cNvPr id="3" name="Content Placeholder 2">
+            <a:extLst>
+              <a:ext uri="{FF2B5EF4-FFF2-40B4-BE49-F238E27FC236}">
+                <a16:creationId xmlns:a16="http://schemas.microsoft.com/office/drawing/2014/main" id="{22D632B1-FAA3-4BF6-8228-E17DFD494D6A}"/>
+              </a:ext>
+            </a:extLst>
+          </p:cNvPr>
+          <p:cNvSpPr>
+            <a:spLocks noGrp="1"/>
+          </p:cNvSpPr>
+          <p:nvPr>
+            <p:ph idx="1"/>
+          </p:nvPr>
+        </p:nvSpPr>
+        <p:spPr>
+          <a:xfrm>
+            <a:off x="0" y="834189"/>
+            <a:ext cx="12192000" cy="5478379"/>
+          </a:xfrm>
+        </p:spPr>
+        <p:txBody>
+          <a:bodyPr>
+            <a:normAutofit fontScale="92500" lnSpcReduction="20000"/>
+          </a:bodyPr>
+          <a:lstStyle/>
+          <a:p>
+            <a:pPr marL="0" indent="0" algn="ctr">
+              <a:buNone/>
+            </a:pPr>
+            <a:r>
+              <a:rPr lang="en-US" sz="6000" b="1" dirty="0"/>
+              <a:t>TRIAL 1 </a:t>
+            </a:r>
+          </a:p>
+          <a:p>
+            <a:pPr marL="0" indent="0" algn="ctr">
+              <a:buNone/>
+            </a:pPr>
+            <a:r>
+              <a:rPr lang="en-US" sz="6000" b="1" dirty="0"/>
+              <a:t>BLOCK CRITERION + RANDOM (NO R) </a:t>
+            </a:r>
+          </a:p>
+          <a:p>
+            <a:pPr marL="0" indent="0" algn="ctr">
+              <a:buNone/>
+            </a:pPr>
+            <a:r>
+              <a:rPr lang="en-US" sz="6000" dirty="0"/>
+              <a:t>Enclosure: Invisible Floor</a:t>
+            </a:r>
+          </a:p>
+          <a:p>
+            <a:pPr marL="0" indent="0" algn="ctr">
+              <a:buNone/>
+            </a:pPr>
+            <a:r>
+              <a:rPr lang="en-US" sz="6000" dirty="0"/>
+              <a:t>All Goals: (V: Water, I: Water, Cube)</a:t>
+            </a:r>
+          </a:p>
+          <a:p>
+            <a:pPr marL="0" indent="0" algn="ctr">
+              <a:buNone/>
+            </a:pPr>
+            <a:r>
+              <a:rPr lang="en-US" sz="6000" dirty="0"/>
+              <a:t>Quota = 2</a:t>
+            </a:r>
+          </a:p>
+          <a:p>
+            <a:pPr marL="0" indent="0" algn="ctr">
+              <a:buNone/>
+            </a:pPr>
+            <a:r>
+              <a:rPr lang="en-US" sz="6000" dirty="0"/>
+              <a:t>Landmarks: All</a:t>
+            </a:r>
+          </a:p>
+          <a:p>
+            <a:pPr marL="0" indent="0" algn="ctr">
+              <a:buNone/>
+            </a:pPr>
+            <a:r>
+              <a:rPr lang="en-US" sz="6000" dirty="0"/>
+              <a:t>Scene #3</a:t>
+            </a:r>
+          </a:p>
+        </p:txBody>
+      </p:sp>
+    </p:spTree>
+    <p:extLst>
+      <p:ext uri="{BB962C8B-B14F-4D97-AF65-F5344CB8AC3E}">
+        <p14:creationId xmlns:p14="http://schemas.microsoft.com/office/powerpoint/2010/main" val="371838029"/>
+      </p:ext>
+    </p:extLst>
+  </p:cSld>
+  <p:clrMapOvr>
+    <a:masterClrMapping/>
+  </p:clrMapOvr>
+</p:sld>
+</file>
+
+<file path=ppt/slides/slide104.xml><?xml version="1.0" encoding="utf-8"?>
+<p:sld xmlns:a="http://schemas.openxmlformats.org/drawingml/2006/main" xmlns:r="http://schemas.openxmlformats.org/officeDocument/2006/relationships" xmlns:p="http://schemas.openxmlformats.org/presentationml/2006/main">
+  <p:cSld>
+    <p:spTree>
+      <p:nvGrpSpPr>
+        <p:cNvPr id="1" name=""/>
+        <p:cNvGrpSpPr/>
+        <p:nvPr/>
+      </p:nvGrpSpPr>
+      <p:grpSpPr>
+        <a:xfrm>
+          <a:off x="0" y="0"/>
+          <a:ext cx="0" cy="0"/>
+          <a:chOff x="0" y="0"/>
+          <a:chExt cx="0" cy="0"/>
+        </a:xfrm>
+      </p:grpSpPr>
+      <p:sp>
+        <p:nvSpPr>
+          <p:cNvPr id="3" name="Content Placeholder 2">
+            <a:extLst>
+              <a:ext uri="{FF2B5EF4-FFF2-40B4-BE49-F238E27FC236}">
+                <a16:creationId xmlns:a16="http://schemas.microsoft.com/office/drawing/2014/main" id="{22D632B1-FAA3-4BF6-8228-E17DFD494D6A}"/>
+              </a:ext>
+            </a:extLst>
+          </p:cNvPr>
+          <p:cNvSpPr>
+            <a:spLocks noGrp="1"/>
+          </p:cNvSpPr>
+          <p:nvPr>
+            <p:ph idx="1"/>
+          </p:nvPr>
+        </p:nvSpPr>
+        <p:spPr>
+          <a:xfrm>
+            <a:off x="0" y="1126958"/>
+            <a:ext cx="12192000" cy="5273841"/>
+          </a:xfrm>
+        </p:spPr>
+        <p:txBody>
+          <a:bodyPr>
+            <a:normAutofit fontScale="92500" lnSpcReduction="20000"/>
+          </a:bodyPr>
+          <a:lstStyle/>
+          <a:p>
+            <a:pPr marL="0" indent="0" algn="ctr">
+              <a:buNone/>
+            </a:pPr>
+            <a:r>
+              <a:rPr lang="en-US" sz="6000" b="1" dirty="0"/>
+              <a:t>TRIAL 2 </a:t>
+            </a:r>
+          </a:p>
+          <a:p>
+            <a:pPr marL="0" indent="0" algn="ctr">
+              <a:buNone/>
+            </a:pPr>
+            <a:r>
+              <a:rPr lang="en-US" sz="6000" b="1" dirty="0"/>
+              <a:t>BLOCK CRITERION + RANDOM (NO R) </a:t>
+            </a:r>
+          </a:p>
+          <a:p>
+            <a:pPr marL="0" indent="0" algn="ctr">
+              <a:buNone/>
+            </a:pPr>
+            <a:r>
+              <a:rPr lang="en-US" sz="6000" dirty="0"/>
+              <a:t>Enclosure: Square</a:t>
+            </a:r>
+          </a:p>
+          <a:p>
+            <a:pPr marL="0" indent="0" algn="ctr">
+              <a:buNone/>
+            </a:pPr>
+            <a:r>
+              <a:rPr lang="en-US" sz="6000" dirty="0"/>
+              <a:t>All Goals: All Active</a:t>
+            </a:r>
+          </a:p>
+          <a:p>
+            <a:pPr marL="0" indent="0" algn="ctr">
+              <a:buNone/>
+            </a:pPr>
+            <a:r>
+              <a:rPr lang="en-US" sz="6000" dirty="0"/>
+              <a:t>Quota = 4</a:t>
+            </a:r>
+          </a:p>
+          <a:p>
+            <a:pPr marL="0" indent="0" algn="ctr">
+              <a:buNone/>
+            </a:pPr>
+            <a:r>
+              <a:rPr lang="en-US" sz="6000" dirty="0"/>
+              <a:t>Landmarks: All</a:t>
+            </a:r>
+          </a:p>
+          <a:p>
+            <a:pPr marL="0" indent="0" algn="ctr">
+              <a:buNone/>
+            </a:pPr>
+            <a:r>
+              <a:rPr lang="en-US" sz="6000" dirty="0"/>
+              <a:t>Scene #2</a:t>
+            </a:r>
+          </a:p>
+        </p:txBody>
+      </p:sp>
+    </p:spTree>
+    <p:extLst>
+      <p:ext uri="{BB962C8B-B14F-4D97-AF65-F5344CB8AC3E}">
+        <p14:creationId xmlns:p14="http://schemas.microsoft.com/office/powerpoint/2010/main" val="1289265825"/>
+      </p:ext>
+    </p:extLst>
+  </p:cSld>
+  <p:clrMapOvr>
+    <a:masterClrMapping/>
+  </p:clrMapOvr>
+</p:sld>
+</file>
+
+<file path=ppt/slides/slide105.xml><?xml version="1.0" encoding="utf-8"?>
+<p:sld xmlns:a="http://schemas.openxmlformats.org/drawingml/2006/main" xmlns:r="http://schemas.openxmlformats.org/officeDocument/2006/relationships" xmlns:p="http://schemas.openxmlformats.org/presentationml/2006/main">
+  <p:cSld>
+    <p:spTree>
+      <p:nvGrpSpPr>
+        <p:cNvPr id="1" name=""/>
+        <p:cNvGrpSpPr/>
+        <p:nvPr/>
+      </p:nvGrpSpPr>
+      <p:grpSpPr>
+        <a:xfrm>
+          <a:off x="0" y="0"/>
+          <a:ext cx="0" cy="0"/>
+          <a:chOff x="0" y="0"/>
+          <a:chExt cx="0" cy="0"/>
+        </a:xfrm>
+      </p:grpSpPr>
+      <p:sp>
+        <p:nvSpPr>
+          <p:cNvPr id="3" name="Content Placeholder 2">
+            <a:extLst>
+              <a:ext uri="{FF2B5EF4-FFF2-40B4-BE49-F238E27FC236}">
+                <a16:creationId xmlns:a16="http://schemas.microsoft.com/office/drawing/2014/main" id="{22D632B1-FAA3-4BF6-8228-E17DFD494D6A}"/>
+              </a:ext>
+            </a:extLst>
+          </p:cNvPr>
+          <p:cNvSpPr>
+            <a:spLocks noGrp="1"/>
+          </p:cNvSpPr>
+          <p:nvPr>
+            <p:ph idx="1"/>
+          </p:nvPr>
+        </p:nvSpPr>
+        <p:spPr>
+          <a:xfrm>
+            <a:off x="0" y="360947"/>
+            <a:ext cx="12192000" cy="5710990"/>
+          </a:xfrm>
+        </p:spPr>
+        <p:txBody>
+          <a:bodyPr>
+            <a:normAutofit fontScale="92500" lnSpcReduction="10000"/>
+          </a:bodyPr>
+          <a:lstStyle/>
+          <a:p>
+            <a:pPr marL="0" indent="0" algn="ctr">
+              <a:buNone/>
+            </a:pPr>
+            <a:r>
+              <a:rPr lang="en-US" sz="6000" b="1" dirty="0"/>
+              <a:t>TRIAL 3</a:t>
+            </a:r>
+          </a:p>
+          <a:p>
+            <a:pPr marL="0" indent="0" algn="ctr">
+              <a:buNone/>
+            </a:pPr>
+            <a:r>
+              <a:rPr lang="en-US" sz="6000" b="1" dirty="0"/>
+              <a:t>BLOCK CRITERION + RANDOM (NO R) </a:t>
+            </a:r>
+          </a:p>
+          <a:p>
+            <a:pPr marL="0" indent="0" algn="ctr">
+              <a:buNone/>
+            </a:pPr>
+            <a:r>
+              <a:rPr lang="en-US" sz="6000" dirty="0"/>
+              <a:t>Enclosure: Circle</a:t>
+            </a:r>
+          </a:p>
+          <a:p>
+            <a:pPr marL="0" indent="0" algn="ctr">
+              <a:buNone/>
+            </a:pPr>
+            <a:r>
+              <a:rPr lang="en-US" sz="6000" dirty="0"/>
+              <a:t>All Goals: (V: Cube + Apple, I: Sphere)</a:t>
+            </a:r>
+          </a:p>
+          <a:p>
+            <a:pPr marL="0" indent="0" algn="ctr">
+              <a:buNone/>
+            </a:pPr>
+            <a:r>
+              <a:rPr lang="en-US" sz="6000" dirty="0"/>
+              <a:t>Quota = 3</a:t>
+            </a:r>
+          </a:p>
+          <a:p>
+            <a:pPr marL="0" indent="0" algn="ctr">
+              <a:buNone/>
+            </a:pPr>
+            <a:r>
+              <a:rPr lang="en-US" sz="6000" dirty="0"/>
+              <a:t>Landmarks: All</a:t>
+            </a:r>
+          </a:p>
+          <a:p>
+            <a:pPr marL="0" indent="0" algn="ctr">
+              <a:buNone/>
+            </a:pPr>
+            <a:r>
+              <a:rPr lang="en-US" sz="6000" dirty="0"/>
+              <a:t>Scene #3</a:t>
+            </a:r>
+          </a:p>
+        </p:txBody>
+      </p:sp>
+    </p:spTree>
+    <p:extLst>
+      <p:ext uri="{BB962C8B-B14F-4D97-AF65-F5344CB8AC3E}">
+        <p14:creationId xmlns:p14="http://schemas.microsoft.com/office/powerpoint/2010/main" val="1318783954"/>
+      </p:ext>
+    </p:extLst>
+  </p:cSld>
+  <p:clrMapOvr>
+    <a:masterClrMapping/>
+  </p:clrMapOvr>
+</p:sld>
+</file>
+
+<file path=ppt/slides/slide106.xml><?xml version="1.0" encoding="utf-8"?>
+<p:sld xmlns:a="http://schemas.openxmlformats.org/drawingml/2006/main" xmlns:r="http://schemas.openxmlformats.org/officeDocument/2006/relationships" xmlns:p="http://schemas.openxmlformats.org/presentationml/2006/main">
+  <p:cSld>
+    <p:spTree>
+      <p:nvGrpSpPr>
+        <p:cNvPr id="1" name=""/>
+        <p:cNvGrpSpPr/>
+        <p:nvPr/>
+      </p:nvGrpSpPr>
+      <p:grpSpPr>
+        <a:xfrm>
+          <a:off x="0" y="0"/>
+          <a:ext cx="0" cy="0"/>
+          <a:chOff x="0" y="0"/>
+          <a:chExt cx="0" cy="0"/>
+        </a:xfrm>
+      </p:grpSpPr>
+      <p:sp>
+        <p:nvSpPr>
+          <p:cNvPr id="3" name="Content Placeholder 2">
+            <a:extLst>
+              <a:ext uri="{FF2B5EF4-FFF2-40B4-BE49-F238E27FC236}">
+                <a16:creationId xmlns:a16="http://schemas.microsoft.com/office/drawing/2014/main" id="{22D632B1-FAA3-4BF6-8228-E17DFD494D6A}"/>
+              </a:ext>
+            </a:extLst>
+          </p:cNvPr>
+          <p:cNvSpPr>
+            <a:spLocks noGrp="1"/>
+          </p:cNvSpPr>
+          <p:nvPr>
+            <p:ph idx="1"/>
+          </p:nvPr>
+        </p:nvSpPr>
+        <p:spPr>
+          <a:xfrm>
             <a:off x="0" y="240633"/>
             <a:ext cx="12192000" cy="6424862"/>
           </a:xfrm>
@@ -4467,7 +5284,7 @@
             </a:pPr>
             <a:r>
               <a:rPr lang="en-US" sz="6000" dirty="0"/>
-              <a:t>Scene #3</a:t>
+              <a:t>Scene #2</a:t>
             </a:r>
           </a:p>
         </p:txBody>
@@ -4659,7 +5476,7 @@
             </a:pPr>
             <a:r>
               <a:rPr lang="en-US" sz="6000" dirty="0"/>
-              <a:t>Scene #3</a:t>
+              <a:t>Scene #2</a:t>
             </a:r>
           </a:p>
         </p:txBody>
@@ -4851,7 +5668,7 @@
             </a:pPr>
             <a:r>
               <a:rPr lang="en-US" sz="6000" dirty="0"/>
-              <a:t>Scene #3</a:t>
+              <a:t>Scene #2</a:t>
             </a:r>
           </a:p>
         </p:txBody>
@@ -5139,7 +5956,7 @@
             </a:pPr>
             <a:r>
               <a:rPr lang="en-US" sz="6000" dirty="0"/>
-              <a:t>Scene #3</a:t>
+              <a:t>Scene #2</a:t>
             </a:r>
           </a:p>
         </p:txBody>
@@ -5340,7 +6157,7 @@
             </a:pPr>
             <a:r>
               <a:rPr lang="en-US" sz="6000" dirty="0"/>
-              <a:t>Scene #3</a:t>
+              <a:t>Scene #2</a:t>
             </a:r>
           </a:p>
         </p:txBody>
@@ -5540,7 +6357,7 @@
             </a:pPr>
             <a:r>
               <a:rPr lang="en-US" sz="6000" dirty="0"/>
-              <a:t>Scene #3</a:t>
+              <a:t>Scene #2</a:t>
             </a:r>
           </a:p>
         </p:txBody>
@@ -5748,7 +6565,7 @@
             </a:pPr>
             <a:r>
               <a:rPr lang="en-US" sz="6000" dirty="0"/>
-              <a:t>Scene #3</a:t>
+              <a:t>Scene #2</a:t>
             </a:r>
           </a:p>
         </p:txBody>
@@ -6204,7 +7021,7 @@
             </a:pPr>
             <a:r>
               <a:rPr lang="en-US" sz="6000" dirty="0"/>
-              <a:t>Scene #3</a:t>
+              <a:t>Scene #2</a:t>
             </a:r>
           </a:p>
         </p:txBody>
@@ -6378,7 +7195,7 @@
             </a:pPr>
             <a:r>
               <a:rPr lang="en-US" sz="6000" dirty="0"/>
-              <a:t>Scene #3</a:t>
+              <a:t>Scene #2</a:t>
             </a:r>
           </a:p>
         </p:txBody>
@@ -8775,7 +9592,7 @@
             </a:pPr>
             <a:r>
               <a:rPr lang="en-US" sz="6000" dirty="0"/>
-              <a:t>Scene #3</a:t>
+              <a:t>Scene #2</a:t>
             </a:r>
           </a:p>
         </p:txBody>
@@ -9022,7 +9839,7 @@
                   <a:schemeClr val="bg1"/>
                 </a:solidFill>
               </a:rPr>
-              <a:t>Randomization w/ Replacement</a:t>
+              <a:t>Random w/ Replacement (5x)</a:t>
             </a:r>
             <a:endParaRPr lang="en-US" sz="6000" dirty="0">
               <a:solidFill>
@@ -9144,17 +9961,23 @@
             </a:pPr>
             <a:r>
               <a:rPr lang="en-US" sz="6000" b="1" dirty="0"/>
-              <a:t>Randomization – W/ Replacement</a:t>
-            </a:r>
-          </a:p>
-          <a:p>
-            <a:pPr marL="0" indent="0" algn="ctr">
-              <a:buNone/>
-            </a:pPr>
-            <a:r>
-              <a:rPr lang="en-US" sz="6000" dirty="0"/>
-              <a:t>Order 1</a:t>
-            </a:r>
+              <a:t>Random – W/ Replacement (5x)</a:t>
+            </a:r>
+          </a:p>
+          <a:p>
+            <a:pPr marL="0" indent="0" algn="ctr">
+              <a:buNone/>
+            </a:pPr>
+            <a:r>
+              <a:rPr lang="en-US" sz="6000" dirty="0"/>
+              <a:t>Order 1 – Trial 1 of 1</a:t>
+            </a:r>
+          </a:p>
+          <a:p>
+            <a:pPr marL="0" indent="0" algn="ctr">
+              <a:buNone/>
+            </a:pPr>
+            <a:endParaRPr lang="en-US" sz="6000" dirty="0"/>
           </a:p>
         </p:txBody>
       </p:sp>
@@ -9221,16 +10044,16 @@
             </a:pPr>
             <a:r>
               <a:rPr lang="en-US" sz="6000" b="1" dirty="0"/>
-              <a:t>Randomization – W/ Replacement</a:t>
-            </a:r>
-          </a:p>
-          <a:p>
-            <a:pPr marL="0" indent="0" algn="ctr">
-              <a:buNone/>
-            </a:pPr>
-            <a:r>
-              <a:rPr lang="en-US" sz="6000" dirty="0"/>
-              <a:t>Order 2</a:t>
+              <a:t>Random – W/ Replacement (5x)</a:t>
+            </a:r>
+          </a:p>
+          <a:p>
+            <a:pPr marL="0" indent="0" algn="ctr">
+              <a:buNone/>
+            </a:pPr>
+            <a:r>
+              <a:rPr lang="en-US" sz="6000" dirty="0"/>
+              <a:t>Order 2 – Trial 1 of 2</a:t>
             </a:r>
           </a:p>
         </p:txBody>
@@ -9238,7 +10061,7 @@
     </p:spTree>
     <p:extLst>
       <p:ext uri="{BB962C8B-B14F-4D97-AF65-F5344CB8AC3E}">
-        <p14:creationId xmlns:p14="http://schemas.microsoft.com/office/powerpoint/2010/main" val="1366274273"/>
+        <p14:creationId xmlns:p14="http://schemas.microsoft.com/office/powerpoint/2010/main" val="3126497530"/>
       </p:ext>
     </p:extLst>
   </p:cSld>
@@ -9376,16 +10199,16 @@
             </a:pPr>
             <a:r>
               <a:rPr lang="en-US" sz="6000" b="1" dirty="0"/>
-              <a:t>Randomization – W/ Replacement</a:t>
-            </a:r>
-          </a:p>
-          <a:p>
-            <a:pPr marL="0" indent="0" algn="ctr">
-              <a:buNone/>
-            </a:pPr>
-            <a:r>
-              <a:rPr lang="en-US" sz="6000" dirty="0"/>
-              <a:t>Order 3</a:t>
+              <a:t>Random – W/ Replacement (5x)</a:t>
+            </a:r>
+          </a:p>
+          <a:p>
+            <a:pPr marL="0" indent="0" algn="ctr">
+              <a:buNone/>
+            </a:pPr>
+            <a:r>
+              <a:rPr lang="en-US" sz="6000" dirty="0"/>
+              <a:t>Order 2 – Trial 2 of 2</a:t>
             </a:r>
           </a:p>
         </p:txBody>
@@ -9393,7 +10216,7 @@
     </p:spTree>
     <p:extLst>
       <p:ext uri="{BB962C8B-B14F-4D97-AF65-F5344CB8AC3E}">
-        <p14:creationId xmlns:p14="http://schemas.microsoft.com/office/powerpoint/2010/main" val="2778256351"/>
+        <p14:creationId xmlns:p14="http://schemas.microsoft.com/office/powerpoint/2010/main" val="1366274273"/>
       </p:ext>
     </p:extLst>
   </p:cSld>
@@ -9422,55 +10245,6 @@
       </p:grpSpPr>
       <p:sp>
         <p:nvSpPr>
-          <p:cNvPr id="4" name="Rectangle 3">
-            <a:extLst>
-              <a:ext uri="{FF2B5EF4-FFF2-40B4-BE49-F238E27FC236}">
-                <a16:creationId xmlns:a16="http://schemas.microsoft.com/office/drawing/2014/main" id="{EEA24FE4-CF88-4576-8D74-4D4BF0A7AC43}"/>
-              </a:ext>
-            </a:extLst>
-          </p:cNvPr>
-          <p:cNvSpPr/>
-          <p:nvPr/>
-        </p:nvSpPr>
-        <p:spPr>
-          <a:xfrm>
-            <a:off x="0" y="0"/>
-            <a:ext cx="12192000" cy="6858000"/>
-          </a:xfrm>
-          <a:prstGeom prst="rect">
-            <a:avLst/>
-          </a:prstGeom>
-          <a:solidFill>
-            <a:srgbClr val="F1CB68"/>
-          </a:solidFill>
-        </p:spPr>
-        <p:style>
-          <a:lnRef idx="2">
-            <a:schemeClr val="accent1">
-              <a:shade val="50000"/>
-            </a:schemeClr>
-          </a:lnRef>
-          <a:fillRef idx="1">
-            <a:schemeClr val="accent1"/>
-          </a:fillRef>
-          <a:effectRef idx="0">
-            <a:schemeClr val="accent1"/>
-          </a:effectRef>
-          <a:fontRef idx="minor">
-            <a:schemeClr val="lt1"/>
-          </a:fontRef>
-        </p:style>
-        <p:txBody>
-          <a:bodyPr rtlCol="0" anchor="ctr"/>
-          <a:lstStyle/>
-          <a:p>
-            <a:pPr algn="ctr"/>
-            <a:endParaRPr lang="en-US"/>
-          </a:p>
-        </p:txBody>
-      </p:sp>
-      <p:sp>
-        <p:nvSpPr>
           <p:cNvPr id="3" name="Content Placeholder 2">
             <a:extLst>
               <a:ext uri="{FF2B5EF4-FFF2-40B4-BE49-F238E27FC236}">
@@ -9487,8 +10261,8 @@
         </p:nvSpPr>
         <p:spPr>
           <a:xfrm>
-            <a:off x="0" y="1825625"/>
-            <a:ext cx="12192000" cy="2185721"/>
+            <a:off x="0" y="1825626"/>
+            <a:ext cx="12192000" cy="2008438"/>
           </a:xfrm>
         </p:spPr>
         <p:txBody>
@@ -9501,79 +10275,17 @@
               <a:buNone/>
             </a:pPr>
             <a:r>
-              <a:rPr lang="en-US" sz="6000" b="1" dirty="0">
-                <a:solidFill>
-                  <a:schemeClr val="bg1"/>
-                </a:solidFill>
-              </a:rPr>
-              <a:t>TESTING BLOCKS</a:t>
-            </a:r>
-          </a:p>
-          <a:p>
-            <a:pPr marL="0" indent="0" algn="ctr">
-              <a:buNone/>
-            </a:pPr>
-            <a:r>
-              <a:rPr lang="en-US" sz="6000" b="1" dirty="0">
-                <a:solidFill>
-                  <a:schemeClr val="bg1"/>
-                </a:solidFill>
-              </a:rPr>
-              <a:t>Randomization w/o Replacement</a:t>
-            </a:r>
-            <a:endParaRPr lang="en-US" sz="6000" dirty="0">
-              <a:solidFill>
-                <a:schemeClr val="bg1"/>
-              </a:solidFill>
-            </a:endParaRPr>
-          </a:p>
-        </p:txBody>
-      </p:sp>
-      <p:sp>
-        <p:nvSpPr>
-          <p:cNvPr id="5" name="Rectangle 4">
-            <a:extLst>
-              <a:ext uri="{FF2B5EF4-FFF2-40B4-BE49-F238E27FC236}">
-                <a16:creationId xmlns:a16="http://schemas.microsoft.com/office/drawing/2014/main" id="{B4242CA5-E864-4EEE-A717-71D7F8977BE4}"/>
-              </a:ext>
-            </a:extLst>
-          </p:cNvPr>
-          <p:cNvSpPr/>
-          <p:nvPr/>
-        </p:nvSpPr>
-        <p:spPr>
-          <a:xfrm>
-            <a:off x="3172326" y="5403834"/>
-            <a:ext cx="5847347" cy="866274"/>
-          </a:xfrm>
-          <a:prstGeom prst="rect">
-            <a:avLst/>
-          </a:prstGeom>
-        </p:spPr>
-        <p:style>
-          <a:lnRef idx="2">
-            <a:schemeClr val="dk1">
-              <a:shade val="50000"/>
-            </a:schemeClr>
-          </a:lnRef>
-          <a:fillRef idx="1">
-            <a:schemeClr val="dk1"/>
-          </a:fillRef>
-          <a:effectRef idx="0">
-            <a:schemeClr val="dk1"/>
-          </a:effectRef>
-          <a:fontRef idx="minor">
-            <a:schemeClr val="lt1"/>
-          </a:fontRef>
-        </p:style>
-        <p:txBody>
-          <a:bodyPr rtlCol="0" anchor="ctr"/>
-          <a:lstStyle/>
-          <a:p>
-            <a:pPr algn="ctr"/>
-            <a:r>
-              <a:rPr lang="en-US" sz="3200" b="1" dirty="0"/>
-              <a:t>PRESS SPACE TO BEGIN TEST</a:t>
+              <a:rPr lang="en-US" sz="6000" b="1" dirty="0"/>
+              <a:t>Random – W/ Replacement (5x)</a:t>
+            </a:r>
+          </a:p>
+          <a:p>
+            <a:pPr marL="0" indent="0" algn="ctr">
+              <a:buNone/>
+            </a:pPr>
+            <a:r>
+              <a:rPr lang="en-US" sz="6000" dirty="0"/>
+              <a:t>Order 3 – Trial 1 of 3</a:t>
             </a:r>
           </a:p>
         </p:txBody>
@@ -9581,7 +10293,7 @@
     </p:spTree>
     <p:extLst>
       <p:ext uri="{BB962C8B-B14F-4D97-AF65-F5344CB8AC3E}">
-        <p14:creationId xmlns:p14="http://schemas.microsoft.com/office/powerpoint/2010/main" val="2528019214"/>
+        <p14:creationId xmlns:p14="http://schemas.microsoft.com/office/powerpoint/2010/main" val="2778256351"/>
       </p:ext>
     </p:extLst>
   </p:cSld>
@@ -9641,17 +10353,16 @@
             </a:pPr>
             <a:r>
               <a:rPr lang="en-US" sz="6000" b="1" dirty="0"/>
-              <a:t>Randomization w/o Replacement</a:t>
-            </a:r>
-            <a:endParaRPr lang="en-US" sz="6000" dirty="0"/>
-          </a:p>
-          <a:p>
-            <a:pPr marL="0" indent="0" algn="ctr">
-              <a:buNone/>
-            </a:pPr>
-            <a:r>
-              <a:rPr lang="en-US" sz="6000" dirty="0"/>
-              <a:t>Order 1</a:t>
+              <a:t>Random – W/ Replacement (5x)</a:t>
+            </a:r>
+          </a:p>
+          <a:p>
+            <a:pPr marL="0" indent="0" algn="ctr">
+              <a:buNone/>
+            </a:pPr>
+            <a:r>
+              <a:rPr lang="en-US" sz="6000" dirty="0"/>
+              <a:t>Order 3 – Trial 2 of 3</a:t>
             </a:r>
           </a:p>
         </p:txBody>
@@ -9659,7 +10370,7 @@
     </p:spTree>
     <p:extLst>
       <p:ext uri="{BB962C8B-B14F-4D97-AF65-F5344CB8AC3E}">
-        <p14:creationId xmlns:p14="http://schemas.microsoft.com/office/powerpoint/2010/main" val="3662700711"/>
+        <p14:creationId xmlns:p14="http://schemas.microsoft.com/office/powerpoint/2010/main" val="3574261416"/>
       </p:ext>
     </p:extLst>
   </p:cSld>
@@ -9719,17 +10430,16 @@
             </a:pPr>
             <a:r>
               <a:rPr lang="en-US" sz="6000" b="1" dirty="0"/>
-              <a:t>Randomization w/o Replacement</a:t>
-            </a:r>
-            <a:endParaRPr lang="en-US" sz="6000" dirty="0"/>
-          </a:p>
-          <a:p>
-            <a:pPr marL="0" indent="0" algn="ctr">
-              <a:buNone/>
-            </a:pPr>
-            <a:r>
-              <a:rPr lang="en-US" sz="6000" dirty="0"/>
-              <a:t>Order 2</a:t>
+              <a:t>Random – W/ Replacement (5x)</a:t>
+            </a:r>
+          </a:p>
+          <a:p>
+            <a:pPr marL="0" indent="0" algn="ctr">
+              <a:buNone/>
+            </a:pPr>
+            <a:r>
+              <a:rPr lang="en-US" sz="6000" dirty="0"/>
+              <a:t>Order 3 – Trial 3 of 3</a:t>
             </a:r>
           </a:p>
         </p:txBody>
@@ -9737,7 +10447,7 @@
     </p:spTree>
     <p:extLst>
       <p:ext uri="{BB962C8B-B14F-4D97-AF65-F5344CB8AC3E}">
-        <p14:creationId xmlns:p14="http://schemas.microsoft.com/office/powerpoint/2010/main" val="92242144"/>
+        <p14:creationId xmlns:p14="http://schemas.microsoft.com/office/powerpoint/2010/main" val="3594724035"/>
       </p:ext>
     </p:extLst>
   </p:cSld>
@@ -9766,6 +10476,55 @@
       </p:grpSpPr>
       <p:sp>
         <p:nvSpPr>
+          <p:cNvPr id="4" name="Rectangle 3">
+            <a:extLst>
+              <a:ext uri="{FF2B5EF4-FFF2-40B4-BE49-F238E27FC236}">
+                <a16:creationId xmlns:a16="http://schemas.microsoft.com/office/drawing/2014/main" id="{EEA24FE4-CF88-4576-8D74-4D4BF0A7AC43}"/>
+              </a:ext>
+            </a:extLst>
+          </p:cNvPr>
+          <p:cNvSpPr/>
+          <p:nvPr/>
+        </p:nvSpPr>
+        <p:spPr>
+          <a:xfrm>
+            <a:off x="0" y="0"/>
+            <a:ext cx="12192000" cy="6858000"/>
+          </a:xfrm>
+          <a:prstGeom prst="rect">
+            <a:avLst/>
+          </a:prstGeom>
+          <a:solidFill>
+            <a:srgbClr val="F1CB68"/>
+          </a:solidFill>
+        </p:spPr>
+        <p:style>
+          <a:lnRef idx="2">
+            <a:schemeClr val="accent1">
+              <a:shade val="50000"/>
+            </a:schemeClr>
+          </a:lnRef>
+          <a:fillRef idx="1">
+            <a:schemeClr val="accent1"/>
+          </a:fillRef>
+          <a:effectRef idx="0">
+            <a:schemeClr val="accent1"/>
+          </a:effectRef>
+          <a:fontRef idx="minor">
+            <a:schemeClr val="lt1"/>
+          </a:fontRef>
+        </p:style>
+        <p:txBody>
+          <a:bodyPr rtlCol="0" anchor="ctr"/>
+          <a:lstStyle/>
+          <a:p>
+            <a:pPr algn="ctr"/>
+            <a:endParaRPr lang="en-US"/>
+          </a:p>
+        </p:txBody>
+      </p:sp>
+      <p:sp>
+        <p:nvSpPr>
           <p:cNvPr id="3" name="Content Placeholder 2">
             <a:extLst>
               <a:ext uri="{FF2B5EF4-FFF2-40B4-BE49-F238E27FC236}">
@@ -9782,8 +10541,8 @@
         </p:nvSpPr>
         <p:spPr>
           <a:xfrm>
-            <a:off x="0" y="1825626"/>
-            <a:ext cx="12192000" cy="2008438"/>
+            <a:off x="0" y="1825625"/>
+            <a:ext cx="12192000" cy="2185721"/>
           </a:xfrm>
         </p:spPr>
         <p:txBody>
@@ -9796,18 +10555,79 @@
               <a:buNone/>
             </a:pPr>
             <a:r>
-              <a:rPr lang="en-US" sz="6000" b="1" dirty="0"/>
-              <a:t>Randomization w/o Replacement</a:t>
-            </a:r>
-            <a:endParaRPr lang="en-US" sz="6000" dirty="0"/>
-          </a:p>
-          <a:p>
-            <a:pPr marL="0" indent="0" algn="ctr">
-              <a:buNone/>
-            </a:pPr>
-            <a:r>
-              <a:rPr lang="en-US" sz="6000" dirty="0"/>
-              <a:t>Order 3</a:t>
+              <a:rPr lang="en-US" sz="6000" b="1" dirty="0">
+                <a:solidFill>
+                  <a:schemeClr val="bg1"/>
+                </a:solidFill>
+              </a:rPr>
+              <a:t>TESTING BLOCKS</a:t>
+            </a:r>
+          </a:p>
+          <a:p>
+            <a:pPr marL="0" indent="0" algn="ctr">
+              <a:buNone/>
+            </a:pPr>
+            <a:r>
+              <a:rPr lang="en-US" sz="6000" b="1" dirty="0">
+                <a:solidFill>
+                  <a:schemeClr val="bg1"/>
+                </a:solidFill>
+              </a:rPr>
+              <a:t>Random w/o Replacement (3x)</a:t>
+            </a:r>
+            <a:endParaRPr lang="en-US" sz="6000" dirty="0">
+              <a:solidFill>
+                <a:schemeClr val="bg1"/>
+              </a:solidFill>
+            </a:endParaRPr>
+          </a:p>
+        </p:txBody>
+      </p:sp>
+      <p:sp>
+        <p:nvSpPr>
+          <p:cNvPr id="5" name="Rectangle 4">
+            <a:extLst>
+              <a:ext uri="{FF2B5EF4-FFF2-40B4-BE49-F238E27FC236}">
+                <a16:creationId xmlns:a16="http://schemas.microsoft.com/office/drawing/2014/main" id="{B4242CA5-E864-4EEE-A717-71D7F8977BE4}"/>
+              </a:ext>
+            </a:extLst>
+          </p:cNvPr>
+          <p:cNvSpPr/>
+          <p:nvPr/>
+        </p:nvSpPr>
+        <p:spPr>
+          <a:xfrm>
+            <a:off x="3172326" y="5403834"/>
+            <a:ext cx="5847347" cy="866274"/>
+          </a:xfrm>
+          <a:prstGeom prst="rect">
+            <a:avLst/>
+          </a:prstGeom>
+        </p:spPr>
+        <p:style>
+          <a:lnRef idx="2">
+            <a:schemeClr val="dk1">
+              <a:shade val="50000"/>
+            </a:schemeClr>
+          </a:lnRef>
+          <a:fillRef idx="1">
+            <a:schemeClr val="dk1"/>
+          </a:fillRef>
+          <a:effectRef idx="0">
+            <a:schemeClr val="dk1"/>
+          </a:effectRef>
+          <a:fontRef idx="minor">
+            <a:schemeClr val="lt1"/>
+          </a:fontRef>
+        </p:style>
+        <p:txBody>
+          <a:bodyPr rtlCol="0" anchor="ctr"/>
+          <a:lstStyle/>
+          <a:p>
+            <a:pPr algn="ctr"/>
+            <a:r>
+              <a:rPr lang="en-US" sz="3200" b="1" dirty="0"/>
+              <a:t>PRESS SPACE TO BEGIN TEST</a:t>
             </a:r>
           </a:p>
         </p:txBody>
@@ -9815,7 +10635,7 @@
     </p:spTree>
     <p:extLst>
       <p:ext uri="{BB962C8B-B14F-4D97-AF65-F5344CB8AC3E}">
-        <p14:creationId xmlns:p14="http://schemas.microsoft.com/office/powerpoint/2010/main" val="1373941341"/>
+        <p14:creationId xmlns:p14="http://schemas.microsoft.com/office/powerpoint/2010/main" val="2528019214"/>
       </p:ext>
     </p:extLst>
   </p:cSld>
@@ -9844,55 +10664,6 @@
       </p:grpSpPr>
       <p:sp>
         <p:nvSpPr>
-          <p:cNvPr id="4" name="Rectangle 3">
-            <a:extLst>
-              <a:ext uri="{FF2B5EF4-FFF2-40B4-BE49-F238E27FC236}">
-                <a16:creationId xmlns:a16="http://schemas.microsoft.com/office/drawing/2014/main" id="{EEA24FE4-CF88-4576-8D74-4D4BF0A7AC43}"/>
-              </a:ext>
-            </a:extLst>
-          </p:cNvPr>
-          <p:cNvSpPr/>
-          <p:nvPr/>
-        </p:nvSpPr>
-        <p:spPr>
-          <a:xfrm>
-            <a:off x="0" y="0"/>
-            <a:ext cx="12192000" cy="6858000"/>
-          </a:xfrm>
-          <a:prstGeom prst="rect">
-            <a:avLst/>
-          </a:prstGeom>
-          <a:solidFill>
-            <a:srgbClr val="F1CB68"/>
-          </a:solidFill>
-        </p:spPr>
-        <p:style>
-          <a:lnRef idx="2">
-            <a:schemeClr val="accent1">
-              <a:shade val="50000"/>
-            </a:schemeClr>
-          </a:lnRef>
-          <a:fillRef idx="1">
-            <a:schemeClr val="accent1"/>
-          </a:fillRef>
-          <a:effectRef idx="0">
-            <a:schemeClr val="accent1"/>
-          </a:effectRef>
-          <a:fontRef idx="minor">
-            <a:schemeClr val="lt1"/>
-          </a:fontRef>
-        </p:style>
-        <p:txBody>
-          <a:bodyPr rtlCol="0" anchor="ctr"/>
-          <a:lstStyle/>
-          <a:p>
-            <a:pPr algn="ctr"/>
-            <a:endParaRPr lang="en-US"/>
-          </a:p>
-        </p:txBody>
-      </p:sp>
-      <p:sp>
-        <p:nvSpPr>
           <p:cNvPr id="3" name="Content Placeholder 2">
             <a:extLst>
               <a:ext uri="{FF2B5EF4-FFF2-40B4-BE49-F238E27FC236}">
@@ -9909,8 +10680,8 @@
         </p:nvSpPr>
         <p:spPr>
           <a:xfrm>
-            <a:off x="0" y="1825625"/>
-            <a:ext cx="12192000" cy="3275764"/>
+            <a:off x="0" y="1825626"/>
+            <a:ext cx="12192000" cy="2008438"/>
           </a:xfrm>
         </p:spPr>
         <p:txBody>
@@ -9923,100 +10694,31 @@
               <a:buNone/>
             </a:pPr>
             <a:r>
-              <a:rPr lang="en-US" sz="6000" b="1" dirty="0">
-                <a:solidFill>
-                  <a:schemeClr val="bg1"/>
-                </a:solidFill>
-              </a:rPr>
-              <a:t>TESTING BLOCKS</a:t>
-            </a:r>
-          </a:p>
-          <a:p>
-            <a:pPr marL="0" indent="0" algn="ctr">
-              <a:buNone/>
-            </a:pPr>
-            <a:r>
-              <a:rPr lang="en-US" sz="6000" b="1" dirty="0">
-                <a:solidFill>
-                  <a:schemeClr val="bg1"/>
-                </a:solidFill>
-              </a:rPr>
-              <a:t>Trial Criterion = 3</a:t>
-            </a:r>
-          </a:p>
-          <a:p>
-            <a:pPr marL="0" indent="0" algn="ctr">
-              <a:buNone/>
-            </a:pPr>
-            <a:r>
-              <a:rPr lang="en-US" sz="6000" b="1" dirty="0">
-                <a:solidFill>
-                  <a:schemeClr val="bg1"/>
-                </a:solidFill>
-              </a:rPr>
-              <a:t>4 Trial – FAIL TEST</a:t>
-            </a:r>
-            <a:endParaRPr lang="en-US" sz="6000" dirty="0">
-              <a:solidFill>
-                <a:schemeClr val="bg1"/>
-              </a:solidFill>
-            </a:endParaRPr>
-          </a:p>
-        </p:txBody>
-      </p:sp>
-      <p:sp>
-        <p:nvSpPr>
-          <p:cNvPr id="5" name="Rectangle 4">
-            <a:extLst>
-              <a:ext uri="{FF2B5EF4-FFF2-40B4-BE49-F238E27FC236}">
-                <a16:creationId xmlns:a16="http://schemas.microsoft.com/office/drawing/2014/main" id="{2C94FF17-2823-4800-84E4-12617EB4FFF2}"/>
-              </a:ext>
-            </a:extLst>
-          </p:cNvPr>
-          <p:cNvSpPr/>
-          <p:nvPr/>
-        </p:nvSpPr>
-        <p:spPr>
-          <a:xfrm>
-            <a:off x="3172326" y="5403834"/>
-            <a:ext cx="5847347" cy="866274"/>
-          </a:xfrm>
-          <a:prstGeom prst="rect">
-            <a:avLst/>
-          </a:prstGeom>
-        </p:spPr>
-        <p:style>
-          <a:lnRef idx="2">
-            <a:schemeClr val="dk1">
-              <a:shade val="50000"/>
-            </a:schemeClr>
-          </a:lnRef>
-          <a:fillRef idx="1">
-            <a:schemeClr val="dk1"/>
-          </a:fillRef>
-          <a:effectRef idx="0">
-            <a:schemeClr val="dk1"/>
-          </a:effectRef>
-          <a:fontRef idx="minor">
-            <a:schemeClr val="lt1"/>
-          </a:fontRef>
-        </p:style>
-        <p:txBody>
-          <a:bodyPr rtlCol="0" anchor="ctr"/>
-          <a:lstStyle/>
-          <a:p>
-            <a:pPr algn="ctr"/>
-            <a:r>
-              <a:rPr lang="en-US" sz="3200" b="1" dirty="0"/>
-              <a:t>PRESS SPACE TO BEGIN TEST</a:t>
-            </a:r>
+              <a:rPr lang="en-US" sz="6000" b="1" dirty="0"/>
+              <a:t>Random – W/ Replacement (5x)</a:t>
+            </a:r>
+          </a:p>
+          <a:p>
+            <a:pPr marL="0" indent="0" algn="ctr">
+              <a:buNone/>
+            </a:pPr>
+            <a:r>
+              <a:rPr lang="en-US" sz="6000" dirty="0"/>
+              <a:t>Order 1 – Trial 1 of 1</a:t>
+            </a:r>
+          </a:p>
+          <a:p>
+            <a:pPr marL="0" indent="0" algn="ctr">
+              <a:buNone/>
+            </a:pPr>
+            <a:endParaRPr lang="en-US" sz="6000" dirty="0"/>
           </a:p>
         </p:txBody>
       </p:sp>
     </p:spTree>
     <p:extLst>
       <p:ext uri="{BB962C8B-B14F-4D97-AF65-F5344CB8AC3E}">
-        <p14:creationId xmlns:p14="http://schemas.microsoft.com/office/powerpoint/2010/main" val="3221913463"/>
+        <p14:creationId xmlns:p14="http://schemas.microsoft.com/office/powerpoint/2010/main" val="140239618"/>
       </p:ext>
     </p:extLst>
   </p:cSld>
@@ -10061,13 +10763,13 @@
         </p:nvSpPr>
         <p:spPr>
           <a:xfrm>
-            <a:off x="0" y="1825625"/>
-            <a:ext cx="12192000" cy="3511485"/>
+            <a:off x="0" y="1825626"/>
+            <a:ext cx="12192000" cy="2008438"/>
           </a:xfrm>
         </p:spPr>
         <p:txBody>
           <a:bodyPr>
-            <a:normAutofit fontScale="70000" lnSpcReduction="20000"/>
+            <a:normAutofit/>
           </a:bodyPr>
           <a:lstStyle/>
           <a:p>
@@ -10076,52 +10778,16 @@
             </a:pPr>
             <a:r>
               <a:rPr lang="en-US" sz="6000" b="1" dirty="0"/>
-              <a:t>FAIL TEST TRIAL 1 </a:t>
-            </a:r>
-          </a:p>
-          <a:p>
-            <a:pPr marL="0" indent="0" algn="ctr">
-              <a:buNone/>
-            </a:pPr>
-            <a:r>
-              <a:rPr lang="en-US" sz="6000" dirty="0"/>
-              <a:t>Enclosure: Invisible Floor</a:t>
-            </a:r>
-          </a:p>
-          <a:p>
-            <a:pPr marL="0" indent="0" algn="ctr">
-              <a:buNone/>
-            </a:pPr>
-            <a:r>
-              <a:rPr lang="en-US" sz="6000" dirty="0"/>
-              <a:t>All Goals: (V: Water, I: Water, Cube)</a:t>
-            </a:r>
-          </a:p>
-          <a:p>
-            <a:pPr marL="0" indent="0" algn="ctr">
-              <a:buNone/>
-            </a:pPr>
-            <a:r>
-              <a:rPr lang="en-US" sz="6000" dirty="0"/>
-              <a:t>Quota = 2</a:t>
-            </a:r>
-          </a:p>
-          <a:p>
-            <a:pPr marL="0" indent="0" algn="ctr">
-              <a:buNone/>
-            </a:pPr>
-            <a:r>
-              <a:rPr lang="en-US" sz="6000" dirty="0"/>
-              <a:t>Landmarks: All</a:t>
-            </a:r>
-          </a:p>
-          <a:p>
-            <a:pPr marL="0" indent="0" algn="ctr">
-              <a:buNone/>
-            </a:pPr>
-            <a:r>
-              <a:rPr lang="en-US" sz="6000" dirty="0"/>
-              <a:t>Scene #3</a:t>
+              <a:t>Random – W/ Replacement (5x)</a:t>
+            </a:r>
+          </a:p>
+          <a:p>
+            <a:pPr marL="0" indent="0" algn="ctr">
+              <a:buNone/>
+            </a:pPr>
+            <a:r>
+              <a:rPr lang="en-US" sz="6000" dirty="0"/>
+              <a:t>Order 2 – Trial 1 of 2</a:t>
             </a:r>
           </a:p>
         </p:txBody>
@@ -10129,7 +10795,7 @@
     </p:spTree>
     <p:extLst>
       <p:ext uri="{BB962C8B-B14F-4D97-AF65-F5344CB8AC3E}">
-        <p14:creationId xmlns:p14="http://schemas.microsoft.com/office/powerpoint/2010/main" val="2603898967"/>
+        <p14:creationId xmlns:p14="http://schemas.microsoft.com/office/powerpoint/2010/main" val="1963649062"/>
       </p:ext>
     </p:extLst>
   </p:cSld>
@@ -10174,13 +10840,13 @@
         </p:nvSpPr>
         <p:spPr>
           <a:xfrm>
-            <a:off x="0" y="1825625"/>
-            <a:ext cx="12192000" cy="3511485"/>
+            <a:off x="0" y="1825626"/>
+            <a:ext cx="12192000" cy="2008438"/>
           </a:xfrm>
         </p:spPr>
         <p:txBody>
           <a:bodyPr>
-            <a:normAutofit fontScale="70000" lnSpcReduction="20000"/>
+            <a:normAutofit/>
           </a:bodyPr>
           <a:lstStyle/>
           <a:p>
@@ -10189,52 +10855,16 @@
             </a:pPr>
             <a:r>
               <a:rPr lang="en-US" sz="6000" b="1" dirty="0"/>
-              <a:t>FAIL TEST TRIAL 2 </a:t>
-            </a:r>
-          </a:p>
-          <a:p>
-            <a:pPr marL="0" indent="0" algn="ctr">
-              <a:buNone/>
-            </a:pPr>
-            <a:r>
-              <a:rPr lang="en-US" sz="6000" dirty="0"/>
-              <a:t>Enclosure: Square</a:t>
-            </a:r>
-          </a:p>
-          <a:p>
-            <a:pPr marL="0" indent="0" algn="ctr">
-              <a:buNone/>
-            </a:pPr>
-            <a:r>
-              <a:rPr lang="en-US" sz="6000" dirty="0"/>
-              <a:t>All Goals: All Active</a:t>
-            </a:r>
-          </a:p>
-          <a:p>
-            <a:pPr marL="0" indent="0" algn="ctr">
-              <a:buNone/>
-            </a:pPr>
-            <a:r>
-              <a:rPr lang="en-US" sz="6000" dirty="0"/>
-              <a:t>Quota = 4</a:t>
-            </a:r>
-          </a:p>
-          <a:p>
-            <a:pPr marL="0" indent="0" algn="ctr">
-              <a:buNone/>
-            </a:pPr>
-            <a:r>
-              <a:rPr lang="en-US" sz="6000" dirty="0"/>
-              <a:t>Landmarks: All</a:t>
-            </a:r>
-          </a:p>
-          <a:p>
-            <a:pPr marL="0" indent="0" algn="ctr">
-              <a:buNone/>
-            </a:pPr>
-            <a:r>
-              <a:rPr lang="en-US" sz="6000" dirty="0"/>
-              <a:t>Scene #2</a:t>
+              <a:t>Random – W/ Replacement (5x)</a:t>
+            </a:r>
+          </a:p>
+          <a:p>
+            <a:pPr marL="0" indent="0" algn="ctr">
+              <a:buNone/>
+            </a:pPr>
+            <a:r>
+              <a:rPr lang="en-US" sz="6000" dirty="0"/>
+              <a:t>Order 2 – Trial 2 of 2</a:t>
             </a:r>
           </a:p>
         </p:txBody>
@@ -10242,7 +10872,7 @@
     </p:spTree>
     <p:extLst>
       <p:ext uri="{BB962C8B-B14F-4D97-AF65-F5344CB8AC3E}">
-        <p14:creationId xmlns:p14="http://schemas.microsoft.com/office/powerpoint/2010/main" val="1568188175"/>
+        <p14:creationId xmlns:p14="http://schemas.microsoft.com/office/powerpoint/2010/main" val="4273747533"/>
       </p:ext>
     </p:extLst>
   </p:cSld>
@@ -10287,13 +10917,13 @@
         </p:nvSpPr>
         <p:spPr>
           <a:xfrm>
-            <a:off x="0" y="1825625"/>
-            <a:ext cx="12192000" cy="3511485"/>
+            <a:off x="0" y="1825626"/>
+            <a:ext cx="12192000" cy="2008438"/>
           </a:xfrm>
         </p:spPr>
         <p:txBody>
           <a:bodyPr>
-            <a:normAutofit fontScale="70000" lnSpcReduction="20000"/>
+            <a:normAutofit/>
           </a:bodyPr>
           <a:lstStyle/>
           <a:p>
@@ -10302,52 +10932,16 @@
             </a:pPr>
             <a:r>
               <a:rPr lang="en-US" sz="6000" b="1" dirty="0"/>
-              <a:t>FAIL TEST TRIAL 3 </a:t>
-            </a:r>
-          </a:p>
-          <a:p>
-            <a:pPr marL="0" indent="0" algn="ctr">
-              <a:buNone/>
-            </a:pPr>
-            <a:r>
-              <a:rPr lang="en-US" sz="6000" dirty="0"/>
-              <a:t>Enclosure: Circle</a:t>
-            </a:r>
-          </a:p>
-          <a:p>
-            <a:pPr marL="0" indent="0" algn="ctr">
-              <a:buNone/>
-            </a:pPr>
-            <a:r>
-              <a:rPr lang="en-US" sz="6000" dirty="0"/>
-              <a:t>All Goals: (V: Cube + Apple, I: Sphere)</a:t>
-            </a:r>
-          </a:p>
-          <a:p>
-            <a:pPr marL="0" indent="0" algn="ctr">
-              <a:buNone/>
-            </a:pPr>
-            <a:r>
-              <a:rPr lang="en-US" sz="6000" dirty="0"/>
-              <a:t>Quota = 3</a:t>
-            </a:r>
-          </a:p>
-          <a:p>
-            <a:pPr marL="0" indent="0" algn="ctr">
-              <a:buNone/>
-            </a:pPr>
-            <a:r>
-              <a:rPr lang="en-US" sz="6000" dirty="0"/>
-              <a:t>Landmarks: All</a:t>
-            </a:r>
-          </a:p>
-          <a:p>
-            <a:pPr marL="0" indent="0" algn="ctr">
-              <a:buNone/>
-            </a:pPr>
-            <a:r>
-              <a:rPr lang="en-US" sz="6000" dirty="0"/>
-              <a:t>Scene #3</a:t>
+              <a:t>Random – W/ Replacement (5x)</a:t>
+            </a:r>
+          </a:p>
+          <a:p>
+            <a:pPr marL="0" indent="0" algn="ctr">
+              <a:buNone/>
+            </a:pPr>
+            <a:r>
+              <a:rPr lang="en-US" sz="6000" dirty="0"/>
+              <a:t>Order 3 – Trial 1 of 3</a:t>
             </a:r>
           </a:p>
         </p:txBody>
@@ -10355,7 +10949,7 @@
     </p:spTree>
     <p:extLst>
       <p:ext uri="{BB962C8B-B14F-4D97-AF65-F5344CB8AC3E}">
-        <p14:creationId xmlns:p14="http://schemas.microsoft.com/office/powerpoint/2010/main" val="1174841190"/>
+        <p14:creationId xmlns:p14="http://schemas.microsoft.com/office/powerpoint/2010/main" val="4157799465"/>
       </p:ext>
     </p:extLst>
   </p:cSld>
@@ -10400,13 +10994,13 @@
         </p:nvSpPr>
         <p:spPr>
           <a:xfrm>
-            <a:off x="0" y="1825625"/>
-            <a:ext cx="12192000" cy="3511485"/>
+            <a:off x="0" y="1825626"/>
+            <a:ext cx="12192000" cy="2008438"/>
           </a:xfrm>
         </p:spPr>
         <p:txBody>
           <a:bodyPr>
-            <a:normAutofit fontScale="70000" lnSpcReduction="20000"/>
+            <a:normAutofit/>
           </a:bodyPr>
           <a:lstStyle/>
           <a:p>
@@ -10415,52 +11009,16 @@
             </a:pPr>
             <a:r>
               <a:rPr lang="en-US" sz="6000" b="1" dirty="0"/>
-              <a:t>FAIL TEST TRIAL 4  </a:t>
-            </a:r>
-          </a:p>
-          <a:p>
-            <a:pPr marL="0" indent="0" algn="ctr">
-              <a:buNone/>
-            </a:pPr>
-            <a:r>
-              <a:rPr lang="en-US" sz="6000" dirty="0"/>
-              <a:t>Enclosure: Invisible Floor</a:t>
-            </a:r>
-          </a:p>
-          <a:p>
-            <a:pPr marL="0" indent="0" algn="ctr">
-              <a:buNone/>
-            </a:pPr>
-            <a:r>
-              <a:rPr lang="en-US" sz="6000" dirty="0"/>
-              <a:t>All Goals: (V: Sphere, I: Water)</a:t>
-            </a:r>
-          </a:p>
-          <a:p>
-            <a:pPr marL="0" indent="0" algn="ctr">
-              <a:buNone/>
-            </a:pPr>
-            <a:r>
-              <a:rPr lang="en-US" sz="6000" dirty="0"/>
-              <a:t>Quota = 2</a:t>
-            </a:r>
-          </a:p>
-          <a:p>
-            <a:pPr marL="0" indent="0" algn="ctr">
-              <a:buNone/>
-            </a:pPr>
-            <a:r>
-              <a:rPr lang="en-US" sz="6000" dirty="0"/>
-              <a:t>Landmarks: All</a:t>
-            </a:r>
-          </a:p>
-          <a:p>
-            <a:pPr marL="0" indent="0" algn="ctr">
-              <a:buNone/>
-            </a:pPr>
-            <a:r>
-              <a:rPr lang="en-US" sz="6000" dirty="0"/>
-              <a:t>Scene #3</a:t>
+              <a:t>Random – W/ Replacement (5x)</a:t>
+            </a:r>
+          </a:p>
+          <a:p>
+            <a:pPr marL="0" indent="0" algn="ctr">
+              <a:buNone/>
+            </a:pPr>
+            <a:r>
+              <a:rPr lang="en-US" sz="6000" dirty="0"/>
+              <a:t>Order 3 – Trial 2 of 3</a:t>
             </a:r>
           </a:p>
         </p:txBody>
@@ -10468,7 +11026,7 @@
     </p:spTree>
     <p:extLst>
       <p:ext uri="{BB962C8B-B14F-4D97-AF65-F5344CB8AC3E}">
-        <p14:creationId xmlns:p14="http://schemas.microsoft.com/office/powerpoint/2010/main" val="924697550"/>
+        <p14:creationId xmlns:p14="http://schemas.microsoft.com/office/powerpoint/2010/main" val="1212652422"/>
       </p:ext>
     </p:extLst>
   </p:cSld>
@@ -10701,8 +11259,8 @@
         </p:nvSpPr>
         <p:spPr>
           <a:xfrm>
-            <a:off x="0" y="1796716"/>
-            <a:ext cx="12192000" cy="2037348"/>
+            <a:off x="0" y="1825626"/>
+            <a:ext cx="12192000" cy="2008438"/>
           </a:xfrm>
         </p:spPr>
         <p:txBody>
@@ -10714,24 +11272,26 @@
             <a:pPr marL="0" indent="0" algn="ctr">
               <a:buNone/>
             </a:pPr>
-            <a:endParaRPr lang="en-US" sz="6000" b="1" dirty="0"/>
-          </a:p>
-          <a:p>
-            <a:pPr marL="0" indent="0" algn="ctr">
-              <a:buNone/>
-            </a:pPr>
             <a:r>
               <a:rPr lang="en-US" sz="6000" b="1" dirty="0"/>
-              <a:t>YOU FAILED!!</a:t>
-            </a:r>
-            <a:endParaRPr lang="en-US" sz="6000" dirty="0"/>
+              <a:t>Random – W/ Replacement (5x)</a:t>
+            </a:r>
+          </a:p>
+          <a:p>
+            <a:pPr marL="0" indent="0" algn="ctr">
+              <a:buNone/>
+            </a:pPr>
+            <a:r>
+              <a:rPr lang="en-US" sz="6000" dirty="0"/>
+              <a:t>Order 3 – Trial 3 of 3</a:t>
+            </a:r>
           </a:p>
         </p:txBody>
       </p:sp>
     </p:spTree>
     <p:extLst>
       <p:ext uri="{BB962C8B-B14F-4D97-AF65-F5344CB8AC3E}">
-        <p14:creationId xmlns:p14="http://schemas.microsoft.com/office/powerpoint/2010/main" val="1487683954"/>
+        <p14:creationId xmlns:p14="http://schemas.microsoft.com/office/powerpoint/2010/main" val="1825514920"/>
       </p:ext>
     </p:extLst>
   </p:cSld>
@@ -10870,7 +11430,7 @@
                   <a:schemeClr val="bg1"/>
                 </a:solidFill>
               </a:rPr>
-              <a:t>4 Trial – Pass Test</a:t>
+              <a:t>4 Trial – FAIL TEST</a:t>
             </a:r>
             <a:endParaRPr lang="en-US" sz="6000" dirty="0">
               <a:solidFill>
@@ -10885,7 +11445,7 @@
           <p:cNvPr id="5" name="Rectangle 4">
             <a:extLst>
               <a:ext uri="{FF2B5EF4-FFF2-40B4-BE49-F238E27FC236}">
-                <a16:creationId xmlns:a16="http://schemas.microsoft.com/office/drawing/2014/main" id="{55D69ED2-1123-41B1-8FF5-A1CD7F46B818}"/>
+                <a16:creationId xmlns:a16="http://schemas.microsoft.com/office/drawing/2014/main" id="{2C94FF17-2823-4800-84E4-12617EB4FFF2}"/>
               </a:ext>
             </a:extLst>
           </p:cNvPr>
@@ -10932,7 +11492,7 @@
     </p:spTree>
     <p:extLst>
       <p:ext uri="{BB962C8B-B14F-4D97-AF65-F5344CB8AC3E}">
-        <p14:creationId xmlns:p14="http://schemas.microsoft.com/office/powerpoint/2010/main" val="3856981081"/>
+        <p14:creationId xmlns:p14="http://schemas.microsoft.com/office/powerpoint/2010/main" val="3221913463"/>
       </p:ext>
     </p:extLst>
   </p:cSld>
@@ -10992,7 +11552,7 @@
             </a:pPr>
             <a:r>
               <a:rPr lang="en-US" sz="6000" b="1" dirty="0"/>
-              <a:t>PASS TEST TRIAL 1 </a:t>
+              <a:t>FAIL TEST TRIAL 1 </a:t>
             </a:r>
           </a:p>
           <a:p>
@@ -11045,7 +11605,7 @@
     </p:spTree>
     <p:extLst>
       <p:ext uri="{BB962C8B-B14F-4D97-AF65-F5344CB8AC3E}">
-        <p14:creationId xmlns:p14="http://schemas.microsoft.com/office/powerpoint/2010/main" val="3200952893"/>
+        <p14:creationId xmlns:p14="http://schemas.microsoft.com/office/powerpoint/2010/main" val="2603898967"/>
       </p:ext>
     </p:extLst>
   </p:cSld>
@@ -11105,7 +11665,7 @@
             </a:pPr>
             <a:r>
               <a:rPr lang="en-US" sz="6000" b="1" dirty="0"/>
-              <a:t>PASS TEST TRIAL 2 </a:t>
+              <a:t>FAIL TEST TRIAL 2 </a:t>
             </a:r>
           </a:p>
           <a:p>
@@ -11158,7 +11718,7 @@
     </p:spTree>
     <p:extLst>
       <p:ext uri="{BB962C8B-B14F-4D97-AF65-F5344CB8AC3E}">
-        <p14:creationId xmlns:p14="http://schemas.microsoft.com/office/powerpoint/2010/main" val="4268816917"/>
+        <p14:creationId xmlns:p14="http://schemas.microsoft.com/office/powerpoint/2010/main" val="1568188175"/>
       </p:ext>
     </p:extLst>
   </p:cSld>
@@ -11218,7 +11778,7 @@
             </a:pPr>
             <a:r>
               <a:rPr lang="en-US" sz="6000" b="1" dirty="0"/>
-              <a:t>PASS TEST TRIAL 3 </a:t>
+              <a:t>FAIL TEST TRIAL 3 </a:t>
             </a:r>
           </a:p>
           <a:p>
@@ -11271,7 +11831,7 @@
     </p:spTree>
     <p:extLst>
       <p:ext uri="{BB962C8B-B14F-4D97-AF65-F5344CB8AC3E}">
-        <p14:creationId xmlns:p14="http://schemas.microsoft.com/office/powerpoint/2010/main" val="2339334942"/>
+        <p14:creationId xmlns:p14="http://schemas.microsoft.com/office/powerpoint/2010/main" val="1174841190"/>
       </p:ext>
     </p:extLst>
   </p:cSld>
@@ -11331,7 +11891,7 @@
             </a:pPr>
             <a:r>
               <a:rPr lang="en-US" sz="6000" b="1" dirty="0"/>
-              <a:t>PASS TEST TRIAL 4  </a:t>
+              <a:t>FAIL TEST TRIAL 4  </a:t>
             </a:r>
           </a:p>
           <a:p>
@@ -11384,7 +11944,7 @@
     </p:spTree>
     <p:extLst>
       <p:ext uri="{BB962C8B-B14F-4D97-AF65-F5344CB8AC3E}">
-        <p14:creationId xmlns:p14="http://schemas.microsoft.com/office/powerpoint/2010/main" val="1091496252"/>
+        <p14:creationId xmlns:p14="http://schemas.microsoft.com/office/powerpoint/2010/main" val="924697550"/>
       </p:ext>
     </p:extLst>
   </p:cSld>
@@ -11413,55 +11973,6 @@
       </p:grpSpPr>
       <p:sp>
         <p:nvSpPr>
-          <p:cNvPr id="4" name="Rectangle 3">
-            <a:extLst>
-              <a:ext uri="{FF2B5EF4-FFF2-40B4-BE49-F238E27FC236}">
-                <a16:creationId xmlns:a16="http://schemas.microsoft.com/office/drawing/2014/main" id="{EEA24FE4-CF88-4576-8D74-4D4BF0A7AC43}"/>
-              </a:ext>
-            </a:extLst>
-          </p:cNvPr>
-          <p:cNvSpPr/>
-          <p:nvPr/>
-        </p:nvSpPr>
-        <p:spPr>
-          <a:xfrm>
-            <a:off x="0" y="0"/>
-            <a:ext cx="12192000" cy="6858000"/>
-          </a:xfrm>
-          <a:prstGeom prst="rect">
-            <a:avLst/>
-          </a:prstGeom>
-          <a:solidFill>
-            <a:srgbClr val="F1CB68"/>
-          </a:solidFill>
-        </p:spPr>
-        <p:style>
-          <a:lnRef idx="2">
-            <a:schemeClr val="accent1">
-              <a:shade val="50000"/>
-            </a:schemeClr>
-          </a:lnRef>
-          <a:fillRef idx="1">
-            <a:schemeClr val="accent1"/>
-          </a:fillRef>
-          <a:effectRef idx="0">
-            <a:schemeClr val="accent1"/>
-          </a:effectRef>
-          <a:fontRef idx="minor">
-            <a:schemeClr val="lt1"/>
-          </a:fontRef>
-        </p:style>
-        <p:txBody>
-          <a:bodyPr rtlCol="0" anchor="ctr"/>
-          <a:lstStyle/>
-          <a:p>
-            <a:pPr algn="ctr"/>
-            <a:endParaRPr lang="en-US"/>
-          </a:p>
-        </p:txBody>
-      </p:sp>
-      <p:sp>
-        <p:nvSpPr>
           <p:cNvPr id="3" name="Content Placeholder 2">
             <a:extLst>
               <a:ext uri="{FF2B5EF4-FFF2-40B4-BE49-F238E27FC236}">
@@ -11478,8 +11989,8 @@
         </p:nvSpPr>
         <p:spPr>
           <a:xfrm>
-            <a:off x="0" y="1825625"/>
-            <a:ext cx="12192000" cy="3275764"/>
+            <a:off x="0" y="1796716"/>
+            <a:ext cx="12192000" cy="2037348"/>
           </a:xfrm>
         </p:spPr>
         <p:txBody>
@@ -11491,101 +12002,24 @@
             <a:pPr marL="0" indent="0" algn="ctr">
               <a:buNone/>
             </a:pPr>
-            <a:r>
-              <a:rPr lang="en-US" sz="6000" b="1" dirty="0">
-                <a:solidFill>
-                  <a:schemeClr val="bg1"/>
-                </a:solidFill>
-              </a:rPr>
-              <a:t>TESTING BLOCKS</a:t>
-            </a:r>
-          </a:p>
-          <a:p>
-            <a:pPr marL="0" indent="0" algn="ctr">
-              <a:buNone/>
-            </a:pPr>
-            <a:r>
-              <a:rPr lang="en-US" sz="6000" b="1" dirty="0">
-                <a:solidFill>
-                  <a:schemeClr val="bg1"/>
-                </a:solidFill>
-              </a:rPr>
-              <a:t>Trial Criterion = 3</a:t>
-            </a:r>
-          </a:p>
-          <a:p>
-            <a:pPr marL="0" indent="0" algn="ctr">
-              <a:buNone/>
-            </a:pPr>
-            <a:r>
-              <a:rPr lang="en-US" sz="6000" b="1" dirty="0">
-                <a:solidFill>
-                  <a:schemeClr val="bg1"/>
-                </a:solidFill>
-              </a:rPr>
-              <a:t>Random (R) 2x4 Trial – FAIL Test</a:t>
-            </a:r>
-            <a:endParaRPr lang="en-US" sz="6000" dirty="0">
-              <a:solidFill>
-                <a:schemeClr val="bg1"/>
-              </a:solidFill>
-            </a:endParaRPr>
-          </a:p>
-        </p:txBody>
-      </p:sp>
-      <p:sp>
-        <p:nvSpPr>
-          <p:cNvPr id="5" name="Rectangle 4">
-            <a:extLst>
-              <a:ext uri="{FF2B5EF4-FFF2-40B4-BE49-F238E27FC236}">
-                <a16:creationId xmlns:a16="http://schemas.microsoft.com/office/drawing/2014/main" id="{C196E51C-464B-43DE-BB7E-C8035C94136E}"/>
-              </a:ext>
-            </a:extLst>
-          </p:cNvPr>
-          <p:cNvSpPr/>
-          <p:nvPr/>
-        </p:nvSpPr>
-        <p:spPr>
-          <a:xfrm>
-            <a:off x="3172326" y="5403834"/>
-            <a:ext cx="5847347" cy="866274"/>
-          </a:xfrm>
-          <a:prstGeom prst="rect">
-            <a:avLst/>
-          </a:prstGeom>
-        </p:spPr>
-        <p:style>
-          <a:lnRef idx="2">
-            <a:schemeClr val="dk1">
-              <a:shade val="50000"/>
-            </a:schemeClr>
-          </a:lnRef>
-          <a:fillRef idx="1">
-            <a:schemeClr val="dk1"/>
-          </a:fillRef>
-          <a:effectRef idx="0">
-            <a:schemeClr val="dk1"/>
-          </a:effectRef>
-          <a:fontRef idx="minor">
-            <a:schemeClr val="lt1"/>
-          </a:fontRef>
-        </p:style>
-        <p:txBody>
-          <a:bodyPr rtlCol="0" anchor="ctr"/>
-          <a:lstStyle/>
-          <a:p>
-            <a:pPr algn="ctr"/>
-            <a:r>
-              <a:rPr lang="en-US" sz="3200" b="1" dirty="0"/>
-              <a:t>PRESS SPACE TO BEGIN TEST</a:t>
-            </a:r>
+            <a:endParaRPr lang="en-US" sz="6000" b="1" dirty="0"/>
+          </a:p>
+          <a:p>
+            <a:pPr marL="0" indent="0" algn="ctr">
+              <a:buNone/>
+            </a:pPr>
+            <a:r>
+              <a:rPr lang="en-US" sz="6000" b="1" dirty="0"/>
+              <a:t>YOU FAILED!!</a:t>
+            </a:r>
+            <a:endParaRPr lang="en-US" sz="6000" dirty="0"/>
           </a:p>
         </p:txBody>
       </p:sp>
     </p:spTree>
     <p:extLst>
       <p:ext uri="{BB962C8B-B14F-4D97-AF65-F5344CB8AC3E}">
-        <p14:creationId xmlns:p14="http://schemas.microsoft.com/office/powerpoint/2010/main" val="2779063138"/>
+        <p14:creationId xmlns:p14="http://schemas.microsoft.com/office/powerpoint/2010/main" val="1487683954"/>
       </p:ext>
     </p:extLst>
   </p:cSld>
@@ -11614,6 +12048,55 @@
       </p:grpSpPr>
       <p:sp>
         <p:nvSpPr>
+          <p:cNvPr id="4" name="Rectangle 3">
+            <a:extLst>
+              <a:ext uri="{FF2B5EF4-FFF2-40B4-BE49-F238E27FC236}">
+                <a16:creationId xmlns:a16="http://schemas.microsoft.com/office/drawing/2014/main" id="{EEA24FE4-CF88-4576-8D74-4D4BF0A7AC43}"/>
+              </a:ext>
+            </a:extLst>
+          </p:cNvPr>
+          <p:cNvSpPr/>
+          <p:nvPr/>
+        </p:nvSpPr>
+        <p:spPr>
+          <a:xfrm>
+            <a:off x="0" y="0"/>
+            <a:ext cx="12192000" cy="6858000"/>
+          </a:xfrm>
+          <a:prstGeom prst="rect">
+            <a:avLst/>
+          </a:prstGeom>
+          <a:solidFill>
+            <a:srgbClr val="F1CB68"/>
+          </a:solidFill>
+        </p:spPr>
+        <p:style>
+          <a:lnRef idx="2">
+            <a:schemeClr val="accent1">
+              <a:shade val="50000"/>
+            </a:schemeClr>
+          </a:lnRef>
+          <a:fillRef idx="1">
+            <a:schemeClr val="accent1"/>
+          </a:fillRef>
+          <a:effectRef idx="0">
+            <a:schemeClr val="accent1"/>
+          </a:effectRef>
+          <a:fontRef idx="minor">
+            <a:schemeClr val="lt1"/>
+          </a:fontRef>
+        </p:style>
+        <p:txBody>
+          <a:bodyPr rtlCol="0" anchor="ctr"/>
+          <a:lstStyle/>
+          <a:p>
+            <a:pPr algn="ctr"/>
+            <a:endParaRPr lang="en-US"/>
+          </a:p>
+        </p:txBody>
+      </p:sp>
+      <p:sp>
+        <p:nvSpPr>
           <p:cNvPr id="3" name="Content Placeholder 2">
             <a:extLst>
               <a:ext uri="{FF2B5EF4-FFF2-40B4-BE49-F238E27FC236}">
@@ -11630,13 +12113,13 @@
         </p:nvSpPr>
         <p:spPr>
           <a:xfrm>
-            <a:off x="0" y="834189"/>
-            <a:ext cx="12192000" cy="5478379"/>
+            <a:off x="0" y="1825625"/>
+            <a:ext cx="12192000" cy="3275764"/>
           </a:xfrm>
         </p:spPr>
         <p:txBody>
           <a:bodyPr>
-            <a:normAutofit fontScale="92500" lnSpcReduction="20000"/>
+            <a:normAutofit/>
           </a:bodyPr>
           <a:lstStyle/>
           <a:p>
@@ -11644,62 +12127,92 @@
               <a:buNone/>
             </a:pPr>
             <a:r>
-              <a:rPr lang="en-US" sz="6000" b="1" dirty="0"/>
-              <a:t>TRIAL 1 - FAIL TEST</a:t>
-            </a:r>
-          </a:p>
-          <a:p>
-            <a:pPr marL="0" indent="0" algn="ctr">
-              <a:buNone/>
-            </a:pPr>
-            <a:r>
-              <a:rPr lang="en-US" sz="6000" b="1" dirty="0"/>
-              <a:t>TRIAL CRITERION + RANDOM (R) </a:t>
-            </a:r>
-          </a:p>
-          <a:p>
-            <a:pPr marL="0" indent="0" algn="ctr">
-              <a:buNone/>
-            </a:pPr>
-            <a:r>
-              <a:rPr lang="en-US" sz="6000" dirty="0"/>
-              <a:t>Enclosure: Invisible Floor</a:t>
-            </a:r>
-          </a:p>
-          <a:p>
-            <a:pPr marL="0" indent="0" algn="ctr">
-              <a:buNone/>
-            </a:pPr>
-            <a:r>
-              <a:rPr lang="en-US" sz="6000" dirty="0"/>
-              <a:t>All Goals: (V: Water, I: Water, Cube)</a:t>
-            </a:r>
-          </a:p>
-          <a:p>
-            <a:pPr marL="0" indent="0" algn="ctr">
-              <a:buNone/>
-            </a:pPr>
-            <a:r>
-              <a:rPr lang="en-US" sz="6000" dirty="0"/>
-              <a:t>Quota = 2</a:t>
-            </a:r>
-          </a:p>
-          <a:p>
-            <a:pPr marL="0" indent="0" algn="ctr">
-              <a:buNone/>
-            </a:pPr>
-            <a:r>
-              <a:rPr lang="en-US" sz="6000" dirty="0"/>
-              <a:t>Landmarks: All</a:t>
-            </a:r>
-          </a:p>
-          <a:p>
-            <a:pPr marL="0" indent="0" algn="ctr">
-              <a:buNone/>
-            </a:pPr>
-            <a:r>
-              <a:rPr lang="en-US" sz="6000" dirty="0"/>
-              <a:t>Scene #3</a:t>
+              <a:rPr lang="en-US" sz="6000" b="1" dirty="0">
+                <a:solidFill>
+                  <a:schemeClr val="bg1"/>
+                </a:solidFill>
+              </a:rPr>
+              <a:t>TESTING BLOCKS</a:t>
+            </a:r>
+          </a:p>
+          <a:p>
+            <a:pPr marL="0" indent="0" algn="ctr">
+              <a:buNone/>
+            </a:pPr>
+            <a:r>
+              <a:rPr lang="en-US" sz="6000" b="1" dirty="0">
+                <a:solidFill>
+                  <a:schemeClr val="bg1"/>
+                </a:solidFill>
+              </a:rPr>
+              <a:t>Trial Criterion = 3</a:t>
+            </a:r>
+          </a:p>
+          <a:p>
+            <a:pPr marL="0" indent="0" algn="ctr">
+              <a:buNone/>
+            </a:pPr>
+            <a:r>
+              <a:rPr lang="en-US" sz="6000" b="1" dirty="0">
+                <a:solidFill>
+                  <a:schemeClr val="bg1"/>
+                </a:solidFill>
+              </a:rPr>
+              <a:t>4 Trial – Pass Test</a:t>
+            </a:r>
+            <a:endParaRPr lang="en-US" sz="6000" dirty="0">
+              <a:solidFill>
+                <a:schemeClr val="bg1"/>
+              </a:solidFill>
+            </a:endParaRPr>
+          </a:p>
+        </p:txBody>
+      </p:sp>
+      <p:sp>
+        <p:nvSpPr>
+          <p:cNvPr id="5" name="Rectangle 4">
+            <a:extLst>
+              <a:ext uri="{FF2B5EF4-FFF2-40B4-BE49-F238E27FC236}">
+                <a16:creationId xmlns:a16="http://schemas.microsoft.com/office/drawing/2014/main" id="{55D69ED2-1123-41B1-8FF5-A1CD7F46B818}"/>
+              </a:ext>
+            </a:extLst>
+          </p:cNvPr>
+          <p:cNvSpPr/>
+          <p:nvPr/>
+        </p:nvSpPr>
+        <p:spPr>
+          <a:xfrm>
+            <a:off x="3172326" y="5403834"/>
+            <a:ext cx="5847347" cy="866274"/>
+          </a:xfrm>
+          <a:prstGeom prst="rect">
+            <a:avLst/>
+          </a:prstGeom>
+        </p:spPr>
+        <p:style>
+          <a:lnRef idx="2">
+            <a:schemeClr val="dk1">
+              <a:shade val="50000"/>
+            </a:schemeClr>
+          </a:lnRef>
+          <a:fillRef idx="1">
+            <a:schemeClr val="dk1"/>
+          </a:fillRef>
+          <a:effectRef idx="0">
+            <a:schemeClr val="dk1"/>
+          </a:effectRef>
+          <a:fontRef idx="minor">
+            <a:schemeClr val="lt1"/>
+          </a:fontRef>
+        </p:style>
+        <p:txBody>
+          <a:bodyPr rtlCol="0" anchor="ctr"/>
+          <a:lstStyle/>
+          <a:p>
+            <a:pPr algn="ctr"/>
+            <a:r>
+              <a:rPr lang="en-US" sz="3200" b="1" dirty="0"/>
+              <a:t>PRESS SPACE TO BEGIN TEST</a:t>
             </a:r>
           </a:p>
         </p:txBody>
@@ -11707,7 +12220,7 @@
     </p:spTree>
     <p:extLst>
       <p:ext uri="{BB962C8B-B14F-4D97-AF65-F5344CB8AC3E}">
-        <p14:creationId xmlns:p14="http://schemas.microsoft.com/office/powerpoint/2010/main" val="2910444434"/>
+        <p14:creationId xmlns:p14="http://schemas.microsoft.com/office/powerpoint/2010/main" val="3856981081"/>
       </p:ext>
     </p:extLst>
   </p:cSld>
@@ -11752,13 +12265,13 @@
         </p:nvSpPr>
         <p:spPr>
           <a:xfrm>
-            <a:off x="0" y="1126958"/>
-            <a:ext cx="12192000" cy="5273841"/>
+            <a:off x="0" y="1825625"/>
+            <a:ext cx="12192000" cy="3511485"/>
           </a:xfrm>
         </p:spPr>
         <p:txBody>
           <a:bodyPr>
-            <a:normAutofit fontScale="92500" lnSpcReduction="20000"/>
+            <a:normAutofit fontScale="70000" lnSpcReduction="20000"/>
           </a:bodyPr>
           <a:lstStyle/>
           <a:p>
@@ -11767,43 +12280,34 @@
             </a:pPr>
             <a:r>
               <a:rPr lang="en-US" sz="6000" b="1" dirty="0"/>
-              <a:t>TRIAL 2 – FAIL TEST</a:t>
-            </a:r>
-          </a:p>
-          <a:p>
-            <a:pPr marL="0" indent="0" algn="ctr">
-              <a:buNone/>
-            </a:pPr>
-            <a:r>
-              <a:rPr lang="en-US" sz="6000" b="1" dirty="0"/>
-              <a:t>TRIAL CRITERION + RANDOM (R) </a:t>
-            </a:r>
-          </a:p>
-          <a:p>
-            <a:pPr marL="0" indent="0" algn="ctr">
-              <a:buNone/>
-            </a:pPr>
-            <a:r>
-              <a:rPr lang="en-US" sz="6000" dirty="0"/>
-              <a:t>Enclosure: Square</a:t>
-            </a:r>
-          </a:p>
-          <a:p>
-            <a:pPr marL="0" indent="0" algn="ctr">
-              <a:buNone/>
-            </a:pPr>
-            <a:r>
-              <a:rPr lang="en-US" sz="6000" dirty="0"/>
-              <a:t>All Goals: All Active</a:t>
-            </a:r>
-          </a:p>
-          <a:p>
-            <a:pPr marL="0" indent="0" algn="ctr">
-              <a:buNone/>
-            </a:pPr>
-            <a:r>
-              <a:rPr lang="en-US" sz="6000" dirty="0"/>
-              <a:t>Quota = 4</a:t>
+              <a:t>PASS TEST TRIAL 1 </a:t>
+            </a:r>
+          </a:p>
+          <a:p>
+            <a:pPr marL="0" indent="0" algn="ctr">
+              <a:buNone/>
+            </a:pPr>
+            <a:r>
+              <a:rPr lang="en-US" sz="6000" dirty="0"/>
+              <a:t>Enclosure: Invisible Floor</a:t>
+            </a:r>
+          </a:p>
+          <a:p>
+            <a:pPr marL="0" indent="0" algn="ctr">
+              <a:buNone/>
+            </a:pPr>
+            <a:r>
+              <a:rPr lang="en-US" sz="6000" dirty="0"/>
+              <a:t>All Goals: (V: Water, I: Water, Cube)</a:t>
+            </a:r>
+          </a:p>
+          <a:p>
+            <a:pPr marL="0" indent="0" algn="ctr">
+              <a:buNone/>
+            </a:pPr>
+            <a:r>
+              <a:rPr lang="en-US" sz="6000" dirty="0"/>
+              <a:t>Quota = 2</a:t>
             </a:r>
           </a:p>
           <a:p>
@@ -11821,7 +12325,7 @@
             </a:pPr>
             <a:r>
               <a:rPr lang="en-US" sz="6000" dirty="0"/>
-              <a:t>Scene #2</a:t>
+              <a:t>Scene #3</a:t>
             </a:r>
           </a:p>
         </p:txBody>
@@ -11829,7 +12333,7 @@
     </p:spTree>
     <p:extLst>
       <p:ext uri="{BB962C8B-B14F-4D97-AF65-F5344CB8AC3E}">
-        <p14:creationId xmlns:p14="http://schemas.microsoft.com/office/powerpoint/2010/main" val="3771737692"/>
+        <p14:creationId xmlns:p14="http://schemas.microsoft.com/office/powerpoint/2010/main" val="3200952893"/>
       </p:ext>
     </p:extLst>
   </p:cSld>
@@ -11874,13 +12378,13 @@
         </p:nvSpPr>
         <p:spPr>
           <a:xfrm>
-            <a:off x="0" y="360947"/>
-            <a:ext cx="12192000" cy="5710990"/>
+            <a:off x="0" y="1825625"/>
+            <a:ext cx="12192000" cy="3511485"/>
           </a:xfrm>
         </p:spPr>
         <p:txBody>
           <a:bodyPr>
-            <a:normAutofit fontScale="92500" lnSpcReduction="10000"/>
+            <a:normAutofit fontScale="70000" lnSpcReduction="20000"/>
           </a:bodyPr>
           <a:lstStyle/>
           <a:p>
@@ -11889,43 +12393,34 @@
             </a:pPr>
             <a:r>
               <a:rPr lang="en-US" sz="6000" b="1" dirty="0"/>
-              <a:t>TRIAL 3 – FAIL TEST</a:t>
-            </a:r>
-          </a:p>
-          <a:p>
-            <a:pPr marL="0" indent="0" algn="ctr">
-              <a:buNone/>
-            </a:pPr>
-            <a:r>
-              <a:rPr lang="en-US" sz="6000" b="1" dirty="0"/>
-              <a:t>TRIAL CRITERION + RANDOM (R) </a:t>
-            </a:r>
-          </a:p>
-          <a:p>
-            <a:pPr marL="0" indent="0" algn="ctr">
-              <a:buNone/>
-            </a:pPr>
-            <a:r>
-              <a:rPr lang="en-US" sz="6000" dirty="0"/>
-              <a:t>Enclosure: Circle</a:t>
-            </a:r>
-          </a:p>
-          <a:p>
-            <a:pPr marL="0" indent="0" algn="ctr">
-              <a:buNone/>
-            </a:pPr>
-            <a:r>
-              <a:rPr lang="en-US" sz="6000" dirty="0"/>
-              <a:t>All Goals: (V: Cube + Apple, I: Sphere)</a:t>
-            </a:r>
-          </a:p>
-          <a:p>
-            <a:pPr marL="0" indent="0" algn="ctr">
-              <a:buNone/>
-            </a:pPr>
-            <a:r>
-              <a:rPr lang="en-US" sz="6000" dirty="0"/>
-              <a:t>Quota = 3</a:t>
+              <a:t>PASS TEST TRIAL 2 </a:t>
+            </a:r>
+          </a:p>
+          <a:p>
+            <a:pPr marL="0" indent="0" algn="ctr">
+              <a:buNone/>
+            </a:pPr>
+            <a:r>
+              <a:rPr lang="en-US" sz="6000" dirty="0"/>
+              <a:t>Enclosure: Square</a:t>
+            </a:r>
+          </a:p>
+          <a:p>
+            <a:pPr marL="0" indent="0" algn="ctr">
+              <a:buNone/>
+            </a:pPr>
+            <a:r>
+              <a:rPr lang="en-US" sz="6000" dirty="0"/>
+              <a:t>All Goals: All Active</a:t>
+            </a:r>
+          </a:p>
+          <a:p>
+            <a:pPr marL="0" indent="0" algn="ctr">
+              <a:buNone/>
+            </a:pPr>
+            <a:r>
+              <a:rPr lang="en-US" sz="6000" dirty="0"/>
+              <a:t>Quota = 4</a:t>
             </a:r>
           </a:p>
           <a:p>
@@ -11943,7 +12438,7 @@
             </a:pPr>
             <a:r>
               <a:rPr lang="en-US" sz="6000" dirty="0"/>
-              <a:t>Scene #3</a:t>
+              <a:t>Scene #2</a:t>
             </a:r>
           </a:p>
         </p:txBody>
@@ -11951,7 +12446,7 @@
     </p:spTree>
     <p:extLst>
       <p:ext uri="{BB962C8B-B14F-4D97-AF65-F5344CB8AC3E}">
-        <p14:creationId xmlns:p14="http://schemas.microsoft.com/office/powerpoint/2010/main" val="3232452050"/>
+        <p14:creationId xmlns:p14="http://schemas.microsoft.com/office/powerpoint/2010/main" val="4268816917"/>
       </p:ext>
     </p:extLst>
   </p:cSld>
@@ -12083,13 +12578,13 @@
         </p:nvSpPr>
         <p:spPr>
           <a:xfrm>
-            <a:off x="0" y="240633"/>
-            <a:ext cx="12192000" cy="6424862"/>
+            <a:off x="0" y="1825625"/>
+            <a:ext cx="12192000" cy="3511485"/>
           </a:xfrm>
         </p:spPr>
         <p:txBody>
           <a:bodyPr>
-            <a:normAutofit lnSpcReduction="10000"/>
+            <a:normAutofit fontScale="70000" lnSpcReduction="20000"/>
           </a:bodyPr>
           <a:lstStyle/>
           <a:p>
@@ -12098,43 +12593,34 @@
             </a:pPr>
             <a:r>
               <a:rPr lang="en-US" sz="6000" b="1" dirty="0"/>
-              <a:t>TRIAL 4 – FAIL TEST</a:t>
-            </a:r>
-          </a:p>
-          <a:p>
-            <a:pPr marL="0" indent="0" algn="ctr">
-              <a:buNone/>
-            </a:pPr>
-            <a:r>
-              <a:rPr lang="en-US" sz="6000" b="1" dirty="0"/>
-              <a:t>TRIAL CRITERION + RANDOM (R) </a:t>
-            </a:r>
-          </a:p>
-          <a:p>
-            <a:pPr marL="0" indent="0" algn="ctr">
-              <a:buNone/>
-            </a:pPr>
-            <a:r>
-              <a:rPr lang="en-US" sz="6000" dirty="0"/>
-              <a:t>Enclosure: Invisible Floor</a:t>
-            </a:r>
-          </a:p>
-          <a:p>
-            <a:pPr marL="0" indent="0" algn="ctr">
-              <a:buNone/>
-            </a:pPr>
-            <a:r>
-              <a:rPr lang="en-US" sz="6000" dirty="0"/>
-              <a:t>All Goals: (V: Sphere, I: Water)</a:t>
-            </a:r>
-          </a:p>
-          <a:p>
-            <a:pPr marL="0" indent="0" algn="ctr">
-              <a:buNone/>
-            </a:pPr>
-            <a:r>
-              <a:rPr lang="en-US" sz="6000" dirty="0"/>
-              <a:t>Quota = 2</a:t>
+              <a:t>PASS TEST TRIAL 3 </a:t>
+            </a:r>
+          </a:p>
+          <a:p>
+            <a:pPr marL="0" indent="0" algn="ctr">
+              <a:buNone/>
+            </a:pPr>
+            <a:r>
+              <a:rPr lang="en-US" sz="6000" dirty="0"/>
+              <a:t>Enclosure: Circle</a:t>
+            </a:r>
+          </a:p>
+          <a:p>
+            <a:pPr marL="0" indent="0" algn="ctr">
+              <a:buNone/>
+            </a:pPr>
+            <a:r>
+              <a:rPr lang="en-US" sz="6000" dirty="0"/>
+              <a:t>All Goals: (V: Cube + Apple, I: Sphere)</a:t>
+            </a:r>
+          </a:p>
+          <a:p>
+            <a:pPr marL="0" indent="0" algn="ctr">
+              <a:buNone/>
+            </a:pPr>
+            <a:r>
+              <a:rPr lang="en-US" sz="6000" dirty="0"/>
+              <a:t>Quota = 3</a:t>
             </a:r>
           </a:p>
           <a:p>
@@ -12160,7 +12646,7 @@
     </p:spTree>
     <p:extLst>
       <p:ext uri="{BB962C8B-B14F-4D97-AF65-F5344CB8AC3E}">
-        <p14:creationId xmlns:p14="http://schemas.microsoft.com/office/powerpoint/2010/main" val="4265112007"/>
+        <p14:creationId xmlns:p14="http://schemas.microsoft.com/office/powerpoint/2010/main" val="2339334942"/>
       </p:ext>
     </p:extLst>
   </p:cSld>
@@ -12189,55 +12675,6 @@
       </p:grpSpPr>
       <p:sp>
         <p:nvSpPr>
-          <p:cNvPr id="4" name="Rectangle 3">
-            <a:extLst>
-              <a:ext uri="{FF2B5EF4-FFF2-40B4-BE49-F238E27FC236}">
-                <a16:creationId xmlns:a16="http://schemas.microsoft.com/office/drawing/2014/main" id="{EEA24FE4-CF88-4576-8D74-4D4BF0A7AC43}"/>
-              </a:ext>
-            </a:extLst>
-          </p:cNvPr>
-          <p:cNvSpPr/>
-          <p:nvPr/>
-        </p:nvSpPr>
-        <p:spPr>
-          <a:xfrm>
-            <a:off x="0" y="0"/>
-            <a:ext cx="12192000" cy="6858000"/>
-          </a:xfrm>
-          <a:prstGeom prst="rect">
-            <a:avLst/>
-          </a:prstGeom>
-          <a:solidFill>
-            <a:srgbClr val="F1CB68"/>
-          </a:solidFill>
-        </p:spPr>
-        <p:style>
-          <a:lnRef idx="2">
-            <a:schemeClr val="accent1">
-              <a:shade val="50000"/>
-            </a:schemeClr>
-          </a:lnRef>
-          <a:fillRef idx="1">
-            <a:schemeClr val="accent1"/>
-          </a:fillRef>
-          <a:effectRef idx="0">
-            <a:schemeClr val="accent1"/>
-          </a:effectRef>
-          <a:fontRef idx="minor">
-            <a:schemeClr val="lt1"/>
-          </a:fontRef>
-        </p:style>
-        <p:txBody>
-          <a:bodyPr rtlCol="0" anchor="ctr"/>
-          <a:lstStyle/>
-          <a:p>
-            <a:pPr algn="ctr"/>
-            <a:endParaRPr lang="en-US"/>
-          </a:p>
-        </p:txBody>
-      </p:sp>
-      <p:sp>
-        <p:nvSpPr>
           <p:cNvPr id="3" name="Content Placeholder 2">
             <a:extLst>
               <a:ext uri="{FF2B5EF4-FFF2-40B4-BE49-F238E27FC236}">
@@ -12255,12 +12692,12 @@
         <p:spPr>
           <a:xfrm>
             <a:off x="0" y="1825625"/>
-            <a:ext cx="12192000" cy="3275764"/>
+            <a:ext cx="12192000" cy="3511485"/>
           </a:xfrm>
         </p:spPr>
         <p:txBody>
           <a:bodyPr>
-            <a:normAutofit/>
+            <a:normAutofit fontScale="70000" lnSpcReduction="20000"/>
           </a:bodyPr>
           <a:lstStyle/>
           <a:p>
@@ -12268,92 +12705,53 @@
               <a:buNone/>
             </a:pPr>
             <a:r>
-              <a:rPr lang="en-US" sz="6000" b="1" dirty="0">
-                <a:solidFill>
-                  <a:schemeClr val="bg1"/>
-                </a:solidFill>
-              </a:rPr>
-              <a:t>TESTING BLOCKS</a:t>
-            </a:r>
-          </a:p>
-          <a:p>
-            <a:pPr marL="0" indent="0" algn="ctr">
-              <a:buNone/>
-            </a:pPr>
-            <a:r>
-              <a:rPr lang="en-US" sz="6000" b="1" dirty="0">
-                <a:solidFill>
-                  <a:schemeClr val="bg1"/>
-                </a:solidFill>
-              </a:rPr>
-              <a:t>Trial Criterion = 3</a:t>
-            </a:r>
-          </a:p>
-          <a:p>
-            <a:pPr marL="0" indent="0" algn="ctr">
-              <a:buNone/>
-            </a:pPr>
-            <a:r>
-              <a:rPr lang="en-US" sz="6000" b="1" dirty="0">
-                <a:solidFill>
-                  <a:schemeClr val="bg1"/>
-                </a:solidFill>
-              </a:rPr>
-              <a:t>Random (R) 2x4 Trial – PASS Test</a:t>
-            </a:r>
-            <a:endParaRPr lang="en-US" sz="6000" dirty="0">
-              <a:solidFill>
-                <a:schemeClr val="bg1"/>
-              </a:solidFill>
-            </a:endParaRPr>
-          </a:p>
-        </p:txBody>
-      </p:sp>
-      <p:sp>
-        <p:nvSpPr>
-          <p:cNvPr id="5" name="Rectangle 4">
-            <a:extLst>
-              <a:ext uri="{FF2B5EF4-FFF2-40B4-BE49-F238E27FC236}">
-                <a16:creationId xmlns:a16="http://schemas.microsoft.com/office/drawing/2014/main" id="{AD1D12CF-96BF-4068-B2D3-5785E65C5F15}"/>
-              </a:ext>
-            </a:extLst>
-          </p:cNvPr>
-          <p:cNvSpPr/>
-          <p:nvPr/>
-        </p:nvSpPr>
-        <p:spPr>
-          <a:xfrm>
-            <a:off x="3172326" y="5403834"/>
-            <a:ext cx="5847347" cy="866274"/>
-          </a:xfrm>
-          <a:prstGeom prst="rect">
-            <a:avLst/>
-          </a:prstGeom>
-        </p:spPr>
-        <p:style>
-          <a:lnRef idx="2">
-            <a:schemeClr val="dk1">
-              <a:shade val="50000"/>
-            </a:schemeClr>
-          </a:lnRef>
-          <a:fillRef idx="1">
-            <a:schemeClr val="dk1"/>
-          </a:fillRef>
-          <a:effectRef idx="0">
-            <a:schemeClr val="dk1"/>
-          </a:effectRef>
-          <a:fontRef idx="minor">
-            <a:schemeClr val="lt1"/>
-          </a:fontRef>
-        </p:style>
-        <p:txBody>
-          <a:bodyPr rtlCol="0" anchor="ctr"/>
-          <a:lstStyle/>
-          <a:p>
-            <a:pPr algn="ctr"/>
-            <a:r>
-              <a:rPr lang="en-US" sz="3200" b="1" dirty="0"/>
-              <a:t>PRESS SPACE TO BEGIN TEST</a:t>
+              <a:rPr lang="en-US" sz="6000" b="1" dirty="0"/>
+              <a:t>PASS TEST TRIAL 4  </a:t>
+            </a:r>
+          </a:p>
+          <a:p>
+            <a:pPr marL="0" indent="0" algn="ctr">
+              <a:buNone/>
+            </a:pPr>
+            <a:r>
+              <a:rPr lang="en-US" sz="6000" dirty="0"/>
+              <a:t>Enclosure: Invisible Floor</a:t>
+            </a:r>
+          </a:p>
+          <a:p>
+            <a:pPr marL="0" indent="0" algn="ctr">
+              <a:buNone/>
+            </a:pPr>
+            <a:r>
+              <a:rPr lang="en-US" sz="6000" dirty="0"/>
+              <a:t>All Goals: (V: Sphere, I: Water)</a:t>
+            </a:r>
+          </a:p>
+          <a:p>
+            <a:pPr marL="0" indent="0" algn="ctr">
+              <a:buNone/>
+            </a:pPr>
+            <a:r>
+              <a:rPr lang="en-US" sz="6000" dirty="0"/>
+              <a:t>Quota = 2</a:t>
+            </a:r>
+          </a:p>
+          <a:p>
+            <a:pPr marL="0" indent="0" algn="ctr">
+              <a:buNone/>
+            </a:pPr>
+            <a:r>
+              <a:rPr lang="en-US" sz="6000" dirty="0"/>
+              <a:t>Landmarks: All</a:t>
+            </a:r>
+          </a:p>
+          <a:p>
+            <a:pPr marL="0" indent="0" algn="ctr">
+              <a:buNone/>
+            </a:pPr>
+            <a:r>
+              <a:rPr lang="en-US" sz="6000" dirty="0"/>
+              <a:t>Scene #3</a:t>
             </a:r>
           </a:p>
         </p:txBody>
@@ -12361,7 +12759,7 @@
     </p:spTree>
     <p:extLst>
       <p:ext uri="{BB962C8B-B14F-4D97-AF65-F5344CB8AC3E}">
-        <p14:creationId xmlns:p14="http://schemas.microsoft.com/office/powerpoint/2010/main" val="2532454869"/>
+        <p14:creationId xmlns:p14="http://schemas.microsoft.com/office/powerpoint/2010/main" val="1091496252"/>
       </p:ext>
     </p:extLst>
   </p:cSld>
@@ -12390,6 +12788,55 @@
       </p:grpSpPr>
       <p:sp>
         <p:nvSpPr>
+          <p:cNvPr id="4" name="Rectangle 3">
+            <a:extLst>
+              <a:ext uri="{FF2B5EF4-FFF2-40B4-BE49-F238E27FC236}">
+                <a16:creationId xmlns:a16="http://schemas.microsoft.com/office/drawing/2014/main" id="{EEA24FE4-CF88-4576-8D74-4D4BF0A7AC43}"/>
+              </a:ext>
+            </a:extLst>
+          </p:cNvPr>
+          <p:cNvSpPr/>
+          <p:nvPr/>
+        </p:nvSpPr>
+        <p:spPr>
+          <a:xfrm>
+            <a:off x="0" y="0"/>
+            <a:ext cx="12192000" cy="6858000"/>
+          </a:xfrm>
+          <a:prstGeom prst="rect">
+            <a:avLst/>
+          </a:prstGeom>
+          <a:solidFill>
+            <a:srgbClr val="F1CB68"/>
+          </a:solidFill>
+        </p:spPr>
+        <p:style>
+          <a:lnRef idx="2">
+            <a:schemeClr val="accent1">
+              <a:shade val="50000"/>
+            </a:schemeClr>
+          </a:lnRef>
+          <a:fillRef idx="1">
+            <a:schemeClr val="accent1"/>
+          </a:fillRef>
+          <a:effectRef idx="0">
+            <a:schemeClr val="accent1"/>
+          </a:effectRef>
+          <a:fontRef idx="minor">
+            <a:schemeClr val="lt1"/>
+          </a:fontRef>
+        </p:style>
+        <p:txBody>
+          <a:bodyPr rtlCol="0" anchor="ctr"/>
+          <a:lstStyle/>
+          <a:p>
+            <a:pPr algn="ctr"/>
+            <a:endParaRPr lang="en-US"/>
+          </a:p>
+        </p:txBody>
+      </p:sp>
+      <p:sp>
+        <p:nvSpPr>
           <p:cNvPr id="3" name="Content Placeholder 2">
             <a:extLst>
               <a:ext uri="{FF2B5EF4-FFF2-40B4-BE49-F238E27FC236}">
@@ -12406,13 +12853,13 @@
         </p:nvSpPr>
         <p:spPr>
           <a:xfrm>
-            <a:off x="0" y="834189"/>
-            <a:ext cx="12192000" cy="5478379"/>
+            <a:off x="0" y="1825625"/>
+            <a:ext cx="12192000" cy="3275764"/>
           </a:xfrm>
         </p:spPr>
         <p:txBody>
           <a:bodyPr>
-            <a:normAutofit fontScale="92500" lnSpcReduction="20000"/>
+            <a:normAutofit/>
           </a:bodyPr>
           <a:lstStyle/>
           <a:p>
@@ -12420,62 +12867,92 @@
               <a:buNone/>
             </a:pPr>
             <a:r>
-              <a:rPr lang="en-US" sz="6000" b="1" dirty="0"/>
-              <a:t>TRIAL 1 - PASS TEST</a:t>
-            </a:r>
-          </a:p>
-          <a:p>
-            <a:pPr marL="0" indent="0" algn="ctr">
-              <a:buNone/>
-            </a:pPr>
-            <a:r>
-              <a:rPr lang="en-US" sz="6000" b="1" dirty="0"/>
-              <a:t>TRIAL CRITERION + RANDOM (R) </a:t>
-            </a:r>
-          </a:p>
-          <a:p>
-            <a:pPr marL="0" indent="0" algn="ctr">
-              <a:buNone/>
-            </a:pPr>
-            <a:r>
-              <a:rPr lang="en-US" sz="6000" dirty="0"/>
-              <a:t>Enclosure: Invisible Floor</a:t>
-            </a:r>
-          </a:p>
-          <a:p>
-            <a:pPr marL="0" indent="0" algn="ctr">
-              <a:buNone/>
-            </a:pPr>
-            <a:r>
-              <a:rPr lang="en-US" sz="6000" dirty="0"/>
-              <a:t>All Goals: (V: Water, I: Water, Cube)</a:t>
-            </a:r>
-          </a:p>
-          <a:p>
-            <a:pPr marL="0" indent="0" algn="ctr">
-              <a:buNone/>
-            </a:pPr>
-            <a:r>
-              <a:rPr lang="en-US" sz="6000" dirty="0"/>
-              <a:t>Quota = 2</a:t>
-            </a:r>
-          </a:p>
-          <a:p>
-            <a:pPr marL="0" indent="0" algn="ctr">
-              <a:buNone/>
-            </a:pPr>
-            <a:r>
-              <a:rPr lang="en-US" sz="6000" dirty="0"/>
-              <a:t>Landmarks: All</a:t>
-            </a:r>
-          </a:p>
-          <a:p>
-            <a:pPr marL="0" indent="0" algn="ctr">
-              <a:buNone/>
-            </a:pPr>
-            <a:r>
-              <a:rPr lang="en-US" sz="6000" dirty="0"/>
-              <a:t>Scene #3</a:t>
+              <a:rPr lang="en-US" sz="6000" b="1" dirty="0">
+                <a:solidFill>
+                  <a:schemeClr val="bg1"/>
+                </a:solidFill>
+              </a:rPr>
+              <a:t>TESTING BLOCKS</a:t>
+            </a:r>
+          </a:p>
+          <a:p>
+            <a:pPr marL="0" indent="0" algn="ctr">
+              <a:buNone/>
+            </a:pPr>
+            <a:r>
+              <a:rPr lang="en-US" sz="6000" b="1" dirty="0">
+                <a:solidFill>
+                  <a:schemeClr val="bg1"/>
+                </a:solidFill>
+              </a:rPr>
+              <a:t>Trial Criterion = 3</a:t>
+            </a:r>
+          </a:p>
+          <a:p>
+            <a:pPr marL="0" indent="0" algn="ctr">
+              <a:buNone/>
+            </a:pPr>
+            <a:r>
+              <a:rPr lang="en-US" sz="6000" b="1" dirty="0">
+                <a:solidFill>
+                  <a:schemeClr val="bg1"/>
+                </a:solidFill>
+              </a:rPr>
+              <a:t>Random (R) 2x4 Trial – FAIL Test</a:t>
+            </a:r>
+            <a:endParaRPr lang="en-US" sz="6000" dirty="0">
+              <a:solidFill>
+                <a:schemeClr val="bg1"/>
+              </a:solidFill>
+            </a:endParaRPr>
+          </a:p>
+        </p:txBody>
+      </p:sp>
+      <p:sp>
+        <p:nvSpPr>
+          <p:cNvPr id="5" name="Rectangle 4">
+            <a:extLst>
+              <a:ext uri="{FF2B5EF4-FFF2-40B4-BE49-F238E27FC236}">
+                <a16:creationId xmlns:a16="http://schemas.microsoft.com/office/drawing/2014/main" id="{C196E51C-464B-43DE-BB7E-C8035C94136E}"/>
+              </a:ext>
+            </a:extLst>
+          </p:cNvPr>
+          <p:cNvSpPr/>
+          <p:nvPr/>
+        </p:nvSpPr>
+        <p:spPr>
+          <a:xfrm>
+            <a:off x="3172326" y="5403834"/>
+            <a:ext cx="5847347" cy="866274"/>
+          </a:xfrm>
+          <a:prstGeom prst="rect">
+            <a:avLst/>
+          </a:prstGeom>
+        </p:spPr>
+        <p:style>
+          <a:lnRef idx="2">
+            <a:schemeClr val="dk1">
+              <a:shade val="50000"/>
+            </a:schemeClr>
+          </a:lnRef>
+          <a:fillRef idx="1">
+            <a:schemeClr val="dk1"/>
+          </a:fillRef>
+          <a:effectRef idx="0">
+            <a:schemeClr val="dk1"/>
+          </a:effectRef>
+          <a:fontRef idx="minor">
+            <a:schemeClr val="lt1"/>
+          </a:fontRef>
+        </p:style>
+        <p:txBody>
+          <a:bodyPr rtlCol="0" anchor="ctr"/>
+          <a:lstStyle/>
+          <a:p>
+            <a:pPr algn="ctr"/>
+            <a:r>
+              <a:rPr lang="en-US" sz="3200" b="1" dirty="0"/>
+              <a:t>PRESS SPACE TO BEGIN TEST</a:t>
             </a:r>
           </a:p>
         </p:txBody>
@@ -12483,7 +12960,7 @@
     </p:spTree>
     <p:extLst>
       <p:ext uri="{BB962C8B-B14F-4D97-AF65-F5344CB8AC3E}">
-        <p14:creationId xmlns:p14="http://schemas.microsoft.com/office/powerpoint/2010/main" val="1053132312"/>
+        <p14:creationId xmlns:p14="http://schemas.microsoft.com/office/powerpoint/2010/main" val="2779063138"/>
       </p:ext>
     </p:extLst>
   </p:cSld>
@@ -12528,8 +13005,8 @@
         </p:nvSpPr>
         <p:spPr>
           <a:xfrm>
-            <a:off x="0" y="1126958"/>
-            <a:ext cx="12192000" cy="5273841"/>
+            <a:off x="0" y="834189"/>
+            <a:ext cx="12192000" cy="5478379"/>
           </a:xfrm>
         </p:spPr>
         <p:txBody>
@@ -12543,7 +13020,7 @@
             </a:pPr>
             <a:r>
               <a:rPr lang="en-US" sz="6000" b="1" dirty="0"/>
-              <a:t>TRIAL 2 – PASS TEST</a:t>
+              <a:t>TRIAL 1 - FAIL TEST</a:t>
             </a:r>
           </a:p>
           <a:p>
@@ -12561,25 +13038,25 @@
             </a:pPr>
             <a:r>
               <a:rPr lang="en-US" sz="6000" dirty="0"/>
-              <a:t>Enclosure: Square</a:t>
-            </a:r>
-          </a:p>
-          <a:p>
-            <a:pPr marL="0" indent="0" algn="ctr">
-              <a:buNone/>
-            </a:pPr>
-            <a:r>
-              <a:rPr lang="en-US" sz="6000" dirty="0"/>
-              <a:t>All Goals: All Active</a:t>
-            </a:r>
-          </a:p>
-          <a:p>
-            <a:pPr marL="0" indent="0" algn="ctr">
-              <a:buNone/>
-            </a:pPr>
-            <a:r>
-              <a:rPr lang="en-US" sz="6000" dirty="0"/>
-              <a:t>Quota = 4</a:t>
+              <a:t>Enclosure: Invisible Floor</a:t>
+            </a:r>
+          </a:p>
+          <a:p>
+            <a:pPr marL="0" indent="0" algn="ctr">
+              <a:buNone/>
+            </a:pPr>
+            <a:r>
+              <a:rPr lang="en-US" sz="6000" dirty="0"/>
+              <a:t>All Goals: (V: Water, I: Water, Cube)</a:t>
+            </a:r>
+          </a:p>
+          <a:p>
+            <a:pPr marL="0" indent="0" algn="ctr">
+              <a:buNone/>
+            </a:pPr>
+            <a:r>
+              <a:rPr lang="en-US" sz="6000" dirty="0"/>
+              <a:t>Quota = 2</a:t>
             </a:r>
           </a:p>
           <a:p>
@@ -12597,7 +13074,7 @@
             </a:pPr>
             <a:r>
               <a:rPr lang="en-US" sz="6000" dirty="0"/>
-              <a:t>Scene #2</a:t>
+              <a:t>Scene #3</a:t>
             </a:r>
           </a:p>
         </p:txBody>
@@ -12605,7 +13082,7 @@
     </p:spTree>
     <p:extLst>
       <p:ext uri="{BB962C8B-B14F-4D97-AF65-F5344CB8AC3E}">
-        <p14:creationId xmlns:p14="http://schemas.microsoft.com/office/powerpoint/2010/main" val="1997916702"/>
+        <p14:creationId xmlns:p14="http://schemas.microsoft.com/office/powerpoint/2010/main" val="2910444434"/>
       </p:ext>
     </p:extLst>
   </p:cSld>
@@ -12650,13 +13127,13 @@
         </p:nvSpPr>
         <p:spPr>
           <a:xfrm>
-            <a:off x="0" y="360947"/>
-            <a:ext cx="12192000" cy="5710990"/>
+            <a:off x="0" y="1126958"/>
+            <a:ext cx="12192000" cy="5273841"/>
           </a:xfrm>
         </p:spPr>
         <p:txBody>
           <a:bodyPr>
-            <a:normAutofit fontScale="92500" lnSpcReduction="10000"/>
+            <a:normAutofit fontScale="92500" lnSpcReduction="20000"/>
           </a:bodyPr>
           <a:lstStyle/>
           <a:p>
@@ -12665,7 +13142,7 @@
             </a:pPr>
             <a:r>
               <a:rPr lang="en-US" sz="6000" b="1" dirty="0"/>
-              <a:t>TRIAL 3 – PASS TEST</a:t>
+              <a:t>TRIAL 2 – FAIL TEST</a:t>
             </a:r>
           </a:p>
           <a:p>
@@ -12683,25 +13160,25 @@
             </a:pPr>
             <a:r>
               <a:rPr lang="en-US" sz="6000" dirty="0"/>
-              <a:t>Enclosure: Circle</a:t>
-            </a:r>
-          </a:p>
-          <a:p>
-            <a:pPr marL="0" indent="0" algn="ctr">
-              <a:buNone/>
-            </a:pPr>
-            <a:r>
-              <a:rPr lang="en-US" sz="6000" dirty="0"/>
-              <a:t>All Goals: (V: Cube + Apple, I: Sphere)</a:t>
-            </a:r>
-          </a:p>
-          <a:p>
-            <a:pPr marL="0" indent="0" algn="ctr">
-              <a:buNone/>
-            </a:pPr>
-            <a:r>
-              <a:rPr lang="en-US" sz="6000" dirty="0"/>
-              <a:t>Quota = 3</a:t>
+              <a:t>Enclosure: Square</a:t>
+            </a:r>
+          </a:p>
+          <a:p>
+            <a:pPr marL="0" indent="0" algn="ctr">
+              <a:buNone/>
+            </a:pPr>
+            <a:r>
+              <a:rPr lang="en-US" sz="6000" dirty="0"/>
+              <a:t>All Goals: All Active</a:t>
+            </a:r>
+          </a:p>
+          <a:p>
+            <a:pPr marL="0" indent="0" algn="ctr">
+              <a:buNone/>
+            </a:pPr>
+            <a:r>
+              <a:rPr lang="en-US" sz="6000" dirty="0"/>
+              <a:t>Quota = 4</a:t>
             </a:r>
           </a:p>
           <a:p>
@@ -12719,7 +13196,7 @@
             </a:pPr>
             <a:r>
               <a:rPr lang="en-US" sz="6000" dirty="0"/>
-              <a:t>Scene #3</a:t>
+              <a:t>Scene #2</a:t>
             </a:r>
           </a:p>
         </p:txBody>
@@ -12727,7 +13204,7 @@
     </p:spTree>
     <p:extLst>
       <p:ext uri="{BB962C8B-B14F-4D97-AF65-F5344CB8AC3E}">
-        <p14:creationId xmlns:p14="http://schemas.microsoft.com/office/powerpoint/2010/main" val="55320859"/>
+        <p14:creationId xmlns:p14="http://schemas.microsoft.com/office/powerpoint/2010/main" val="3771737692"/>
       </p:ext>
     </p:extLst>
   </p:cSld>
@@ -12772,13 +13249,13 @@
         </p:nvSpPr>
         <p:spPr>
           <a:xfrm>
-            <a:off x="0" y="240633"/>
-            <a:ext cx="12192000" cy="6424862"/>
+            <a:off x="0" y="360947"/>
+            <a:ext cx="12192000" cy="5710990"/>
           </a:xfrm>
         </p:spPr>
         <p:txBody>
           <a:bodyPr>
-            <a:normAutofit lnSpcReduction="10000"/>
+            <a:normAutofit fontScale="92500" lnSpcReduction="10000"/>
           </a:bodyPr>
           <a:lstStyle/>
           <a:p>
@@ -12787,7 +13264,7 @@
             </a:pPr>
             <a:r>
               <a:rPr lang="en-US" sz="6000" b="1" dirty="0"/>
-              <a:t>TRIAL 4 – PASS TEST</a:t>
+              <a:t>TRIAL 3 – FAIL TEST</a:t>
             </a:r>
           </a:p>
           <a:p>
@@ -12805,25 +13282,25 @@
             </a:pPr>
             <a:r>
               <a:rPr lang="en-US" sz="6000" dirty="0"/>
-              <a:t>Enclosure: Invisible Floor</a:t>
-            </a:r>
-          </a:p>
-          <a:p>
-            <a:pPr marL="0" indent="0" algn="ctr">
-              <a:buNone/>
-            </a:pPr>
-            <a:r>
-              <a:rPr lang="en-US" sz="6000" dirty="0"/>
-              <a:t>All Goals: (V: Sphere, I: Water)</a:t>
-            </a:r>
-          </a:p>
-          <a:p>
-            <a:pPr marL="0" indent="0" algn="ctr">
-              <a:buNone/>
-            </a:pPr>
-            <a:r>
-              <a:rPr lang="en-US" sz="6000" dirty="0"/>
-              <a:t>Quota = 2</a:t>
+              <a:t>Enclosure: Circle</a:t>
+            </a:r>
+          </a:p>
+          <a:p>
+            <a:pPr marL="0" indent="0" algn="ctr">
+              <a:buNone/>
+            </a:pPr>
+            <a:r>
+              <a:rPr lang="en-US" sz="6000" dirty="0"/>
+              <a:t>All Goals: (V: Cube + Apple, I: Sphere)</a:t>
+            </a:r>
+          </a:p>
+          <a:p>
+            <a:pPr marL="0" indent="0" algn="ctr">
+              <a:buNone/>
+            </a:pPr>
+            <a:r>
+              <a:rPr lang="en-US" sz="6000" dirty="0"/>
+              <a:t>Quota = 3</a:t>
             </a:r>
           </a:p>
           <a:p>
@@ -12849,7 +13326,7 @@
     </p:spTree>
     <p:extLst>
       <p:ext uri="{BB962C8B-B14F-4D97-AF65-F5344CB8AC3E}">
-        <p14:creationId xmlns:p14="http://schemas.microsoft.com/office/powerpoint/2010/main" val="73056379"/>
+        <p14:creationId xmlns:p14="http://schemas.microsoft.com/office/powerpoint/2010/main" val="3232452050"/>
       </p:ext>
     </p:extLst>
   </p:cSld>
@@ -12878,55 +13355,6 @@
       </p:grpSpPr>
       <p:sp>
         <p:nvSpPr>
-          <p:cNvPr id="4" name="Rectangle 3">
-            <a:extLst>
-              <a:ext uri="{FF2B5EF4-FFF2-40B4-BE49-F238E27FC236}">
-                <a16:creationId xmlns:a16="http://schemas.microsoft.com/office/drawing/2014/main" id="{EEA24FE4-CF88-4576-8D74-4D4BF0A7AC43}"/>
-              </a:ext>
-            </a:extLst>
-          </p:cNvPr>
-          <p:cNvSpPr/>
-          <p:nvPr/>
-        </p:nvSpPr>
-        <p:spPr>
-          <a:xfrm>
-            <a:off x="0" y="0"/>
-            <a:ext cx="12192000" cy="6858000"/>
-          </a:xfrm>
-          <a:prstGeom prst="rect">
-            <a:avLst/>
-          </a:prstGeom>
-          <a:solidFill>
-            <a:srgbClr val="F1CB68"/>
-          </a:solidFill>
-        </p:spPr>
-        <p:style>
-          <a:lnRef idx="2">
-            <a:schemeClr val="accent1">
-              <a:shade val="50000"/>
-            </a:schemeClr>
-          </a:lnRef>
-          <a:fillRef idx="1">
-            <a:schemeClr val="accent1"/>
-          </a:fillRef>
-          <a:effectRef idx="0">
-            <a:schemeClr val="accent1"/>
-          </a:effectRef>
-          <a:fontRef idx="minor">
-            <a:schemeClr val="lt1"/>
-          </a:fontRef>
-        </p:style>
-        <p:txBody>
-          <a:bodyPr rtlCol="0" anchor="ctr"/>
-          <a:lstStyle/>
-          <a:p>
-            <a:pPr algn="ctr"/>
-            <a:endParaRPr lang="en-US"/>
-          </a:p>
-        </p:txBody>
-      </p:sp>
-      <p:sp>
-        <p:nvSpPr>
           <p:cNvPr id="3" name="Content Placeholder 2">
             <a:extLst>
               <a:ext uri="{FF2B5EF4-FFF2-40B4-BE49-F238E27FC236}">
@@ -12943,13 +13371,13 @@
         </p:nvSpPr>
         <p:spPr>
           <a:xfrm>
-            <a:off x="0" y="1825625"/>
-            <a:ext cx="12192000" cy="3275764"/>
+            <a:off x="0" y="240633"/>
+            <a:ext cx="12192000" cy="6424862"/>
           </a:xfrm>
         </p:spPr>
         <p:txBody>
           <a:bodyPr>
-            <a:normAutofit/>
+            <a:normAutofit lnSpcReduction="10000"/>
           </a:bodyPr>
           <a:lstStyle/>
           <a:p>
@@ -12957,92 +13385,62 @@
               <a:buNone/>
             </a:pPr>
             <a:r>
-              <a:rPr lang="en-US" sz="6000" b="1" dirty="0">
-                <a:solidFill>
-                  <a:schemeClr val="bg1"/>
-                </a:solidFill>
-              </a:rPr>
-              <a:t>TESTING BLOCKS</a:t>
-            </a:r>
-          </a:p>
-          <a:p>
-            <a:pPr marL="0" indent="0" algn="ctr">
-              <a:buNone/>
-            </a:pPr>
-            <a:r>
-              <a:rPr lang="en-US" sz="6000" b="1" dirty="0">
-                <a:solidFill>
-                  <a:schemeClr val="bg1"/>
-                </a:solidFill>
-              </a:rPr>
-              <a:t>Trial Criterion = 3</a:t>
-            </a:r>
-          </a:p>
-          <a:p>
-            <a:pPr marL="0" indent="0" algn="ctr">
-              <a:buNone/>
-            </a:pPr>
-            <a:r>
-              <a:rPr lang="en-US" sz="6000" b="1" dirty="0">
-                <a:solidFill>
-                  <a:schemeClr val="bg1"/>
-                </a:solidFill>
-              </a:rPr>
-              <a:t>Random (NO R) 4 Trial – FAIL Test</a:t>
-            </a:r>
-            <a:endParaRPr lang="en-US" sz="6000" dirty="0">
-              <a:solidFill>
-                <a:schemeClr val="bg1"/>
-              </a:solidFill>
-            </a:endParaRPr>
-          </a:p>
-        </p:txBody>
-      </p:sp>
-      <p:sp>
-        <p:nvSpPr>
-          <p:cNvPr id="5" name="Rectangle 4">
-            <a:extLst>
-              <a:ext uri="{FF2B5EF4-FFF2-40B4-BE49-F238E27FC236}">
-                <a16:creationId xmlns:a16="http://schemas.microsoft.com/office/drawing/2014/main" id="{BA84D5DB-1ECE-4237-B45C-C6E5B618BBC4}"/>
-              </a:ext>
-            </a:extLst>
-          </p:cNvPr>
-          <p:cNvSpPr/>
-          <p:nvPr/>
-        </p:nvSpPr>
-        <p:spPr>
-          <a:xfrm>
-            <a:off x="3172326" y="5403834"/>
-            <a:ext cx="5847347" cy="866274"/>
-          </a:xfrm>
-          <a:prstGeom prst="rect">
-            <a:avLst/>
-          </a:prstGeom>
-        </p:spPr>
-        <p:style>
-          <a:lnRef idx="2">
-            <a:schemeClr val="dk1">
-              <a:shade val="50000"/>
-            </a:schemeClr>
-          </a:lnRef>
-          <a:fillRef idx="1">
-            <a:schemeClr val="dk1"/>
-          </a:fillRef>
-          <a:effectRef idx="0">
-            <a:schemeClr val="dk1"/>
-          </a:effectRef>
-          <a:fontRef idx="minor">
-            <a:schemeClr val="lt1"/>
-          </a:fontRef>
-        </p:style>
-        <p:txBody>
-          <a:bodyPr rtlCol="0" anchor="ctr"/>
-          <a:lstStyle/>
-          <a:p>
-            <a:pPr algn="ctr"/>
-            <a:r>
-              <a:rPr lang="en-US" sz="3200" b="1" dirty="0"/>
-              <a:t>PRESS SPACE TO BEGIN TEST</a:t>
+              <a:rPr lang="en-US" sz="6000" b="1" dirty="0"/>
+              <a:t>TRIAL 4 – FAIL TEST</a:t>
+            </a:r>
+          </a:p>
+          <a:p>
+            <a:pPr marL="0" indent="0" algn="ctr">
+              <a:buNone/>
+            </a:pPr>
+            <a:r>
+              <a:rPr lang="en-US" sz="6000" b="1" dirty="0"/>
+              <a:t>TRIAL CRITERION + RANDOM (R) </a:t>
+            </a:r>
+          </a:p>
+          <a:p>
+            <a:pPr marL="0" indent="0" algn="ctr">
+              <a:buNone/>
+            </a:pPr>
+            <a:r>
+              <a:rPr lang="en-US" sz="6000" dirty="0"/>
+              <a:t>Enclosure: Invisible Floor</a:t>
+            </a:r>
+          </a:p>
+          <a:p>
+            <a:pPr marL="0" indent="0" algn="ctr">
+              <a:buNone/>
+            </a:pPr>
+            <a:r>
+              <a:rPr lang="en-US" sz="6000" dirty="0"/>
+              <a:t>All Goals: (V: Sphere, I: Water)</a:t>
+            </a:r>
+          </a:p>
+          <a:p>
+            <a:pPr marL="0" indent="0" algn="ctr">
+              <a:buNone/>
+            </a:pPr>
+            <a:r>
+              <a:rPr lang="en-US" sz="6000" dirty="0"/>
+              <a:t>Quota = 2</a:t>
+            </a:r>
+          </a:p>
+          <a:p>
+            <a:pPr marL="0" indent="0" algn="ctr">
+              <a:buNone/>
+            </a:pPr>
+            <a:r>
+              <a:rPr lang="en-US" sz="6000" dirty="0"/>
+              <a:t>Landmarks: All</a:t>
+            </a:r>
+          </a:p>
+          <a:p>
+            <a:pPr marL="0" indent="0" algn="ctr">
+              <a:buNone/>
+            </a:pPr>
+            <a:r>
+              <a:rPr lang="en-US" sz="6000" dirty="0"/>
+              <a:t>Scene #3</a:t>
             </a:r>
           </a:p>
         </p:txBody>
@@ -13050,7 +13448,7 @@
     </p:spTree>
     <p:extLst>
       <p:ext uri="{BB962C8B-B14F-4D97-AF65-F5344CB8AC3E}">
-        <p14:creationId xmlns:p14="http://schemas.microsoft.com/office/powerpoint/2010/main" val="3626532655"/>
+        <p14:creationId xmlns:p14="http://schemas.microsoft.com/office/powerpoint/2010/main" val="4265112007"/>
       </p:ext>
     </p:extLst>
   </p:cSld>
@@ -13079,6 +13477,55 @@
       </p:grpSpPr>
       <p:sp>
         <p:nvSpPr>
+          <p:cNvPr id="4" name="Rectangle 3">
+            <a:extLst>
+              <a:ext uri="{FF2B5EF4-FFF2-40B4-BE49-F238E27FC236}">
+                <a16:creationId xmlns:a16="http://schemas.microsoft.com/office/drawing/2014/main" id="{EEA24FE4-CF88-4576-8D74-4D4BF0A7AC43}"/>
+              </a:ext>
+            </a:extLst>
+          </p:cNvPr>
+          <p:cNvSpPr/>
+          <p:nvPr/>
+        </p:nvSpPr>
+        <p:spPr>
+          <a:xfrm>
+            <a:off x="0" y="0"/>
+            <a:ext cx="12192000" cy="6858000"/>
+          </a:xfrm>
+          <a:prstGeom prst="rect">
+            <a:avLst/>
+          </a:prstGeom>
+          <a:solidFill>
+            <a:srgbClr val="F1CB68"/>
+          </a:solidFill>
+        </p:spPr>
+        <p:style>
+          <a:lnRef idx="2">
+            <a:schemeClr val="accent1">
+              <a:shade val="50000"/>
+            </a:schemeClr>
+          </a:lnRef>
+          <a:fillRef idx="1">
+            <a:schemeClr val="accent1"/>
+          </a:fillRef>
+          <a:effectRef idx="0">
+            <a:schemeClr val="accent1"/>
+          </a:effectRef>
+          <a:fontRef idx="minor">
+            <a:schemeClr val="lt1"/>
+          </a:fontRef>
+        </p:style>
+        <p:txBody>
+          <a:bodyPr rtlCol="0" anchor="ctr"/>
+          <a:lstStyle/>
+          <a:p>
+            <a:pPr algn="ctr"/>
+            <a:endParaRPr lang="en-US"/>
+          </a:p>
+        </p:txBody>
+      </p:sp>
+      <p:sp>
+        <p:nvSpPr>
           <p:cNvPr id="3" name="Content Placeholder 2">
             <a:extLst>
               <a:ext uri="{FF2B5EF4-FFF2-40B4-BE49-F238E27FC236}">
@@ -13095,13 +13542,13 @@
         </p:nvSpPr>
         <p:spPr>
           <a:xfrm>
-            <a:off x="0" y="834189"/>
-            <a:ext cx="12192000" cy="5478379"/>
+            <a:off x="0" y="1825625"/>
+            <a:ext cx="12192000" cy="3275764"/>
           </a:xfrm>
         </p:spPr>
         <p:txBody>
           <a:bodyPr>
-            <a:normAutofit fontScale="92500" lnSpcReduction="20000"/>
+            <a:normAutofit/>
           </a:bodyPr>
           <a:lstStyle/>
           <a:p>
@@ -13109,62 +13556,92 @@
               <a:buNone/>
             </a:pPr>
             <a:r>
-              <a:rPr lang="en-US" sz="6000" b="1" dirty="0"/>
-              <a:t>TRIAL 1 - FAIL TEST</a:t>
-            </a:r>
-          </a:p>
-          <a:p>
-            <a:pPr marL="0" indent="0" algn="ctr">
-              <a:buNone/>
-            </a:pPr>
-            <a:r>
-              <a:rPr lang="en-US" sz="6000" b="1" dirty="0"/>
-              <a:t>TRIAL CRITERION + RANDOM (NO R) </a:t>
-            </a:r>
-          </a:p>
-          <a:p>
-            <a:pPr marL="0" indent="0" algn="ctr">
-              <a:buNone/>
-            </a:pPr>
-            <a:r>
-              <a:rPr lang="en-US" sz="6000" dirty="0"/>
-              <a:t>Enclosure: Invisible Floor</a:t>
-            </a:r>
-          </a:p>
-          <a:p>
-            <a:pPr marL="0" indent="0" algn="ctr">
-              <a:buNone/>
-            </a:pPr>
-            <a:r>
-              <a:rPr lang="en-US" sz="6000" dirty="0"/>
-              <a:t>All Goals: (V: Water, I: Water, Cube)</a:t>
-            </a:r>
-          </a:p>
-          <a:p>
-            <a:pPr marL="0" indent="0" algn="ctr">
-              <a:buNone/>
-            </a:pPr>
-            <a:r>
-              <a:rPr lang="en-US" sz="6000" dirty="0"/>
-              <a:t>Quota = 2</a:t>
-            </a:r>
-          </a:p>
-          <a:p>
-            <a:pPr marL="0" indent="0" algn="ctr">
-              <a:buNone/>
-            </a:pPr>
-            <a:r>
-              <a:rPr lang="en-US" sz="6000" dirty="0"/>
-              <a:t>Landmarks: All</a:t>
-            </a:r>
-          </a:p>
-          <a:p>
-            <a:pPr marL="0" indent="0" algn="ctr">
-              <a:buNone/>
-            </a:pPr>
-            <a:r>
-              <a:rPr lang="en-US" sz="6000" dirty="0"/>
-              <a:t>Scene #3</a:t>
+              <a:rPr lang="en-US" sz="6000" b="1" dirty="0">
+                <a:solidFill>
+                  <a:schemeClr val="bg1"/>
+                </a:solidFill>
+              </a:rPr>
+              <a:t>TESTING BLOCKS</a:t>
+            </a:r>
+          </a:p>
+          <a:p>
+            <a:pPr marL="0" indent="0" algn="ctr">
+              <a:buNone/>
+            </a:pPr>
+            <a:r>
+              <a:rPr lang="en-US" sz="6000" b="1" dirty="0">
+                <a:solidFill>
+                  <a:schemeClr val="bg1"/>
+                </a:solidFill>
+              </a:rPr>
+              <a:t>Trial Criterion = 3</a:t>
+            </a:r>
+          </a:p>
+          <a:p>
+            <a:pPr marL="0" indent="0" algn="ctr">
+              <a:buNone/>
+            </a:pPr>
+            <a:r>
+              <a:rPr lang="en-US" sz="6000" b="1" dirty="0">
+                <a:solidFill>
+                  <a:schemeClr val="bg1"/>
+                </a:solidFill>
+              </a:rPr>
+              <a:t>Random (R) 2x4 Trial – PASS Test</a:t>
+            </a:r>
+            <a:endParaRPr lang="en-US" sz="6000" dirty="0">
+              <a:solidFill>
+                <a:schemeClr val="bg1"/>
+              </a:solidFill>
+            </a:endParaRPr>
+          </a:p>
+        </p:txBody>
+      </p:sp>
+      <p:sp>
+        <p:nvSpPr>
+          <p:cNvPr id="5" name="Rectangle 4">
+            <a:extLst>
+              <a:ext uri="{FF2B5EF4-FFF2-40B4-BE49-F238E27FC236}">
+                <a16:creationId xmlns:a16="http://schemas.microsoft.com/office/drawing/2014/main" id="{AD1D12CF-96BF-4068-B2D3-5785E65C5F15}"/>
+              </a:ext>
+            </a:extLst>
+          </p:cNvPr>
+          <p:cNvSpPr/>
+          <p:nvPr/>
+        </p:nvSpPr>
+        <p:spPr>
+          <a:xfrm>
+            <a:off x="3172326" y="5403834"/>
+            <a:ext cx="5847347" cy="866274"/>
+          </a:xfrm>
+          <a:prstGeom prst="rect">
+            <a:avLst/>
+          </a:prstGeom>
+        </p:spPr>
+        <p:style>
+          <a:lnRef idx="2">
+            <a:schemeClr val="dk1">
+              <a:shade val="50000"/>
+            </a:schemeClr>
+          </a:lnRef>
+          <a:fillRef idx="1">
+            <a:schemeClr val="dk1"/>
+          </a:fillRef>
+          <a:effectRef idx="0">
+            <a:schemeClr val="dk1"/>
+          </a:effectRef>
+          <a:fontRef idx="minor">
+            <a:schemeClr val="lt1"/>
+          </a:fontRef>
+        </p:style>
+        <p:txBody>
+          <a:bodyPr rtlCol="0" anchor="ctr"/>
+          <a:lstStyle/>
+          <a:p>
+            <a:pPr algn="ctr"/>
+            <a:r>
+              <a:rPr lang="en-US" sz="3200" b="1" dirty="0"/>
+              <a:t>PRESS SPACE TO BEGIN TEST</a:t>
             </a:r>
           </a:p>
         </p:txBody>
@@ -13172,7 +13649,7 @@
     </p:spTree>
     <p:extLst>
       <p:ext uri="{BB962C8B-B14F-4D97-AF65-F5344CB8AC3E}">
-        <p14:creationId xmlns:p14="http://schemas.microsoft.com/office/powerpoint/2010/main" val="1250479030"/>
+        <p14:creationId xmlns:p14="http://schemas.microsoft.com/office/powerpoint/2010/main" val="2532454869"/>
       </p:ext>
     </p:extLst>
   </p:cSld>
@@ -13217,8 +13694,8 @@
         </p:nvSpPr>
         <p:spPr>
           <a:xfrm>
-            <a:off x="0" y="1126958"/>
-            <a:ext cx="12192000" cy="5273841"/>
+            <a:off x="0" y="834189"/>
+            <a:ext cx="12192000" cy="5478379"/>
           </a:xfrm>
         </p:spPr>
         <p:txBody>
@@ -13232,7 +13709,7 @@
             </a:pPr>
             <a:r>
               <a:rPr lang="en-US" sz="6000" b="1" dirty="0"/>
-              <a:t>TRIAL 2 – FAIL TEST</a:t>
+              <a:t>TRIAL 1 - PASS TEST</a:t>
             </a:r>
           </a:p>
           <a:p>
@@ -13241,34 +13718,34 @@
             </a:pPr>
             <a:r>
               <a:rPr lang="en-US" sz="6000" b="1" dirty="0"/>
-              <a:t>TRIAL CRITERION + RANDOM (NO R) </a:t>
-            </a:r>
-          </a:p>
-          <a:p>
-            <a:pPr marL="0" indent="0" algn="ctr">
-              <a:buNone/>
-            </a:pPr>
-            <a:r>
-              <a:rPr lang="en-US" sz="6000" dirty="0"/>
-              <a:t>Enclosure: Square</a:t>
-            </a:r>
-          </a:p>
-          <a:p>
-            <a:pPr marL="0" indent="0" algn="ctr">
-              <a:buNone/>
-            </a:pPr>
-            <a:r>
-              <a:rPr lang="en-US" sz="6000" dirty="0"/>
-              <a:t>All Goals: All Active</a:t>
-            </a:r>
-          </a:p>
-          <a:p>
-            <a:pPr marL="0" indent="0" algn="ctr">
-              <a:buNone/>
-            </a:pPr>
-            <a:r>
-              <a:rPr lang="en-US" sz="6000" dirty="0"/>
-              <a:t>Quota = 4</a:t>
+              <a:t>TRIAL CRITERION + RANDOM (R) </a:t>
+            </a:r>
+          </a:p>
+          <a:p>
+            <a:pPr marL="0" indent="0" algn="ctr">
+              <a:buNone/>
+            </a:pPr>
+            <a:r>
+              <a:rPr lang="en-US" sz="6000" dirty="0"/>
+              <a:t>Enclosure: Invisible Floor</a:t>
+            </a:r>
+          </a:p>
+          <a:p>
+            <a:pPr marL="0" indent="0" algn="ctr">
+              <a:buNone/>
+            </a:pPr>
+            <a:r>
+              <a:rPr lang="en-US" sz="6000" dirty="0"/>
+              <a:t>All Goals: (V: Water, I: Water, Cube)</a:t>
+            </a:r>
+          </a:p>
+          <a:p>
+            <a:pPr marL="0" indent="0" algn="ctr">
+              <a:buNone/>
+            </a:pPr>
+            <a:r>
+              <a:rPr lang="en-US" sz="6000" dirty="0"/>
+              <a:t>Quota = 2</a:t>
             </a:r>
           </a:p>
           <a:p>
@@ -13286,7 +13763,7 @@
             </a:pPr>
             <a:r>
               <a:rPr lang="en-US" sz="6000" dirty="0"/>
-              <a:t>Scene #2</a:t>
+              <a:t>Scene #3</a:t>
             </a:r>
           </a:p>
         </p:txBody>
@@ -13294,7 +13771,7 @@
     </p:spTree>
     <p:extLst>
       <p:ext uri="{BB962C8B-B14F-4D97-AF65-F5344CB8AC3E}">
-        <p14:creationId xmlns:p14="http://schemas.microsoft.com/office/powerpoint/2010/main" val="609121540"/>
+        <p14:creationId xmlns:p14="http://schemas.microsoft.com/office/powerpoint/2010/main" val="1053132312"/>
       </p:ext>
     </p:extLst>
   </p:cSld>
@@ -13339,13 +13816,13 @@
         </p:nvSpPr>
         <p:spPr>
           <a:xfrm>
-            <a:off x="0" y="360947"/>
-            <a:ext cx="12192000" cy="5710990"/>
+            <a:off x="0" y="1126958"/>
+            <a:ext cx="12192000" cy="5273841"/>
           </a:xfrm>
         </p:spPr>
         <p:txBody>
           <a:bodyPr>
-            <a:normAutofit fontScale="92500" lnSpcReduction="10000"/>
+            <a:normAutofit fontScale="92500" lnSpcReduction="20000"/>
           </a:bodyPr>
           <a:lstStyle/>
           <a:p>
@@ -13354,7 +13831,7 @@
             </a:pPr>
             <a:r>
               <a:rPr lang="en-US" sz="6000" b="1" dirty="0"/>
-              <a:t>TRIAL 3 – FAIL TEST</a:t>
+              <a:t>TRIAL 2 – PASS TEST</a:t>
             </a:r>
           </a:p>
           <a:p>
@@ -13363,34 +13840,34 @@
             </a:pPr>
             <a:r>
               <a:rPr lang="en-US" sz="6000" b="1" dirty="0"/>
-              <a:t>TRIAL CRITERION + RANDOM (NO R) </a:t>
-            </a:r>
-          </a:p>
-          <a:p>
-            <a:pPr marL="0" indent="0" algn="ctr">
-              <a:buNone/>
-            </a:pPr>
-            <a:r>
-              <a:rPr lang="en-US" sz="6000" dirty="0"/>
-              <a:t>Enclosure: Circle</a:t>
-            </a:r>
-          </a:p>
-          <a:p>
-            <a:pPr marL="0" indent="0" algn="ctr">
-              <a:buNone/>
-            </a:pPr>
-            <a:r>
-              <a:rPr lang="en-US" sz="6000" dirty="0"/>
-              <a:t>All Goals: (V: Cube + Apple, I: Sphere)</a:t>
-            </a:r>
-          </a:p>
-          <a:p>
-            <a:pPr marL="0" indent="0" algn="ctr">
-              <a:buNone/>
-            </a:pPr>
-            <a:r>
-              <a:rPr lang="en-US" sz="6000" dirty="0"/>
-              <a:t>Quota = 3</a:t>
+              <a:t>TRIAL CRITERION + RANDOM (R) </a:t>
+            </a:r>
+          </a:p>
+          <a:p>
+            <a:pPr marL="0" indent="0" algn="ctr">
+              <a:buNone/>
+            </a:pPr>
+            <a:r>
+              <a:rPr lang="en-US" sz="6000" dirty="0"/>
+              <a:t>Enclosure: Square</a:t>
+            </a:r>
+          </a:p>
+          <a:p>
+            <a:pPr marL="0" indent="0" algn="ctr">
+              <a:buNone/>
+            </a:pPr>
+            <a:r>
+              <a:rPr lang="en-US" sz="6000" dirty="0"/>
+              <a:t>All Goals: All Active</a:t>
+            </a:r>
+          </a:p>
+          <a:p>
+            <a:pPr marL="0" indent="0" algn="ctr">
+              <a:buNone/>
+            </a:pPr>
+            <a:r>
+              <a:rPr lang="en-US" sz="6000" dirty="0"/>
+              <a:t>Quota = 4</a:t>
             </a:r>
           </a:p>
           <a:p>
@@ -13408,7 +13885,7 @@
             </a:pPr>
             <a:r>
               <a:rPr lang="en-US" sz="6000" dirty="0"/>
-              <a:t>Scene #3</a:t>
+              <a:t>Scene #2</a:t>
             </a:r>
           </a:p>
         </p:txBody>
@@ -13416,7 +13893,7 @@
     </p:spTree>
     <p:extLst>
       <p:ext uri="{BB962C8B-B14F-4D97-AF65-F5344CB8AC3E}">
-        <p14:creationId xmlns:p14="http://schemas.microsoft.com/office/powerpoint/2010/main" val="4210147096"/>
+        <p14:creationId xmlns:p14="http://schemas.microsoft.com/office/powerpoint/2010/main" val="1997916702"/>
       </p:ext>
     </p:extLst>
   </p:cSld>
@@ -13554,13 +14031,13 @@
         </p:nvSpPr>
         <p:spPr>
           <a:xfrm>
-            <a:off x="0" y="240633"/>
-            <a:ext cx="12192000" cy="6424862"/>
+            <a:off x="0" y="360947"/>
+            <a:ext cx="12192000" cy="5710990"/>
           </a:xfrm>
         </p:spPr>
         <p:txBody>
           <a:bodyPr>
-            <a:normAutofit lnSpcReduction="10000"/>
+            <a:normAutofit fontScale="92500" lnSpcReduction="10000"/>
           </a:bodyPr>
           <a:lstStyle/>
           <a:p>
@@ -13569,7 +14046,7 @@
             </a:pPr>
             <a:r>
               <a:rPr lang="en-US" sz="6000" b="1" dirty="0"/>
-              <a:t>TRIAL 4 – FAIL TEST</a:t>
+              <a:t>TRIAL 3 – PASS TEST</a:t>
             </a:r>
           </a:p>
           <a:p>
@@ -13578,34 +14055,34 @@
             </a:pPr>
             <a:r>
               <a:rPr lang="en-US" sz="6000" b="1" dirty="0"/>
-              <a:t>TRIAL CRITERION + RANDOM (NO R) </a:t>
-            </a:r>
-          </a:p>
-          <a:p>
-            <a:pPr marL="0" indent="0" algn="ctr">
-              <a:buNone/>
-            </a:pPr>
-            <a:r>
-              <a:rPr lang="en-US" sz="6000" dirty="0"/>
-              <a:t>Enclosure: Invisible Floor</a:t>
-            </a:r>
-          </a:p>
-          <a:p>
-            <a:pPr marL="0" indent="0" algn="ctr">
-              <a:buNone/>
-            </a:pPr>
-            <a:r>
-              <a:rPr lang="en-US" sz="6000" dirty="0"/>
-              <a:t>All Goals: (V: Sphere, I: Water)</a:t>
-            </a:r>
-          </a:p>
-          <a:p>
-            <a:pPr marL="0" indent="0" algn="ctr">
-              <a:buNone/>
-            </a:pPr>
-            <a:r>
-              <a:rPr lang="en-US" sz="6000" dirty="0"/>
-              <a:t>Quota = 2</a:t>
+              <a:t>TRIAL CRITERION + RANDOM (R) </a:t>
+            </a:r>
+          </a:p>
+          <a:p>
+            <a:pPr marL="0" indent="0" algn="ctr">
+              <a:buNone/>
+            </a:pPr>
+            <a:r>
+              <a:rPr lang="en-US" sz="6000" dirty="0"/>
+              <a:t>Enclosure: Circle</a:t>
+            </a:r>
+          </a:p>
+          <a:p>
+            <a:pPr marL="0" indent="0" algn="ctr">
+              <a:buNone/>
+            </a:pPr>
+            <a:r>
+              <a:rPr lang="en-US" sz="6000" dirty="0"/>
+              <a:t>All Goals: (V: Cube + Apple, I: Sphere)</a:t>
+            </a:r>
+          </a:p>
+          <a:p>
+            <a:pPr marL="0" indent="0" algn="ctr">
+              <a:buNone/>
+            </a:pPr>
+            <a:r>
+              <a:rPr lang="en-US" sz="6000" dirty="0"/>
+              <a:t>Quota = 3</a:t>
             </a:r>
           </a:p>
           <a:p>
@@ -13631,7 +14108,7 @@
     </p:spTree>
     <p:extLst>
       <p:ext uri="{BB962C8B-B14F-4D97-AF65-F5344CB8AC3E}">
-        <p14:creationId xmlns:p14="http://schemas.microsoft.com/office/powerpoint/2010/main" val="2797285500"/>
+        <p14:creationId xmlns:p14="http://schemas.microsoft.com/office/powerpoint/2010/main" val="55320859"/>
       </p:ext>
     </p:extLst>
   </p:cSld>
@@ -13660,55 +14137,6 @@
       </p:grpSpPr>
       <p:sp>
         <p:nvSpPr>
-          <p:cNvPr id="4" name="Rectangle 3">
-            <a:extLst>
-              <a:ext uri="{FF2B5EF4-FFF2-40B4-BE49-F238E27FC236}">
-                <a16:creationId xmlns:a16="http://schemas.microsoft.com/office/drawing/2014/main" id="{EEA24FE4-CF88-4576-8D74-4D4BF0A7AC43}"/>
-              </a:ext>
-            </a:extLst>
-          </p:cNvPr>
-          <p:cNvSpPr/>
-          <p:nvPr/>
-        </p:nvSpPr>
-        <p:spPr>
-          <a:xfrm>
-            <a:off x="0" y="0"/>
-            <a:ext cx="12192000" cy="6858000"/>
-          </a:xfrm>
-          <a:prstGeom prst="rect">
-            <a:avLst/>
-          </a:prstGeom>
-          <a:solidFill>
-            <a:srgbClr val="F1CB68"/>
-          </a:solidFill>
-        </p:spPr>
-        <p:style>
-          <a:lnRef idx="2">
-            <a:schemeClr val="accent1">
-              <a:shade val="50000"/>
-            </a:schemeClr>
-          </a:lnRef>
-          <a:fillRef idx="1">
-            <a:schemeClr val="accent1"/>
-          </a:fillRef>
-          <a:effectRef idx="0">
-            <a:schemeClr val="accent1"/>
-          </a:effectRef>
-          <a:fontRef idx="minor">
-            <a:schemeClr val="lt1"/>
-          </a:fontRef>
-        </p:style>
-        <p:txBody>
-          <a:bodyPr rtlCol="0" anchor="ctr"/>
-          <a:lstStyle/>
-          <a:p>
-            <a:pPr algn="ctr"/>
-            <a:endParaRPr lang="en-US"/>
-          </a:p>
-        </p:txBody>
-      </p:sp>
-      <p:sp>
-        <p:nvSpPr>
           <p:cNvPr id="3" name="Content Placeholder 2">
             <a:extLst>
               <a:ext uri="{FF2B5EF4-FFF2-40B4-BE49-F238E27FC236}">
@@ -13725,13 +14153,13 @@
         </p:nvSpPr>
         <p:spPr>
           <a:xfrm>
-            <a:off x="0" y="1825625"/>
-            <a:ext cx="12192000" cy="3275764"/>
+            <a:off x="0" y="240633"/>
+            <a:ext cx="12192000" cy="6424862"/>
           </a:xfrm>
         </p:spPr>
         <p:txBody>
           <a:bodyPr>
-            <a:normAutofit/>
+            <a:normAutofit lnSpcReduction="10000"/>
           </a:bodyPr>
           <a:lstStyle/>
           <a:p>
@@ -13739,92 +14167,62 @@
               <a:buNone/>
             </a:pPr>
             <a:r>
-              <a:rPr lang="en-US" sz="6000" b="1" dirty="0">
-                <a:solidFill>
-                  <a:schemeClr val="bg1"/>
-                </a:solidFill>
-              </a:rPr>
-              <a:t>TESTING BLOCKS</a:t>
-            </a:r>
-          </a:p>
-          <a:p>
-            <a:pPr marL="0" indent="0" algn="ctr">
-              <a:buNone/>
-            </a:pPr>
-            <a:r>
-              <a:rPr lang="en-US" sz="6000" b="1" dirty="0">
-                <a:solidFill>
-                  <a:schemeClr val="bg1"/>
-                </a:solidFill>
-              </a:rPr>
-              <a:t>Trial Criterion = 3</a:t>
-            </a:r>
-          </a:p>
-          <a:p>
-            <a:pPr marL="0" indent="0" algn="ctr">
-              <a:buNone/>
-            </a:pPr>
-            <a:r>
-              <a:rPr lang="en-US" sz="6000" b="1" dirty="0">
-                <a:solidFill>
-                  <a:schemeClr val="bg1"/>
-                </a:solidFill>
-              </a:rPr>
-              <a:t>Random (NO R) 4 Trial – PASS Test</a:t>
-            </a:r>
-            <a:endParaRPr lang="en-US" sz="6000" dirty="0">
-              <a:solidFill>
-                <a:schemeClr val="bg1"/>
-              </a:solidFill>
-            </a:endParaRPr>
-          </a:p>
-        </p:txBody>
-      </p:sp>
-      <p:sp>
-        <p:nvSpPr>
-          <p:cNvPr id="5" name="Rectangle 4">
-            <a:extLst>
-              <a:ext uri="{FF2B5EF4-FFF2-40B4-BE49-F238E27FC236}">
-                <a16:creationId xmlns:a16="http://schemas.microsoft.com/office/drawing/2014/main" id="{39619423-00BB-4AD2-8F0E-37DDC3470B25}"/>
-              </a:ext>
-            </a:extLst>
-          </p:cNvPr>
-          <p:cNvSpPr/>
-          <p:nvPr/>
-        </p:nvSpPr>
-        <p:spPr>
-          <a:xfrm>
-            <a:off x="3172326" y="5403834"/>
-            <a:ext cx="5847347" cy="866274"/>
-          </a:xfrm>
-          <a:prstGeom prst="rect">
-            <a:avLst/>
-          </a:prstGeom>
-        </p:spPr>
-        <p:style>
-          <a:lnRef idx="2">
-            <a:schemeClr val="dk1">
-              <a:shade val="50000"/>
-            </a:schemeClr>
-          </a:lnRef>
-          <a:fillRef idx="1">
-            <a:schemeClr val="dk1"/>
-          </a:fillRef>
-          <a:effectRef idx="0">
-            <a:schemeClr val="dk1"/>
-          </a:effectRef>
-          <a:fontRef idx="minor">
-            <a:schemeClr val="lt1"/>
-          </a:fontRef>
-        </p:style>
-        <p:txBody>
-          <a:bodyPr rtlCol="0" anchor="ctr"/>
-          <a:lstStyle/>
-          <a:p>
-            <a:pPr algn="ctr"/>
-            <a:r>
-              <a:rPr lang="en-US" sz="3200" b="1" dirty="0"/>
-              <a:t>PRESS SPACE TO BEGIN TEST</a:t>
+              <a:rPr lang="en-US" sz="6000" b="1" dirty="0"/>
+              <a:t>TRIAL 4 – PASS TEST</a:t>
+            </a:r>
+          </a:p>
+          <a:p>
+            <a:pPr marL="0" indent="0" algn="ctr">
+              <a:buNone/>
+            </a:pPr>
+            <a:r>
+              <a:rPr lang="en-US" sz="6000" b="1" dirty="0"/>
+              <a:t>TRIAL CRITERION + RANDOM (R) </a:t>
+            </a:r>
+          </a:p>
+          <a:p>
+            <a:pPr marL="0" indent="0" algn="ctr">
+              <a:buNone/>
+            </a:pPr>
+            <a:r>
+              <a:rPr lang="en-US" sz="6000" dirty="0"/>
+              <a:t>Enclosure: Invisible Floor</a:t>
+            </a:r>
+          </a:p>
+          <a:p>
+            <a:pPr marL="0" indent="0" algn="ctr">
+              <a:buNone/>
+            </a:pPr>
+            <a:r>
+              <a:rPr lang="en-US" sz="6000" dirty="0"/>
+              <a:t>All Goals: (V: Sphere, I: Water)</a:t>
+            </a:r>
+          </a:p>
+          <a:p>
+            <a:pPr marL="0" indent="0" algn="ctr">
+              <a:buNone/>
+            </a:pPr>
+            <a:r>
+              <a:rPr lang="en-US" sz="6000" dirty="0"/>
+              <a:t>Quota = 2</a:t>
+            </a:r>
+          </a:p>
+          <a:p>
+            <a:pPr marL="0" indent="0" algn="ctr">
+              <a:buNone/>
+            </a:pPr>
+            <a:r>
+              <a:rPr lang="en-US" sz="6000" dirty="0"/>
+              <a:t>Landmarks: All</a:t>
+            </a:r>
+          </a:p>
+          <a:p>
+            <a:pPr marL="0" indent="0" algn="ctr">
+              <a:buNone/>
+            </a:pPr>
+            <a:r>
+              <a:rPr lang="en-US" sz="6000" dirty="0"/>
+              <a:t>Scene #3</a:t>
             </a:r>
           </a:p>
         </p:txBody>
@@ -13832,7 +14230,7 @@
     </p:spTree>
     <p:extLst>
       <p:ext uri="{BB962C8B-B14F-4D97-AF65-F5344CB8AC3E}">
-        <p14:creationId xmlns:p14="http://schemas.microsoft.com/office/powerpoint/2010/main" val="1707323581"/>
+        <p14:creationId xmlns:p14="http://schemas.microsoft.com/office/powerpoint/2010/main" val="73056379"/>
       </p:ext>
     </p:extLst>
   </p:cSld>
@@ -13861,6 +14259,55 @@
       </p:grpSpPr>
       <p:sp>
         <p:nvSpPr>
+          <p:cNvPr id="4" name="Rectangle 3">
+            <a:extLst>
+              <a:ext uri="{FF2B5EF4-FFF2-40B4-BE49-F238E27FC236}">
+                <a16:creationId xmlns:a16="http://schemas.microsoft.com/office/drawing/2014/main" id="{EEA24FE4-CF88-4576-8D74-4D4BF0A7AC43}"/>
+              </a:ext>
+            </a:extLst>
+          </p:cNvPr>
+          <p:cNvSpPr/>
+          <p:nvPr/>
+        </p:nvSpPr>
+        <p:spPr>
+          <a:xfrm>
+            <a:off x="0" y="0"/>
+            <a:ext cx="12192000" cy="6858000"/>
+          </a:xfrm>
+          <a:prstGeom prst="rect">
+            <a:avLst/>
+          </a:prstGeom>
+          <a:solidFill>
+            <a:srgbClr val="F1CB68"/>
+          </a:solidFill>
+        </p:spPr>
+        <p:style>
+          <a:lnRef idx="2">
+            <a:schemeClr val="accent1">
+              <a:shade val="50000"/>
+            </a:schemeClr>
+          </a:lnRef>
+          <a:fillRef idx="1">
+            <a:schemeClr val="accent1"/>
+          </a:fillRef>
+          <a:effectRef idx="0">
+            <a:schemeClr val="accent1"/>
+          </a:effectRef>
+          <a:fontRef idx="minor">
+            <a:schemeClr val="lt1"/>
+          </a:fontRef>
+        </p:style>
+        <p:txBody>
+          <a:bodyPr rtlCol="0" anchor="ctr"/>
+          <a:lstStyle/>
+          <a:p>
+            <a:pPr algn="ctr"/>
+            <a:endParaRPr lang="en-US"/>
+          </a:p>
+        </p:txBody>
+      </p:sp>
+      <p:sp>
+        <p:nvSpPr>
           <p:cNvPr id="3" name="Content Placeholder 2">
             <a:extLst>
               <a:ext uri="{FF2B5EF4-FFF2-40B4-BE49-F238E27FC236}">
@@ -13877,13 +14324,13 @@
         </p:nvSpPr>
         <p:spPr>
           <a:xfrm>
-            <a:off x="0" y="834189"/>
-            <a:ext cx="12192000" cy="5478379"/>
+            <a:off x="0" y="1825625"/>
+            <a:ext cx="12192000" cy="3275764"/>
           </a:xfrm>
         </p:spPr>
         <p:txBody>
           <a:bodyPr>
-            <a:normAutofit fontScale="92500" lnSpcReduction="20000"/>
+            <a:normAutofit/>
           </a:bodyPr>
           <a:lstStyle/>
           <a:p>
@@ -13891,62 +14338,92 @@
               <a:buNone/>
             </a:pPr>
             <a:r>
-              <a:rPr lang="en-US" sz="6000" b="1" dirty="0"/>
-              <a:t>TRIAL 1 - PASS TEST</a:t>
-            </a:r>
-          </a:p>
-          <a:p>
-            <a:pPr marL="0" indent="0" algn="ctr">
-              <a:buNone/>
-            </a:pPr>
-            <a:r>
-              <a:rPr lang="en-US" sz="6000" b="1" dirty="0"/>
-              <a:t>TRIAL CRITERION + RANDOM (NO R) </a:t>
-            </a:r>
-          </a:p>
-          <a:p>
-            <a:pPr marL="0" indent="0" algn="ctr">
-              <a:buNone/>
-            </a:pPr>
-            <a:r>
-              <a:rPr lang="en-US" sz="6000" dirty="0"/>
-              <a:t>Enclosure: Invisible Floor</a:t>
-            </a:r>
-          </a:p>
-          <a:p>
-            <a:pPr marL="0" indent="0" algn="ctr">
-              <a:buNone/>
-            </a:pPr>
-            <a:r>
-              <a:rPr lang="en-US" sz="6000" dirty="0"/>
-              <a:t>All Goals: (V: Water, I: Water, Cube)</a:t>
-            </a:r>
-          </a:p>
-          <a:p>
-            <a:pPr marL="0" indent="0" algn="ctr">
-              <a:buNone/>
-            </a:pPr>
-            <a:r>
-              <a:rPr lang="en-US" sz="6000" dirty="0"/>
-              <a:t>Quota = 2</a:t>
-            </a:r>
-          </a:p>
-          <a:p>
-            <a:pPr marL="0" indent="0" algn="ctr">
-              <a:buNone/>
-            </a:pPr>
-            <a:r>
-              <a:rPr lang="en-US" sz="6000" dirty="0"/>
-              <a:t>Landmarks: All</a:t>
-            </a:r>
-          </a:p>
-          <a:p>
-            <a:pPr marL="0" indent="0" algn="ctr">
-              <a:buNone/>
-            </a:pPr>
-            <a:r>
-              <a:rPr lang="en-US" sz="6000" dirty="0"/>
-              <a:t>Scene #3</a:t>
+              <a:rPr lang="en-US" sz="6000" b="1" dirty="0">
+                <a:solidFill>
+                  <a:schemeClr val="bg1"/>
+                </a:solidFill>
+              </a:rPr>
+              <a:t>TESTING BLOCKS</a:t>
+            </a:r>
+          </a:p>
+          <a:p>
+            <a:pPr marL="0" indent="0" algn="ctr">
+              <a:buNone/>
+            </a:pPr>
+            <a:r>
+              <a:rPr lang="en-US" sz="6000" b="1" dirty="0">
+                <a:solidFill>
+                  <a:schemeClr val="bg1"/>
+                </a:solidFill>
+              </a:rPr>
+              <a:t>Trial Criterion = 3</a:t>
+            </a:r>
+          </a:p>
+          <a:p>
+            <a:pPr marL="0" indent="0" algn="ctr">
+              <a:buNone/>
+            </a:pPr>
+            <a:r>
+              <a:rPr lang="en-US" sz="6000" b="1" dirty="0">
+                <a:solidFill>
+                  <a:schemeClr val="bg1"/>
+                </a:solidFill>
+              </a:rPr>
+              <a:t>Random (NO R) 4 Trial – FAIL Test</a:t>
+            </a:r>
+            <a:endParaRPr lang="en-US" sz="6000" dirty="0">
+              <a:solidFill>
+                <a:schemeClr val="bg1"/>
+              </a:solidFill>
+            </a:endParaRPr>
+          </a:p>
+        </p:txBody>
+      </p:sp>
+      <p:sp>
+        <p:nvSpPr>
+          <p:cNvPr id="5" name="Rectangle 4">
+            <a:extLst>
+              <a:ext uri="{FF2B5EF4-FFF2-40B4-BE49-F238E27FC236}">
+                <a16:creationId xmlns:a16="http://schemas.microsoft.com/office/drawing/2014/main" id="{BA84D5DB-1ECE-4237-B45C-C6E5B618BBC4}"/>
+              </a:ext>
+            </a:extLst>
+          </p:cNvPr>
+          <p:cNvSpPr/>
+          <p:nvPr/>
+        </p:nvSpPr>
+        <p:spPr>
+          <a:xfrm>
+            <a:off x="3172326" y="5403834"/>
+            <a:ext cx="5847347" cy="866274"/>
+          </a:xfrm>
+          <a:prstGeom prst="rect">
+            <a:avLst/>
+          </a:prstGeom>
+        </p:spPr>
+        <p:style>
+          <a:lnRef idx="2">
+            <a:schemeClr val="dk1">
+              <a:shade val="50000"/>
+            </a:schemeClr>
+          </a:lnRef>
+          <a:fillRef idx="1">
+            <a:schemeClr val="dk1"/>
+          </a:fillRef>
+          <a:effectRef idx="0">
+            <a:schemeClr val="dk1"/>
+          </a:effectRef>
+          <a:fontRef idx="minor">
+            <a:schemeClr val="lt1"/>
+          </a:fontRef>
+        </p:style>
+        <p:txBody>
+          <a:bodyPr rtlCol="0" anchor="ctr"/>
+          <a:lstStyle/>
+          <a:p>
+            <a:pPr algn="ctr"/>
+            <a:r>
+              <a:rPr lang="en-US" sz="3200" b="1" dirty="0"/>
+              <a:t>PRESS SPACE TO BEGIN TEST</a:t>
             </a:r>
           </a:p>
         </p:txBody>
@@ -13954,7 +14431,7 @@
     </p:spTree>
     <p:extLst>
       <p:ext uri="{BB962C8B-B14F-4D97-AF65-F5344CB8AC3E}">
-        <p14:creationId xmlns:p14="http://schemas.microsoft.com/office/powerpoint/2010/main" val="1135141056"/>
+        <p14:creationId xmlns:p14="http://schemas.microsoft.com/office/powerpoint/2010/main" val="3626532655"/>
       </p:ext>
     </p:extLst>
   </p:cSld>
@@ -13999,8 +14476,8 @@
         </p:nvSpPr>
         <p:spPr>
           <a:xfrm>
-            <a:off x="0" y="1126958"/>
-            <a:ext cx="12192000" cy="5273841"/>
+            <a:off x="0" y="834189"/>
+            <a:ext cx="12192000" cy="5478379"/>
           </a:xfrm>
         </p:spPr>
         <p:txBody>
@@ -14014,7 +14491,7 @@
             </a:pPr>
             <a:r>
               <a:rPr lang="en-US" sz="6000" b="1" dirty="0"/>
-              <a:t>TRIAL 2 – PASS TEST</a:t>
+              <a:t>TRIAL 1 - FAIL TEST</a:t>
             </a:r>
           </a:p>
           <a:p>
@@ -14032,25 +14509,25 @@
             </a:pPr>
             <a:r>
               <a:rPr lang="en-US" sz="6000" dirty="0"/>
-              <a:t>Enclosure: Square</a:t>
-            </a:r>
-          </a:p>
-          <a:p>
-            <a:pPr marL="0" indent="0" algn="ctr">
-              <a:buNone/>
-            </a:pPr>
-            <a:r>
-              <a:rPr lang="en-US" sz="6000" dirty="0"/>
-              <a:t>All Goals: All Active</a:t>
-            </a:r>
-          </a:p>
-          <a:p>
-            <a:pPr marL="0" indent="0" algn="ctr">
-              <a:buNone/>
-            </a:pPr>
-            <a:r>
-              <a:rPr lang="en-US" sz="6000" dirty="0"/>
-              <a:t>Quota = 4</a:t>
+              <a:t>Enclosure: Invisible Floor</a:t>
+            </a:r>
+          </a:p>
+          <a:p>
+            <a:pPr marL="0" indent="0" algn="ctr">
+              <a:buNone/>
+            </a:pPr>
+            <a:r>
+              <a:rPr lang="en-US" sz="6000" dirty="0"/>
+              <a:t>All Goals: (V: Water, I: Water, Cube)</a:t>
+            </a:r>
+          </a:p>
+          <a:p>
+            <a:pPr marL="0" indent="0" algn="ctr">
+              <a:buNone/>
+            </a:pPr>
+            <a:r>
+              <a:rPr lang="en-US" sz="6000" dirty="0"/>
+              <a:t>Quota = 2</a:t>
             </a:r>
           </a:p>
           <a:p>
@@ -14068,7 +14545,7 @@
             </a:pPr>
             <a:r>
               <a:rPr lang="en-US" sz="6000" dirty="0"/>
-              <a:t>Scene #2</a:t>
+              <a:t>Scene #3</a:t>
             </a:r>
           </a:p>
         </p:txBody>
@@ -14076,7 +14553,7 @@
     </p:spTree>
     <p:extLst>
       <p:ext uri="{BB962C8B-B14F-4D97-AF65-F5344CB8AC3E}">
-        <p14:creationId xmlns:p14="http://schemas.microsoft.com/office/powerpoint/2010/main" val="3959164106"/>
+        <p14:creationId xmlns:p14="http://schemas.microsoft.com/office/powerpoint/2010/main" val="1250479030"/>
       </p:ext>
     </p:extLst>
   </p:cSld>
@@ -14121,13 +14598,13 @@
         </p:nvSpPr>
         <p:spPr>
           <a:xfrm>
-            <a:off x="0" y="360947"/>
-            <a:ext cx="12192000" cy="5710990"/>
+            <a:off x="0" y="1126958"/>
+            <a:ext cx="12192000" cy="5273841"/>
           </a:xfrm>
         </p:spPr>
         <p:txBody>
           <a:bodyPr>
-            <a:normAutofit fontScale="92500" lnSpcReduction="10000"/>
+            <a:normAutofit fontScale="92500" lnSpcReduction="20000"/>
           </a:bodyPr>
           <a:lstStyle/>
           <a:p>
@@ -14136,7 +14613,7 @@
             </a:pPr>
             <a:r>
               <a:rPr lang="en-US" sz="6000" b="1" dirty="0"/>
-              <a:t>TRIAL 3 – PASS TEST</a:t>
+              <a:t>TRIAL 2 – FAIL TEST</a:t>
             </a:r>
           </a:p>
           <a:p>
@@ -14154,25 +14631,25 @@
             </a:pPr>
             <a:r>
               <a:rPr lang="en-US" sz="6000" dirty="0"/>
-              <a:t>Enclosure: Circle</a:t>
-            </a:r>
-          </a:p>
-          <a:p>
-            <a:pPr marL="0" indent="0" algn="ctr">
-              <a:buNone/>
-            </a:pPr>
-            <a:r>
-              <a:rPr lang="en-US" sz="6000" dirty="0"/>
-              <a:t>All Goals: (V: Cube + Apple, I: Sphere)</a:t>
-            </a:r>
-          </a:p>
-          <a:p>
-            <a:pPr marL="0" indent="0" algn="ctr">
-              <a:buNone/>
-            </a:pPr>
-            <a:r>
-              <a:rPr lang="en-US" sz="6000" dirty="0"/>
-              <a:t>Quota = 3</a:t>
+              <a:t>Enclosure: Square</a:t>
+            </a:r>
+          </a:p>
+          <a:p>
+            <a:pPr marL="0" indent="0" algn="ctr">
+              <a:buNone/>
+            </a:pPr>
+            <a:r>
+              <a:rPr lang="en-US" sz="6000" dirty="0"/>
+              <a:t>All Goals: All Active</a:t>
+            </a:r>
+          </a:p>
+          <a:p>
+            <a:pPr marL="0" indent="0" algn="ctr">
+              <a:buNone/>
+            </a:pPr>
+            <a:r>
+              <a:rPr lang="en-US" sz="6000" dirty="0"/>
+              <a:t>Quota = 4</a:t>
             </a:r>
           </a:p>
           <a:p>
@@ -14190,7 +14667,7 @@
             </a:pPr>
             <a:r>
               <a:rPr lang="en-US" sz="6000" dirty="0"/>
-              <a:t>Scene #3</a:t>
+              <a:t>Scene #2</a:t>
             </a:r>
           </a:p>
         </p:txBody>
@@ -14198,7 +14675,7 @@
     </p:spTree>
     <p:extLst>
       <p:ext uri="{BB962C8B-B14F-4D97-AF65-F5344CB8AC3E}">
-        <p14:creationId xmlns:p14="http://schemas.microsoft.com/office/powerpoint/2010/main" val="1791789705"/>
+        <p14:creationId xmlns:p14="http://schemas.microsoft.com/office/powerpoint/2010/main" val="609121540"/>
       </p:ext>
     </p:extLst>
   </p:cSld>
@@ -14243,13 +14720,13 @@
         </p:nvSpPr>
         <p:spPr>
           <a:xfrm>
-            <a:off x="0" y="240633"/>
-            <a:ext cx="12192000" cy="6424862"/>
+            <a:off x="0" y="360947"/>
+            <a:ext cx="12192000" cy="5710990"/>
           </a:xfrm>
         </p:spPr>
         <p:txBody>
           <a:bodyPr>
-            <a:normAutofit lnSpcReduction="10000"/>
+            <a:normAutofit fontScale="92500" lnSpcReduction="10000"/>
           </a:bodyPr>
           <a:lstStyle/>
           <a:p>
@@ -14258,7 +14735,7 @@
             </a:pPr>
             <a:r>
               <a:rPr lang="en-US" sz="6000" b="1" dirty="0"/>
-              <a:t>TRIAL 4 – PASS TEST</a:t>
+              <a:t>TRIAL 3 – FAIL TEST</a:t>
             </a:r>
           </a:p>
           <a:p>
@@ -14276,25 +14753,25 @@
             </a:pPr>
             <a:r>
               <a:rPr lang="en-US" sz="6000" dirty="0"/>
-              <a:t>Enclosure: Invisible Floor</a:t>
-            </a:r>
-          </a:p>
-          <a:p>
-            <a:pPr marL="0" indent="0" algn="ctr">
-              <a:buNone/>
-            </a:pPr>
-            <a:r>
-              <a:rPr lang="en-US" sz="6000" dirty="0"/>
-              <a:t>All Goals: (V: Sphere, I: Water)</a:t>
-            </a:r>
-          </a:p>
-          <a:p>
-            <a:pPr marL="0" indent="0" algn="ctr">
-              <a:buNone/>
-            </a:pPr>
-            <a:r>
-              <a:rPr lang="en-US" sz="6000" dirty="0"/>
-              <a:t>Quota = 2</a:t>
+              <a:t>Enclosure: Circle</a:t>
+            </a:r>
+          </a:p>
+          <a:p>
+            <a:pPr marL="0" indent="0" algn="ctr">
+              <a:buNone/>
+            </a:pPr>
+            <a:r>
+              <a:rPr lang="en-US" sz="6000" dirty="0"/>
+              <a:t>All Goals: (V: Cube + Apple, I: Sphere)</a:t>
+            </a:r>
+          </a:p>
+          <a:p>
+            <a:pPr marL="0" indent="0" algn="ctr">
+              <a:buNone/>
+            </a:pPr>
+            <a:r>
+              <a:rPr lang="en-US" sz="6000" dirty="0"/>
+              <a:t>Quota = 3</a:t>
             </a:r>
           </a:p>
           <a:p>
@@ -14320,7 +14797,7 @@
     </p:spTree>
     <p:extLst>
       <p:ext uri="{BB962C8B-B14F-4D97-AF65-F5344CB8AC3E}">
-        <p14:creationId xmlns:p14="http://schemas.microsoft.com/office/powerpoint/2010/main" val="3107209454"/>
+        <p14:creationId xmlns:p14="http://schemas.microsoft.com/office/powerpoint/2010/main" val="4210147096"/>
       </p:ext>
     </p:extLst>
   </p:cSld>
@@ -14349,55 +14826,6 @@
       </p:grpSpPr>
       <p:sp>
         <p:nvSpPr>
-          <p:cNvPr id="4" name="Rectangle 3">
-            <a:extLst>
-              <a:ext uri="{FF2B5EF4-FFF2-40B4-BE49-F238E27FC236}">
-                <a16:creationId xmlns:a16="http://schemas.microsoft.com/office/drawing/2014/main" id="{EEA24FE4-CF88-4576-8D74-4D4BF0A7AC43}"/>
-              </a:ext>
-            </a:extLst>
-          </p:cNvPr>
-          <p:cNvSpPr/>
-          <p:nvPr/>
-        </p:nvSpPr>
-        <p:spPr>
-          <a:xfrm>
-            <a:off x="0" y="0"/>
-            <a:ext cx="12192000" cy="6858000"/>
-          </a:xfrm>
-          <a:prstGeom prst="rect">
-            <a:avLst/>
-          </a:prstGeom>
-          <a:solidFill>
-            <a:srgbClr val="F1CB68"/>
-          </a:solidFill>
-        </p:spPr>
-        <p:style>
-          <a:lnRef idx="2">
-            <a:schemeClr val="accent1">
-              <a:shade val="50000"/>
-            </a:schemeClr>
-          </a:lnRef>
-          <a:fillRef idx="1">
-            <a:schemeClr val="accent1"/>
-          </a:fillRef>
-          <a:effectRef idx="0">
-            <a:schemeClr val="accent1"/>
-          </a:effectRef>
-          <a:fontRef idx="minor">
-            <a:schemeClr val="lt1"/>
-          </a:fontRef>
-        </p:style>
-        <p:txBody>
-          <a:bodyPr rtlCol="0" anchor="ctr"/>
-          <a:lstStyle/>
-          <a:p>
-            <a:pPr algn="ctr"/>
-            <a:endParaRPr lang="en-US"/>
-          </a:p>
-        </p:txBody>
-      </p:sp>
-      <p:sp>
-        <p:nvSpPr>
           <p:cNvPr id="3" name="Content Placeholder 2">
             <a:extLst>
               <a:ext uri="{FF2B5EF4-FFF2-40B4-BE49-F238E27FC236}">
@@ -14414,13 +14842,13 @@
         </p:nvSpPr>
         <p:spPr>
           <a:xfrm>
-            <a:off x="0" y="1825625"/>
-            <a:ext cx="12192000" cy="3275764"/>
+            <a:off x="0" y="240633"/>
+            <a:ext cx="12192000" cy="6424862"/>
           </a:xfrm>
         </p:spPr>
         <p:txBody>
           <a:bodyPr>
-            <a:normAutofit/>
+            <a:normAutofit lnSpcReduction="10000"/>
           </a:bodyPr>
           <a:lstStyle/>
           <a:p>
@@ -14428,92 +14856,62 @@
               <a:buNone/>
             </a:pPr>
             <a:r>
-              <a:rPr lang="en-US" sz="6000" b="1" dirty="0">
-                <a:solidFill>
-                  <a:schemeClr val="bg1"/>
-                </a:solidFill>
-              </a:rPr>
-              <a:t>TESTING BLOCKS</a:t>
-            </a:r>
-          </a:p>
-          <a:p>
-            <a:pPr marL="0" indent="0" algn="ctr">
-              <a:buNone/>
-            </a:pPr>
-            <a:r>
-              <a:rPr lang="en-US" sz="6000" b="1" dirty="0">
-                <a:solidFill>
-                  <a:schemeClr val="bg1"/>
-                </a:solidFill>
-              </a:rPr>
-              <a:t>BLOCK Criterion = 3</a:t>
-            </a:r>
-          </a:p>
-          <a:p>
-            <a:pPr marL="0" indent="0" algn="ctr">
-              <a:buNone/>
-            </a:pPr>
-            <a:r>
-              <a:rPr lang="en-US" sz="6000" b="1" dirty="0">
-                <a:solidFill>
-                  <a:schemeClr val="bg1"/>
-                </a:solidFill>
-              </a:rPr>
-              <a:t>Serial 4 Trial – Test</a:t>
-            </a:r>
-            <a:endParaRPr lang="en-US" sz="6000" dirty="0">
-              <a:solidFill>
-                <a:schemeClr val="bg1"/>
-              </a:solidFill>
-            </a:endParaRPr>
-          </a:p>
-        </p:txBody>
-      </p:sp>
-      <p:sp>
-        <p:nvSpPr>
-          <p:cNvPr id="5" name="Rectangle 4">
-            <a:extLst>
-              <a:ext uri="{FF2B5EF4-FFF2-40B4-BE49-F238E27FC236}">
-                <a16:creationId xmlns:a16="http://schemas.microsoft.com/office/drawing/2014/main" id="{8773B93A-5FA2-4254-9481-12C7D51FB89E}"/>
-              </a:ext>
-            </a:extLst>
-          </p:cNvPr>
-          <p:cNvSpPr/>
-          <p:nvPr/>
-        </p:nvSpPr>
-        <p:spPr>
-          <a:xfrm>
-            <a:off x="3172326" y="5403834"/>
-            <a:ext cx="5847347" cy="866274"/>
-          </a:xfrm>
-          <a:prstGeom prst="rect">
-            <a:avLst/>
-          </a:prstGeom>
-        </p:spPr>
-        <p:style>
-          <a:lnRef idx="2">
-            <a:schemeClr val="dk1">
-              <a:shade val="50000"/>
-            </a:schemeClr>
-          </a:lnRef>
-          <a:fillRef idx="1">
-            <a:schemeClr val="dk1"/>
-          </a:fillRef>
-          <a:effectRef idx="0">
-            <a:schemeClr val="dk1"/>
-          </a:effectRef>
-          <a:fontRef idx="minor">
-            <a:schemeClr val="lt1"/>
-          </a:fontRef>
-        </p:style>
-        <p:txBody>
-          <a:bodyPr rtlCol="0" anchor="ctr"/>
-          <a:lstStyle/>
-          <a:p>
-            <a:pPr algn="ctr"/>
-            <a:r>
-              <a:rPr lang="en-US" sz="3200" b="1" dirty="0"/>
-              <a:t>PRESS SPACE TO BEGIN TEST</a:t>
+              <a:rPr lang="en-US" sz="6000" b="1" dirty="0"/>
+              <a:t>TRIAL 4 – FAIL TEST</a:t>
+            </a:r>
+          </a:p>
+          <a:p>
+            <a:pPr marL="0" indent="0" algn="ctr">
+              <a:buNone/>
+            </a:pPr>
+            <a:r>
+              <a:rPr lang="en-US" sz="6000" b="1" dirty="0"/>
+              <a:t>TRIAL CRITERION + RANDOM (NO R) </a:t>
+            </a:r>
+          </a:p>
+          <a:p>
+            <a:pPr marL="0" indent="0" algn="ctr">
+              <a:buNone/>
+            </a:pPr>
+            <a:r>
+              <a:rPr lang="en-US" sz="6000" dirty="0"/>
+              <a:t>Enclosure: Invisible Floor</a:t>
+            </a:r>
+          </a:p>
+          <a:p>
+            <a:pPr marL="0" indent="0" algn="ctr">
+              <a:buNone/>
+            </a:pPr>
+            <a:r>
+              <a:rPr lang="en-US" sz="6000" dirty="0"/>
+              <a:t>All Goals: (V: Sphere, I: Water)</a:t>
+            </a:r>
+          </a:p>
+          <a:p>
+            <a:pPr marL="0" indent="0" algn="ctr">
+              <a:buNone/>
+            </a:pPr>
+            <a:r>
+              <a:rPr lang="en-US" sz="6000" dirty="0"/>
+              <a:t>Quota = 2</a:t>
+            </a:r>
+          </a:p>
+          <a:p>
+            <a:pPr marL="0" indent="0" algn="ctr">
+              <a:buNone/>
+            </a:pPr>
+            <a:r>
+              <a:rPr lang="en-US" sz="6000" dirty="0"/>
+              <a:t>Landmarks: All</a:t>
+            </a:r>
+          </a:p>
+          <a:p>
+            <a:pPr marL="0" indent="0" algn="ctr">
+              <a:buNone/>
+            </a:pPr>
+            <a:r>
+              <a:rPr lang="en-US" sz="6000" dirty="0"/>
+              <a:t>Scene #3</a:t>
             </a:r>
           </a:p>
         </p:txBody>
@@ -14521,7 +14919,7 @@
     </p:spTree>
     <p:extLst>
       <p:ext uri="{BB962C8B-B14F-4D97-AF65-F5344CB8AC3E}">
-        <p14:creationId xmlns:p14="http://schemas.microsoft.com/office/powerpoint/2010/main" val="49321715"/>
+        <p14:creationId xmlns:p14="http://schemas.microsoft.com/office/powerpoint/2010/main" val="2797285500"/>
       </p:ext>
     </p:extLst>
   </p:cSld>
@@ -14550,6 +14948,55 @@
       </p:grpSpPr>
       <p:sp>
         <p:nvSpPr>
+          <p:cNvPr id="4" name="Rectangle 3">
+            <a:extLst>
+              <a:ext uri="{FF2B5EF4-FFF2-40B4-BE49-F238E27FC236}">
+                <a16:creationId xmlns:a16="http://schemas.microsoft.com/office/drawing/2014/main" id="{EEA24FE4-CF88-4576-8D74-4D4BF0A7AC43}"/>
+              </a:ext>
+            </a:extLst>
+          </p:cNvPr>
+          <p:cNvSpPr/>
+          <p:nvPr/>
+        </p:nvSpPr>
+        <p:spPr>
+          <a:xfrm>
+            <a:off x="0" y="0"/>
+            <a:ext cx="12192000" cy="6858000"/>
+          </a:xfrm>
+          <a:prstGeom prst="rect">
+            <a:avLst/>
+          </a:prstGeom>
+          <a:solidFill>
+            <a:srgbClr val="F1CB68"/>
+          </a:solidFill>
+        </p:spPr>
+        <p:style>
+          <a:lnRef idx="2">
+            <a:schemeClr val="accent1">
+              <a:shade val="50000"/>
+            </a:schemeClr>
+          </a:lnRef>
+          <a:fillRef idx="1">
+            <a:schemeClr val="accent1"/>
+          </a:fillRef>
+          <a:effectRef idx="0">
+            <a:schemeClr val="accent1"/>
+          </a:effectRef>
+          <a:fontRef idx="minor">
+            <a:schemeClr val="lt1"/>
+          </a:fontRef>
+        </p:style>
+        <p:txBody>
+          <a:bodyPr rtlCol="0" anchor="ctr"/>
+          <a:lstStyle/>
+          <a:p>
+            <a:pPr algn="ctr"/>
+            <a:endParaRPr lang="en-US"/>
+          </a:p>
+        </p:txBody>
+      </p:sp>
+      <p:sp>
+        <p:nvSpPr>
           <p:cNvPr id="3" name="Content Placeholder 2">
             <a:extLst>
               <a:ext uri="{FF2B5EF4-FFF2-40B4-BE49-F238E27FC236}">
@@ -14566,13 +15013,13 @@
         </p:nvSpPr>
         <p:spPr>
           <a:xfrm>
-            <a:off x="0" y="834189"/>
-            <a:ext cx="12192000" cy="5478379"/>
+            <a:off x="0" y="1825625"/>
+            <a:ext cx="12192000" cy="3275764"/>
           </a:xfrm>
         </p:spPr>
         <p:txBody>
           <a:bodyPr>
-            <a:normAutofit fontScale="92500" lnSpcReduction="20000"/>
+            <a:normAutofit/>
           </a:bodyPr>
           <a:lstStyle/>
           <a:p>
@@ -14580,62 +15027,92 @@
               <a:buNone/>
             </a:pPr>
             <a:r>
-              <a:rPr lang="en-US" sz="6000" b="1" dirty="0"/>
-              <a:t>TRIAL 1 </a:t>
-            </a:r>
-          </a:p>
-          <a:p>
-            <a:pPr marL="0" indent="0" algn="ctr">
-              <a:buNone/>
-            </a:pPr>
-            <a:r>
-              <a:rPr lang="en-US" sz="6000" b="1" dirty="0"/>
-              <a:t>BLOCK CRITERION + SERIAL</a:t>
-            </a:r>
-          </a:p>
-          <a:p>
-            <a:pPr marL="0" indent="0" algn="ctr">
-              <a:buNone/>
-            </a:pPr>
-            <a:r>
-              <a:rPr lang="en-US" sz="6000" dirty="0"/>
-              <a:t>Enclosure: Invisible Floor</a:t>
-            </a:r>
-          </a:p>
-          <a:p>
-            <a:pPr marL="0" indent="0" algn="ctr">
-              <a:buNone/>
-            </a:pPr>
-            <a:r>
-              <a:rPr lang="en-US" sz="6000" dirty="0"/>
-              <a:t>All Goals: (V: Water, I: Water, Cube)</a:t>
-            </a:r>
-          </a:p>
-          <a:p>
-            <a:pPr marL="0" indent="0" algn="ctr">
-              <a:buNone/>
-            </a:pPr>
-            <a:r>
-              <a:rPr lang="en-US" sz="6000" dirty="0"/>
-              <a:t>Quota = 2</a:t>
-            </a:r>
-          </a:p>
-          <a:p>
-            <a:pPr marL="0" indent="0" algn="ctr">
-              <a:buNone/>
-            </a:pPr>
-            <a:r>
-              <a:rPr lang="en-US" sz="6000" dirty="0"/>
-              <a:t>Landmarks: All</a:t>
-            </a:r>
-          </a:p>
-          <a:p>
-            <a:pPr marL="0" indent="0" algn="ctr">
-              <a:buNone/>
-            </a:pPr>
-            <a:r>
-              <a:rPr lang="en-US" sz="6000" dirty="0"/>
-              <a:t>Scene #3</a:t>
+              <a:rPr lang="en-US" sz="6000" b="1" dirty="0">
+                <a:solidFill>
+                  <a:schemeClr val="bg1"/>
+                </a:solidFill>
+              </a:rPr>
+              <a:t>TESTING BLOCKS</a:t>
+            </a:r>
+          </a:p>
+          <a:p>
+            <a:pPr marL="0" indent="0" algn="ctr">
+              <a:buNone/>
+            </a:pPr>
+            <a:r>
+              <a:rPr lang="en-US" sz="6000" b="1" dirty="0">
+                <a:solidFill>
+                  <a:schemeClr val="bg1"/>
+                </a:solidFill>
+              </a:rPr>
+              <a:t>Trial Criterion = 3</a:t>
+            </a:r>
+          </a:p>
+          <a:p>
+            <a:pPr marL="0" indent="0" algn="ctr">
+              <a:buNone/>
+            </a:pPr>
+            <a:r>
+              <a:rPr lang="en-US" sz="6000" b="1" dirty="0">
+                <a:solidFill>
+                  <a:schemeClr val="bg1"/>
+                </a:solidFill>
+              </a:rPr>
+              <a:t>Random (NO R) 4 Trial – PASS Test</a:t>
+            </a:r>
+            <a:endParaRPr lang="en-US" sz="6000" dirty="0">
+              <a:solidFill>
+                <a:schemeClr val="bg1"/>
+              </a:solidFill>
+            </a:endParaRPr>
+          </a:p>
+        </p:txBody>
+      </p:sp>
+      <p:sp>
+        <p:nvSpPr>
+          <p:cNvPr id="5" name="Rectangle 4">
+            <a:extLst>
+              <a:ext uri="{FF2B5EF4-FFF2-40B4-BE49-F238E27FC236}">
+                <a16:creationId xmlns:a16="http://schemas.microsoft.com/office/drawing/2014/main" id="{39619423-00BB-4AD2-8F0E-37DDC3470B25}"/>
+              </a:ext>
+            </a:extLst>
+          </p:cNvPr>
+          <p:cNvSpPr/>
+          <p:nvPr/>
+        </p:nvSpPr>
+        <p:spPr>
+          <a:xfrm>
+            <a:off x="3172326" y="5403834"/>
+            <a:ext cx="5847347" cy="866274"/>
+          </a:xfrm>
+          <a:prstGeom prst="rect">
+            <a:avLst/>
+          </a:prstGeom>
+        </p:spPr>
+        <p:style>
+          <a:lnRef idx="2">
+            <a:schemeClr val="dk1">
+              <a:shade val="50000"/>
+            </a:schemeClr>
+          </a:lnRef>
+          <a:fillRef idx="1">
+            <a:schemeClr val="dk1"/>
+          </a:fillRef>
+          <a:effectRef idx="0">
+            <a:schemeClr val="dk1"/>
+          </a:effectRef>
+          <a:fontRef idx="minor">
+            <a:schemeClr val="lt1"/>
+          </a:fontRef>
+        </p:style>
+        <p:txBody>
+          <a:bodyPr rtlCol="0" anchor="ctr"/>
+          <a:lstStyle/>
+          <a:p>
+            <a:pPr algn="ctr"/>
+            <a:r>
+              <a:rPr lang="en-US" sz="3200" b="1" dirty="0"/>
+              <a:t>PRESS SPACE TO BEGIN TEST</a:t>
             </a:r>
           </a:p>
         </p:txBody>
@@ -14643,7 +15120,7 @@
     </p:spTree>
     <p:extLst>
       <p:ext uri="{BB962C8B-B14F-4D97-AF65-F5344CB8AC3E}">
-        <p14:creationId xmlns:p14="http://schemas.microsoft.com/office/powerpoint/2010/main" val="3038932270"/>
+        <p14:creationId xmlns:p14="http://schemas.microsoft.com/office/powerpoint/2010/main" val="1707323581"/>
       </p:ext>
     </p:extLst>
   </p:cSld>
@@ -14688,8 +15165,8 @@
         </p:nvSpPr>
         <p:spPr>
           <a:xfrm>
-            <a:off x="0" y="1126958"/>
-            <a:ext cx="12192000" cy="5273841"/>
+            <a:off x="0" y="834189"/>
+            <a:ext cx="12192000" cy="5478379"/>
           </a:xfrm>
         </p:spPr>
         <p:txBody>
@@ -14703,7 +15180,7 @@
             </a:pPr>
             <a:r>
               <a:rPr lang="en-US" sz="6000" b="1" dirty="0"/>
-              <a:t>TRIAL 2 </a:t>
+              <a:t>TRIAL 1 - PASS TEST</a:t>
             </a:r>
           </a:p>
           <a:p>
@@ -14712,34 +15189,34 @@
             </a:pPr>
             <a:r>
               <a:rPr lang="en-US" sz="6000" b="1" dirty="0"/>
-              <a:t>BLOCK CRITERION + SERIAL</a:t>
-            </a:r>
-          </a:p>
-          <a:p>
-            <a:pPr marL="0" indent="0" algn="ctr">
-              <a:buNone/>
-            </a:pPr>
-            <a:r>
-              <a:rPr lang="en-US" sz="6000" dirty="0"/>
-              <a:t>Enclosure: Square</a:t>
-            </a:r>
-          </a:p>
-          <a:p>
-            <a:pPr marL="0" indent="0" algn="ctr">
-              <a:buNone/>
-            </a:pPr>
-            <a:r>
-              <a:rPr lang="en-US" sz="6000" dirty="0"/>
-              <a:t>All Goals: All Active</a:t>
-            </a:r>
-          </a:p>
-          <a:p>
-            <a:pPr marL="0" indent="0" algn="ctr">
-              <a:buNone/>
-            </a:pPr>
-            <a:r>
-              <a:rPr lang="en-US" sz="6000" dirty="0"/>
-              <a:t>Quota = 4</a:t>
+              <a:t>TRIAL CRITERION + RANDOM (NO R) </a:t>
+            </a:r>
+          </a:p>
+          <a:p>
+            <a:pPr marL="0" indent="0" algn="ctr">
+              <a:buNone/>
+            </a:pPr>
+            <a:r>
+              <a:rPr lang="en-US" sz="6000" dirty="0"/>
+              <a:t>Enclosure: Invisible Floor</a:t>
+            </a:r>
+          </a:p>
+          <a:p>
+            <a:pPr marL="0" indent="0" algn="ctr">
+              <a:buNone/>
+            </a:pPr>
+            <a:r>
+              <a:rPr lang="en-US" sz="6000" dirty="0"/>
+              <a:t>All Goals: (V: Water, I: Water, Cube)</a:t>
+            </a:r>
+          </a:p>
+          <a:p>
+            <a:pPr marL="0" indent="0" algn="ctr">
+              <a:buNone/>
+            </a:pPr>
+            <a:r>
+              <a:rPr lang="en-US" sz="6000" dirty="0"/>
+              <a:t>Quota = 2</a:t>
             </a:r>
           </a:p>
           <a:p>
@@ -14757,7 +15234,7 @@
             </a:pPr>
             <a:r>
               <a:rPr lang="en-US" sz="6000" dirty="0"/>
-              <a:t>Scene #2</a:t>
+              <a:t>Scene #3</a:t>
             </a:r>
           </a:p>
         </p:txBody>
@@ -14765,7 +15242,7 @@
     </p:spTree>
     <p:extLst>
       <p:ext uri="{BB962C8B-B14F-4D97-AF65-F5344CB8AC3E}">
-        <p14:creationId xmlns:p14="http://schemas.microsoft.com/office/powerpoint/2010/main" val="1723672394"/>
+        <p14:creationId xmlns:p14="http://schemas.microsoft.com/office/powerpoint/2010/main" val="1135141056"/>
       </p:ext>
     </p:extLst>
   </p:cSld>
@@ -14810,13 +15287,13 @@
         </p:nvSpPr>
         <p:spPr>
           <a:xfrm>
-            <a:off x="0" y="360947"/>
-            <a:ext cx="12192000" cy="5710990"/>
+            <a:off x="0" y="1126958"/>
+            <a:ext cx="12192000" cy="5273841"/>
           </a:xfrm>
         </p:spPr>
         <p:txBody>
           <a:bodyPr>
-            <a:normAutofit fontScale="92500" lnSpcReduction="10000"/>
+            <a:normAutofit fontScale="92500" lnSpcReduction="20000"/>
           </a:bodyPr>
           <a:lstStyle/>
           <a:p>
@@ -14825,7 +15302,7 @@
             </a:pPr>
             <a:r>
               <a:rPr lang="en-US" sz="6000" b="1" dirty="0"/>
-              <a:t>TRIAL 3</a:t>
+              <a:t>TRIAL 2 – PASS TEST</a:t>
             </a:r>
           </a:p>
           <a:p>
@@ -14834,34 +15311,34 @@
             </a:pPr>
             <a:r>
               <a:rPr lang="en-US" sz="6000" b="1" dirty="0"/>
-              <a:t>BLOCK CRITERION + SERIAL</a:t>
-            </a:r>
-          </a:p>
-          <a:p>
-            <a:pPr marL="0" indent="0" algn="ctr">
-              <a:buNone/>
-            </a:pPr>
-            <a:r>
-              <a:rPr lang="en-US" sz="6000" dirty="0"/>
-              <a:t>Enclosure: Circle</a:t>
-            </a:r>
-          </a:p>
-          <a:p>
-            <a:pPr marL="0" indent="0" algn="ctr">
-              <a:buNone/>
-            </a:pPr>
-            <a:r>
-              <a:rPr lang="en-US" sz="6000" dirty="0"/>
-              <a:t>All Goals: (V: Cube + Apple, I: Sphere)</a:t>
-            </a:r>
-          </a:p>
-          <a:p>
-            <a:pPr marL="0" indent="0" algn="ctr">
-              <a:buNone/>
-            </a:pPr>
-            <a:r>
-              <a:rPr lang="en-US" sz="6000" dirty="0"/>
-              <a:t>Quota = 3</a:t>
+              <a:t>TRIAL CRITERION + RANDOM (NO R) </a:t>
+            </a:r>
+          </a:p>
+          <a:p>
+            <a:pPr marL="0" indent="0" algn="ctr">
+              <a:buNone/>
+            </a:pPr>
+            <a:r>
+              <a:rPr lang="en-US" sz="6000" dirty="0"/>
+              <a:t>Enclosure: Square</a:t>
+            </a:r>
+          </a:p>
+          <a:p>
+            <a:pPr marL="0" indent="0" algn="ctr">
+              <a:buNone/>
+            </a:pPr>
+            <a:r>
+              <a:rPr lang="en-US" sz="6000" dirty="0"/>
+              <a:t>All Goals: All Active</a:t>
+            </a:r>
+          </a:p>
+          <a:p>
+            <a:pPr marL="0" indent="0" algn="ctr">
+              <a:buNone/>
+            </a:pPr>
+            <a:r>
+              <a:rPr lang="en-US" sz="6000" dirty="0"/>
+              <a:t>Quota = 4</a:t>
             </a:r>
           </a:p>
           <a:p>
@@ -14879,7 +15356,7 @@
             </a:pPr>
             <a:r>
               <a:rPr lang="en-US" sz="6000" dirty="0"/>
-              <a:t>Scene #3</a:t>
+              <a:t>Scene #2</a:t>
             </a:r>
           </a:p>
         </p:txBody>
@@ -14887,7 +15364,7 @@
     </p:spTree>
     <p:extLst>
       <p:ext uri="{BB962C8B-B14F-4D97-AF65-F5344CB8AC3E}">
-        <p14:creationId xmlns:p14="http://schemas.microsoft.com/office/powerpoint/2010/main" val="2986808559"/>
+        <p14:creationId xmlns:p14="http://schemas.microsoft.com/office/powerpoint/2010/main" val="3959164106"/>
       </p:ext>
     </p:extLst>
   </p:cSld>
@@ -15019,13 +15496,13 @@
         </p:nvSpPr>
         <p:spPr>
           <a:xfrm>
-            <a:off x="0" y="240633"/>
-            <a:ext cx="12192000" cy="6424862"/>
+            <a:off x="0" y="360947"/>
+            <a:ext cx="12192000" cy="5710990"/>
           </a:xfrm>
         </p:spPr>
         <p:txBody>
           <a:bodyPr>
-            <a:normAutofit lnSpcReduction="10000"/>
+            <a:normAutofit fontScale="92500" lnSpcReduction="10000"/>
           </a:bodyPr>
           <a:lstStyle/>
           <a:p>
@@ -15034,7 +15511,7 @@
             </a:pPr>
             <a:r>
               <a:rPr lang="en-US" sz="6000" b="1" dirty="0"/>
-              <a:t>TRIAL 4 </a:t>
+              <a:t>TRIAL 3 – PASS TEST</a:t>
             </a:r>
           </a:p>
           <a:p>
@@ -15043,34 +15520,34 @@
             </a:pPr>
             <a:r>
               <a:rPr lang="en-US" sz="6000" b="1" dirty="0"/>
-              <a:t>BLOCK CRITERION + SERIAL</a:t>
-            </a:r>
-          </a:p>
-          <a:p>
-            <a:pPr marL="0" indent="0" algn="ctr">
-              <a:buNone/>
-            </a:pPr>
-            <a:r>
-              <a:rPr lang="en-US" sz="6000" dirty="0"/>
-              <a:t>Enclosure: Invisible Floor</a:t>
-            </a:r>
-          </a:p>
-          <a:p>
-            <a:pPr marL="0" indent="0" algn="ctr">
-              <a:buNone/>
-            </a:pPr>
-            <a:r>
-              <a:rPr lang="en-US" sz="6000" dirty="0"/>
-              <a:t>All Goals: (V: Sphere, I: Water)</a:t>
-            </a:r>
-          </a:p>
-          <a:p>
-            <a:pPr marL="0" indent="0" algn="ctr">
-              <a:buNone/>
-            </a:pPr>
-            <a:r>
-              <a:rPr lang="en-US" sz="6000" dirty="0"/>
-              <a:t>Quota = 2</a:t>
+              <a:t>TRIAL CRITERION + RANDOM (NO R) </a:t>
+            </a:r>
+          </a:p>
+          <a:p>
+            <a:pPr marL="0" indent="0" algn="ctr">
+              <a:buNone/>
+            </a:pPr>
+            <a:r>
+              <a:rPr lang="en-US" sz="6000" dirty="0"/>
+              <a:t>Enclosure: Circle</a:t>
+            </a:r>
+          </a:p>
+          <a:p>
+            <a:pPr marL="0" indent="0" algn="ctr">
+              <a:buNone/>
+            </a:pPr>
+            <a:r>
+              <a:rPr lang="en-US" sz="6000" dirty="0"/>
+              <a:t>All Goals: (V: Cube + Apple, I: Sphere)</a:t>
+            </a:r>
+          </a:p>
+          <a:p>
+            <a:pPr marL="0" indent="0" algn="ctr">
+              <a:buNone/>
+            </a:pPr>
+            <a:r>
+              <a:rPr lang="en-US" sz="6000" dirty="0"/>
+              <a:t>Quota = 3</a:t>
             </a:r>
           </a:p>
           <a:p>
@@ -15096,7 +15573,7 @@
     </p:spTree>
     <p:extLst>
       <p:ext uri="{BB962C8B-B14F-4D97-AF65-F5344CB8AC3E}">
-        <p14:creationId xmlns:p14="http://schemas.microsoft.com/office/powerpoint/2010/main" val="4232734734"/>
+        <p14:creationId xmlns:p14="http://schemas.microsoft.com/office/powerpoint/2010/main" val="1791789705"/>
       </p:ext>
     </p:extLst>
   </p:cSld>
@@ -15125,55 +15602,6 @@
       </p:grpSpPr>
       <p:sp>
         <p:nvSpPr>
-          <p:cNvPr id="4" name="Rectangle 3">
-            <a:extLst>
-              <a:ext uri="{FF2B5EF4-FFF2-40B4-BE49-F238E27FC236}">
-                <a16:creationId xmlns:a16="http://schemas.microsoft.com/office/drawing/2014/main" id="{EEA24FE4-CF88-4576-8D74-4D4BF0A7AC43}"/>
-              </a:ext>
-            </a:extLst>
-          </p:cNvPr>
-          <p:cNvSpPr/>
-          <p:nvPr/>
-        </p:nvSpPr>
-        <p:spPr>
-          <a:xfrm>
-            <a:off x="0" y="0"/>
-            <a:ext cx="12192000" cy="6858000"/>
-          </a:xfrm>
-          <a:prstGeom prst="rect">
-            <a:avLst/>
-          </a:prstGeom>
-          <a:solidFill>
-            <a:srgbClr val="F1CB68"/>
-          </a:solidFill>
-        </p:spPr>
-        <p:style>
-          <a:lnRef idx="2">
-            <a:schemeClr val="accent1">
-              <a:shade val="50000"/>
-            </a:schemeClr>
-          </a:lnRef>
-          <a:fillRef idx="1">
-            <a:schemeClr val="accent1"/>
-          </a:fillRef>
-          <a:effectRef idx="0">
-            <a:schemeClr val="accent1"/>
-          </a:effectRef>
-          <a:fontRef idx="minor">
-            <a:schemeClr val="lt1"/>
-          </a:fontRef>
-        </p:style>
-        <p:txBody>
-          <a:bodyPr rtlCol="0" anchor="ctr"/>
-          <a:lstStyle/>
-          <a:p>
-            <a:pPr algn="ctr"/>
-            <a:endParaRPr lang="en-US"/>
-          </a:p>
-        </p:txBody>
-      </p:sp>
-      <p:sp>
-        <p:nvSpPr>
           <p:cNvPr id="3" name="Content Placeholder 2">
             <a:extLst>
               <a:ext uri="{FF2B5EF4-FFF2-40B4-BE49-F238E27FC236}">
@@ -15190,13 +15618,13 @@
         </p:nvSpPr>
         <p:spPr>
           <a:xfrm>
-            <a:off x="0" y="1825625"/>
-            <a:ext cx="12192000" cy="3275764"/>
+            <a:off x="0" y="240633"/>
+            <a:ext cx="12192000" cy="6424862"/>
           </a:xfrm>
         </p:spPr>
         <p:txBody>
           <a:bodyPr>
-            <a:normAutofit/>
+            <a:normAutofit lnSpcReduction="10000"/>
           </a:bodyPr>
           <a:lstStyle/>
           <a:p>
@@ -15204,92 +15632,62 @@
               <a:buNone/>
             </a:pPr>
             <a:r>
-              <a:rPr lang="en-US" sz="6000" b="1" dirty="0">
-                <a:solidFill>
-                  <a:schemeClr val="bg1"/>
-                </a:solidFill>
-              </a:rPr>
-              <a:t>TESTING BLOCKS</a:t>
-            </a:r>
-          </a:p>
-          <a:p>
-            <a:pPr marL="0" indent="0" algn="ctr">
-              <a:buNone/>
-            </a:pPr>
-            <a:r>
-              <a:rPr lang="en-US" sz="6000" b="1" dirty="0">
-                <a:solidFill>
-                  <a:schemeClr val="bg1"/>
-                </a:solidFill>
-              </a:rPr>
-              <a:t>BLOCK Criterion = 3</a:t>
-            </a:r>
-          </a:p>
-          <a:p>
-            <a:pPr marL="0" indent="0" algn="ctr">
-              <a:buNone/>
-            </a:pPr>
-            <a:r>
-              <a:rPr lang="en-US" sz="6000" b="1" dirty="0">
-                <a:solidFill>
-                  <a:schemeClr val="bg1"/>
-                </a:solidFill>
-              </a:rPr>
-              <a:t>RANDOM (R) 4 Trial – Test</a:t>
-            </a:r>
-            <a:endParaRPr lang="en-US" sz="6000" dirty="0">
-              <a:solidFill>
-                <a:schemeClr val="bg1"/>
-              </a:solidFill>
-            </a:endParaRPr>
-          </a:p>
-        </p:txBody>
-      </p:sp>
-      <p:sp>
-        <p:nvSpPr>
-          <p:cNvPr id="5" name="Rectangle 4">
-            <a:extLst>
-              <a:ext uri="{FF2B5EF4-FFF2-40B4-BE49-F238E27FC236}">
-                <a16:creationId xmlns:a16="http://schemas.microsoft.com/office/drawing/2014/main" id="{663D26CC-E231-471A-9F1E-61C09D37CD03}"/>
-              </a:ext>
-            </a:extLst>
-          </p:cNvPr>
-          <p:cNvSpPr/>
-          <p:nvPr/>
-        </p:nvSpPr>
-        <p:spPr>
-          <a:xfrm>
-            <a:off x="3172326" y="5403834"/>
-            <a:ext cx="5847347" cy="866274"/>
-          </a:xfrm>
-          <a:prstGeom prst="rect">
-            <a:avLst/>
-          </a:prstGeom>
-        </p:spPr>
-        <p:style>
-          <a:lnRef idx="2">
-            <a:schemeClr val="dk1">
-              <a:shade val="50000"/>
-            </a:schemeClr>
-          </a:lnRef>
-          <a:fillRef idx="1">
-            <a:schemeClr val="dk1"/>
-          </a:fillRef>
-          <a:effectRef idx="0">
-            <a:schemeClr val="dk1"/>
-          </a:effectRef>
-          <a:fontRef idx="minor">
-            <a:schemeClr val="lt1"/>
-          </a:fontRef>
-        </p:style>
-        <p:txBody>
-          <a:bodyPr rtlCol="0" anchor="ctr"/>
-          <a:lstStyle/>
-          <a:p>
-            <a:pPr algn="ctr"/>
-            <a:r>
-              <a:rPr lang="en-US" sz="3200" b="1" dirty="0"/>
-              <a:t>PRESS SPACE TO BEGIN TEST</a:t>
+              <a:rPr lang="en-US" sz="6000" b="1" dirty="0"/>
+              <a:t>TRIAL 4 – PASS TEST</a:t>
+            </a:r>
+          </a:p>
+          <a:p>
+            <a:pPr marL="0" indent="0" algn="ctr">
+              <a:buNone/>
+            </a:pPr>
+            <a:r>
+              <a:rPr lang="en-US" sz="6000" b="1" dirty="0"/>
+              <a:t>TRIAL CRITERION + RANDOM (NO R) </a:t>
+            </a:r>
+          </a:p>
+          <a:p>
+            <a:pPr marL="0" indent="0" algn="ctr">
+              <a:buNone/>
+            </a:pPr>
+            <a:r>
+              <a:rPr lang="en-US" sz="6000" dirty="0"/>
+              <a:t>Enclosure: Invisible Floor</a:t>
+            </a:r>
+          </a:p>
+          <a:p>
+            <a:pPr marL="0" indent="0" algn="ctr">
+              <a:buNone/>
+            </a:pPr>
+            <a:r>
+              <a:rPr lang="en-US" sz="6000" dirty="0"/>
+              <a:t>All Goals: (V: Sphere, I: Water)</a:t>
+            </a:r>
+          </a:p>
+          <a:p>
+            <a:pPr marL="0" indent="0" algn="ctr">
+              <a:buNone/>
+            </a:pPr>
+            <a:r>
+              <a:rPr lang="en-US" sz="6000" dirty="0"/>
+              <a:t>Quota = 2</a:t>
+            </a:r>
+          </a:p>
+          <a:p>
+            <a:pPr marL="0" indent="0" algn="ctr">
+              <a:buNone/>
+            </a:pPr>
+            <a:r>
+              <a:rPr lang="en-US" sz="6000" dirty="0"/>
+              <a:t>Landmarks: All</a:t>
+            </a:r>
+          </a:p>
+          <a:p>
+            <a:pPr marL="0" indent="0" algn="ctr">
+              <a:buNone/>
+            </a:pPr>
+            <a:r>
+              <a:rPr lang="en-US" sz="6000" dirty="0"/>
+              <a:t>Scene #3</a:t>
             </a:r>
           </a:p>
         </p:txBody>
@@ -15297,7 +15695,7 @@
     </p:spTree>
     <p:extLst>
       <p:ext uri="{BB962C8B-B14F-4D97-AF65-F5344CB8AC3E}">
-        <p14:creationId xmlns:p14="http://schemas.microsoft.com/office/powerpoint/2010/main" val="456449924"/>
+        <p14:creationId xmlns:p14="http://schemas.microsoft.com/office/powerpoint/2010/main" val="3107209454"/>
       </p:ext>
     </p:extLst>
   </p:cSld>
@@ -15326,6 +15724,55 @@
       </p:grpSpPr>
       <p:sp>
         <p:nvSpPr>
+          <p:cNvPr id="4" name="Rectangle 3">
+            <a:extLst>
+              <a:ext uri="{FF2B5EF4-FFF2-40B4-BE49-F238E27FC236}">
+                <a16:creationId xmlns:a16="http://schemas.microsoft.com/office/drawing/2014/main" id="{EEA24FE4-CF88-4576-8D74-4D4BF0A7AC43}"/>
+              </a:ext>
+            </a:extLst>
+          </p:cNvPr>
+          <p:cNvSpPr/>
+          <p:nvPr/>
+        </p:nvSpPr>
+        <p:spPr>
+          <a:xfrm>
+            <a:off x="0" y="0"/>
+            <a:ext cx="12192000" cy="6858000"/>
+          </a:xfrm>
+          <a:prstGeom prst="rect">
+            <a:avLst/>
+          </a:prstGeom>
+          <a:solidFill>
+            <a:srgbClr val="F1CB68"/>
+          </a:solidFill>
+        </p:spPr>
+        <p:style>
+          <a:lnRef idx="2">
+            <a:schemeClr val="accent1">
+              <a:shade val="50000"/>
+            </a:schemeClr>
+          </a:lnRef>
+          <a:fillRef idx="1">
+            <a:schemeClr val="accent1"/>
+          </a:fillRef>
+          <a:effectRef idx="0">
+            <a:schemeClr val="accent1"/>
+          </a:effectRef>
+          <a:fontRef idx="minor">
+            <a:schemeClr val="lt1"/>
+          </a:fontRef>
+        </p:style>
+        <p:txBody>
+          <a:bodyPr rtlCol="0" anchor="ctr"/>
+          <a:lstStyle/>
+          <a:p>
+            <a:pPr algn="ctr"/>
+            <a:endParaRPr lang="en-US"/>
+          </a:p>
+        </p:txBody>
+      </p:sp>
+      <p:sp>
+        <p:nvSpPr>
           <p:cNvPr id="3" name="Content Placeholder 2">
             <a:extLst>
               <a:ext uri="{FF2B5EF4-FFF2-40B4-BE49-F238E27FC236}">
@@ -15342,13 +15789,13 @@
         </p:nvSpPr>
         <p:spPr>
           <a:xfrm>
-            <a:off x="0" y="834189"/>
-            <a:ext cx="12192000" cy="5478379"/>
+            <a:off x="0" y="1825625"/>
+            <a:ext cx="12192000" cy="3275764"/>
           </a:xfrm>
         </p:spPr>
         <p:txBody>
           <a:bodyPr>
-            <a:normAutofit fontScale="92500" lnSpcReduction="20000"/>
+            <a:normAutofit/>
           </a:bodyPr>
           <a:lstStyle/>
           <a:p>
@@ -15356,62 +15803,92 @@
               <a:buNone/>
             </a:pPr>
             <a:r>
-              <a:rPr lang="en-US" sz="6000" b="1" dirty="0"/>
-              <a:t>TRIAL 1 </a:t>
-            </a:r>
-          </a:p>
-          <a:p>
-            <a:pPr marL="0" indent="0" algn="ctr">
-              <a:buNone/>
-            </a:pPr>
-            <a:r>
-              <a:rPr lang="en-US" sz="6000" b="1" dirty="0"/>
-              <a:t>BLOCK CRITERION + RANDOM (R) </a:t>
-            </a:r>
-          </a:p>
-          <a:p>
-            <a:pPr marL="0" indent="0" algn="ctr">
-              <a:buNone/>
-            </a:pPr>
-            <a:r>
-              <a:rPr lang="en-US" sz="6000" dirty="0"/>
-              <a:t>Enclosure: Invisible Floor</a:t>
-            </a:r>
-          </a:p>
-          <a:p>
-            <a:pPr marL="0" indent="0" algn="ctr">
-              <a:buNone/>
-            </a:pPr>
-            <a:r>
-              <a:rPr lang="en-US" sz="6000" dirty="0"/>
-              <a:t>All Goals: (V: Water, I: Water, Cube)</a:t>
-            </a:r>
-          </a:p>
-          <a:p>
-            <a:pPr marL="0" indent="0" algn="ctr">
-              <a:buNone/>
-            </a:pPr>
-            <a:r>
-              <a:rPr lang="en-US" sz="6000" dirty="0"/>
-              <a:t>Quota = 2</a:t>
-            </a:r>
-          </a:p>
-          <a:p>
-            <a:pPr marL="0" indent="0" algn="ctr">
-              <a:buNone/>
-            </a:pPr>
-            <a:r>
-              <a:rPr lang="en-US" sz="6000" dirty="0"/>
-              <a:t>Landmarks: All</a:t>
-            </a:r>
-          </a:p>
-          <a:p>
-            <a:pPr marL="0" indent="0" algn="ctr">
-              <a:buNone/>
-            </a:pPr>
-            <a:r>
-              <a:rPr lang="en-US" sz="6000" dirty="0"/>
-              <a:t>Scene #3</a:t>
+              <a:rPr lang="en-US" sz="6000" b="1" dirty="0">
+                <a:solidFill>
+                  <a:schemeClr val="bg1"/>
+                </a:solidFill>
+              </a:rPr>
+              <a:t>TESTING BLOCKS</a:t>
+            </a:r>
+          </a:p>
+          <a:p>
+            <a:pPr marL="0" indent="0" algn="ctr">
+              <a:buNone/>
+            </a:pPr>
+            <a:r>
+              <a:rPr lang="en-US" sz="6000" b="1" dirty="0">
+                <a:solidFill>
+                  <a:schemeClr val="bg1"/>
+                </a:solidFill>
+              </a:rPr>
+              <a:t>BLOCK Criterion = 3</a:t>
+            </a:r>
+          </a:p>
+          <a:p>
+            <a:pPr marL="0" indent="0" algn="ctr">
+              <a:buNone/>
+            </a:pPr>
+            <a:r>
+              <a:rPr lang="en-US" sz="6000" b="1" dirty="0">
+                <a:solidFill>
+                  <a:schemeClr val="bg1"/>
+                </a:solidFill>
+              </a:rPr>
+              <a:t>Serial 4 Trial – Test</a:t>
+            </a:r>
+            <a:endParaRPr lang="en-US" sz="6000" dirty="0">
+              <a:solidFill>
+                <a:schemeClr val="bg1"/>
+              </a:solidFill>
+            </a:endParaRPr>
+          </a:p>
+        </p:txBody>
+      </p:sp>
+      <p:sp>
+        <p:nvSpPr>
+          <p:cNvPr id="5" name="Rectangle 4">
+            <a:extLst>
+              <a:ext uri="{FF2B5EF4-FFF2-40B4-BE49-F238E27FC236}">
+                <a16:creationId xmlns:a16="http://schemas.microsoft.com/office/drawing/2014/main" id="{8773B93A-5FA2-4254-9481-12C7D51FB89E}"/>
+              </a:ext>
+            </a:extLst>
+          </p:cNvPr>
+          <p:cNvSpPr/>
+          <p:nvPr/>
+        </p:nvSpPr>
+        <p:spPr>
+          <a:xfrm>
+            <a:off x="3172326" y="5403834"/>
+            <a:ext cx="5847347" cy="866274"/>
+          </a:xfrm>
+          <a:prstGeom prst="rect">
+            <a:avLst/>
+          </a:prstGeom>
+        </p:spPr>
+        <p:style>
+          <a:lnRef idx="2">
+            <a:schemeClr val="dk1">
+              <a:shade val="50000"/>
+            </a:schemeClr>
+          </a:lnRef>
+          <a:fillRef idx="1">
+            <a:schemeClr val="dk1"/>
+          </a:fillRef>
+          <a:effectRef idx="0">
+            <a:schemeClr val="dk1"/>
+          </a:effectRef>
+          <a:fontRef idx="minor">
+            <a:schemeClr val="lt1"/>
+          </a:fontRef>
+        </p:style>
+        <p:txBody>
+          <a:bodyPr rtlCol="0" anchor="ctr"/>
+          <a:lstStyle/>
+          <a:p>
+            <a:pPr algn="ctr"/>
+            <a:r>
+              <a:rPr lang="en-US" sz="3200" b="1" dirty="0"/>
+              <a:t>PRESS SPACE TO BEGIN TEST</a:t>
             </a:r>
           </a:p>
         </p:txBody>
@@ -15419,7 +15896,7 @@
     </p:spTree>
     <p:extLst>
       <p:ext uri="{BB962C8B-B14F-4D97-AF65-F5344CB8AC3E}">
-        <p14:creationId xmlns:p14="http://schemas.microsoft.com/office/powerpoint/2010/main" val="1699246585"/>
+        <p14:creationId xmlns:p14="http://schemas.microsoft.com/office/powerpoint/2010/main" val="49321715"/>
       </p:ext>
     </p:extLst>
   </p:cSld>
@@ -15464,8 +15941,8 @@
         </p:nvSpPr>
         <p:spPr>
           <a:xfrm>
-            <a:off x="0" y="1126958"/>
-            <a:ext cx="12192000" cy="5273841"/>
+            <a:off x="0" y="834189"/>
+            <a:ext cx="12192000" cy="5478379"/>
           </a:xfrm>
         </p:spPr>
         <p:txBody>
@@ -15479,7 +15956,7 @@
             </a:pPr>
             <a:r>
               <a:rPr lang="en-US" sz="6000" b="1" dirty="0"/>
-              <a:t>TRIAL 2 </a:t>
+              <a:t>TRIAL 1 </a:t>
             </a:r>
           </a:p>
           <a:p>
@@ -15488,34 +15965,34 @@
             </a:pPr>
             <a:r>
               <a:rPr lang="en-US" sz="6000" b="1" dirty="0"/>
-              <a:t>BLOCK CRITERION + RANDOM (R) </a:t>
-            </a:r>
-          </a:p>
-          <a:p>
-            <a:pPr marL="0" indent="0" algn="ctr">
-              <a:buNone/>
-            </a:pPr>
-            <a:r>
-              <a:rPr lang="en-US" sz="6000" dirty="0"/>
-              <a:t>Enclosure: Square</a:t>
-            </a:r>
-          </a:p>
-          <a:p>
-            <a:pPr marL="0" indent="0" algn="ctr">
-              <a:buNone/>
-            </a:pPr>
-            <a:r>
-              <a:rPr lang="en-US" sz="6000" dirty="0"/>
-              <a:t>All Goals: All Active</a:t>
-            </a:r>
-          </a:p>
-          <a:p>
-            <a:pPr marL="0" indent="0" algn="ctr">
-              <a:buNone/>
-            </a:pPr>
-            <a:r>
-              <a:rPr lang="en-US" sz="6000" dirty="0"/>
-              <a:t>Quota = 4</a:t>
+              <a:t>BLOCK CRITERION + SERIAL</a:t>
+            </a:r>
+          </a:p>
+          <a:p>
+            <a:pPr marL="0" indent="0" algn="ctr">
+              <a:buNone/>
+            </a:pPr>
+            <a:r>
+              <a:rPr lang="en-US" sz="6000" dirty="0"/>
+              <a:t>Enclosure: Invisible Floor</a:t>
+            </a:r>
+          </a:p>
+          <a:p>
+            <a:pPr marL="0" indent="0" algn="ctr">
+              <a:buNone/>
+            </a:pPr>
+            <a:r>
+              <a:rPr lang="en-US" sz="6000" dirty="0"/>
+              <a:t>All Goals: (V: Water, I: Water, Cube)</a:t>
+            </a:r>
+          </a:p>
+          <a:p>
+            <a:pPr marL="0" indent="0" algn="ctr">
+              <a:buNone/>
+            </a:pPr>
+            <a:r>
+              <a:rPr lang="en-US" sz="6000" dirty="0"/>
+              <a:t>Quota = 2</a:t>
             </a:r>
           </a:p>
           <a:p>
@@ -15533,7 +16010,7 @@
             </a:pPr>
             <a:r>
               <a:rPr lang="en-US" sz="6000" dirty="0"/>
-              <a:t>Scene #2</a:t>
+              <a:t>Scene #3</a:t>
             </a:r>
           </a:p>
         </p:txBody>
@@ -15541,7 +16018,7 @@
     </p:spTree>
     <p:extLst>
       <p:ext uri="{BB962C8B-B14F-4D97-AF65-F5344CB8AC3E}">
-        <p14:creationId xmlns:p14="http://schemas.microsoft.com/office/powerpoint/2010/main" val="3804465186"/>
+        <p14:creationId xmlns:p14="http://schemas.microsoft.com/office/powerpoint/2010/main" val="3038932270"/>
       </p:ext>
     </p:extLst>
   </p:cSld>
@@ -15586,13 +16063,13 @@
         </p:nvSpPr>
         <p:spPr>
           <a:xfrm>
-            <a:off x="0" y="360947"/>
-            <a:ext cx="12192000" cy="5710990"/>
+            <a:off x="0" y="1126958"/>
+            <a:ext cx="12192000" cy="5273841"/>
           </a:xfrm>
         </p:spPr>
         <p:txBody>
           <a:bodyPr>
-            <a:normAutofit fontScale="92500" lnSpcReduction="10000"/>
+            <a:normAutofit fontScale="92500" lnSpcReduction="20000"/>
           </a:bodyPr>
           <a:lstStyle/>
           <a:p>
@@ -15601,7 +16078,7 @@
             </a:pPr>
             <a:r>
               <a:rPr lang="en-US" sz="6000" b="1" dirty="0"/>
-              <a:t>TRIAL 3</a:t>
+              <a:t>TRIAL 2 </a:t>
             </a:r>
           </a:p>
           <a:p>
@@ -15610,34 +16087,34 @@
             </a:pPr>
             <a:r>
               <a:rPr lang="en-US" sz="6000" b="1" dirty="0"/>
-              <a:t>BLOCK CRITERION + RANDOM (R) </a:t>
-            </a:r>
-          </a:p>
-          <a:p>
-            <a:pPr marL="0" indent="0" algn="ctr">
-              <a:buNone/>
-            </a:pPr>
-            <a:r>
-              <a:rPr lang="en-US" sz="6000" dirty="0"/>
-              <a:t>Enclosure: Circle</a:t>
-            </a:r>
-          </a:p>
-          <a:p>
-            <a:pPr marL="0" indent="0" algn="ctr">
-              <a:buNone/>
-            </a:pPr>
-            <a:r>
-              <a:rPr lang="en-US" sz="6000" dirty="0"/>
-              <a:t>All Goals: (V: Cube + Apple, I: Sphere)</a:t>
-            </a:r>
-          </a:p>
-          <a:p>
-            <a:pPr marL="0" indent="0" algn="ctr">
-              <a:buNone/>
-            </a:pPr>
-            <a:r>
-              <a:rPr lang="en-US" sz="6000" dirty="0"/>
-              <a:t>Quota = 3</a:t>
+              <a:t>BLOCK CRITERION + SERIAL</a:t>
+            </a:r>
+          </a:p>
+          <a:p>
+            <a:pPr marL="0" indent="0" algn="ctr">
+              <a:buNone/>
+            </a:pPr>
+            <a:r>
+              <a:rPr lang="en-US" sz="6000" dirty="0"/>
+              <a:t>Enclosure: Square</a:t>
+            </a:r>
+          </a:p>
+          <a:p>
+            <a:pPr marL="0" indent="0" algn="ctr">
+              <a:buNone/>
+            </a:pPr>
+            <a:r>
+              <a:rPr lang="en-US" sz="6000" dirty="0"/>
+              <a:t>All Goals: All Active</a:t>
+            </a:r>
+          </a:p>
+          <a:p>
+            <a:pPr marL="0" indent="0" algn="ctr">
+              <a:buNone/>
+            </a:pPr>
+            <a:r>
+              <a:rPr lang="en-US" sz="6000" dirty="0"/>
+              <a:t>Quota = 4</a:t>
             </a:r>
           </a:p>
           <a:p>
@@ -15655,7 +16132,7 @@
             </a:pPr>
             <a:r>
               <a:rPr lang="en-US" sz="6000" dirty="0"/>
-              <a:t>Scene #3</a:t>
+              <a:t>Scene #2</a:t>
             </a:r>
           </a:p>
         </p:txBody>
@@ -15663,7 +16140,7 @@
     </p:spTree>
     <p:extLst>
       <p:ext uri="{BB962C8B-B14F-4D97-AF65-F5344CB8AC3E}">
-        <p14:creationId xmlns:p14="http://schemas.microsoft.com/office/powerpoint/2010/main" val="3914449700"/>
+        <p14:creationId xmlns:p14="http://schemas.microsoft.com/office/powerpoint/2010/main" val="1723672394"/>
       </p:ext>
     </p:extLst>
   </p:cSld>
@@ -15708,13 +16185,13 @@
         </p:nvSpPr>
         <p:spPr>
           <a:xfrm>
-            <a:off x="0" y="240633"/>
-            <a:ext cx="12192000" cy="6424862"/>
+            <a:off x="0" y="360947"/>
+            <a:ext cx="12192000" cy="5710990"/>
           </a:xfrm>
         </p:spPr>
         <p:txBody>
           <a:bodyPr>
-            <a:normAutofit lnSpcReduction="10000"/>
+            <a:normAutofit fontScale="92500" lnSpcReduction="10000"/>
           </a:bodyPr>
           <a:lstStyle/>
           <a:p>
@@ -15723,7 +16200,7 @@
             </a:pPr>
             <a:r>
               <a:rPr lang="en-US" sz="6000" b="1" dirty="0"/>
-              <a:t>TRIAL 4 </a:t>
+              <a:t>TRIAL 3</a:t>
             </a:r>
           </a:p>
           <a:p>
@@ -15732,34 +16209,34 @@
             </a:pPr>
             <a:r>
               <a:rPr lang="en-US" sz="6000" b="1" dirty="0"/>
-              <a:t>BLOCK CRITERION + RANDOM (R) </a:t>
-            </a:r>
-          </a:p>
-          <a:p>
-            <a:pPr marL="0" indent="0" algn="ctr">
-              <a:buNone/>
-            </a:pPr>
-            <a:r>
-              <a:rPr lang="en-US" sz="6000" dirty="0"/>
-              <a:t>Enclosure: Invisible Floor</a:t>
-            </a:r>
-          </a:p>
-          <a:p>
-            <a:pPr marL="0" indent="0" algn="ctr">
-              <a:buNone/>
-            </a:pPr>
-            <a:r>
-              <a:rPr lang="en-US" sz="6000" dirty="0"/>
-              <a:t>All Goals: (V: Sphere, I: Water)</a:t>
-            </a:r>
-          </a:p>
-          <a:p>
-            <a:pPr marL="0" indent="0" algn="ctr">
-              <a:buNone/>
-            </a:pPr>
-            <a:r>
-              <a:rPr lang="en-US" sz="6000" dirty="0"/>
-              <a:t>Quota = 2</a:t>
+              <a:t>BLOCK CRITERION + SERIAL</a:t>
+            </a:r>
+          </a:p>
+          <a:p>
+            <a:pPr marL="0" indent="0" algn="ctr">
+              <a:buNone/>
+            </a:pPr>
+            <a:r>
+              <a:rPr lang="en-US" sz="6000" dirty="0"/>
+              <a:t>Enclosure: Circle</a:t>
+            </a:r>
+          </a:p>
+          <a:p>
+            <a:pPr marL="0" indent="0" algn="ctr">
+              <a:buNone/>
+            </a:pPr>
+            <a:r>
+              <a:rPr lang="en-US" sz="6000" dirty="0"/>
+              <a:t>All Goals: (V: Cube + Apple, I: Sphere)</a:t>
+            </a:r>
+          </a:p>
+          <a:p>
+            <a:pPr marL="0" indent="0" algn="ctr">
+              <a:buNone/>
+            </a:pPr>
+            <a:r>
+              <a:rPr lang="en-US" sz="6000" dirty="0"/>
+              <a:t>Quota = 3</a:t>
             </a:r>
           </a:p>
           <a:p>
@@ -15785,7 +16262,7 @@
     </p:spTree>
     <p:extLst>
       <p:ext uri="{BB962C8B-B14F-4D97-AF65-F5344CB8AC3E}">
-        <p14:creationId xmlns:p14="http://schemas.microsoft.com/office/powerpoint/2010/main" val="1382452850"/>
+        <p14:creationId xmlns:p14="http://schemas.microsoft.com/office/powerpoint/2010/main" val="2986808559"/>
       </p:ext>
     </p:extLst>
   </p:cSld>
@@ -15814,55 +16291,6 @@
       </p:grpSpPr>
       <p:sp>
         <p:nvSpPr>
-          <p:cNvPr id="4" name="Rectangle 3">
-            <a:extLst>
-              <a:ext uri="{FF2B5EF4-FFF2-40B4-BE49-F238E27FC236}">
-                <a16:creationId xmlns:a16="http://schemas.microsoft.com/office/drawing/2014/main" id="{EEA24FE4-CF88-4576-8D74-4D4BF0A7AC43}"/>
-              </a:ext>
-            </a:extLst>
-          </p:cNvPr>
-          <p:cNvSpPr/>
-          <p:nvPr/>
-        </p:nvSpPr>
-        <p:spPr>
-          <a:xfrm>
-            <a:off x="0" y="0"/>
-            <a:ext cx="12192000" cy="6858000"/>
-          </a:xfrm>
-          <a:prstGeom prst="rect">
-            <a:avLst/>
-          </a:prstGeom>
-          <a:solidFill>
-            <a:srgbClr val="F1CB68"/>
-          </a:solidFill>
-        </p:spPr>
-        <p:style>
-          <a:lnRef idx="2">
-            <a:schemeClr val="accent1">
-              <a:shade val="50000"/>
-            </a:schemeClr>
-          </a:lnRef>
-          <a:fillRef idx="1">
-            <a:schemeClr val="accent1"/>
-          </a:fillRef>
-          <a:effectRef idx="0">
-            <a:schemeClr val="accent1"/>
-          </a:effectRef>
-          <a:fontRef idx="minor">
-            <a:schemeClr val="lt1"/>
-          </a:fontRef>
-        </p:style>
-        <p:txBody>
-          <a:bodyPr rtlCol="0" anchor="ctr"/>
-          <a:lstStyle/>
-          <a:p>
-            <a:pPr algn="ctr"/>
-            <a:endParaRPr lang="en-US"/>
-          </a:p>
-        </p:txBody>
-      </p:sp>
-      <p:sp>
-        <p:nvSpPr>
           <p:cNvPr id="3" name="Content Placeholder 2">
             <a:extLst>
               <a:ext uri="{FF2B5EF4-FFF2-40B4-BE49-F238E27FC236}">
@@ -15879,13 +16307,13 @@
         </p:nvSpPr>
         <p:spPr>
           <a:xfrm>
-            <a:off x="0" y="1825625"/>
-            <a:ext cx="12192000" cy="3275764"/>
+            <a:off x="0" y="240633"/>
+            <a:ext cx="12192000" cy="6424862"/>
           </a:xfrm>
         </p:spPr>
         <p:txBody>
           <a:bodyPr>
-            <a:normAutofit/>
+            <a:normAutofit lnSpcReduction="10000"/>
           </a:bodyPr>
           <a:lstStyle/>
           <a:p>
@@ -15893,92 +16321,62 @@
               <a:buNone/>
             </a:pPr>
             <a:r>
-              <a:rPr lang="en-US" sz="6000" b="1" dirty="0">
-                <a:solidFill>
-                  <a:schemeClr val="bg1"/>
-                </a:solidFill>
-              </a:rPr>
-              <a:t>TESTING BLOCKS</a:t>
-            </a:r>
-          </a:p>
-          <a:p>
-            <a:pPr marL="0" indent="0" algn="ctr">
-              <a:buNone/>
-            </a:pPr>
-            <a:r>
-              <a:rPr lang="en-US" sz="6000" b="1" dirty="0">
-                <a:solidFill>
-                  <a:schemeClr val="bg1"/>
-                </a:solidFill>
-              </a:rPr>
-              <a:t>BLOCK Criterion = 3</a:t>
-            </a:r>
-          </a:p>
-          <a:p>
-            <a:pPr marL="0" indent="0" algn="ctr">
-              <a:buNone/>
-            </a:pPr>
-            <a:r>
-              <a:rPr lang="en-US" sz="6000" b="1" dirty="0">
-                <a:solidFill>
-                  <a:schemeClr val="bg1"/>
-                </a:solidFill>
-              </a:rPr>
-              <a:t>RANDOM (NO R) 4 Trial – Test</a:t>
-            </a:r>
-            <a:endParaRPr lang="en-US" sz="6000" dirty="0">
-              <a:solidFill>
-                <a:schemeClr val="bg1"/>
-              </a:solidFill>
-            </a:endParaRPr>
-          </a:p>
-        </p:txBody>
-      </p:sp>
-      <p:sp>
-        <p:nvSpPr>
-          <p:cNvPr id="5" name="Rectangle 4">
-            <a:extLst>
-              <a:ext uri="{FF2B5EF4-FFF2-40B4-BE49-F238E27FC236}">
-                <a16:creationId xmlns:a16="http://schemas.microsoft.com/office/drawing/2014/main" id="{B88DD02E-DCFD-45EE-9598-68240FEFC8EB}"/>
-              </a:ext>
-            </a:extLst>
-          </p:cNvPr>
-          <p:cNvSpPr/>
-          <p:nvPr/>
-        </p:nvSpPr>
-        <p:spPr>
-          <a:xfrm>
-            <a:off x="3172326" y="5403834"/>
-            <a:ext cx="5847347" cy="866274"/>
-          </a:xfrm>
-          <a:prstGeom prst="rect">
-            <a:avLst/>
-          </a:prstGeom>
-        </p:spPr>
-        <p:style>
-          <a:lnRef idx="2">
-            <a:schemeClr val="dk1">
-              <a:shade val="50000"/>
-            </a:schemeClr>
-          </a:lnRef>
-          <a:fillRef idx="1">
-            <a:schemeClr val="dk1"/>
-          </a:fillRef>
-          <a:effectRef idx="0">
-            <a:schemeClr val="dk1"/>
-          </a:effectRef>
-          <a:fontRef idx="minor">
-            <a:schemeClr val="lt1"/>
-          </a:fontRef>
-        </p:style>
-        <p:txBody>
-          <a:bodyPr rtlCol="0" anchor="ctr"/>
-          <a:lstStyle/>
-          <a:p>
-            <a:pPr algn="ctr"/>
-            <a:r>
-              <a:rPr lang="en-US" sz="3200" b="1" dirty="0"/>
-              <a:t>PRESS SPACE TO BEGIN TEST</a:t>
+              <a:rPr lang="en-US" sz="6000" b="1" dirty="0"/>
+              <a:t>TRIAL 4 </a:t>
+            </a:r>
+          </a:p>
+          <a:p>
+            <a:pPr marL="0" indent="0" algn="ctr">
+              <a:buNone/>
+            </a:pPr>
+            <a:r>
+              <a:rPr lang="en-US" sz="6000" b="1" dirty="0"/>
+              <a:t>BLOCK CRITERION + SERIAL</a:t>
+            </a:r>
+          </a:p>
+          <a:p>
+            <a:pPr marL="0" indent="0" algn="ctr">
+              <a:buNone/>
+            </a:pPr>
+            <a:r>
+              <a:rPr lang="en-US" sz="6000" dirty="0"/>
+              <a:t>Enclosure: Invisible Floor</a:t>
+            </a:r>
+          </a:p>
+          <a:p>
+            <a:pPr marL="0" indent="0" algn="ctr">
+              <a:buNone/>
+            </a:pPr>
+            <a:r>
+              <a:rPr lang="en-US" sz="6000" dirty="0"/>
+              <a:t>All Goals: (V: Sphere, I: Water)</a:t>
+            </a:r>
+          </a:p>
+          <a:p>
+            <a:pPr marL="0" indent="0" algn="ctr">
+              <a:buNone/>
+            </a:pPr>
+            <a:r>
+              <a:rPr lang="en-US" sz="6000" dirty="0"/>
+              <a:t>Quota = 2</a:t>
+            </a:r>
+          </a:p>
+          <a:p>
+            <a:pPr marL="0" indent="0" algn="ctr">
+              <a:buNone/>
+            </a:pPr>
+            <a:r>
+              <a:rPr lang="en-US" sz="6000" dirty="0"/>
+              <a:t>Landmarks: All</a:t>
+            </a:r>
+          </a:p>
+          <a:p>
+            <a:pPr marL="0" indent="0" algn="ctr">
+              <a:buNone/>
+            </a:pPr>
+            <a:r>
+              <a:rPr lang="en-US" sz="6000" dirty="0"/>
+              <a:t>Scene #3</a:t>
             </a:r>
           </a:p>
         </p:txBody>
@@ -15986,7 +16384,7 @@
     </p:spTree>
     <p:extLst>
       <p:ext uri="{BB962C8B-B14F-4D97-AF65-F5344CB8AC3E}">
-        <p14:creationId xmlns:p14="http://schemas.microsoft.com/office/powerpoint/2010/main" val="3207918826"/>
+        <p14:creationId xmlns:p14="http://schemas.microsoft.com/office/powerpoint/2010/main" val="4232734734"/>
       </p:ext>
     </p:extLst>
   </p:cSld>
@@ -16015,6 +16413,55 @@
       </p:grpSpPr>
       <p:sp>
         <p:nvSpPr>
+          <p:cNvPr id="4" name="Rectangle 3">
+            <a:extLst>
+              <a:ext uri="{FF2B5EF4-FFF2-40B4-BE49-F238E27FC236}">
+                <a16:creationId xmlns:a16="http://schemas.microsoft.com/office/drawing/2014/main" id="{EEA24FE4-CF88-4576-8D74-4D4BF0A7AC43}"/>
+              </a:ext>
+            </a:extLst>
+          </p:cNvPr>
+          <p:cNvSpPr/>
+          <p:nvPr/>
+        </p:nvSpPr>
+        <p:spPr>
+          <a:xfrm>
+            <a:off x="0" y="0"/>
+            <a:ext cx="12192000" cy="6858000"/>
+          </a:xfrm>
+          <a:prstGeom prst="rect">
+            <a:avLst/>
+          </a:prstGeom>
+          <a:solidFill>
+            <a:srgbClr val="F1CB68"/>
+          </a:solidFill>
+        </p:spPr>
+        <p:style>
+          <a:lnRef idx="2">
+            <a:schemeClr val="accent1">
+              <a:shade val="50000"/>
+            </a:schemeClr>
+          </a:lnRef>
+          <a:fillRef idx="1">
+            <a:schemeClr val="accent1"/>
+          </a:fillRef>
+          <a:effectRef idx="0">
+            <a:schemeClr val="accent1"/>
+          </a:effectRef>
+          <a:fontRef idx="minor">
+            <a:schemeClr val="lt1"/>
+          </a:fontRef>
+        </p:style>
+        <p:txBody>
+          <a:bodyPr rtlCol="0" anchor="ctr"/>
+          <a:lstStyle/>
+          <a:p>
+            <a:pPr algn="ctr"/>
+            <a:endParaRPr lang="en-US"/>
+          </a:p>
+        </p:txBody>
+      </p:sp>
+      <p:sp>
+        <p:nvSpPr>
           <p:cNvPr id="3" name="Content Placeholder 2">
             <a:extLst>
               <a:ext uri="{FF2B5EF4-FFF2-40B4-BE49-F238E27FC236}">
@@ -16031,13 +16478,13 @@
         </p:nvSpPr>
         <p:spPr>
           <a:xfrm>
-            <a:off x="0" y="834189"/>
-            <a:ext cx="12192000" cy="5478379"/>
+            <a:off x="0" y="1825625"/>
+            <a:ext cx="12192000" cy="3275764"/>
           </a:xfrm>
         </p:spPr>
         <p:txBody>
           <a:bodyPr>
-            <a:normAutofit fontScale="92500" lnSpcReduction="20000"/>
+            <a:normAutofit/>
           </a:bodyPr>
           <a:lstStyle/>
           <a:p>
@@ -16045,62 +16492,92 @@
               <a:buNone/>
             </a:pPr>
             <a:r>
-              <a:rPr lang="en-US" sz="6000" b="1" dirty="0"/>
-              <a:t>TRIAL 1 </a:t>
-            </a:r>
-          </a:p>
-          <a:p>
-            <a:pPr marL="0" indent="0" algn="ctr">
-              <a:buNone/>
-            </a:pPr>
-            <a:r>
-              <a:rPr lang="en-US" sz="6000" b="1" dirty="0"/>
-              <a:t>BLOCK CRITERION + RANDOM (NO R) </a:t>
-            </a:r>
-          </a:p>
-          <a:p>
-            <a:pPr marL="0" indent="0" algn="ctr">
-              <a:buNone/>
-            </a:pPr>
-            <a:r>
-              <a:rPr lang="en-US" sz="6000" dirty="0"/>
-              <a:t>Enclosure: Invisible Floor</a:t>
-            </a:r>
-          </a:p>
-          <a:p>
-            <a:pPr marL="0" indent="0" algn="ctr">
-              <a:buNone/>
-            </a:pPr>
-            <a:r>
-              <a:rPr lang="en-US" sz="6000" dirty="0"/>
-              <a:t>All Goals: (V: Water, I: Water, Cube)</a:t>
-            </a:r>
-          </a:p>
-          <a:p>
-            <a:pPr marL="0" indent="0" algn="ctr">
-              <a:buNone/>
-            </a:pPr>
-            <a:r>
-              <a:rPr lang="en-US" sz="6000" dirty="0"/>
-              <a:t>Quota = 2</a:t>
-            </a:r>
-          </a:p>
-          <a:p>
-            <a:pPr marL="0" indent="0" algn="ctr">
-              <a:buNone/>
-            </a:pPr>
-            <a:r>
-              <a:rPr lang="en-US" sz="6000" dirty="0"/>
-              <a:t>Landmarks: All</a:t>
-            </a:r>
-          </a:p>
-          <a:p>
-            <a:pPr marL="0" indent="0" algn="ctr">
-              <a:buNone/>
-            </a:pPr>
-            <a:r>
-              <a:rPr lang="en-US" sz="6000" dirty="0"/>
-              <a:t>Scene #3</a:t>
+              <a:rPr lang="en-US" sz="6000" b="1" dirty="0">
+                <a:solidFill>
+                  <a:schemeClr val="bg1"/>
+                </a:solidFill>
+              </a:rPr>
+              <a:t>TESTING BLOCKS</a:t>
+            </a:r>
+          </a:p>
+          <a:p>
+            <a:pPr marL="0" indent="0" algn="ctr">
+              <a:buNone/>
+            </a:pPr>
+            <a:r>
+              <a:rPr lang="en-US" sz="6000" b="1" dirty="0">
+                <a:solidFill>
+                  <a:schemeClr val="bg1"/>
+                </a:solidFill>
+              </a:rPr>
+              <a:t>BLOCK Criterion = 3</a:t>
+            </a:r>
+          </a:p>
+          <a:p>
+            <a:pPr marL="0" indent="0" algn="ctr">
+              <a:buNone/>
+            </a:pPr>
+            <a:r>
+              <a:rPr lang="en-US" sz="6000" b="1" dirty="0">
+                <a:solidFill>
+                  <a:schemeClr val="bg1"/>
+                </a:solidFill>
+              </a:rPr>
+              <a:t>RANDOM (R) 4 Trial – Test</a:t>
+            </a:r>
+            <a:endParaRPr lang="en-US" sz="6000" dirty="0">
+              <a:solidFill>
+                <a:schemeClr val="bg1"/>
+              </a:solidFill>
+            </a:endParaRPr>
+          </a:p>
+        </p:txBody>
+      </p:sp>
+      <p:sp>
+        <p:nvSpPr>
+          <p:cNvPr id="5" name="Rectangle 4">
+            <a:extLst>
+              <a:ext uri="{FF2B5EF4-FFF2-40B4-BE49-F238E27FC236}">
+                <a16:creationId xmlns:a16="http://schemas.microsoft.com/office/drawing/2014/main" id="{663D26CC-E231-471A-9F1E-61C09D37CD03}"/>
+              </a:ext>
+            </a:extLst>
+          </p:cNvPr>
+          <p:cNvSpPr/>
+          <p:nvPr/>
+        </p:nvSpPr>
+        <p:spPr>
+          <a:xfrm>
+            <a:off x="3172326" y="5403834"/>
+            <a:ext cx="5847347" cy="866274"/>
+          </a:xfrm>
+          <a:prstGeom prst="rect">
+            <a:avLst/>
+          </a:prstGeom>
+        </p:spPr>
+        <p:style>
+          <a:lnRef idx="2">
+            <a:schemeClr val="dk1">
+              <a:shade val="50000"/>
+            </a:schemeClr>
+          </a:lnRef>
+          <a:fillRef idx="1">
+            <a:schemeClr val="dk1"/>
+          </a:fillRef>
+          <a:effectRef idx="0">
+            <a:schemeClr val="dk1"/>
+          </a:effectRef>
+          <a:fontRef idx="minor">
+            <a:schemeClr val="lt1"/>
+          </a:fontRef>
+        </p:style>
+        <p:txBody>
+          <a:bodyPr rtlCol="0" anchor="ctr"/>
+          <a:lstStyle/>
+          <a:p>
+            <a:pPr algn="ctr"/>
+            <a:r>
+              <a:rPr lang="en-US" sz="3200" b="1" dirty="0"/>
+              <a:t>PRESS SPACE TO BEGIN TEST</a:t>
             </a:r>
           </a:p>
         </p:txBody>
@@ -16108,7 +16585,7 @@
     </p:spTree>
     <p:extLst>
       <p:ext uri="{BB962C8B-B14F-4D97-AF65-F5344CB8AC3E}">
-        <p14:creationId xmlns:p14="http://schemas.microsoft.com/office/powerpoint/2010/main" val="371838029"/>
+        <p14:creationId xmlns:p14="http://schemas.microsoft.com/office/powerpoint/2010/main" val="456449924"/>
       </p:ext>
     </p:extLst>
   </p:cSld>
@@ -16153,8 +16630,8 @@
         </p:nvSpPr>
         <p:spPr>
           <a:xfrm>
-            <a:off x="0" y="1126958"/>
-            <a:ext cx="12192000" cy="5273841"/>
+            <a:off x="0" y="834189"/>
+            <a:ext cx="12192000" cy="5478379"/>
           </a:xfrm>
         </p:spPr>
         <p:txBody>
@@ -16168,7 +16645,7 @@
             </a:pPr>
             <a:r>
               <a:rPr lang="en-US" sz="6000" b="1" dirty="0"/>
-              <a:t>TRIAL 2 </a:t>
+              <a:t>TRIAL 1 </a:t>
             </a:r>
           </a:p>
           <a:p>
@@ -16177,34 +16654,34 @@
             </a:pPr>
             <a:r>
               <a:rPr lang="en-US" sz="6000" b="1" dirty="0"/>
-              <a:t>BLOCK CRITERION + RANDOM (NO R) </a:t>
-            </a:r>
-          </a:p>
-          <a:p>
-            <a:pPr marL="0" indent="0" algn="ctr">
-              <a:buNone/>
-            </a:pPr>
-            <a:r>
-              <a:rPr lang="en-US" sz="6000" dirty="0"/>
-              <a:t>Enclosure: Square</a:t>
-            </a:r>
-          </a:p>
-          <a:p>
-            <a:pPr marL="0" indent="0" algn="ctr">
-              <a:buNone/>
-            </a:pPr>
-            <a:r>
-              <a:rPr lang="en-US" sz="6000" dirty="0"/>
-              <a:t>All Goals: All Active</a:t>
-            </a:r>
-          </a:p>
-          <a:p>
-            <a:pPr marL="0" indent="0" algn="ctr">
-              <a:buNone/>
-            </a:pPr>
-            <a:r>
-              <a:rPr lang="en-US" sz="6000" dirty="0"/>
-              <a:t>Quota = 4</a:t>
+              <a:t>BLOCK CRITERION + RANDOM (R) </a:t>
+            </a:r>
+          </a:p>
+          <a:p>
+            <a:pPr marL="0" indent="0" algn="ctr">
+              <a:buNone/>
+            </a:pPr>
+            <a:r>
+              <a:rPr lang="en-US" sz="6000" dirty="0"/>
+              <a:t>Enclosure: Invisible Floor</a:t>
+            </a:r>
+          </a:p>
+          <a:p>
+            <a:pPr marL="0" indent="0" algn="ctr">
+              <a:buNone/>
+            </a:pPr>
+            <a:r>
+              <a:rPr lang="en-US" sz="6000" dirty="0"/>
+              <a:t>All Goals: (V: Water, I: Water, Cube)</a:t>
+            </a:r>
+          </a:p>
+          <a:p>
+            <a:pPr marL="0" indent="0" algn="ctr">
+              <a:buNone/>
+            </a:pPr>
+            <a:r>
+              <a:rPr lang="en-US" sz="6000" dirty="0"/>
+              <a:t>Quota = 2</a:t>
             </a:r>
           </a:p>
           <a:p>
@@ -16222,7 +16699,7 @@
             </a:pPr>
             <a:r>
               <a:rPr lang="en-US" sz="6000" dirty="0"/>
-              <a:t>Scene #2</a:t>
+              <a:t>Scene #3</a:t>
             </a:r>
           </a:p>
         </p:txBody>
@@ -16230,7 +16707,7 @@
     </p:spTree>
     <p:extLst>
       <p:ext uri="{BB962C8B-B14F-4D97-AF65-F5344CB8AC3E}">
-        <p14:creationId xmlns:p14="http://schemas.microsoft.com/office/powerpoint/2010/main" val="1289265825"/>
+        <p14:creationId xmlns:p14="http://schemas.microsoft.com/office/powerpoint/2010/main" val="1699246585"/>
       </p:ext>
     </p:extLst>
   </p:cSld>
@@ -16275,13 +16752,13 @@
         </p:nvSpPr>
         <p:spPr>
           <a:xfrm>
-            <a:off x="0" y="360947"/>
-            <a:ext cx="12192000" cy="5710990"/>
+            <a:off x="0" y="1126958"/>
+            <a:ext cx="12192000" cy="5273841"/>
           </a:xfrm>
         </p:spPr>
         <p:txBody>
           <a:bodyPr>
-            <a:normAutofit fontScale="92500" lnSpcReduction="10000"/>
+            <a:normAutofit fontScale="92500" lnSpcReduction="20000"/>
           </a:bodyPr>
           <a:lstStyle/>
           <a:p>
@@ -16290,7 +16767,7 @@
             </a:pPr>
             <a:r>
               <a:rPr lang="en-US" sz="6000" b="1" dirty="0"/>
-              <a:t>TRIAL 3</a:t>
+              <a:t>TRIAL 2 </a:t>
             </a:r>
           </a:p>
           <a:p>
@@ -16299,34 +16776,34 @@
             </a:pPr>
             <a:r>
               <a:rPr lang="en-US" sz="6000" b="1" dirty="0"/>
-              <a:t>BLOCK CRITERION + RANDOM (NO R) </a:t>
-            </a:r>
-          </a:p>
-          <a:p>
-            <a:pPr marL="0" indent="0" algn="ctr">
-              <a:buNone/>
-            </a:pPr>
-            <a:r>
-              <a:rPr lang="en-US" sz="6000" dirty="0"/>
-              <a:t>Enclosure: Circle</a:t>
-            </a:r>
-          </a:p>
-          <a:p>
-            <a:pPr marL="0" indent="0" algn="ctr">
-              <a:buNone/>
-            </a:pPr>
-            <a:r>
-              <a:rPr lang="en-US" sz="6000" dirty="0"/>
-              <a:t>All Goals: (V: Cube + Apple, I: Sphere)</a:t>
-            </a:r>
-          </a:p>
-          <a:p>
-            <a:pPr marL="0" indent="0" algn="ctr">
-              <a:buNone/>
-            </a:pPr>
-            <a:r>
-              <a:rPr lang="en-US" sz="6000" dirty="0"/>
-              <a:t>Quota = 3</a:t>
+              <a:t>BLOCK CRITERION + RANDOM (R) </a:t>
+            </a:r>
+          </a:p>
+          <a:p>
+            <a:pPr marL="0" indent="0" algn="ctr">
+              <a:buNone/>
+            </a:pPr>
+            <a:r>
+              <a:rPr lang="en-US" sz="6000" dirty="0"/>
+              <a:t>Enclosure: Square</a:t>
+            </a:r>
+          </a:p>
+          <a:p>
+            <a:pPr marL="0" indent="0" algn="ctr">
+              <a:buNone/>
+            </a:pPr>
+            <a:r>
+              <a:rPr lang="en-US" sz="6000" dirty="0"/>
+              <a:t>All Goals: All Active</a:t>
+            </a:r>
+          </a:p>
+          <a:p>
+            <a:pPr marL="0" indent="0" algn="ctr">
+              <a:buNone/>
+            </a:pPr>
+            <a:r>
+              <a:rPr lang="en-US" sz="6000" dirty="0"/>
+              <a:t>Quota = 4</a:t>
             </a:r>
           </a:p>
           <a:p>
@@ -16344,7 +16821,7 @@
             </a:pPr>
             <a:r>
               <a:rPr lang="en-US" sz="6000" dirty="0"/>
-              <a:t>Scene #3</a:t>
+              <a:t>Scene #2</a:t>
             </a:r>
           </a:p>
         </p:txBody>
@@ -16352,7 +16829,7 @@
     </p:spTree>
     <p:extLst>
       <p:ext uri="{BB962C8B-B14F-4D97-AF65-F5344CB8AC3E}">
-        <p14:creationId xmlns:p14="http://schemas.microsoft.com/office/powerpoint/2010/main" val="1318783954"/>
+        <p14:creationId xmlns:p14="http://schemas.microsoft.com/office/powerpoint/2010/main" val="3804465186"/>
       </p:ext>
     </p:extLst>
   </p:cSld>

--- a/Assets/StreamingAssets/2D_Objects/Test/Test.pptx
+++ b/Assets/StreamingAssets/2D_Objects/Test/Test.pptx
@@ -65,52 +65,30 @@
     <p:sldId id="410" r:id="rId59"/>
     <p:sldId id="411" r:id="rId60"/>
     <p:sldId id="412" r:id="rId61"/>
-    <p:sldId id="357" r:id="rId62"/>
-    <p:sldId id="364" r:id="rId63"/>
-    <p:sldId id="361" r:id="rId64"/>
-    <p:sldId id="362" r:id="rId65"/>
-    <p:sldId id="363" r:id="rId66"/>
-    <p:sldId id="360" r:id="rId67"/>
-    <p:sldId id="358" r:id="rId68"/>
-    <p:sldId id="365" r:id="rId69"/>
-    <p:sldId id="366" r:id="rId70"/>
-    <p:sldId id="367" r:id="rId71"/>
-    <p:sldId id="368" r:id="rId72"/>
-    <p:sldId id="369" r:id="rId73"/>
-    <p:sldId id="370" r:id="rId74"/>
-    <p:sldId id="371" r:id="rId75"/>
-    <p:sldId id="372" r:id="rId76"/>
-    <p:sldId id="373" r:id="rId77"/>
-    <p:sldId id="379" r:id="rId78"/>
-    <p:sldId id="380" r:id="rId79"/>
-    <p:sldId id="381" r:id="rId80"/>
-    <p:sldId id="382" r:id="rId81"/>
-    <p:sldId id="383" r:id="rId82"/>
-    <p:sldId id="374" r:id="rId83"/>
-    <p:sldId id="375" r:id="rId84"/>
-    <p:sldId id="376" r:id="rId85"/>
-    <p:sldId id="377" r:id="rId86"/>
-    <p:sldId id="378" r:id="rId87"/>
-    <p:sldId id="384" r:id="rId88"/>
-    <p:sldId id="385" r:id="rId89"/>
-    <p:sldId id="386" r:id="rId90"/>
-    <p:sldId id="387" r:id="rId91"/>
-    <p:sldId id="388" r:id="rId92"/>
-    <p:sldId id="389" r:id="rId93"/>
-    <p:sldId id="390" r:id="rId94"/>
-    <p:sldId id="391" r:id="rId95"/>
-    <p:sldId id="392" r:id="rId96"/>
-    <p:sldId id="393" r:id="rId97"/>
-    <p:sldId id="394" r:id="rId98"/>
-    <p:sldId id="395" r:id="rId99"/>
-    <p:sldId id="396" r:id="rId100"/>
-    <p:sldId id="397" r:id="rId101"/>
-    <p:sldId id="398" r:id="rId102"/>
-    <p:sldId id="399" r:id="rId103"/>
-    <p:sldId id="400" r:id="rId104"/>
-    <p:sldId id="401" r:id="rId105"/>
-    <p:sldId id="402" r:id="rId106"/>
-    <p:sldId id="403" r:id="rId107"/>
+    <p:sldId id="364" r:id="rId62"/>
+    <p:sldId id="413" r:id="rId63"/>
+    <p:sldId id="414" r:id="rId64"/>
+    <p:sldId id="415" r:id="rId65"/>
+    <p:sldId id="360" r:id="rId66"/>
+    <p:sldId id="357" r:id="rId67"/>
+    <p:sldId id="416" r:id="rId68"/>
+    <p:sldId id="369" r:id="rId69"/>
+    <p:sldId id="417" r:id="rId70"/>
+    <p:sldId id="374" r:id="rId71"/>
+    <p:sldId id="418" r:id="rId72"/>
+    <p:sldId id="419" r:id="rId73"/>
+    <p:sldId id="420" r:id="rId74"/>
+    <p:sldId id="421" r:id="rId75"/>
+    <p:sldId id="422" r:id="rId76"/>
+    <p:sldId id="423" r:id="rId77"/>
+    <p:sldId id="424" r:id="rId78"/>
+    <p:sldId id="425" r:id="rId79"/>
+    <p:sldId id="426" r:id="rId80"/>
+    <p:sldId id="427" r:id="rId81"/>
+    <p:sldId id="428" r:id="rId82"/>
+    <p:sldId id="429" r:id="rId83"/>
+    <p:sldId id="430" r:id="rId84"/>
+    <p:sldId id="431" r:id="rId85"/>
   </p:sldIdLst>
   <p:sldSz cx="12192000" cy="6858000"/>
   <p:notesSz cx="6858000" cy="9144000"/>
@@ -3689,939 +3667,6 @@
 </p:sld>
 </file>
 
-<file path=ppt/slides/slide100.xml><?xml version="1.0" encoding="utf-8"?>
-<p:sld xmlns:a="http://schemas.openxmlformats.org/drawingml/2006/main" xmlns:r="http://schemas.openxmlformats.org/officeDocument/2006/relationships" xmlns:p="http://schemas.openxmlformats.org/presentationml/2006/main">
-  <p:cSld>
-    <p:spTree>
-      <p:nvGrpSpPr>
-        <p:cNvPr id="1" name=""/>
-        <p:cNvGrpSpPr/>
-        <p:nvPr/>
-      </p:nvGrpSpPr>
-      <p:grpSpPr>
-        <a:xfrm>
-          <a:off x="0" y="0"/>
-          <a:ext cx="0" cy="0"/>
-          <a:chOff x="0" y="0"/>
-          <a:chExt cx="0" cy="0"/>
-        </a:xfrm>
-      </p:grpSpPr>
-      <p:sp>
-        <p:nvSpPr>
-          <p:cNvPr id="3" name="Content Placeholder 2">
-            <a:extLst>
-              <a:ext uri="{FF2B5EF4-FFF2-40B4-BE49-F238E27FC236}">
-                <a16:creationId xmlns:a16="http://schemas.microsoft.com/office/drawing/2014/main" id="{22D632B1-FAA3-4BF6-8228-E17DFD494D6A}"/>
-              </a:ext>
-            </a:extLst>
-          </p:cNvPr>
-          <p:cNvSpPr>
-            <a:spLocks noGrp="1"/>
-          </p:cNvSpPr>
-          <p:nvPr>
-            <p:ph idx="1"/>
-          </p:nvPr>
-        </p:nvSpPr>
-        <p:spPr>
-          <a:xfrm>
-            <a:off x="0" y="360947"/>
-            <a:ext cx="12192000" cy="5710990"/>
-          </a:xfrm>
-        </p:spPr>
-        <p:txBody>
-          <a:bodyPr>
-            <a:normAutofit fontScale="92500" lnSpcReduction="10000"/>
-          </a:bodyPr>
-          <a:lstStyle/>
-          <a:p>
-            <a:pPr marL="0" indent="0" algn="ctr">
-              <a:buNone/>
-            </a:pPr>
-            <a:r>
-              <a:rPr lang="en-US" sz="6000" b="1" dirty="0"/>
-              <a:t>TRIAL 3</a:t>
-            </a:r>
-          </a:p>
-          <a:p>
-            <a:pPr marL="0" indent="0" algn="ctr">
-              <a:buNone/>
-            </a:pPr>
-            <a:r>
-              <a:rPr lang="en-US" sz="6000" b="1" dirty="0"/>
-              <a:t>BLOCK CRITERION + RANDOM (R) </a:t>
-            </a:r>
-          </a:p>
-          <a:p>
-            <a:pPr marL="0" indent="0" algn="ctr">
-              <a:buNone/>
-            </a:pPr>
-            <a:r>
-              <a:rPr lang="en-US" sz="6000" dirty="0"/>
-              <a:t>Enclosure: Circle</a:t>
-            </a:r>
-          </a:p>
-          <a:p>
-            <a:pPr marL="0" indent="0" algn="ctr">
-              <a:buNone/>
-            </a:pPr>
-            <a:r>
-              <a:rPr lang="en-US" sz="6000" dirty="0"/>
-              <a:t>All Goals: (V: Cube + Apple, I: Sphere)</a:t>
-            </a:r>
-          </a:p>
-          <a:p>
-            <a:pPr marL="0" indent="0" algn="ctr">
-              <a:buNone/>
-            </a:pPr>
-            <a:r>
-              <a:rPr lang="en-US" sz="6000" dirty="0"/>
-              <a:t>Quota = 3</a:t>
-            </a:r>
-          </a:p>
-          <a:p>
-            <a:pPr marL="0" indent="0" algn="ctr">
-              <a:buNone/>
-            </a:pPr>
-            <a:r>
-              <a:rPr lang="en-US" sz="6000" dirty="0"/>
-              <a:t>Landmarks: All</a:t>
-            </a:r>
-          </a:p>
-          <a:p>
-            <a:pPr marL="0" indent="0" algn="ctr">
-              <a:buNone/>
-            </a:pPr>
-            <a:r>
-              <a:rPr lang="en-US" sz="6000" dirty="0"/>
-              <a:t>Scene #3</a:t>
-            </a:r>
-          </a:p>
-        </p:txBody>
-      </p:sp>
-    </p:spTree>
-    <p:extLst>
-      <p:ext uri="{BB962C8B-B14F-4D97-AF65-F5344CB8AC3E}">
-        <p14:creationId xmlns:p14="http://schemas.microsoft.com/office/powerpoint/2010/main" val="3914449700"/>
-      </p:ext>
-    </p:extLst>
-  </p:cSld>
-  <p:clrMapOvr>
-    <a:masterClrMapping/>
-  </p:clrMapOvr>
-</p:sld>
-</file>
-
-<file path=ppt/slides/slide101.xml><?xml version="1.0" encoding="utf-8"?>
-<p:sld xmlns:a="http://schemas.openxmlformats.org/drawingml/2006/main" xmlns:r="http://schemas.openxmlformats.org/officeDocument/2006/relationships" xmlns:p="http://schemas.openxmlformats.org/presentationml/2006/main">
-  <p:cSld>
-    <p:spTree>
-      <p:nvGrpSpPr>
-        <p:cNvPr id="1" name=""/>
-        <p:cNvGrpSpPr/>
-        <p:nvPr/>
-      </p:nvGrpSpPr>
-      <p:grpSpPr>
-        <a:xfrm>
-          <a:off x="0" y="0"/>
-          <a:ext cx="0" cy="0"/>
-          <a:chOff x="0" y="0"/>
-          <a:chExt cx="0" cy="0"/>
-        </a:xfrm>
-      </p:grpSpPr>
-      <p:sp>
-        <p:nvSpPr>
-          <p:cNvPr id="3" name="Content Placeholder 2">
-            <a:extLst>
-              <a:ext uri="{FF2B5EF4-FFF2-40B4-BE49-F238E27FC236}">
-                <a16:creationId xmlns:a16="http://schemas.microsoft.com/office/drawing/2014/main" id="{22D632B1-FAA3-4BF6-8228-E17DFD494D6A}"/>
-              </a:ext>
-            </a:extLst>
-          </p:cNvPr>
-          <p:cNvSpPr>
-            <a:spLocks noGrp="1"/>
-          </p:cNvSpPr>
-          <p:nvPr>
-            <p:ph idx="1"/>
-          </p:nvPr>
-        </p:nvSpPr>
-        <p:spPr>
-          <a:xfrm>
-            <a:off x="0" y="240633"/>
-            <a:ext cx="12192000" cy="6424862"/>
-          </a:xfrm>
-        </p:spPr>
-        <p:txBody>
-          <a:bodyPr>
-            <a:normAutofit lnSpcReduction="10000"/>
-          </a:bodyPr>
-          <a:lstStyle/>
-          <a:p>
-            <a:pPr marL="0" indent="0" algn="ctr">
-              <a:buNone/>
-            </a:pPr>
-            <a:r>
-              <a:rPr lang="en-US" sz="6000" b="1" dirty="0"/>
-              <a:t>TRIAL 4 </a:t>
-            </a:r>
-          </a:p>
-          <a:p>
-            <a:pPr marL="0" indent="0" algn="ctr">
-              <a:buNone/>
-            </a:pPr>
-            <a:r>
-              <a:rPr lang="en-US" sz="6000" b="1" dirty="0"/>
-              <a:t>BLOCK CRITERION + RANDOM (R) </a:t>
-            </a:r>
-          </a:p>
-          <a:p>
-            <a:pPr marL="0" indent="0" algn="ctr">
-              <a:buNone/>
-            </a:pPr>
-            <a:r>
-              <a:rPr lang="en-US" sz="6000" dirty="0"/>
-              <a:t>Enclosure: Invisible Floor</a:t>
-            </a:r>
-          </a:p>
-          <a:p>
-            <a:pPr marL="0" indent="0" algn="ctr">
-              <a:buNone/>
-            </a:pPr>
-            <a:r>
-              <a:rPr lang="en-US" sz="6000" dirty="0"/>
-              <a:t>All Goals: (V: Sphere, I: Water)</a:t>
-            </a:r>
-          </a:p>
-          <a:p>
-            <a:pPr marL="0" indent="0" algn="ctr">
-              <a:buNone/>
-            </a:pPr>
-            <a:r>
-              <a:rPr lang="en-US" sz="6000" dirty="0"/>
-              <a:t>Quota = 2</a:t>
-            </a:r>
-          </a:p>
-          <a:p>
-            <a:pPr marL="0" indent="0" algn="ctr">
-              <a:buNone/>
-            </a:pPr>
-            <a:r>
-              <a:rPr lang="en-US" sz="6000" dirty="0"/>
-              <a:t>Landmarks: All</a:t>
-            </a:r>
-          </a:p>
-          <a:p>
-            <a:pPr marL="0" indent="0" algn="ctr">
-              <a:buNone/>
-            </a:pPr>
-            <a:r>
-              <a:rPr lang="en-US" sz="6000" dirty="0"/>
-              <a:t>Scene #3</a:t>
-            </a:r>
-          </a:p>
-        </p:txBody>
-      </p:sp>
-    </p:spTree>
-    <p:extLst>
-      <p:ext uri="{BB962C8B-B14F-4D97-AF65-F5344CB8AC3E}">
-        <p14:creationId xmlns:p14="http://schemas.microsoft.com/office/powerpoint/2010/main" val="1382452850"/>
-      </p:ext>
-    </p:extLst>
-  </p:cSld>
-  <p:clrMapOvr>
-    <a:masterClrMapping/>
-  </p:clrMapOvr>
-</p:sld>
-</file>
-
-<file path=ppt/slides/slide102.xml><?xml version="1.0" encoding="utf-8"?>
-<p:sld xmlns:a="http://schemas.openxmlformats.org/drawingml/2006/main" xmlns:r="http://schemas.openxmlformats.org/officeDocument/2006/relationships" xmlns:p="http://schemas.openxmlformats.org/presentationml/2006/main">
-  <p:cSld>
-    <p:spTree>
-      <p:nvGrpSpPr>
-        <p:cNvPr id="1" name=""/>
-        <p:cNvGrpSpPr/>
-        <p:nvPr/>
-      </p:nvGrpSpPr>
-      <p:grpSpPr>
-        <a:xfrm>
-          <a:off x="0" y="0"/>
-          <a:ext cx="0" cy="0"/>
-          <a:chOff x="0" y="0"/>
-          <a:chExt cx="0" cy="0"/>
-        </a:xfrm>
-      </p:grpSpPr>
-      <p:sp>
-        <p:nvSpPr>
-          <p:cNvPr id="4" name="Rectangle 3">
-            <a:extLst>
-              <a:ext uri="{FF2B5EF4-FFF2-40B4-BE49-F238E27FC236}">
-                <a16:creationId xmlns:a16="http://schemas.microsoft.com/office/drawing/2014/main" id="{EEA24FE4-CF88-4576-8D74-4D4BF0A7AC43}"/>
-              </a:ext>
-            </a:extLst>
-          </p:cNvPr>
-          <p:cNvSpPr/>
-          <p:nvPr/>
-        </p:nvSpPr>
-        <p:spPr>
-          <a:xfrm>
-            <a:off x="0" y="0"/>
-            <a:ext cx="12192000" cy="6858000"/>
-          </a:xfrm>
-          <a:prstGeom prst="rect">
-            <a:avLst/>
-          </a:prstGeom>
-          <a:solidFill>
-            <a:srgbClr val="F1CB68"/>
-          </a:solidFill>
-        </p:spPr>
-        <p:style>
-          <a:lnRef idx="2">
-            <a:schemeClr val="accent1">
-              <a:shade val="50000"/>
-            </a:schemeClr>
-          </a:lnRef>
-          <a:fillRef idx="1">
-            <a:schemeClr val="accent1"/>
-          </a:fillRef>
-          <a:effectRef idx="0">
-            <a:schemeClr val="accent1"/>
-          </a:effectRef>
-          <a:fontRef idx="minor">
-            <a:schemeClr val="lt1"/>
-          </a:fontRef>
-        </p:style>
-        <p:txBody>
-          <a:bodyPr rtlCol="0" anchor="ctr"/>
-          <a:lstStyle/>
-          <a:p>
-            <a:pPr algn="ctr"/>
-            <a:endParaRPr lang="en-US"/>
-          </a:p>
-        </p:txBody>
-      </p:sp>
-      <p:sp>
-        <p:nvSpPr>
-          <p:cNvPr id="3" name="Content Placeholder 2">
-            <a:extLst>
-              <a:ext uri="{FF2B5EF4-FFF2-40B4-BE49-F238E27FC236}">
-                <a16:creationId xmlns:a16="http://schemas.microsoft.com/office/drawing/2014/main" id="{22D632B1-FAA3-4BF6-8228-E17DFD494D6A}"/>
-              </a:ext>
-            </a:extLst>
-          </p:cNvPr>
-          <p:cNvSpPr>
-            <a:spLocks noGrp="1"/>
-          </p:cNvSpPr>
-          <p:nvPr>
-            <p:ph idx="1"/>
-          </p:nvPr>
-        </p:nvSpPr>
-        <p:spPr>
-          <a:xfrm>
-            <a:off x="0" y="1825625"/>
-            <a:ext cx="12192000" cy="3275764"/>
-          </a:xfrm>
-        </p:spPr>
-        <p:txBody>
-          <a:bodyPr>
-            <a:normAutofit/>
-          </a:bodyPr>
-          <a:lstStyle/>
-          <a:p>
-            <a:pPr marL="0" indent="0" algn="ctr">
-              <a:buNone/>
-            </a:pPr>
-            <a:r>
-              <a:rPr lang="en-US" sz="6000" b="1" dirty="0">
-                <a:solidFill>
-                  <a:schemeClr val="bg1"/>
-                </a:solidFill>
-              </a:rPr>
-              <a:t>TESTING BLOCKS</a:t>
-            </a:r>
-          </a:p>
-          <a:p>
-            <a:pPr marL="0" indent="0" algn="ctr">
-              <a:buNone/>
-            </a:pPr>
-            <a:r>
-              <a:rPr lang="en-US" sz="6000" b="1" dirty="0">
-                <a:solidFill>
-                  <a:schemeClr val="bg1"/>
-                </a:solidFill>
-              </a:rPr>
-              <a:t>BLOCK Criterion = 3</a:t>
-            </a:r>
-          </a:p>
-          <a:p>
-            <a:pPr marL="0" indent="0" algn="ctr">
-              <a:buNone/>
-            </a:pPr>
-            <a:r>
-              <a:rPr lang="en-US" sz="6000" b="1" dirty="0">
-                <a:solidFill>
-                  <a:schemeClr val="bg1"/>
-                </a:solidFill>
-              </a:rPr>
-              <a:t>RANDOM (NO R) 4 Trial – Test</a:t>
-            </a:r>
-            <a:endParaRPr lang="en-US" sz="6000" dirty="0">
-              <a:solidFill>
-                <a:schemeClr val="bg1"/>
-              </a:solidFill>
-            </a:endParaRPr>
-          </a:p>
-        </p:txBody>
-      </p:sp>
-      <p:sp>
-        <p:nvSpPr>
-          <p:cNvPr id="5" name="Rectangle 4">
-            <a:extLst>
-              <a:ext uri="{FF2B5EF4-FFF2-40B4-BE49-F238E27FC236}">
-                <a16:creationId xmlns:a16="http://schemas.microsoft.com/office/drawing/2014/main" id="{B88DD02E-DCFD-45EE-9598-68240FEFC8EB}"/>
-              </a:ext>
-            </a:extLst>
-          </p:cNvPr>
-          <p:cNvSpPr/>
-          <p:nvPr/>
-        </p:nvSpPr>
-        <p:spPr>
-          <a:xfrm>
-            <a:off x="3172326" y="5403834"/>
-            <a:ext cx="5847347" cy="866274"/>
-          </a:xfrm>
-          <a:prstGeom prst="rect">
-            <a:avLst/>
-          </a:prstGeom>
-        </p:spPr>
-        <p:style>
-          <a:lnRef idx="2">
-            <a:schemeClr val="dk1">
-              <a:shade val="50000"/>
-            </a:schemeClr>
-          </a:lnRef>
-          <a:fillRef idx="1">
-            <a:schemeClr val="dk1"/>
-          </a:fillRef>
-          <a:effectRef idx="0">
-            <a:schemeClr val="dk1"/>
-          </a:effectRef>
-          <a:fontRef idx="minor">
-            <a:schemeClr val="lt1"/>
-          </a:fontRef>
-        </p:style>
-        <p:txBody>
-          <a:bodyPr rtlCol="0" anchor="ctr"/>
-          <a:lstStyle/>
-          <a:p>
-            <a:pPr algn="ctr"/>
-            <a:r>
-              <a:rPr lang="en-US" sz="3200" b="1" dirty="0"/>
-              <a:t>PRESS SPACE TO BEGIN TEST</a:t>
-            </a:r>
-          </a:p>
-        </p:txBody>
-      </p:sp>
-    </p:spTree>
-    <p:extLst>
-      <p:ext uri="{BB962C8B-B14F-4D97-AF65-F5344CB8AC3E}">
-        <p14:creationId xmlns:p14="http://schemas.microsoft.com/office/powerpoint/2010/main" val="3207918826"/>
-      </p:ext>
-    </p:extLst>
-  </p:cSld>
-  <p:clrMapOvr>
-    <a:masterClrMapping/>
-  </p:clrMapOvr>
-</p:sld>
-</file>
-
-<file path=ppt/slides/slide103.xml><?xml version="1.0" encoding="utf-8"?>
-<p:sld xmlns:a="http://schemas.openxmlformats.org/drawingml/2006/main" xmlns:r="http://schemas.openxmlformats.org/officeDocument/2006/relationships" xmlns:p="http://schemas.openxmlformats.org/presentationml/2006/main">
-  <p:cSld>
-    <p:spTree>
-      <p:nvGrpSpPr>
-        <p:cNvPr id="1" name=""/>
-        <p:cNvGrpSpPr/>
-        <p:nvPr/>
-      </p:nvGrpSpPr>
-      <p:grpSpPr>
-        <a:xfrm>
-          <a:off x="0" y="0"/>
-          <a:ext cx="0" cy="0"/>
-          <a:chOff x="0" y="0"/>
-          <a:chExt cx="0" cy="0"/>
-        </a:xfrm>
-      </p:grpSpPr>
-      <p:sp>
-        <p:nvSpPr>
-          <p:cNvPr id="3" name="Content Placeholder 2">
-            <a:extLst>
-              <a:ext uri="{FF2B5EF4-FFF2-40B4-BE49-F238E27FC236}">
-                <a16:creationId xmlns:a16="http://schemas.microsoft.com/office/drawing/2014/main" id="{22D632B1-FAA3-4BF6-8228-E17DFD494D6A}"/>
-              </a:ext>
-            </a:extLst>
-          </p:cNvPr>
-          <p:cNvSpPr>
-            <a:spLocks noGrp="1"/>
-          </p:cNvSpPr>
-          <p:nvPr>
-            <p:ph idx="1"/>
-          </p:nvPr>
-        </p:nvSpPr>
-        <p:spPr>
-          <a:xfrm>
-            <a:off x="0" y="834189"/>
-            <a:ext cx="12192000" cy="5478379"/>
-          </a:xfrm>
-        </p:spPr>
-        <p:txBody>
-          <a:bodyPr>
-            <a:normAutofit fontScale="92500" lnSpcReduction="20000"/>
-          </a:bodyPr>
-          <a:lstStyle/>
-          <a:p>
-            <a:pPr marL="0" indent="0" algn="ctr">
-              <a:buNone/>
-            </a:pPr>
-            <a:r>
-              <a:rPr lang="en-US" sz="6000" b="1" dirty="0"/>
-              <a:t>TRIAL 1 </a:t>
-            </a:r>
-          </a:p>
-          <a:p>
-            <a:pPr marL="0" indent="0" algn="ctr">
-              <a:buNone/>
-            </a:pPr>
-            <a:r>
-              <a:rPr lang="en-US" sz="6000" b="1" dirty="0"/>
-              <a:t>BLOCK CRITERION + RANDOM (NO R) </a:t>
-            </a:r>
-          </a:p>
-          <a:p>
-            <a:pPr marL="0" indent="0" algn="ctr">
-              <a:buNone/>
-            </a:pPr>
-            <a:r>
-              <a:rPr lang="en-US" sz="6000" dirty="0"/>
-              <a:t>Enclosure: Invisible Floor</a:t>
-            </a:r>
-          </a:p>
-          <a:p>
-            <a:pPr marL="0" indent="0" algn="ctr">
-              <a:buNone/>
-            </a:pPr>
-            <a:r>
-              <a:rPr lang="en-US" sz="6000" dirty="0"/>
-              <a:t>All Goals: (V: Water, I: Water, Cube)</a:t>
-            </a:r>
-          </a:p>
-          <a:p>
-            <a:pPr marL="0" indent="0" algn="ctr">
-              <a:buNone/>
-            </a:pPr>
-            <a:r>
-              <a:rPr lang="en-US" sz="6000" dirty="0"/>
-              <a:t>Quota = 2</a:t>
-            </a:r>
-          </a:p>
-          <a:p>
-            <a:pPr marL="0" indent="0" algn="ctr">
-              <a:buNone/>
-            </a:pPr>
-            <a:r>
-              <a:rPr lang="en-US" sz="6000" dirty="0"/>
-              <a:t>Landmarks: All</a:t>
-            </a:r>
-          </a:p>
-          <a:p>
-            <a:pPr marL="0" indent="0" algn="ctr">
-              <a:buNone/>
-            </a:pPr>
-            <a:r>
-              <a:rPr lang="en-US" sz="6000" dirty="0"/>
-              <a:t>Scene #3</a:t>
-            </a:r>
-          </a:p>
-        </p:txBody>
-      </p:sp>
-    </p:spTree>
-    <p:extLst>
-      <p:ext uri="{BB962C8B-B14F-4D97-AF65-F5344CB8AC3E}">
-        <p14:creationId xmlns:p14="http://schemas.microsoft.com/office/powerpoint/2010/main" val="371838029"/>
-      </p:ext>
-    </p:extLst>
-  </p:cSld>
-  <p:clrMapOvr>
-    <a:masterClrMapping/>
-  </p:clrMapOvr>
-</p:sld>
-</file>
-
-<file path=ppt/slides/slide104.xml><?xml version="1.0" encoding="utf-8"?>
-<p:sld xmlns:a="http://schemas.openxmlformats.org/drawingml/2006/main" xmlns:r="http://schemas.openxmlformats.org/officeDocument/2006/relationships" xmlns:p="http://schemas.openxmlformats.org/presentationml/2006/main">
-  <p:cSld>
-    <p:spTree>
-      <p:nvGrpSpPr>
-        <p:cNvPr id="1" name=""/>
-        <p:cNvGrpSpPr/>
-        <p:nvPr/>
-      </p:nvGrpSpPr>
-      <p:grpSpPr>
-        <a:xfrm>
-          <a:off x="0" y="0"/>
-          <a:ext cx="0" cy="0"/>
-          <a:chOff x="0" y="0"/>
-          <a:chExt cx="0" cy="0"/>
-        </a:xfrm>
-      </p:grpSpPr>
-      <p:sp>
-        <p:nvSpPr>
-          <p:cNvPr id="3" name="Content Placeholder 2">
-            <a:extLst>
-              <a:ext uri="{FF2B5EF4-FFF2-40B4-BE49-F238E27FC236}">
-                <a16:creationId xmlns:a16="http://schemas.microsoft.com/office/drawing/2014/main" id="{22D632B1-FAA3-4BF6-8228-E17DFD494D6A}"/>
-              </a:ext>
-            </a:extLst>
-          </p:cNvPr>
-          <p:cNvSpPr>
-            <a:spLocks noGrp="1"/>
-          </p:cNvSpPr>
-          <p:nvPr>
-            <p:ph idx="1"/>
-          </p:nvPr>
-        </p:nvSpPr>
-        <p:spPr>
-          <a:xfrm>
-            <a:off x="0" y="1126958"/>
-            <a:ext cx="12192000" cy="5273841"/>
-          </a:xfrm>
-        </p:spPr>
-        <p:txBody>
-          <a:bodyPr>
-            <a:normAutofit fontScale="92500" lnSpcReduction="20000"/>
-          </a:bodyPr>
-          <a:lstStyle/>
-          <a:p>
-            <a:pPr marL="0" indent="0" algn="ctr">
-              <a:buNone/>
-            </a:pPr>
-            <a:r>
-              <a:rPr lang="en-US" sz="6000" b="1" dirty="0"/>
-              <a:t>TRIAL 2 </a:t>
-            </a:r>
-          </a:p>
-          <a:p>
-            <a:pPr marL="0" indent="0" algn="ctr">
-              <a:buNone/>
-            </a:pPr>
-            <a:r>
-              <a:rPr lang="en-US" sz="6000" b="1" dirty="0"/>
-              <a:t>BLOCK CRITERION + RANDOM (NO R) </a:t>
-            </a:r>
-          </a:p>
-          <a:p>
-            <a:pPr marL="0" indent="0" algn="ctr">
-              <a:buNone/>
-            </a:pPr>
-            <a:r>
-              <a:rPr lang="en-US" sz="6000" dirty="0"/>
-              <a:t>Enclosure: Square</a:t>
-            </a:r>
-          </a:p>
-          <a:p>
-            <a:pPr marL="0" indent="0" algn="ctr">
-              <a:buNone/>
-            </a:pPr>
-            <a:r>
-              <a:rPr lang="en-US" sz="6000" dirty="0"/>
-              <a:t>All Goals: All Active</a:t>
-            </a:r>
-          </a:p>
-          <a:p>
-            <a:pPr marL="0" indent="0" algn="ctr">
-              <a:buNone/>
-            </a:pPr>
-            <a:r>
-              <a:rPr lang="en-US" sz="6000" dirty="0"/>
-              <a:t>Quota = 4</a:t>
-            </a:r>
-          </a:p>
-          <a:p>
-            <a:pPr marL="0" indent="0" algn="ctr">
-              <a:buNone/>
-            </a:pPr>
-            <a:r>
-              <a:rPr lang="en-US" sz="6000" dirty="0"/>
-              <a:t>Landmarks: All</a:t>
-            </a:r>
-          </a:p>
-          <a:p>
-            <a:pPr marL="0" indent="0" algn="ctr">
-              <a:buNone/>
-            </a:pPr>
-            <a:r>
-              <a:rPr lang="en-US" sz="6000" dirty="0"/>
-              <a:t>Scene #2</a:t>
-            </a:r>
-          </a:p>
-        </p:txBody>
-      </p:sp>
-    </p:spTree>
-    <p:extLst>
-      <p:ext uri="{BB962C8B-B14F-4D97-AF65-F5344CB8AC3E}">
-        <p14:creationId xmlns:p14="http://schemas.microsoft.com/office/powerpoint/2010/main" val="1289265825"/>
-      </p:ext>
-    </p:extLst>
-  </p:cSld>
-  <p:clrMapOvr>
-    <a:masterClrMapping/>
-  </p:clrMapOvr>
-</p:sld>
-</file>
-
-<file path=ppt/slides/slide105.xml><?xml version="1.0" encoding="utf-8"?>
-<p:sld xmlns:a="http://schemas.openxmlformats.org/drawingml/2006/main" xmlns:r="http://schemas.openxmlformats.org/officeDocument/2006/relationships" xmlns:p="http://schemas.openxmlformats.org/presentationml/2006/main">
-  <p:cSld>
-    <p:spTree>
-      <p:nvGrpSpPr>
-        <p:cNvPr id="1" name=""/>
-        <p:cNvGrpSpPr/>
-        <p:nvPr/>
-      </p:nvGrpSpPr>
-      <p:grpSpPr>
-        <a:xfrm>
-          <a:off x="0" y="0"/>
-          <a:ext cx="0" cy="0"/>
-          <a:chOff x="0" y="0"/>
-          <a:chExt cx="0" cy="0"/>
-        </a:xfrm>
-      </p:grpSpPr>
-      <p:sp>
-        <p:nvSpPr>
-          <p:cNvPr id="3" name="Content Placeholder 2">
-            <a:extLst>
-              <a:ext uri="{FF2B5EF4-FFF2-40B4-BE49-F238E27FC236}">
-                <a16:creationId xmlns:a16="http://schemas.microsoft.com/office/drawing/2014/main" id="{22D632B1-FAA3-4BF6-8228-E17DFD494D6A}"/>
-              </a:ext>
-            </a:extLst>
-          </p:cNvPr>
-          <p:cNvSpPr>
-            <a:spLocks noGrp="1"/>
-          </p:cNvSpPr>
-          <p:nvPr>
-            <p:ph idx="1"/>
-          </p:nvPr>
-        </p:nvSpPr>
-        <p:spPr>
-          <a:xfrm>
-            <a:off x="0" y="360947"/>
-            <a:ext cx="12192000" cy="5710990"/>
-          </a:xfrm>
-        </p:spPr>
-        <p:txBody>
-          <a:bodyPr>
-            <a:normAutofit fontScale="92500" lnSpcReduction="10000"/>
-          </a:bodyPr>
-          <a:lstStyle/>
-          <a:p>
-            <a:pPr marL="0" indent="0" algn="ctr">
-              <a:buNone/>
-            </a:pPr>
-            <a:r>
-              <a:rPr lang="en-US" sz="6000" b="1" dirty="0"/>
-              <a:t>TRIAL 3</a:t>
-            </a:r>
-          </a:p>
-          <a:p>
-            <a:pPr marL="0" indent="0" algn="ctr">
-              <a:buNone/>
-            </a:pPr>
-            <a:r>
-              <a:rPr lang="en-US" sz="6000" b="1" dirty="0"/>
-              <a:t>BLOCK CRITERION + RANDOM (NO R) </a:t>
-            </a:r>
-          </a:p>
-          <a:p>
-            <a:pPr marL="0" indent="0" algn="ctr">
-              <a:buNone/>
-            </a:pPr>
-            <a:r>
-              <a:rPr lang="en-US" sz="6000" dirty="0"/>
-              <a:t>Enclosure: Circle</a:t>
-            </a:r>
-          </a:p>
-          <a:p>
-            <a:pPr marL="0" indent="0" algn="ctr">
-              <a:buNone/>
-            </a:pPr>
-            <a:r>
-              <a:rPr lang="en-US" sz="6000" dirty="0"/>
-              <a:t>All Goals: (V: Cube + Apple, I: Sphere)</a:t>
-            </a:r>
-          </a:p>
-          <a:p>
-            <a:pPr marL="0" indent="0" algn="ctr">
-              <a:buNone/>
-            </a:pPr>
-            <a:r>
-              <a:rPr lang="en-US" sz="6000" dirty="0"/>
-              <a:t>Quota = 3</a:t>
-            </a:r>
-          </a:p>
-          <a:p>
-            <a:pPr marL="0" indent="0" algn="ctr">
-              <a:buNone/>
-            </a:pPr>
-            <a:r>
-              <a:rPr lang="en-US" sz="6000" dirty="0"/>
-              <a:t>Landmarks: All</a:t>
-            </a:r>
-          </a:p>
-          <a:p>
-            <a:pPr marL="0" indent="0" algn="ctr">
-              <a:buNone/>
-            </a:pPr>
-            <a:r>
-              <a:rPr lang="en-US" sz="6000" dirty="0"/>
-              <a:t>Scene #3</a:t>
-            </a:r>
-          </a:p>
-        </p:txBody>
-      </p:sp>
-    </p:spTree>
-    <p:extLst>
-      <p:ext uri="{BB962C8B-B14F-4D97-AF65-F5344CB8AC3E}">
-        <p14:creationId xmlns:p14="http://schemas.microsoft.com/office/powerpoint/2010/main" val="1318783954"/>
-      </p:ext>
-    </p:extLst>
-  </p:cSld>
-  <p:clrMapOvr>
-    <a:masterClrMapping/>
-  </p:clrMapOvr>
-</p:sld>
-</file>
-
-<file path=ppt/slides/slide106.xml><?xml version="1.0" encoding="utf-8"?>
-<p:sld xmlns:a="http://schemas.openxmlformats.org/drawingml/2006/main" xmlns:r="http://schemas.openxmlformats.org/officeDocument/2006/relationships" xmlns:p="http://schemas.openxmlformats.org/presentationml/2006/main">
-  <p:cSld>
-    <p:spTree>
-      <p:nvGrpSpPr>
-        <p:cNvPr id="1" name=""/>
-        <p:cNvGrpSpPr/>
-        <p:nvPr/>
-      </p:nvGrpSpPr>
-      <p:grpSpPr>
-        <a:xfrm>
-          <a:off x="0" y="0"/>
-          <a:ext cx="0" cy="0"/>
-          <a:chOff x="0" y="0"/>
-          <a:chExt cx="0" cy="0"/>
-        </a:xfrm>
-      </p:grpSpPr>
-      <p:sp>
-        <p:nvSpPr>
-          <p:cNvPr id="3" name="Content Placeholder 2">
-            <a:extLst>
-              <a:ext uri="{FF2B5EF4-FFF2-40B4-BE49-F238E27FC236}">
-                <a16:creationId xmlns:a16="http://schemas.microsoft.com/office/drawing/2014/main" id="{22D632B1-FAA3-4BF6-8228-E17DFD494D6A}"/>
-              </a:ext>
-            </a:extLst>
-          </p:cNvPr>
-          <p:cNvSpPr>
-            <a:spLocks noGrp="1"/>
-          </p:cNvSpPr>
-          <p:nvPr>
-            <p:ph idx="1"/>
-          </p:nvPr>
-        </p:nvSpPr>
-        <p:spPr>
-          <a:xfrm>
-            <a:off x="0" y="240633"/>
-            <a:ext cx="12192000" cy="6424862"/>
-          </a:xfrm>
-        </p:spPr>
-        <p:txBody>
-          <a:bodyPr>
-            <a:normAutofit lnSpcReduction="10000"/>
-          </a:bodyPr>
-          <a:lstStyle/>
-          <a:p>
-            <a:pPr marL="0" indent="0" algn="ctr">
-              <a:buNone/>
-            </a:pPr>
-            <a:r>
-              <a:rPr lang="en-US" sz="6000" b="1" dirty="0"/>
-              <a:t>TRIAL 4 </a:t>
-            </a:r>
-          </a:p>
-          <a:p>
-            <a:pPr marL="0" indent="0" algn="ctr">
-              <a:buNone/>
-            </a:pPr>
-            <a:r>
-              <a:rPr lang="en-US" sz="6000" b="1" dirty="0"/>
-              <a:t>BLOCK CRITERION + RANDOM (NO R) </a:t>
-            </a:r>
-          </a:p>
-          <a:p>
-            <a:pPr marL="0" indent="0" algn="ctr">
-              <a:buNone/>
-            </a:pPr>
-            <a:r>
-              <a:rPr lang="en-US" sz="6000" dirty="0"/>
-              <a:t>Enclosure: Invisible Floor</a:t>
-            </a:r>
-          </a:p>
-          <a:p>
-            <a:pPr marL="0" indent="0" algn="ctr">
-              <a:buNone/>
-            </a:pPr>
-            <a:r>
-              <a:rPr lang="en-US" sz="6000" dirty="0"/>
-              <a:t>All Goals: (V: Sphere, I: Water)</a:t>
-            </a:r>
-          </a:p>
-          <a:p>
-            <a:pPr marL="0" indent="0" algn="ctr">
-              <a:buNone/>
-            </a:pPr>
-            <a:r>
-              <a:rPr lang="en-US" sz="6000" dirty="0"/>
-              <a:t>Quota = 2</a:t>
-            </a:r>
-          </a:p>
-          <a:p>
-            <a:pPr marL="0" indent="0" algn="ctr">
-              <a:buNone/>
-            </a:pPr>
-            <a:r>
-              <a:rPr lang="en-US" sz="6000" dirty="0"/>
-              <a:t>Landmarks: All</a:t>
-            </a:r>
-          </a:p>
-          <a:p>
-            <a:pPr marL="0" indent="0" algn="ctr">
-              <a:buNone/>
-            </a:pPr>
-            <a:r>
-              <a:rPr lang="en-US" sz="6000" dirty="0"/>
-              <a:t>Scene #3</a:t>
-            </a:r>
-          </a:p>
-        </p:txBody>
-      </p:sp>
-    </p:spTree>
-    <p:extLst>
-      <p:ext uri="{BB962C8B-B14F-4D97-AF65-F5344CB8AC3E}">
-        <p14:creationId xmlns:p14="http://schemas.microsoft.com/office/powerpoint/2010/main" val="4104605144"/>
-      </p:ext>
-    </p:extLst>
-  </p:cSld>
-  <p:clrMapOvr>
-    <a:masterClrMapping/>
-  </p:clrMapOvr>
-</p:sld>
-</file>
-
 <file path=ppt/slides/slide11.xml><?xml version="1.0" encoding="utf-8"?>
 <p:sld xmlns:a="http://schemas.openxmlformats.org/drawingml/2006/main" xmlns:r="http://schemas.openxmlformats.org/officeDocument/2006/relationships" xmlns:p="http://schemas.openxmlformats.org/presentationml/2006/main">
   <p:cSld>
@@ -11320,55 +10365,6 @@
       </p:grpSpPr>
       <p:sp>
         <p:nvSpPr>
-          <p:cNvPr id="4" name="Rectangle 3">
-            <a:extLst>
-              <a:ext uri="{FF2B5EF4-FFF2-40B4-BE49-F238E27FC236}">
-                <a16:creationId xmlns:a16="http://schemas.microsoft.com/office/drawing/2014/main" id="{EEA24FE4-CF88-4576-8D74-4D4BF0A7AC43}"/>
-              </a:ext>
-            </a:extLst>
-          </p:cNvPr>
-          <p:cNvSpPr/>
-          <p:nvPr/>
-        </p:nvSpPr>
-        <p:spPr>
-          <a:xfrm>
-            <a:off x="0" y="0"/>
-            <a:ext cx="12192000" cy="6858000"/>
-          </a:xfrm>
-          <a:prstGeom prst="rect">
-            <a:avLst/>
-          </a:prstGeom>
-          <a:solidFill>
-            <a:srgbClr val="F1CB68"/>
-          </a:solidFill>
-        </p:spPr>
-        <p:style>
-          <a:lnRef idx="2">
-            <a:schemeClr val="accent1">
-              <a:shade val="50000"/>
-            </a:schemeClr>
-          </a:lnRef>
-          <a:fillRef idx="1">
-            <a:schemeClr val="accent1"/>
-          </a:fillRef>
-          <a:effectRef idx="0">
-            <a:schemeClr val="accent1"/>
-          </a:effectRef>
-          <a:fontRef idx="minor">
-            <a:schemeClr val="lt1"/>
-          </a:fontRef>
-        </p:style>
-        <p:txBody>
-          <a:bodyPr rtlCol="0" anchor="ctr"/>
-          <a:lstStyle/>
-          <a:p>
-            <a:pPr algn="ctr"/>
-            <a:endParaRPr lang="en-US"/>
-          </a:p>
-        </p:txBody>
-      </p:sp>
-      <p:sp>
-        <p:nvSpPr>
           <p:cNvPr id="3" name="Content Placeholder 2">
             <a:extLst>
               <a:ext uri="{FF2B5EF4-FFF2-40B4-BE49-F238E27FC236}">
@@ -11385,8 +10381,8 @@
         </p:nvSpPr>
         <p:spPr>
           <a:xfrm>
-            <a:off x="0" y="1825625"/>
-            <a:ext cx="12192000" cy="3275764"/>
+            <a:off x="0" y="2599656"/>
+            <a:ext cx="12192000" cy="933617"/>
           </a:xfrm>
         </p:spPr>
         <p:txBody>
@@ -11399,100 +10395,17 @@
               <a:buNone/>
             </a:pPr>
             <a:r>
-              <a:rPr lang="en-US" sz="6000" b="1" dirty="0">
-                <a:solidFill>
-                  <a:schemeClr val="bg1"/>
-                </a:solidFill>
-              </a:rPr>
-              <a:t>TESTING BLOCKS</a:t>
-            </a:r>
-          </a:p>
-          <a:p>
-            <a:pPr marL="0" indent="0" algn="ctr">
-              <a:buNone/>
-            </a:pPr>
-            <a:r>
-              <a:rPr lang="en-US" sz="6000" b="1" dirty="0">
-                <a:solidFill>
-                  <a:schemeClr val="bg1"/>
-                </a:solidFill>
-              </a:rPr>
-              <a:t>Trial Criterion = 3</a:t>
-            </a:r>
-          </a:p>
-          <a:p>
-            <a:pPr marL="0" indent="0" algn="ctr">
-              <a:buNone/>
-            </a:pPr>
-            <a:r>
-              <a:rPr lang="en-US" sz="6000" b="1" dirty="0">
-                <a:solidFill>
-                  <a:schemeClr val="bg1"/>
-                </a:solidFill>
-              </a:rPr>
-              <a:t>4 Trial – FAIL TEST</a:t>
-            </a:r>
-            <a:endParaRPr lang="en-US" sz="6000" dirty="0">
-              <a:solidFill>
-                <a:schemeClr val="bg1"/>
-              </a:solidFill>
-            </a:endParaRPr>
-          </a:p>
-        </p:txBody>
-      </p:sp>
-      <p:sp>
-        <p:nvSpPr>
-          <p:cNvPr id="5" name="Rectangle 4">
-            <a:extLst>
-              <a:ext uri="{FF2B5EF4-FFF2-40B4-BE49-F238E27FC236}">
-                <a16:creationId xmlns:a16="http://schemas.microsoft.com/office/drawing/2014/main" id="{2C94FF17-2823-4800-84E4-12617EB4FFF2}"/>
-              </a:ext>
-            </a:extLst>
-          </p:cNvPr>
-          <p:cNvSpPr/>
-          <p:nvPr/>
-        </p:nvSpPr>
-        <p:spPr>
-          <a:xfrm>
-            <a:off x="3172326" y="5403834"/>
-            <a:ext cx="5847347" cy="866274"/>
-          </a:xfrm>
-          <a:prstGeom prst="rect">
-            <a:avLst/>
-          </a:prstGeom>
-        </p:spPr>
-        <p:style>
-          <a:lnRef idx="2">
-            <a:schemeClr val="dk1">
-              <a:shade val="50000"/>
-            </a:schemeClr>
-          </a:lnRef>
-          <a:fillRef idx="1">
-            <a:schemeClr val="dk1"/>
-          </a:fillRef>
-          <a:effectRef idx="0">
-            <a:schemeClr val="dk1"/>
-          </a:effectRef>
-          <a:fontRef idx="minor">
-            <a:schemeClr val="lt1"/>
-          </a:fontRef>
-        </p:style>
-        <p:txBody>
-          <a:bodyPr rtlCol="0" anchor="ctr"/>
-          <a:lstStyle/>
-          <a:p>
-            <a:pPr algn="ctr"/>
-            <a:r>
-              <a:rPr lang="en-US" sz="3200" b="1" dirty="0"/>
-              <a:t>PRESS SPACE TO BEGIN TEST</a:t>
-            </a:r>
+              <a:rPr lang="en-US" sz="6000" b="1" dirty="0"/>
+              <a:t>Trial 1</a:t>
+            </a:r>
+            <a:endParaRPr lang="en-US" sz="6000" dirty="0"/>
           </a:p>
         </p:txBody>
       </p:sp>
     </p:spTree>
     <p:extLst>
       <p:ext uri="{BB962C8B-B14F-4D97-AF65-F5344CB8AC3E}">
-        <p14:creationId xmlns:p14="http://schemas.microsoft.com/office/powerpoint/2010/main" val="3221913463"/>
+        <p14:creationId xmlns:p14="http://schemas.microsoft.com/office/powerpoint/2010/main" val="2603898967"/>
       </p:ext>
     </p:extLst>
   </p:cSld>
@@ -11537,13 +10450,13 @@
         </p:nvSpPr>
         <p:spPr>
           <a:xfrm>
-            <a:off x="0" y="1825625"/>
-            <a:ext cx="12192000" cy="3511485"/>
+            <a:off x="0" y="2599656"/>
+            <a:ext cx="12192000" cy="933617"/>
           </a:xfrm>
         </p:spPr>
         <p:txBody>
           <a:bodyPr>
-            <a:normAutofit fontScale="70000" lnSpcReduction="20000"/>
+            <a:normAutofit/>
           </a:bodyPr>
           <a:lstStyle/>
           <a:p>
@@ -11552,60 +10465,16 @@
             </a:pPr>
             <a:r>
               <a:rPr lang="en-US" sz="6000" b="1" dirty="0"/>
-              <a:t>FAIL TEST TRIAL 1 </a:t>
-            </a:r>
-          </a:p>
-          <a:p>
-            <a:pPr marL="0" indent="0" algn="ctr">
-              <a:buNone/>
-            </a:pPr>
-            <a:r>
-              <a:rPr lang="en-US" sz="6000" dirty="0"/>
-              <a:t>Enclosure: Invisible Floor</a:t>
-            </a:r>
-          </a:p>
-          <a:p>
-            <a:pPr marL="0" indent="0" algn="ctr">
-              <a:buNone/>
-            </a:pPr>
-            <a:r>
-              <a:rPr lang="en-US" sz="6000" dirty="0"/>
-              <a:t>All Goals: (V: Water, I: Water, Cube)</a:t>
-            </a:r>
-          </a:p>
-          <a:p>
-            <a:pPr marL="0" indent="0" algn="ctr">
-              <a:buNone/>
-            </a:pPr>
-            <a:r>
-              <a:rPr lang="en-US" sz="6000" dirty="0"/>
-              <a:t>Quota = 2</a:t>
-            </a:r>
-          </a:p>
-          <a:p>
-            <a:pPr marL="0" indent="0" algn="ctr">
-              <a:buNone/>
-            </a:pPr>
-            <a:r>
-              <a:rPr lang="en-US" sz="6000" dirty="0"/>
-              <a:t>Landmarks: All</a:t>
-            </a:r>
-          </a:p>
-          <a:p>
-            <a:pPr marL="0" indent="0" algn="ctr">
-              <a:buNone/>
-            </a:pPr>
-            <a:r>
-              <a:rPr lang="en-US" sz="6000" dirty="0"/>
-              <a:t>Scene #3</a:t>
-            </a:r>
+              <a:t>Trial 2</a:t>
+            </a:r>
+            <a:endParaRPr lang="en-US" sz="6000" dirty="0"/>
           </a:p>
         </p:txBody>
       </p:sp>
     </p:spTree>
     <p:extLst>
       <p:ext uri="{BB962C8B-B14F-4D97-AF65-F5344CB8AC3E}">
-        <p14:creationId xmlns:p14="http://schemas.microsoft.com/office/powerpoint/2010/main" val="2603898967"/>
+        <p14:creationId xmlns:p14="http://schemas.microsoft.com/office/powerpoint/2010/main" val="1520454088"/>
       </p:ext>
     </p:extLst>
   </p:cSld>
@@ -11650,13 +10519,13 @@
         </p:nvSpPr>
         <p:spPr>
           <a:xfrm>
-            <a:off x="0" y="1825625"/>
-            <a:ext cx="12192000" cy="3511485"/>
+            <a:off x="0" y="2599656"/>
+            <a:ext cx="12192000" cy="933617"/>
           </a:xfrm>
         </p:spPr>
         <p:txBody>
           <a:bodyPr>
-            <a:normAutofit fontScale="70000" lnSpcReduction="20000"/>
+            <a:normAutofit/>
           </a:bodyPr>
           <a:lstStyle/>
           <a:p>
@@ -11665,60 +10534,16 @@
             </a:pPr>
             <a:r>
               <a:rPr lang="en-US" sz="6000" b="1" dirty="0"/>
-              <a:t>FAIL TEST TRIAL 2 </a:t>
-            </a:r>
-          </a:p>
-          <a:p>
-            <a:pPr marL="0" indent="0" algn="ctr">
-              <a:buNone/>
-            </a:pPr>
-            <a:r>
-              <a:rPr lang="en-US" sz="6000" dirty="0"/>
-              <a:t>Enclosure: Square</a:t>
-            </a:r>
-          </a:p>
-          <a:p>
-            <a:pPr marL="0" indent="0" algn="ctr">
-              <a:buNone/>
-            </a:pPr>
-            <a:r>
-              <a:rPr lang="en-US" sz="6000" dirty="0"/>
-              <a:t>All Goals: All Active</a:t>
-            </a:r>
-          </a:p>
-          <a:p>
-            <a:pPr marL="0" indent="0" algn="ctr">
-              <a:buNone/>
-            </a:pPr>
-            <a:r>
-              <a:rPr lang="en-US" sz="6000" dirty="0"/>
-              <a:t>Quota = 4</a:t>
-            </a:r>
-          </a:p>
-          <a:p>
-            <a:pPr marL="0" indent="0" algn="ctr">
-              <a:buNone/>
-            </a:pPr>
-            <a:r>
-              <a:rPr lang="en-US" sz="6000" dirty="0"/>
-              <a:t>Landmarks: All</a:t>
-            </a:r>
-          </a:p>
-          <a:p>
-            <a:pPr marL="0" indent="0" algn="ctr">
-              <a:buNone/>
-            </a:pPr>
-            <a:r>
-              <a:rPr lang="en-US" sz="6000" dirty="0"/>
-              <a:t>Scene #2</a:t>
-            </a:r>
+              <a:t>Trial 3</a:t>
+            </a:r>
+            <a:endParaRPr lang="en-US" sz="6000" dirty="0"/>
           </a:p>
         </p:txBody>
       </p:sp>
     </p:spTree>
     <p:extLst>
       <p:ext uri="{BB962C8B-B14F-4D97-AF65-F5344CB8AC3E}">
-        <p14:creationId xmlns:p14="http://schemas.microsoft.com/office/powerpoint/2010/main" val="1568188175"/>
+        <p14:creationId xmlns:p14="http://schemas.microsoft.com/office/powerpoint/2010/main" val="1933905399"/>
       </p:ext>
     </p:extLst>
   </p:cSld>
@@ -11763,13 +10588,13 @@
         </p:nvSpPr>
         <p:spPr>
           <a:xfrm>
-            <a:off x="0" y="1825625"/>
-            <a:ext cx="12192000" cy="3511485"/>
+            <a:off x="0" y="2599656"/>
+            <a:ext cx="12192000" cy="933617"/>
           </a:xfrm>
         </p:spPr>
         <p:txBody>
           <a:bodyPr>
-            <a:normAutofit fontScale="70000" lnSpcReduction="20000"/>
+            <a:normAutofit/>
           </a:bodyPr>
           <a:lstStyle/>
           <a:p>
@@ -11778,60 +10603,16 @@
             </a:pPr>
             <a:r>
               <a:rPr lang="en-US" sz="6000" b="1" dirty="0"/>
-              <a:t>FAIL TEST TRIAL 3 </a:t>
-            </a:r>
-          </a:p>
-          <a:p>
-            <a:pPr marL="0" indent="0" algn="ctr">
-              <a:buNone/>
-            </a:pPr>
-            <a:r>
-              <a:rPr lang="en-US" sz="6000" dirty="0"/>
-              <a:t>Enclosure: Circle</a:t>
-            </a:r>
-          </a:p>
-          <a:p>
-            <a:pPr marL="0" indent="0" algn="ctr">
-              <a:buNone/>
-            </a:pPr>
-            <a:r>
-              <a:rPr lang="en-US" sz="6000" dirty="0"/>
-              <a:t>All Goals: (V: Cube + Apple, I: Sphere)</a:t>
-            </a:r>
-          </a:p>
-          <a:p>
-            <a:pPr marL="0" indent="0" algn="ctr">
-              <a:buNone/>
-            </a:pPr>
-            <a:r>
-              <a:rPr lang="en-US" sz="6000" dirty="0"/>
-              <a:t>Quota = 3</a:t>
-            </a:r>
-          </a:p>
-          <a:p>
-            <a:pPr marL="0" indent="0" algn="ctr">
-              <a:buNone/>
-            </a:pPr>
-            <a:r>
-              <a:rPr lang="en-US" sz="6000" dirty="0"/>
-              <a:t>Landmarks: All</a:t>
-            </a:r>
-          </a:p>
-          <a:p>
-            <a:pPr marL="0" indent="0" algn="ctr">
-              <a:buNone/>
-            </a:pPr>
-            <a:r>
-              <a:rPr lang="en-US" sz="6000" dirty="0"/>
-              <a:t>Scene #3</a:t>
-            </a:r>
+              <a:t>Trial 4</a:t>
+            </a:r>
+            <a:endParaRPr lang="en-US" sz="6000" dirty="0"/>
           </a:p>
         </p:txBody>
       </p:sp>
     </p:spTree>
     <p:extLst>
       <p:ext uri="{BB962C8B-B14F-4D97-AF65-F5344CB8AC3E}">
-        <p14:creationId xmlns:p14="http://schemas.microsoft.com/office/powerpoint/2010/main" val="1174841190"/>
+        <p14:creationId xmlns:p14="http://schemas.microsoft.com/office/powerpoint/2010/main" val="3935878563"/>
       </p:ext>
     </p:extLst>
   </p:cSld>
@@ -11876,75 +10657,37 @@
         </p:nvSpPr>
         <p:spPr>
           <a:xfrm>
-            <a:off x="0" y="1825625"/>
-            <a:ext cx="12192000" cy="3511485"/>
+            <a:off x="0" y="1796716"/>
+            <a:ext cx="12192000" cy="2037348"/>
           </a:xfrm>
         </p:spPr>
         <p:txBody>
           <a:bodyPr>
-            <a:normAutofit fontScale="70000" lnSpcReduction="20000"/>
+            <a:normAutofit/>
           </a:bodyPr>
           <a:lstStyle/>
           <a:p>
             <a:pPr marL="0" indent="0" algn="ctr">
               <a:buNone/>
             </a:pPr>
+            <a:endParaRPr lang="en-US" sz="6000" b="1" dirty="0"/>
+          </a:p>
+          <a:p>
+            <a:pPr marL="0" indent="0" algn="ctr">
+              <a:buNone/>
+            </a:pPr>
             <a:r>
               <a:rPr lang="en-US" sz="6000" b="1" dirty="0"/>
-              <a:t>FAIL TEST TRIAL 4  </a:t>
-            </a:r>
-          </a:p>
-          <a:p>
-            <a:pPr marL="0" indent="0" algn="ctr">
-              <a:buNone/>
-            </a:pPr>
-            <a:r>
-              <a:rPr lang="en-US" sz="6000" dirty="0"/>
-              <a:t>Enclosure: Invisible Floor</a:t>
-            </a:r>
-          </a:p>
-          <a:p>
-            <a:pPr marL="0" indent="0" algn="ctr">
-              <a:buNone/>
-            </a:pPr>
-            <a:r>
-              <a:rPr lang="en-US" sz="6000" dirty="0"/>
-              <a:t>All Goals: (V: Sphere, I: Water)</a:t>
-            </a:r>
-          </a:p>
-          <a:p>
-            <a:pPr marL="0" indent="0" algn="ctr">
-              <a:buNone/>
-            </a:pPr>
-            <a:r>
-              <a:rPr lang="en-US" sz="6000" dirty="0"/>
-              <a:t>Quota = 2</a:t>
-            </a:r>
-          </a:p>
-          <a:p>
-            <a:pPr marL="0" indent="0" algn="ctr">
-              <a:buNone/>
-            </a:pPr>
-            <a:r>
-              <a:rPr lang="en-US" sz="6000" dirty="0"/>
-              <a:t>Landmarks: All</a:t>
-            </a:r>
-          </a:p>
-          <a:p>
-            <a:pPr marL="0" indent="0" algn="ctr">
-              <a:buNone/>
-            </a:pPr>
-            <a:r>
-              <a:rPr lang="en-US" sz="6000" dirty="0"/>
-              <a:t>Scene #3</a:t>
-            </a:r>
+              <a:t>YOU FAILED!!</a:t>
+            </a:r>
+            <a:endParaRPr lang="en-US" sz="6000" dirty="0"/>
           </a:p>
         </p:txBody>
       </p:sp>
     </p:spTree>
     <p:extLst>
       <p:ext uri="{BB962C8B-B14F-4D97-AF65-F5344CB8AC3E}">
-        <p14:creationId xmlns:p14="http://schemas.microsoft.com/office/powerpoint/2010/main" val="924697550"/>
+        <p14:creationId xmlns:p14="http://schemas.microsoft.com/office/powerpoint/2010/main" val="1487683954"/>
       </p:ext>
     </p:extLst>
   </p:cSld>
@@ -11973,6 +10716,55 @@
       </p:grpSpPr>
       <p:sp>
         <p:nvSpPr>
+          <p:cNvPr id="4" name="Rectangle 3">
+            <a:extLst>
+              <a:ext uri="{FF2B5EF4-FFF2-40B4-BE49-F238E27FC236}">
+                <a16:creationId xmlns:a16="http://schemas.microsoft.com/office/drawing/2014/main" id="{EEA24FE4-CF88-4576-8D74-4D4BF0A7AC43}"/>
+              </a:ext>
+            </a:extLst>
+          </p:cNvPr>
+          <p:cNvSpPr/>
+          <p:nvPr/>
+        </p:nvSpPr>
+        <p:spPr>
+          <a:xfrm>
+            <a:off x="0" y="0"/>
+            <a:ext cx="12192000" cy="6858000"/>
+          </a:xfrm>
+          <a:prstGeom prst="rect">
+            <a:avLst/>
+          </a:prstGeom>
+          <a:solidFill>
+            <a:srgbClr val="F1CB68"/>
+          </a:solidFill>
+        </p:spPr>
+        <p:style>
+          <a:lnRef idx="2">
+            <a:schemeClr val="accent1">
+              <a:shade val="50000"/>
+            </a:schemeClr>
+          </a:lnRef>
+          <a:fillRef idx="1">
+            <a:schemeClr val="accent1"/>
+          </a:fillRef>
+          <a:effectRef idx="0">
+            <a:schemeClr val="accent1"/>
+          </a:effectRef>
+          <a:fontRef idx="minor">
+            <a:schemeClr val="lt1"/>
+          </a:fontRef>
+        </p:style>
+        <p:txBody>
+          <a:bodyPr rtlCol="0" anchor="ctr"/>
+          <a:lstStyle/>
+          <a:p>
+            <a:pPr algn="ctr"/>
+            <a:endParaRPr lang="en-US"/>
+          </a:p>
+        </p:txBody>
+      </p:sp>
+      <p:sp>
+        <p:nvSpPr>
           <p:cNvPr id="3" name="Content Placeholder 2">
             <a:extLst>
               <a:ext uri="{FF2B5EF4-FFF2-40B4-BE49-F238E27FC236}">
@@ -11989,8 +10781,8 @@
         </p:nvSpPr>
         <p:spPr>
           <a:xfrm>
-            <a:off x="0" y="1796716"/>
-            <a:ext cx="12192000" cy="2037348"/>
+            <a:off x="0" y="1155032"/>
+            <a:ext cx="12192000" cy="3946357"/>
           </a:xfrm>
         </p:spPr>
         <p:txBody>
@@ -12002,24 +10794,109 @@
             <a:pPr marL="0" indent="0" algn="ctr">
               <a:buNone/>
             </a:pPr>
-            <a:endParaRPr lang="en-US" sz="6000" b="1" dirty="0"/>
-          </a:p>
-          <a:p>
-            <a:pPr marL="0" indent="0" algn="ctr">
-              <a:buNone/>
-            </a:pPr>
-            <a:r>
-              <a:rPr lang="en-US" sz="6000" b="1" dirty="0"/>
-              <a:t>YOU FAILED!!</a:t>
-            </a:r>
-            <a:endParaRPr lang="en-US" sz="6000" dirty="0"/>
+            <a:r>
+              <a:rPr lang="en-US" sz="6000" b="1" dirty="0">
+                <a:solidFill>
+                  <a:schemeClr val="bg1"/>
+                </a:solidFill>
+              </a:rPr>
+              <a:t>TESTING BLOCKS</a:t>
+            </a:r>
+          </a:p>
+          <a:p>
+            <a:pPr marL="0" indent="0" algn="ctr">
+              <a:buNone/>
+            </a:pPr>
+            <a:r>
+              <a:rPr lang="en-US" sz="6000" b="1" dirty="0">
+                <a:solidFill>
+                  <a:schemeClr val="bg1"/>
+                </a:solidFill>
+              </a:rPr>
+              <a:t>Trial Criterion = 3</a:t>
+            </a:r>
+          </a:p>
+          <a:p>
+            <a:pPr marL="0" indent="0" algn="ctr">
+              <a:buNone/>
+            </a:pPr>
+            <a:r>
+              <a:rPr lang="en-US" sz="6000" b="1" dirty="0">
+                <a:solidFill>
+                  <a:schemeClr val="bg1"/>
+                </a:solidFill>
+              </a:rPr>
+              <a:t># Trials = 4</a:t>
+            </a:r>
+          </a:p>
+          <a:p>
+            <a:pPr marL="0" indent="0" algn="ctr">
+              <a:buNone/>
+            </a:pPr>
+            <a:r>
+              <a:rPr lang="en-US" sz="6000" b="1" dirty="0">
+                <a:solidFill>
+                  <a:srgbClr val="FF0000"/>
+                </a:solidFill>
+              </a:rPr>
+              <a:t>Fail Test</a:t>
+            </a:r>
+          </a:p>
+        </p:txBody>
+      </p:sp>
+      <p:sp>
+        <p:nvSpPr>
+          <p:cNvPr id="5" name="Rectangle 4">
+            <a:extLst>
+              <a:ext uri="{FF2B5EF4-FFF2-40B4-BE49-F238E27FC236}">
+                <a16:creationId xmlns:a16="http://schemas.microsoft.com/office/drawing/2014/main" id="{2C94FF17-2823-4800-84E4-12617EB4FFF2}"/>
+              </a:ext>
+            </a:extLst>
+          </p:cNvPr>
+          <p:cNvSpPr/>
+          <p:nvPr/>
+        </p:nvSpPr>
+        <p:spPr>
+          <a:xfrm>
+            <a:off x="3172326" y="5403834"/>
+            <a:ext cx="5847347" cy="866274"/>
+          </a:xfrm>
+          <a:prstGeom prst="rect">
+            <a:avLst/>
+          </a:prstGeom>
+        </p:spPr>
+        <p:style>
+          <a:lnRef idx="2">
+            <a:schemeClr val="dk1">
+              <a:shade val="50000"/>
+            </a:schemeClr>
+          </a:lnRef>
+          <a:fillRef idx="1">
+            <a:schemeClr val="dk1"/>
+          </a:fillRef>
+          <a:effectRef idx="0">
+            <a:schemeClr val="dk1"/>
+          </a:effectRef>
+          <a:fontRef idx="minor">
+            <a:schemeClr val="lt1"/>
+          </a:fontRef>
+        </p:style>
+        <p:txBody>
+          <a:bodyPr rtlCol="0" anchor="ctr"/>
+          <a:lstStyle/>
+          <a:p>
+            <a:pPr algn="ctr"/>
+            <a:r>
+              <a:rPr lang="en-US" sz="3200" b="1" dirty="0"/>
+              <a:t>PRESS SPACE TO BEGIN TEST</a:t>
+            </a:r>
           </a:p>
         </p:txBody>
       </p:sp>
     </p:spTree>
     <p:extLst>
       <p:ext uri="{BB962C8B-B14F-4D97-AF65-F5344CB8AC3E}">
-        <p14:creationId xmlns:p14="http://schemas.microsoft.com/office/powerpoint/2010/main" val="1487683954"/>
+        <p14:creationId xmlns:p14="http://schemas.microsoft.com/office/powerpoint/2010/main" val="3221913463"/>
       </p:ext>
     </p:extLst>
   </p:cSld>
@@ -12113,8 +10990,8 @@
         </p:nvSpPr>
         <p:spPr>
           <a:xfrm>
-            <a:off x="0" y="1825625"/>
-            <a:ext cx="12192000" cy="3275764"/>
+            <a:off x="0" y="1155032"/>
+            <a:ext cx="12192000" cy="3946357"/>
           </a:xfrm>
         </p:spPr>
         <p:txBody>
@@ -12158,13 +11035,21 @@
                   <a:schemeClr val="bg1"/>
                 </a:solidFill>
               </a:rPr>
-              <a:t>4 Trial – Pass Test</a:t>
-            </a:r>
-            <a:endParaRPr lang="en-US" sz="6000" dirty="0">
-              <a:solidFill>
-                <a:schemeClr val="bg1"/>
-              </a:solidFill>
-            </a:endParaRPr>
+              <a:t># Trials = 4</a:t>
+            </a:r>
+          </a:p>
+          <a:p>
+            <a:pPr marL="0" indent="0" algn="ctr">
+              <a:buNone/>
+            </a:pPr>
+            <a:r>
+              <a:rPr lang="en-US" sz="6000" b="1" dirty="0">
+                <a:solidFill>
+                  <a:srgbClr val="548235"/>
+                </a:solidFill>
+              </a:rPr>
+              <a:t>Pass Test</a:t>
+            </a:r>
           </a:p>
         </p:txBody>
       </p:sp>
@@ -12173,7 +11058,7 @@
           <p:cNvPr id="5" name="Rectangle 4">
             <a:extLst>
               <a:ext uri="{FF2B5EF4-FFF2-40B4-BE49-F238E27FC236}">
-                <a16:creationId xmlns:a16="http://schemas.microsoft.com/office/drawing/2014/main" id="{55D69ED2-1123-41B1-8FF5-A1CD7F46B818}"/>
+                <a16:creationId xmlns:a16="http://schemas.microsoft.com/office/drawing/2014/main" id="{2C94FF17-2823-4800-84E4-12617EB4FFF2}"/>
               </a:ext>
             </a:extLst>
           </p:cNvPr>
@@ -12220,7 +11105,7 @@
     </p:spTree>
     <p:extLst>
       <p:ext uri="{BB962C8B-B14F-4D97-AF65-F5344CB8AC3E}">
-        <p14:creationId xmlns:p14="http://schemas.microsoft.com/office/powerpoint/2010/main" val="3856981081"/>
+        <p14:creationId xmlns:p14="http://schemas.microsoft.com/office/powerpoint/2010/main" val="2040459770"/>
       </p:ext>
     </p:extLst>
   </p:cSld>
@@ -12249,6 +11134,55 @@
       </p:grpSpPr>
       <p:sp>
         <p:nvSpPr>
+          <p:cNvPr id="4" name="Rectangle 3">
+            <a:extLst>
+              <a:ext uri="{FF2B5EF4-FFF2-40B4-BE49-F238E27FC236}">
+                <a16:creationId xmlns:a16="http://schemas.microsoft.com/office/drawing/2014/main" id="{EEA24FE4-CF88-4576-8D74-4D4BF0A7AC43}"/>
+              </a:ext>
+            </a:extLst>
+          </p:cNvPr>
+          <p:cNvSpPr/>
+          <p:nvPr/>
+        </p:nvSpPr>
+        <p:spPr>
+          <a:xfrm>
+            <a:off x="-1" y="0"/>
+            <a:ext cx="12192000" cy="6858000"/>
+          </a:xfrm>
+          <a:prstGeom prst="rect">
+            <a:avLst/>
+          </a:prstGeom>
+          <a:solidFill>
+            <a:srgbClr val="F1CB68"/>
+          </a:solidFill>
+        </p:spPr>
+        <p:style>
+          <a:lnRef idx="2">
+            <a:schemeClr val="accent1">
+              <a:shade val="50000"/>
+            </a:schemeClr>
+          </a:lnRef>
+          <a:fillRef idx="1">
+            <a:schemeClr val="accent1"/>
+          </a:fillRef>
+          <a:effectRef idx="0">
+            <a:schemeClr val="accent1"/>
+          </a:effectRef>
+          <a:fontRef idx="minor">
+            <a:schemeClr val="lt1"/>
+          </a:fontRef>
+        </p:style>
+        <p:txBody>
+          <a:bodyPr rtlCol="0" anchor="ctr"/>
+          <a:lstStyle/>
+          <a:p>
+            <a:pPr algn="ctr"/>
+            <a:endParaRPr lang="en-US"/>
+          </a:p>
+        </p:txBody>
+      </p:sp>
+      <p:sp>
+        <p:nvSpPr>
           <p:cNvPr id="3" name="Content Placeholder 2">
             <a:extLst>
               <a:ext uri="{FF2B5EF4-FFF2-40B4-BE49-F238E27FC236}">
@@ -12265,13 +11199,13 @@
         </p:nvSpPr>
         <p:spPr>
           <a:xfrm>
-            <a:off x="0" y="1825625"/>
-            <a:ext cx="12192000" cy="3511485"/>
+            <a:off x="-1" y="899193"/>
+            <a:ext cx="12192000" cy="4154070"/>
           </a:xfrm>
         </p:spPr>
         <p:txBody>
           <a:bodyPr>
-            <a:normAutofit fontScale="70000" lnSpcReduction="20000"/>
+            <a:normAutofit/>
           </a:bodyPr>
           <a:lstStyle/>
           <a:p>
@@ -12279,53 +11213,100 @@
               <a:buNone/>
             </a:pPr>
             <a:r>
-              <a:rPr lang="en-US" sz="6000" b="1" dirty="0"/>
-              <a:t>PASS TEST TRIAL 1 </a:t>
-            </a:r>
-          </a:p>
-          <a:p>
-            <a:pPr marL="0" indent="0" algn="ctr">
-              <a:buNone/>
-            </a:pPr>
-            <a:r>
-              <a:rPr lang="en-US" sz="6000" dirty="0"/>
-              <a:t>Enclosure: Invisible Floor</a:t>
-            </a:r>
-          </a:p>
-          <a:p>
-            <a:pPr marL="0" indent="0" algn="ctr">
-              <a:buNone/>
-            </a:pPr>
-            <a:r>
-              <a:rPr lang="en-US" sz="6000" dirty="0"/>
-              <a:t>All Goals: (V: Water, I: Water, Cube)</a:t>
-            </a:r>
-          </a:p>
-          <a:p>
-            <a:pPr marL="0" indent="0" algn="ctr">
-              <a:buNone/>
-            </a:pPr>
-            <a:r>
-              <a:rPr lang="en-US" sz="6000" dirty="0"/>
-              <a:t>Quota = 2</a:t>
-            </a:r>
-          </a:p>
-          <a:p>
-            <a:pPr marL="0" indent="0" algn="ctr">
-              <a:buNone/>
-            </a:pPr>
-            <a:r>
-              <a:rPr lang="en-US" sz="6000" dirty="0"/>
-              <a:t>Landmarks: All</a:t>
-            </a:r>
-          </a:p>
-          <a:p>
-            <a:pPr marL="0" indent="0" algn="ctr">
-              <a:buNone/>
-            </a:pPr>
-            <a:r>
-              <a:rPr lang="en-US" sz="6000" dirty="0"/>
-              <a:t>Scene #3</a:t>
+              <a:rPr lang="en-US" sz="6000" b="1" dirty="0">
+                <a:solidFill>
+                  <a:schemeClr val="bg1"/>
+                </a:solidFill>
+              </a:rPr>
+              <a:t>TESTING BLOCKS</a:t>
+            </a:r>
+          </a:p>
+          <a:p>
+            <a:pPr marL="0" indent="0" algn="ctr">
+              <a:buNone/>
+            </a:pPr>
+            <a:r>
+              <a:rPr lang="en-US" sz="6000" b="1" dirty="0">
+                <a:solidFill>
+                  <a:schemeClr val="bg1"/>
+                </a:solidFill>
+              </a:rPr>
+              <a:t>Trial Criterion = 5</a:t>
+            </a:r>
+          </a:p>
+          <a:p>
+            <a:pPr marL="0" indent="0" algn="ctr">
+              <a:buNone/>
+            </a:pPr>
+            <a:r>
+              <a:rPr lang="en-US" sz="6000" b="1" dirty="0">
+                <a:solidFill>
+                  <a:schemeClr val="bg1"/>
+                </a:solidFill>
+              </a:rPr>
+              <a:t>Random (R) 2x4 Trial</a:t>
+            </a:r>
+          </a:p>
+          <a:p>
+            <a:pPr marL="0" indent="0" algn="ctr">
+              <a:buNone/>
+            </a:pPr>
+            <a:r>
+              <a:rPr lang="en-US" sz="6000" b="1" dirty="0">
+                <a:solidFill>
+                  <a:srgbClr val="C00000"/>
+                </a:solidFill>
+              </a:rPr>
+              <a:t>Fail Test</a:t>
+            </a:r>
+          </a:p>
+        </p:txBody>
+      </p:sp>
+      <p:sp>
+        <p:nvSpPr>
+          <p:cNvPr id="5" name="Rectangle 4">
+            <a:extLst>
+              <a:ext uri="{FF2B5EF4-FFF2-40B4-BE49-F238E27FC236}">
+                <a16:creationId xmlns:a16="http://schemas.microsoft.com/office/drawing/2014/main" id="{C196E51C-464B-43DE-BB7E-C8035C94136E}"/>
+              </a:ext>
+            </a:extLst>
+          </p:cNvPr>
+          <p:cNvSpPr/>
+          <p:nvPr/>
+        </p:nvSpPr>
+        <p:spPr>
+          <a:xfrm>
+            <a:off x="3172326" y="5403834"/>
+            <a:ext cx="5847347" cy="866274"/>
+          </a:xfrm>
+          <a:prstGeom prst="rect">
+            <a:avLst/>
+          </a:prstGeom>
+        </p:spPr>
+        <p:style>
+          <a:lnRef idx="2">
+            <a:schemeClr val="dk1">
+              <a:shade val="50000"/>
+            </a:schemeClr>
+          </a:lnRef>
+          <a:fillRef idx="1">
+            <a:schemeClr val="dk1"/>
+          </a:fillRef>
+          <a:effectRef idx="0">
+            <a:schemeClr val="dk1"/>
+          </a:effectRef>
+          <a:fontRef idx="minor">
+            <a:schemeClr val="lt1"/>
+          </a:fontRef>
+        </p:style>
+        <p:txBody>
+          <a:bodyPr rtlCol="0" anchor="ctr"/>
+          <a:lstStyle/>
+          <a:p>
+            <a:pPr algn="ctr"/>
+            <a:r>
+              <a:rPr lang="en-US" sz="3200" b="1" dirty="0"/>
+              <a:t>PRESS SPACE TO BEGIN TEST</a:t>
             </a:r>
           </a:p>
         </p:txBody>
@@ -12333,7 +11314,7 @@
     </p:spTree>
     <p:extLst>
       <p:ext uri="{BB962C8B-B14F-4D97-AF65-F5344CB8AC3E}">
-        <p14:creationId xmlns:p14="http://schemas.microsoft.com/office/powerpoint/2010/main" val="3200952893"/>
+        <p14:creationId xmlns:p14="http://schemas.microsoft.com/office/powerpoint/2010/main" val="2779063138"/>
       </p:ext>
     </p:extLst>
   </p:cSld>
@@ -12362,6 +11343,55 @@
       </p:grpSpPr>
       <p:sp>
         <p:nvSpPr>
+          <p:cNvPr id="4" name="Rectangle 3">
+            <a:extLst>
+              <a:ext uri="{FF2B5EF4-FFF2-40B4-BE49-F238E27FC236}">
+                <a16:creationId xmlns:a16="http://schemas.microsoft.com/office/drawing/2014/main" id="{EEA24FE4-CF88-4576-8D74-4D4BF0A7AC43}"/>
+              </a:ext>
+            </a:extLst>
+          </p:cNvPr>
+          <p:cNvSpPr/>
+          <p:nvPr/>
+        </p:nvSpPr>
+        <p:spPr>
+          <a:xfrm>
+            <a:off x="-1" y="0"/>
+            <a:ext cx="12192000" cy="6858000"/>
+          </a:xfrm>
+          <a:prstGeom prst="rect">
+            <a:avLst/>
+          </a:prstGeom>
+          <a:solidFill>
+            <a:srgbClr val="F1CB68"/>
+          </a:solidFill>
+        </p:spPr>
+        <p:style>
+          <a:lnRef idx="2">
+            <a:schemeClr val="accent1">
+              <a:shade val="50000"/>
+            </a:schemeClr>
+          </a:lnRef>
+          <a:fillRef idx="1">
+            <a:schemeClr val="accent1"/>
+          </a:fillRef>
+          <a:effectRef idx="0">
+            <a:schemeClr val="accent1"/>
+          </a:effectRef>
+          <a:fontRef idx="minor">
+            <a:schemeClr val="lt1"/>
+          </a:fontRef>
+        </p:style>
+        <p:txBody>
+          <a:bodyPr rtlCol="0" anchor="ctr"/>
+          <a:lstStyle/>
+          <a:p>
+            <a:pPr algn="ctr"/>
+            <a:endParaRPr lang="en-US"/>
+          </a:p>
+        </p:txBody>
+      </p:sp>
+      <p:sp>
+        <p:nvSpPr>
           <p:cNvPr id="3" name="Content Placeholder 2">
             <a:extLst>
               <a:ext uri="{FF2B5EF4-FFF2-40B4-BE49-F238E27FC236}">
@@ -12378,13 +11408,13 @@
         </p:nvSpPr>
         <p:spPr>
           <a:xfrm>
-            <a:off x="0" y="1825625"/>
-            <a:ext cx="12192000" cy="3511485"/>
+            <a:off x="-1" y="899193"/>
+            <a:ext cx="12192000" cy="4154070"/>
           </a:xfrm>
         </p:spPr>
         <p:txBody>
           <a:bodyPr>
-            <a:normAutofit fontScale="70000" lnSpcReduction="20000"/>
+            <a:normAutofit/>
           </a:bodyPr>
           <a:lstStyle/>
           <a:p>
@@ -12392,53 +11422,100 @@
               <a:buNone/>
             </a:pPr>
             <a:r>
-              <a:rPr lang="en-US" sz="6000" b="1" dirty="0"/>
-              <a:t>PASS TEST TRIAL 2 </a:t>
-            </a:r>
-          </a:p>
-          <a:p>
-            <a:pPr marL="0" indent="0" algn="ctr">
-              <a:buNone/>
-            </a:pPr>
-            <a:r>
-              <a:rPr lang="en-US" sz="6000" dirty="0"/>
-              <a:t>Enclosure: Square</a:t>
-            </a:r>
-          </a:p>
-          <a:p>
-            <a:pPr marL="0" indent="0" algn="ctr">
-              <a:buNone/>
-            </a:pPr>
-            <a:r>
-              <a:rPr lang="en-US" sz="6000" dirty="0"/>
-              <a:t>All Goals: All Active</a:t>
-            </a:r>
-          </a:p>
-          <a:p>
-            <a:pPr marL="0" indent="0" algn="ctr">
-              <a:buNone/>
-            </a:pPr>
-            <a:r>
-              <a:rPr lang="en-US" sz="6000" dirty="0"/>
-              <a:t>Quota = 4</a:t>
-            </a:r>
-          </a:p>
-          <a:p>
-            <a:pPr marL="0" indent="0" algn="ctr">
-              <a:buNone/>
-            </a:pPr>
-            <a:r>
-              <a:rPr lang="en-US" sz="6000" dirty="0"/>
-              <a:t>Landmarks: All</a:t>
-            </a:r>
-          </a:p>
-          <a:p>
-            <a:pPr marL="0" indent="0" algn="ctr">
-              <a:buNone/>
-            </a:pPr>
-            <a:r>
-              <a:rPr lang="en-US" sz="6000" dirty="0"/>
-              <a:t>Scene #2</a:t>
+              <a:rPr lang="en-US" sz="6000" b="1" dirty="0">
+                <a:solidFill>
+                  <a:schemeClr val="bg1"/>
+                </a:solidFill>
+              </a:rPr>
+              <a:t>TESTING BLOCKS</a:t>
+            </a:r>
+          </a:p>
+          <a:p>
+            <a:pPr marL="0" indent="0" algn="ctr">
+              <a:buNone/>
+            </a:pPr>
+            <a:r>
+              <a:rPr lang="en-US" sz="6000" b="1" dirty="0">
+                <a:solidFill>
+                  <a:schemeClr val="bg1"/>
+                </a:solidFill>
+              </a:rPr>
+              <a:t>Trial Criterion = 5</a:t>
+            </a:r>
+          </a:p>
+          <a:p>
+            <a:pPr marL="0" indent="0" algn="ctr">
+              <a:buNone/>
+            </a:pPr>
+            <a:r>
+              <a:rPr lang="en-US" sz="6000" b="1" dirty="0">
+                <a:solidFill>
+                  <a:schemeClr val="bg1"/>
+                </a:solidFill>
+              </a:rPr>
+              <a:t>Random (R) 2x4 Trial</a:t>
+            </a:r>
+          </a:p>
+          <a:p>
+            <a:pPr marL="0" indent="0" algn="ctr">
+              <a:buNone/>
+            </a:pPr>
+            <a:r>
+              <a:rPr lang="en-US" sz="6000" b="1" dirty="0">
+                <a:solidFill>
+                  <a:srgbClr val="548235"/>
+                </a:solidFill>
+              </a:rPr>
+              <a:t>Pass Test</a:t>
+            </a:r>
+          </a:p>
+        </p:txBody>
+      </p:sp>
+      <p:sp>
+        <p:nvSpPr>
+          <p:cNvPr id="5" name="Rectangle 4">
+            <a:extLst>
+              <a:ext uri="{FF2B5EF4-FFF2-40B4-BE49-F238E27FC236}">
+                <a16:creationId xmlns:a16="http://schemas.microsoft.com/office/drawing/2014/main" id="{C196E51C-464B-43DE-BB7E-C8035C94136E}"/>
+              </a:ext>
+            </a:extLst>
+          </p:cNvPr>
+          <p:cNvSpPr/>
+          <p:nvPr/>
+        </p:nvSpPr>
+        <p:spPr>
+          <a:xfrm>
+            <a:off x="3172326" y="5403834"/>
+            <a:ext cx="5847347" cy="866274"/>
+          </a:xfrm>
+          <a:prstGeom prst="rect">
+            <a:avLst/>
+          </a:prstGeom>
+        </p:spPr>
+        <p:style>
+          <a:lnRef idx="2">
+            <a:schemeClr val="dk1">
+              <a:shade val="50000"/>
+            </a:schemeClr>
+          </a:lnRef>
+          <a:fillRef idx="1">
+            <a:schemeClr val="dk1"/>
+          </a:fillRef>
+          <a:effectRef idx="0">
+            <a:schemeClr val="dk1"/>
+          </a:effectRef>
+          <a:fontRef idx="minor">
+            <a:schemeClr val="lt1"/>
+          </a:fontRef>
+        </p:style>
+        <p:txBody>
+          <a:bodyPr rtlCol="0" anchor="ctr"/>
+          <a:lstStyle/>
+          <a:p>
+            <a:pPr algn="ctr"/>
+            <a:r>
+              <a:rPr lang="en-US" sz="3200" b="1" dirty="0"/>
+              <a:t>PRESS SPACE TO BEGIN TEST</a:t>
             </a:r>
           </a:p>
         </p:txBody>
@@ -12446,7 +11523,7 @@
     </p:spTree>
     <p:extLst>
       <p:ext uri="{BB962C8B-B14F-4D97-AF65-F5344CB8AC3E}">
-        <p14:creationId xmlns:p14="http://schemas.microsoft.com/office/powerpoint/2010/main" val="4268816917"/>
+        <p14:creationId xmlns:p14="http://schemas.microsoft.com/office/powerpoint/2010/main" val="4008065437"/>
       </p:ext>
     </p:extLst>
   </p:cSld>
@@ -12562,6 +11639,55 @@
       </p:grpSpPr>
       <p:sp>
         <p:nvSpPr>
+          <p:cNvPr id="4" name="Rectangle 3">
+            <a:extLst>
+              <a:ext uri="{FF2B5EF4-FFF2-40B4-BE49-F238E27FC236}">
+                <a16:creationId xmlns:a16="http://schemas.microsoft.com/office/drawing/2014/main" id="{EEA24FE4-CF88-4576-8D74-4D4BF0A7AC43}"/>
+              </a:ext>
+            </a:extLst>
+          </p:cNvPr>
+          <p:cNvSpPr/>
+          <p:nvPr/>
+        </p:nvSpPr>
+        <p:spPr>
+          <a:xfrm>
+            <a:off x="0" y="0"/>
+            <a:ext cx="12192000" cy="6858000"/>
+          </a:xfrm>
+          <a:prstGeom prst="rect">
+            <a:avLst/>
+          </a:prstGeom>
+          <a:solidFill>
+            <a:srgbClr val="F1CB68"/>
+          </a:solidFill>
+        </p:spPr>
+        <p:style>
+          <a:lnRef idx="2">
+            <a:schemeClr val="accent1">
+              <a:shade val="50000"/>
+            </a:schemeClr>
+          </a:lnRef>
+          <a:fillRef idx="1">
+            <a:schemeClr val="accent1"/>
+          </a:fillRef>
+          <a:effectRef idx="0">
+            <a:schemeClr val="accent1"/>
+          </a:effectRef>
+          <a:fontRef idx="minor">
+            <a:schemeClr val="lt1"/>
+          </a:fontRef>
+        </p:style>
+        <p:txBody>
+          <a:bodyPr rtlCol="0" anchor="ctr"/>
+          <a:lstStyle/>
+          <a:p>
+            <a:pPr algn="ctr"/>
+            <a:endParaRPr lang="en-US"/>
+          </a:p>
+        </p:txBody>
+      </p:sp>
+      <p:sp>
+        <p:nvSpPr>
           <p:cNvPr id="3" name="Content Placeholder 2">
             <a:extLst>
               <a:ext uri="{FF2B5EF4-FFF2-40B4-BE49-F238E27FC236}">
@@ -12579,12 +11705,12 @@
         <p:spPr>
           <a:xfrm>
             <a:off x="0" y="1825625"/>
-            <a:ext cx="12192000" cy="3511485"/>
+            <a:ext cx="12192000" cy="3275764"/>
           </a:xfrm>
         </p:spPr>
         <p:txBody>
           <a:bodyPr>
-            <a:normAutofit fontScale="70000" lnSpcReduction="20000"/>
+            <a:normAutofit fontScale="92500" lnSpcReduction="10000"/>
           </a:bodyPr>
           <a:lstStyle/>
           <a:p>
@@ -12592,53 +11718,105 @@
               <a:buNone/>
             </a:pPr>
             <a:r>
-              <a:rPr lang="en-US" sz="6000" b="1" dirty="0"/>
-              <a:t>PASS TEST TRIAL 3 </a:t>
-            </a:r>
-          </a:p>
-          <a:p>
-            <a:pPr marL="0" indent="0" algn="ctr">
-              <a:buNone/>
-            </a:pPr>
-            <a:r>
-              <a:rPr lang="en-US" sz="6000" dirty="0"/>
-              <a:t>Enclosure: Circle</a:t>
-            </a:r>
-          </a:p>
-          <a:p>
-            <a:pPr marL="0" indent="0" algn="ctr">
-              <a:buNone/>
-            </a:pPr>
-            <a:r>
-              <a:rPr lang="en-US" sz="6000" dirty="0"/>
-              <a:t>All Goals: (V: Cube + Apple, I: Sphere)</a:t>
-            </a:r>
-          </a:p>
-          <a:p>
-            <a:pPr marL="0" indent="0" algn="ctr">
-              <a:buNone/>
-            </a:pPr>
-            <a:r>
-              <a:rPr lang="en-US" sz="6000" dirty="0"/>
-              <a:t>Quota = 3</a:t>
-            </a:r>
-          </a:p>
-          <a:p>
-            <a:pPr marL="0" indent="0" algn="ctr">
-              <a:buNone/>
-            </a:pPr>
-            <a:r>
-              <a:rPr lang="en-US" sz="6000" dirty="0"/>
-              <a:t>Landmarks: All</a:t>
-            </a:r>
-          </a:p>
-          <a:p>
-            <a:pPr marL="0" indent="0" algn="ctr">
-              <a:buNone/>
-            </a:pPr>
-            <a:r>
-              <a:rPr lang="en-US" sz="6000" dirty="0"/>
-              <a:t>Scene #3</a:t>
+              <a:rPr lang="en-US" sz="6000" b="1" dirty="0">
+                <a:solidFill>
+                  <a:schemeClr val="bg1"/>
+                </a:solidFill>
+              </a:rPr>
+              <a:t>TESTING BLOCKS</a:t>
+            </a:r>
+          </a:p>
+          <a:p>
+            <a:pPr marL="0" indent="0" algn="ctr">
+              <a:buNone/>
+            </a:pPr>
+            <a:r>
+              <a:rPr lang="en-US" sz="6000" b="1" dirty="0">
+                <a:solidFill>
+                  <a:schemeClr val="bg1"/>
+                </a:solidFill>
+              </a:rPr>
+              <a:t>Trial Criterion = 2</a:t>
+            </a:r>
+          </a:p>
+          <a:p>
+            <a:pPr marL="0" indent="0" algn="ctr">
+              <a:buNone/>
+            </a:pPr>
+            <a:r>
+              <a:rPr lang="en-US" sz="6000" b="1" dirty="0">
+                <a:solidFill>
+                  <a:schemeClr val="bg1"/>
+                </a:solidFill>
+              </a:rPr>
+              <a:t>Random (NO R) 4 Trial </a:t>
+            </a:r>
+          </a:p>
+          <a:p>
+            <a:pPr marL="0" indent="0" algn="ctr">
+              <a:buNone/>
+            </a:pPr>
+            <a:r>
+              <a:rPr lang="en-US" sz="6000" b="1" dirty="0">
+                <a:solidFill>
+                  <a:srgbClr val="C00000"/>
+                </a:solidFill>
+              </a:rPr>
+              <a:t>Fail Test</a:t>
+            </a:r>
+            <a:endParaRPr lang="en-US" sz="6000" dirty="0">
+              <a:solidFill>
+                <a:srgbClr val="C00000"/>
+              </a:solidFill>
+            </a:endParaRPr>
+          </a:p>
+        </p:txBody>
+      </p:sp>
+      <p:sp>
+        <p:nvSpPr>
+          <p:cNvPr id="5" name="Rectangle 4">
+            <a:extLst>
+              <a:ext uri="{FF2B5EF4-FFF2-40B4-BE49-F238E27FC236}">
+                <a16:creationId xmlns:a16="http://schemas.microsoft.com/office/drawing/2014/main" id="{BA84D5DB-1ECE-4237-B45C-C6E5B618BBC4}"/>
+              </a:ext>
+            </a:extLst>
+          </p:cNvPr>
+          <p:cNvSpPr/>
+          <p:nvPr/>
+        </p:nvSpPr>
+        <p:spPr>
+          <a:xfrm>
+            <a:off x="3172326" y="5403834"/>
+            <a:ext cx="5847347" cy="866274"/>
+          </a:xfrm>
+          <a:prstGeom prst="rect">
+            <a:avLst/>
+          </a:prstGeom>
+        </p:spPr>
+        <p:style>
+          <a:lnRef idx="2">
+            <a:schemeClr val="dk1">
+              <a:shade val="50000"/>
+            </a:schemeClr>
+          </a:lnRef>
+          <a:fillRef idx="1">
+            <a:schemeClr val="dk1"/>
+          </a:fillRef>
+          <a:effectRef idx="0">
+            <a:schemeClr val="dk1"/>
+          </a:effectRef>
+          <a:fontRef idx="minor">
+            <a:schemeClr val="lt1"/>
+          </a:fontRef>
+        </p:style>
+        <p:txBody>
+          <a:bodyPr rtlCol="0" anchor="ctr"/>
+          <a:lstStyle/>
+          <a:p>
+            <a:pPr algn="ctr"/>
+            <a:r>
+              <a:rPr lang="en-US" sz="3200" b="1" dirty="0"/>
+              <a:t>PRESS SPACE TO BEGIN TEST</a:t>
             </a:r>
           </a:p>
         </p:txBody>
@@ -12646,7 +11824,7 @@
     </p:spTree>
     <p:extLst>
       <p:ext uri="{BB962C8B-B14F-4D97-AF65-F5344CB8AC3E}">
-        <p14:creationId xmlns:p14="http://schemas.microsoft.com/office/powerpoint/2010/main" val="2339334942"/>
+        <p14:creationId xmlns:p14="http://schemas.microsoft.com/office/powerpoint/2010/main" val="3626532655"/>
       </p:ext>
     </p:extLst>
   </p:cSld>
@@ -12675,6 +11853,55 @@
       </p:grpSpPr>
       <p:sp>
         <p:nvSpPr>
+          <p:cNvPr id="4" name="Rectangle 3">
+            <a:extLst>
+              <a:ext uri="{FF2B5EF4-FFF2-40B4-BE49-F238E27FC236}">
+                <a16:creationId xmlns:a16="http://schemas.microsoft.com/office/drawing/2014/main" id="{EEA24FE4-CF88-4576-8D74-4D4BF0A7AC43}"/>
+              </a:ext>
+            </a:extLst>
+          </p:cNvPr>
+          <p:cNvSpPr/>
+          <p:nvPr/>
+        </p:nvSpPr>
+        <p:spPr>
+          <a:xfrm>
+            <a:off x="0" y="0"/>
+            <a:ext cx="12192000" cy="6858000"/>
+          </a:xfrm>
+          <a:prstGeom prst="rect">
+            <a:avLst/>
+          </a:prstGeom>
+          <a:solidFill>
+            <a:srgbClr val="F1CB68"/>
+          </a:solidFill>
+        </p:spPr>
+        <p:style>
+          <a:lnRef idx="2">
+            <a:schemeClr val="accent1">
+              <a:shade val="50000"/>
+            </a:schemeClr>
+          </a:lnRef>
+          <a:fillRef idx="1">
+            <a:schemeClr val="accent1"/>
+          </a:fillRef>
+          <a:effectRef idx="0">
+            <a:schemeClr val="accent1"/>
+          </a:effectRef>
+          <a:fontRef idx="minor">
+            <a:schemeClr val="lt1"/>
+          </a:fontRef>
+        </p:style>
+        <p:txBody>
+          <a:bodyPr rtlCol="0" anchor="ctr"/>
+          <a:lstStyle/>
+          <a:p>
+            <a:pPr algn="ctr"/>
+            <a:endParaRPr lang="en-US"/>
+          </a:p>
+        </p:txBody>
+      </p:sp>
+      <p:sp>
+        <p:nvSpPr>
           <p:cNvPr id="3" name="Content Placeholder 2">
             <a:extLst>
               <a:ext uri="{FF2B5EF4-FFF2-40B4-BE49-F238E27FC236}">
@@ -12692,12 +11919,12 @@
         <p:spPr>
           <a:xfrm>
             <a:off x="0" y="1825625"/>
-            <a:ext cx="12192000" cy="3511485"/>
+            <a:ext cx="12192000" cy="3275764"/>
           </a:xfrm>
         </p:spPr>
         <p:txBody>
           <a:bodyPr>
-            <a:normAutofit fontScale="70000" lnSpcReduction="20000"/>
+            <a:normAutofit fontScale="92500" lnSpcReduction="10000"/>
           </a:bodyPr>
           <a:lstStyle/>
           <a:p>
@@ -12705,53 +11932,105 @@
               <a:buNone/>
             </a:pPr>
             <a:r>
-              <a:rPr lang="en-US" sz="6000" b="1" dirty="0"/>
-              <a:t>PASS TEST TRIAL 4  </a:t>
-            </a:r>
-          </a:p>
-          <a:p>
-            <a:pPr marL="0" indent="0" algn="ctr">
-              <a:buNone/>
-            </a:pPr>
-            <a:r>
-              <a:rPr lang="en-US" sz="6000" dirty="0"/>
-              <a:t>Enclosure: Invisible Floor</a:t>
-            </a:r>
-          </a:p>
-          <a:p>
-            <a:pPr marL="0" indent="0" algn="ctr">
-              <a:buNone/>
-            </a:pPr>
-            <a:r>
-              <a:rPr lang="en-US" sz="6000" dirty="0"/>
-              <a:t>All Goals: (V: Sphere, I: Water)</a:t>
-            </a:r>
-          </a:p>
-          <a:p>
-            <a:pPr marL="0" indent="0" algn="ctr">
-              <a:buNone/>
-            </a:pPr>
-            <a:r>
-              <a:rPr lang="en-US" sz="6000" dirty="0"/>
-              <a:t>Quota = 2</a:t>
-            </a:r>
-          </a:p>
-          <a:p>
-            <a:pPr marL="0" indent="0" algn="ctr">
-              <a:buNone/>
-            </a:pPr>
-            <a:r>
-              <a:rPr lang="en-US" sz="6000" dirty="0"/>
-              <a:t>Landmarks: All</a:t>
-            </a:r>
-          </a:p>
-          <a:p>
-            <a:pPr marL="0" indent="0" algn="ctr">
-              <a:buNone/>
-            </a:pPr>
-            <a:r>
-              <a:rPr lang="en-US" sz="6000" dirty="0"/>
-              <a:t>Scene #3</a:t>
+              <a:rPr lang="en-US" sz="6000" b="1" dirty="0">
+                <a:solidFill>
+                  <a:schemeClr val="bg1"/>
+                </a:solidFill>
+              </a:rPr>
+              <a:t>TESTING BLOCKS</a:t>
+            </a:r>
+          </a:p>
+          <a:p>
+            <a:pPr marL="0" indent="0" algn="ctr">
+              <a:buNone/>
+            </a:pPr>
+            <a:r>
+              <a:rPr lang="en-US" sz="6000" b="1" dirty="0">
+                <a:solidFill>
+                  <a:schemeClr val="bg1"/>
+                </a:solidFill>
+              </a:rPr>
+              <a:t>Trial Criterion = 2</a:t>
+            </a:r>
+          </a:p>
+          <a:p>
+            <a:pPr marL="0" indent="0" algn="ctr">
+              <a:buNone/>
+            </a:pPr>
+            <a:r>
+              <a:rPr lang="en-US" sz="6000" b="1" dirty="0">
+                <a:solidFill>
+                  <a:schemeClr val="bg1"/>
+                </a:solidFill>
+              </a:rPr>
+              <a:t>Random (NO R) 4 Trial </a:t>
+            </a:r>
+          </a:p>
+          <a:p>
+            <a:pPr marL="0" indent="0" algn="ctr">
+              <a:buNone/>
+            </a:pPr>
+            <a:r>
+              <a:rPr lang="en-US" sz="6000" b="1" dirty="0">
+                <a:solidFill>
+                  <a:srgbClr val="548235"/>
+                </a:solidFill>
+              </a:rPr>
+              <a:t>Pass Test</a:t>
+            </a:r>
+            <a:endParaRPr lang="en-US" sz="6000" dirty="0">
+              <a:solidFill>
+                <a:srgbClr val="548235"/>
+              </a:solidFill>
+            </a:endParaRPr>
+          </a:p>
+        </p:txBody>
+      </p:sp>
+      <p:sp>
+        <p:nvSpPr>
+          <p:cNvPr id="5" name="Rectangle 4">
+            <a:extLst>
+              <a:ext uri="{FF2B5EF4-FFF2-40B4-BE49-F238E27FC236}">
+                <a16:creationId xmlns:a16="http://schemas.microsoft.com/office/drawing/2014/main" id="{BA84D5DB-1ECE-4237-B45C-C6E5B618BBC4}"/>
+              </a:ext>
+            </a:extLst>
+          </p:cNvPr>
+          <p:cNvSpPr/>
+          <p:nvPr/>
+        </p:nvSpPr>
+        <p:spPr>
+          <a:xfrm>
+            <a:off x="3172326" y="5403834"/>
+            <a:ext cx="5847347" cy="866274"/>
+          </a:xfrm>
+          <a:prstGeom prst="rect">
+            <a:avLst/>
+          </a:prstGeom>
+        </p:spPr>
+        <p:style>
+          <a:lnRef idx="2">
+            <a:schemeClr val="dk1">
+              <a:shade val="50000"/>
+            </a:schemeClr>
+          </a:lnRef>
+          <a:fillRef idx="1">
+            <a:schemeClr val="dk1"/>
+          </a:fillRef>
+          <a:effectRef idx="0">
+            <a:schemeClr val="dk1"/>
+          </a:effectRef>
+          <a:fontRef idx="minor">
+            <a:schemeClr val="lt1"/>
+          </a:fontRef>
+        </p:style>
+        <p:txBody>
+          <a:bodyPr rtlCol="0" anchor="ctr"/>
+          <a:lstStyle/>
+          <a:p>
+            <a:pPr algn="ctr"/>
+            <a:r>
+              <a:rPr lang="en-US" sz="3200" b="1" dirty="0"/>
+              <a:t>PRESS SPACE TO BEGIN TEST</a:t>
             </a:r>
           </a:p>
         </p:txBody>
@@ -12759,7 +12038,7 @@
     </p:spTree>
     <p:extLst>
       <p:ext uri="{BB962C8B-B14F-4D97-AF65-F5344CB8AC3E}">
-        <p14:creationId xmlns:p14="http://schemas.microsoft.com/office/powerpoint/2010/main" val="1091496252"/>
+        <p14:creationId xmlns:p14="http://schemas.microsoft.com/office/powerpoint/2010/main" val="2943953492"/>
       </p:ext>
     </p:extLst>
   </p:cSld>
@@ -12853,8 +12132,8 @@
         </p:nvSpPr>
         <p:spPr>
           <a:xfrm>
-            <a:off x="0" y="1825625"/>
-            <a:ext cx="12192000" cy="3275764"/>
+            <a:off x="0" y="1155032"/>
+            <a:ext cx="12192000" cy="3946357"/>
           </a:xfrm>
         </p:spPr>
         <p:txBody>
@@ -12885,7 +12164,7 @@
                   <a:schemeClr val="bg1"/>
                 </a:solidFill>
               </a:rPr>
-              <a:t>Trial Criterion = 3</a:t>
+              <a:t>Block Criterion = 3</a:t>
             </a:r>
           </a:p>
           <a:p>
@@ -12898,13 +12177,21 @@
                   <a:schemeClr val="bg1"/>
                 </a:solidFill>
               </a:rPr>
-              <a:t>Random (R) 2x4 Trial – FAIL Test</a:t>
-            </a:r>
-            <a:endParaRPr lang="en-US" sz="6000" dirty="0">
-              <a:solidFill>
-                <a:schemeClr val="bg1"/>
-              </a:solidFill>
-            </a:endParaRPr>
+              <a:t># Trials = 4</a:t>
+            </a:r>
+          </a:p>
+          <a:p>
+            <a:pPr marL="0" indent="0" algn="ctr">
+              <a:buNone/>
+            </a:pPr>
+            <a:r>
+              <a:rPr lang="en-US" sz="6000" b="1" dirty="0">
+                <a:solidFill>
+                  <a:srgbClr val="FF0000"/>
+                </a:solidFill>
+              </a:rPr>
+              <a:t>Fail Test</a:t>
+            </a:r>
           </a:p>
         </p:txBody>
       </p:sp>
@@ -12913,7 +12200,7 @@
           <p:cNvPr id="5" name="Rectangle 4">
             <a:extLst>
               <a:ext uri="{FF2B5EF4-FFF2-40B4-BE49-F238E27FC236}">
-                <a16:creationId xmlns:a16="http://schemas.microsoft.com/office/drawing/2014/main" id="{C196E51C-464B-43DE-BB7E-C8035C94136E}"/>
+                <a16:creationId xmlns:a16="http://schemas.microsoft.com/office/drawing/2014/main" id="{2C94FF17-2823-4800-84E4-12617EB4FFF2}"/>
               </a:ext>
             </a:extLst>
           </p:cNvPr>
@@ -12960,7 +12247,7 @@
     </p:spTree>
     <p:extLst>
       <p:ext uri="{BB962C8B-B14F-4D97-AF65-F5344CB8AC3E}">
-        <p14:creationId xmlns:p14="http://schemas.microsoft.com/office/powerpoint/2010/main" val="2779063138"/>
+        <p14:creationId xmlns:p14="http://schemas.microsoft.com/office/powerpoint/2010/main" val="771072312"/>
       </p:ext>
     </p:extLst>
   </p:cSld>
@@ -12989,6 +12276,55 @@
       </p:grpSpPr>
       <p:sp>
         <p:nvSpPr>
+          <p:cNvPr id="4" name="Rectangle 3">
+            <a:extLst>
+              <a:ext uri="{FF2B5EF4-FFF2-40B4-BE49-F238E27FC236}">
+                <a16:creationId xmlns:a16="http://schemas.microsoft.com/office/drawing/2014/main" id="{EEA24FE4-CF88-4576-8D74-4D4BF0A7AC43}"/>
+              </a:ext>
+            </a:extLst>
+          </p:cNvPr>
+          <p:cNvSpPr/>
+          <p:nvPr/>
+        </p:nvSpPr>
+        <p:spPr>
+          <a:xfrm>
+            <a:off x="0" y="0"/>
+            <a:ext cx="12192000" cy="6858000"/>
+          </a:xfrm>
+          <a:prstGeom prst="rect">
+            <a:avLst/>
+          </a:prstGeom>
+          <a:solidFill>
+            <a:srgbClr val="F1CB68"/>
+          </a:solidFill>
+        </p:spPr>
+        <p:style>
+          <a:lnRef idx="2">
+            <a:schemeClr val="accent1">
+              <a:shade val="50000"/>
+            </a:schemeClr>
+          </a:lnRef>
+          <a:fillRef idx="1">
+            <a:schemeClr val="accent1"/>
+          </a:fillRef>
+          <a:effectRef idx="0">
+            <a:schemeClr val="accent1"/>
+          </a:effectRef>
+          <a:fontRef idx="minor">
+            <a:schemeClr val="lt1"/>
+          </a:fontRef>
+        </p:style>
+        <p:txBody>
+          <a:bodyPr rtlCol="0" anchor="ctr"/>
+          <a:lstStyle/>
+          <a:p>
+            <a:pPr algn="ctr"/>
+            <a:endParaRPr lang="en-US"/>
+          </a:p>
+        </p:txBody>
+      </p:sp>
+      <p:sp>
+        <p:nvSpPr>
           <p:cNvPr id="3" name="Content Placeholder 2">
             <a:extLst>
               <a:ext uri="{FF2B5EF4-FFF2-40B4-BE49-F238E27FC236}">
@@ -13005,13 +12341,13 @@
         </p:nvSpPr>
         <p:spPr>
           <a:xfrm>
-            <a:off x="0" y="834189"/>
-            <a:ext cx="12192000" cy="5478379"/>
+            <a:off x="0" y="1155032"/>
+            <a:ext cx="12192000" cy="3946357"/>
           </a:xfrm>
         </p:spPr>
         <p:txBody>
           <a:bodyPr>
-            <a:normAutofit fontScale="92500" lnSpcReduction="20000"/>
+            <a:normAutofit/>
           </a:bodyPr>
           <a:lstStyle/>
           <a:p>
@@ -13019,62 +12355,100 @@
               <a:buNone/>
             </a:pPr>
             <a:r>
-              <a:rPr lang="en-US" sz="6000" b="1" dirty="0"/>
-              <a:t>TRIAL 1 - FAIL TEST</a:t>
-            </a:r>
-          </a:p>
-          <a:p>
-            <a:pPr marL="0" indent="0" algn="ctr">
-              <a:buNone/>
-            </a:pPr>
-            <a:r>
-              <a:rPr lang="en-US" sz="6000" b="1" dirty="0"/>
-              <a:t>TRIAL CRITERION + RANDOM (R) </a:t>
-            </a:r>
-          </a:p>
-          <a:p>
-            <a:pPr marL="0" indent="0" algn="ctr">
-              <a:buNone/>
-            </a:pPr>
-            <a:r>
-              <a:rPr lang="en-US" sz="6000" dirty="0"/>
-              <a:t>Enclosure: Invisible Floor</a:t>
-            </a:r>
-          </a:p>
-          <a:p>
-            <a:pPr marL="0" indent="0" algn="ctr">
-              <a:buNone/>
-            </a:pPr>
-            <a:r>
-              <a:rPr lang="en-US" sz="6000" dirty="0"/>
-              <a:t>All Goals: (V: Water, I: Water, Cube)</a:t>
-            </a:r>
-          </a:p>
-          <a:p>
-            <a:pPr marL="0" indent="0" algn="ctr">
-              <a:buNone/>
-            </a:pPr>
-            <a:r>
-              <a:rPr lang="en-US" sz="6000" dirty="0"/>
-              <a:t>Quota = 2</a:t>
-            </a:r>
-          </a:p>
-          <a:p>
-            <a:pPr marL="0" indent="0" algn="ctr">
-              <a:buNone/>
-            </a:pPr>
-            <a:r>
-              <a:rPr lang="en-US" sz="6000" dirty="0"/>
-              <a:t>Landmarks: All</a:t>
-            </a:r>
-          </a:p>
-          <a:p>
-            <a:pPr marL="0" indent="0" algn="ctr">
-              <a:buNone/>
-            </a:pPr>
-            <a:r>
-              <a:rPr lang="en-US" sz="6000" dirty="0"/>
-              <a:t>Scene #3</a:t>
+              <a:rPr lang="en-US" sz="6000" b="1" dirty="0">
+                <a:solidFill>
+                  <a:schemeClr val="bg1"/>
+                </a:solidFill>
+              </a:rPr>
+              <a:t>TESTING BLOCKS</a:t>
+            </a:r>
+          </a:p>
+          <a:p>
+            <a:pPr marL="0" indent="0" algn="ctr">
+              <a:buNone/>
+            </a:pPr>
+            <a:r>
+              <a:rPr lang="en-US" sz="6000" b="1" dirty="0">
+                <a:solidFill>
+                  <a:schemeClr val="bg1"/>
+                </a:solidFill>
+              </a:rPr>
+              <a:t>Block Criterion = 3</a:t>
+            </a:r>
+          </a:p>
+          <a:p>
+            <a:pPr marL="0" indent="0" algn="ctr">
+              <a:buNone/>
+            </a:pPr>
+            <a:r>
+              <a:rPr lang="en-US" sz="6000" b="1" dirty="0">
+                <a:solidFill>
+                  <a:schemeClr val="bg1"/>
+                </a:solidFill>
+              </a:rPr>
+              <a:t># Trials = 4</a:t>
+            </a:r>
+          </a:p>
+          <a:p>
+            <a:pPr marL="0" indent="0" algn="ctr">
+              <a:buNone/>
+            </a:pPr>
+            <a:r>
+              <a:rPr lang="en-US" sz="6000" b="1" dirty="0">
+                <a:solidFill>
+                  <a:srgbClr val="548235"/>
+                </a:solidFill>
+              </a:rPr>
+              <a:t>Pass Test</a:t>
+            </a:r>
+          </a:p>
+        </p:txBody>
+      </p:sp>
+      <p:sp>
+        <p:nvSpPr>
+          <p:cNvPr id="5" name="Rectangle 4">
+            <a:extLst>
+              <a:ext uri="{FF2B5EF4-FFF2-40B4-BE49-F238E27FC236}">
+                <a16:creationId xmlns:a16="http://schemas.microsoft.com/office/drawing/2014/main" id="{2C94FF17-2823-4800-84E4-12617EB4FFF2}"/>
+              </a:ext>
+            </a:extLst>
+          </p:cNvPr>
+          <p:cNvSpPr/>
+          <p:nvPr/>
+        </p:nvSpPr>
+        <p:spPr>
+          <a:xfrm>
+            <a:off x="3172326" y="5403834"/>
+            <a:ext cx="5847347" cy="866274"/>
+          </a:xfrm>
+          <a:prstGeom prst="rect">
+            <a:avLst/>
+          </a:prstGeom>
+        </p:spPr>
+        <p:style>
+          <a:lnRef idx="2">
+            <a:schemeClr val="dk1">
+              <a:shade val="50000"/>
+            </a:schemeClr>
+          </a:lnRef>
+          <a:fillRef idx="1">
+            <a:schemeClr val="dk1"/>
+          </a:fillRef>
+          <a:effectRef idx="0">
+            <a:schemeClr val="dk1"/>
+          </a:effectRef>
+          <a:fontRef idx="minor">
+            <a:schemeClr val="lt1"/>
+          </a:fontRef>
+        </p:style>
+        <p:txBody>
+          <a:bodyPr rtlCol="0" anchor="ctr"/>
+          <a:lstStyle/>
+          <a:p>
+            <a:pPr algn="ctr"/>
+            <a:r>
+              <a:rPr lang="en-US" sz="3200" b="1" dirty="0"/>
+              <a:t>PRESS SPACE TO BEGIN TEST</a:t>
             </a:r>
           </a:p>
         </p:txBody>
@@ -13082,7 +12456,7 @@
     </p:spTree>
     <p:extLst>
       <p:ext uri="{BB962C8B-B14F-4D97-AF65-F5344CB8AC3E}">
-        <p14:creationId xmlns:p14="http://schemas.microsoft.com/office/powerpoint/2010/main" val="2910444434"/>
+        <p14:creationId xmlns:p14="http://schemas.microsoft.com/office/powerpoint/2010/main" val="992177993"/>
       </p:ext>
     </p:extLst>
   </p:cSld>
@@ -13111,6 +12485,55 @@
       </p:grpSpPr>
       <p:sp>
         <p:nvSpPr>
+          <p:cNvPr id="4" name="Rectangle 3">
+            <a:extLst>
+              <a:ext uri="{FF2B5EF4-FFF2-40B4-BE49-F238E27FC236}">
+                <a16:creationId xmlns:a16="http://schemas.microsoft.com/office/drawing/2014/main" id="{EEA24FE4-CF88-4576-8D74-4D4BF0A7AC43}"/>
+              </a:ext>
+            </a:extLst>
+          </p:cNvPr>
+          <p:cNvSpPr/>
+          <p:nvPr/>
+        </p:nvSpPr>
+        <p:spPr>
+          <a:xfrm>
+            <a:off x="-1" y="0"/>
+            <a:ext cx="12192000" cy="6858000"/>
+          </a:xfrm>
+          <a:prstGeom prst="rect">
+            <a:avLst/>
+          </a:prstGeom>
+          <a:solidFill>
+            <a:srgbClr val="F1CB68"/>
+          </a:solidFill>
+        </p:spPr>
+        <p:style>
+          <a:lnRef idx="2">
+            <a:schemeClr val="accent1">
+              <a:shade val="50000"/>
+            </a:schemeClr>
+          </a:lnRef>
+          <a:fillRef idx="1">
+            <a:schemeClr val="accent1"/>
+          </a:fillRef>
+          <a:effectRef idx="0">
+            <a:schemeClr val="accent1"/>
+          </a:effectRef>
+          <a:fontRef idx="minor">
+            <a:schemeClr val="lt1"/>
+          </a:fontRef>
+        </p:style>
+        <p:txBody>
+          <a:bodyPr rtlCol="0" anchor="ctr"/>
+          <a:lstStyle/>
+          <a:p>
+            <a:pPr algn="ctr"/>
+            <a:endParaRPr lang="en-US"/>
+          </a:p>
+        </p:txBody>
+      </p:sp>
+      <p:sp>
+        <p:nvSpPr>
           <p:cNvPr id="3" name="Content Placeholder 2">
             <a:extLst>
               <a:ext uri="{FF2B5EF4-FFF2-40B4-BE49-F238E27FC236}">
@@ -13127,13 +12550,13 @@
         </p:nvSpPr>
         <p:spPr>
           <a:xfrm>
-            <a:off x="0" y="1126958"/>
-            <a:ext cx="12192000" cy="5273841"/>
+            <a:off x="-1" y="899193"/>
+            <a:ext cx="12192000" cy="4154070"/>
           </a:xfrm>
         </p:spPr>
         <p:txBody>
           <a:bodyPr>
-            <a:normAutofit fontScale="92500" lnSpcReduction="20000"/>
+            <a:normAutofit/>
           </a:bodyPr>
           <a:lstStyle/>
           <a:p>
@@ -13141,62 +12564,100 @@
               <a:buNone/>
             </a:pPr>
             <a:r>
-              <a:rPr lang="en-US" sz="6000" b="1" dirty="0"/>
-              <a:t>TRIAL 2 – FAIL TEST</a:t>
-            </a:r>
-          </a:p>
-          <a:p>
-            <a:pPr marL="0" indent="0" algn="ctr">
-              <a:buNone/>
-            </a:pPr>
-            <a:r>
-              <a:rPr lang="en-US" sz="6000" b="1" dirty="0"/>
-              <a:t>TRIAL CRITERION + RANDOM (R) </a:t>
-            </a:r>
-          </a:p>
-          <a:p>
-            <a:pPr marL="0" indent="0" algn="ctr">
-              <a:buNone/>
-            </a:pPr>
-            <a:r>
-              <a:rPr lang="en-US" sz="6000" dirty="0"/>
-              <a:t>Enclosure: Square</a:t>
-            </a:r>
-          </a:p>
-          <a:p>
-            <a:pPr marL="0" indent="0" algn="ctr">
-              <a:buNone/>
-            </a:pPr>
-            <a:r>
-              <a:rPr lang="en-US" sz="6000" dirty="0"/>
-              <a:t>All Goals: All Active</a:t>
-            </a:r>
-          </a:p>
-          <a:p>
-            <a:pPr marL="0" indent="0" algn="ctr">
-              <a:buNone/>
-            </a:pPr>
-            <a:r>
-              <a:rPr lang="en-US" sz="6000" dirty="0"/>
-              <a:t>Quota = 4</a:t>
-            </a:r>
-          </a:p>
-          <a:p>
-            <a:pPr marL="0" indent="0" algn="ctr">
-              <a:buNone/>
-            </a:pPr>
-            <a:r>
-              <a:rPr lang="en-US" sz="6000" dirty="0"/>
-              <a:t>Landmarks: All</a:t>
-            </a:r>
-          </a:p>
-          <a:p>
-            <a:pPr marL="0" indent="0" algn="ctr">
-              <a:buNone/>
-            </a:pPr>
-            <a:r>
-              <a:rPr lang="en-US" sz="6000" dirty="0"/>
-              <a:t>Scene #2</a:t>
+              <a:rPr lang="en-US" sz="6000" b="1" dirty="0">
+                <a:solidFill>
+                  <a:schemeClr val="bg1"/>
+                </a:solidFill>
+              </a:rPr>
+              <a:t>TESTING BLOCKS</a:t>
+            </a:r>
+          </a:p>
+          <a:p>
+            <a:pPr marL="0" indent="0" algn="ctr">
+              <a:buNone/>
+            </a:pPr>
+            <a:r>
+              <a:rPr lang="en-US" sz="6000" b="1" dirty="0">
+                <a:solidFill>
+                  <a:schemeClr val="bg1"/>
+                </a:solidFill>
+              </a:rPr>
+              <a:t>Block Criterion = 5</a:t>
+            </a:r>
+          </a:p>
+          <a:p>
+            <a:pPr marL="0" indent="0" algn="ctr">
+              <a:buNone/>
+            </a:pPr>
+            <a:r>
+              <a:rPr lang="en-US" sz="6000" b="1" dirty="0">
+                <a:solidFill>
+                  <a:schemeClr val="bg1"/>
+                </a:solidFill>
+              </a:rPr>
+              <a:t>Random (R) 2x4 Trial</a:t>
+            </a:r>
+          </a:p>
+          <a:p>
+            <a:pPr marL="0" indent="0" algn="ctr">
+              <a:buNone/>
+            </a:pPr>
+            <a:r>
+              <a:rPr lang="en-US" sz="6000" b="1" dirty="0">
+                <a:solidFill>
+                  <a:srgbClr val="C00000"/>
+                </a:solidFill>
+              </a:rPr>
+              <a:t>Fail Test</a:t>
+            </a:r>
+          </a:p>
+        </p:txBody>
+      </p:sp>
+      <p:sp>
+        <p:nvSpPr>
+          <p:cNvPr id="5" name="Rectangle 4">
+            <a:extLst>
+              <a:ext uri="{FF2B5EF4-FFF2-40B4-BE49-F238E27FC236}">
+                <a16:creationId xmlns:a16="http://schemas.microsoft.com/office/drawing/2014/main" id="{C196E51C-464B-43DE-BB7E-C8035C94136E}"/>
+              </a:ext>
+            </a:extLst>
+          </p:cNvPr>
+          <p:cNvSpPr/>
+          <p:nvPr/>
+        </p:nvSpPr>
+        <p:spPr>
+          <a:xfrm>
+            <a:off x="3172326" y="5403834"/>
+            <a:ext cx="5847347" cy="866274"/>
+          </a:xfrm>
+          <a:prstGeom prst="rect">
+            <a:avLst/>
+          </a:prstGeom>
+        </p:spPr>
+        <p:style>
+          <a:lnRef idx="2">
+            <a:schemeClr val="dk1">
+              <a:shade val="50000"/>
+            </a:schemeClr>
+          </a:lnRef>
+          <a:fillRef idx="1">
+            <a:schemeClr val="dk1"/>
+          </a:fillRef>
+          <a:effectRef idx="0">
+            <a:schemeClr val="dk1"/>
+          </a:effectRef>
+          <a:fontRef idx="minor">
+            <a:schemeClr val="lt1"/>
+          </a:fontRef>
+        </p:style>
+        <p:txBody>
+          <a:bodyPr rtlCol="0" anchor="ctr"/>
+          <a:lstStyle/>
+          <a:p>
+            <a:pPr algn="ctr"/>
+            <a:r>
+              <a:rPr lang="en-US" sz="3200" b="1" dirty="0"/>
+              <a:t>PRESS SPACE TO BEGIN TEST</a:t>
             </a:r>
           </a:p>
         </p:txBody>
@@ -13204,7 +12665,7 @@
     </p:spTree>
     <p:extLst>
       <p:ext uri="{BB962C8B-B14F-4D97-AF65-F5344CB8AC3E}">
-        <p14:creationId xmlns:p14="http://schemas.microsoft.com/office/powerpoint/2010/main" val="3771737692"/>
+        <p14:creationId xmlns:p14="http://schemas.microsoft.com/office/powerpoint/2010/main" val="1161224267"/>
       </p:ext>
     </p:extLst>
   </p:cSld>
@@ -13233,6 +12694,55 @@
       </p:grpSpPr>
       <p:sp>
         <p:nvSpPr>
+          <p:cNvPr id="4" name="Rectangle 3">
+            <a:extLst>
+              <a:ext uri="{FF2B5EF4-FFF2-40B4-BE49-F238E27FC236}">
+                <a16:creationId xmlns:a16="http://schemas.microsoft.com/office/drawing/2014/main" id="{EEA24FE4-CF88-4576-8D74-4D4BF0A7AC43}"/>
+              </a:ext>
+            </a:extLst>
+          </p:cNvPr>
+          <p:cNvSpPr/>
+          <p:nvPr/>
+        </p:nvSpPr>
+        <p:spPr>
+          <a:xfrm>
+            <a:off x="-1" y="0"/>
+            <a:ext cx="12192000" cy="6858000"/>
+          </a:xfrm>
+          <a:prstGeom prst="rect">
+            <a:avLst/>
+          </a:prstGeom>
+          <a:solidFill>
+            <a:srgbClr val="F1CB68"/>
+          </a:solidFill>
+        </p:spPr>
+        <p:style>
+          <a:lnRef idx="2">
+            <a:schemeClr val="accent1">
+              <a:shade val="50000"/>
+            </a:schemeClr>
+          </a:lnRef>
+          <a:fillRef idx="1">
+            <a:schemeClr val="accent1"/>
+          </a:fillRef>
+          <a:effectRef idx="0">
+            <a:schemeClr val="accent1"/>
+          </a:effectRef>
+          <a:fontRef idx="minor">
+            <a:schemeClr val="lt1"/>
+          </a:fontRef>
+        </p:style>
+        <p:txBody>
+          <a:bodyPr rtlCol="0" anchor="ctr"/>
+          <a:lstStyle/>
+          <a:p>
+            <a:pPr algn="ctr"/>
+            <a:endParaRPr lang="en-US"/>
+          </a:p>
+        </p:txBody>
+      </p:sp>
+      <p:sp>
+        <p:nvSpPr>
           <p:cNvPr id="3" name="Content Placeholder 2">
             <a:extLst>
               <a:ext uri="{FF2B5EF4-FFF2-40B4-BE49-F238E27FC236}">
@@ -13249,13 +12759,13 @@
         </p:nvSpPr>
         <p:spPr>
           <a:xfrm>
-            <a:off x="0" y="360947"/>
-            <a:ext cx="12192000" cy="5710990"/>
+            <a:off x="-1" y="899193"/>
+            <a:ext cx="12192000" cy="4154070"/>
           </a:xfrm>
         </p:spPr>
         <p:txBody>
           <a:bodyPr>
-            <a:normAutofit fontScale="92500" lnSpcReduction="10000"/>
+            <a:normAutofit/>
           </a:bodyPr>
           <a:lstStyle/>
           <a:p>
@@ -13263,62 +12773,100 @@
               <a:buNone/>
             </a:pPr>
             <a:r>
-              <a:rPr lang="en-US" sz="6000" b="1" dirty="0"/>
-              <a:t>TRIAL 3 – FAIL TEST</a:t>
-            </a:r>
-          </a:p>
-          <a:p>
-            <a:pPr marL="0" indent="0" algn="ctr">
-              <a:buNone/>
-            </a:pPr>
-            <a:r>
-              <a:rPr lang="en-US" sz="6000" b="1" dirty="0"/>
-              <a:t>TRIAL CRITERION + RANDOM (R) </a:t>
-            </a:r>
-          </a:p>
-          <a:p>
-            <a:pPr marL="0" indent="0" algn="ctr">
-              <a:buNone/>
-            </a:pPr>
-            <a:r>
-              <a:rPr lang="en-US" sz="6000" dirty="0"/>
-              <a:t>Enclosure: Circle</a:t>
-            </a:r>
-          </a:p>
-          <a:p>
-            <a:pPr marL="0" indent="0" algn="ctr">
-              <a:buNone/>
-            </a:pPr>
-            <a:r>
-              <a:rPr lang="en-US" sz="6000" dirty="0"/>
-              <a:t>All Goals: (V: Cube + Apple, I: Sphere)</a:t>
-            </a:r>
-          </a:p>
-          <a:p>
-            <a:pPr marL="0" indent="0" algn="ctr">
-              <a:buNone/>
-            </a:pPr>
-            <a:r>
-              <a:rPr lang="en-US" sz="6000" dirty="0"/>
-              <a:t>Quota = 3</a:t>
-            </a:r>
-          </a:p>
-          <a:p>
-            <a:pPr marL="0" indent="0" algn="ctr">
-              <a:buNone/>
-            </a:pPr>
-            <a:r>
-              <a:rPr lang="en-US" sz="6000" dirty="0"/>
-              <a:t>Landmarks: All</a:t>
-            </a:r>
-          </a:p>
-          <a:p>
-            <a:pPr marL="0" indent="0" algn="ctr">
-              <a:buNone/>
-            </a:pPr>
-            <a:r>
-              <a:rPr lang="en-US" sz="6000" dirty="0"/>
-              <a:t>Scene #3</a:t>
+              <a:rPr lang="en-US" sz="6000" b="1" dirty="0">
+                <a:solidFill>
+                  <a:schemeClr val="bg1"/>
+                </a:solidFill>
+              </a:rPr>
+              <a:t>TESTING BLOCKS</a:t>
+            </a:r>
+          </a:p>
+          <a:p>
+            <a:pPr marL="0" indent="0" algn="ctr">
+              <a:buNone/>
+            </a:pPr>
+            <a:r>
+              <a:rPr lang="en-US" sz="6000" b="1" dirty="0">
+                <a:solidFill>
+                  <a:schemeClr val="bg1"/>
+                </a:solidFill>
+              </a:rPr>
+              <a:t>Block Criterion = 5</a:t>
+            </a:r>
+          </a:p>
+          <a:p>
+            <a:pPr marL="0" indent="0" algn="ctr">
+              <a:buNone/>
+            </a:pPr>
+            <a:r>
+              <a:rPr lang="en-US" sz="6000" b="1" dirty="0">
+                <a:solidFill>
+                  <a:schemeClr val="bg1"/>
+                </a:solidFill>
+              </a:rPr>
+              <a:t>Random (R) 2x4 Trial</a:t>
+            </a:r>
+          </a:p>
+          <a:p>
+            <a:pPr marL="0" indent="0" algn="ctr">
+              <a:buNone/>
+            </a:pPr>
+            <a:r>
+              <a:rPr lang="en-US" sz="6000" b="1" dirty="0">
+                <a:solidFill>
+                  <a:srgbClr val="548235"/>
+                </a:solidFill>
+              </a:rPr>
+              <a:t>Pass Test</a:t>
+            </a:r>
+          </a:p>
+        </p:txBody>
+      </p:sp>
+      <p:sp>
+        <p:nvSpPr>
+          <p:cNvPr id="5" name="Rectangle 4">
+            <a:extLst>
+              <a:ext uri="{FF2B5EF4-FFF2-40B4-BE49-F238E27FC236}">
+                <a16:creationId xmlns:a16="http://schemas.microsoft.com/office/drawing/2014/main" id="{C196E51C-464B-43DE-BB7E-C8035C94136E}"/>
+              </a:ext>
+            </a:extLst>
+          </p:cNvPr>
+          <p:cNvSpPr/>
+          <p:nvPr/>
+        </p:nvSpPr>
+        <p:spPr>
+          <a:xfrm>
+            <a:off x="3172326" y="5403834"/>
+            <a:ext cx="5847347" cy="866274"/>
+          </a:xfrm>
+          <a:prstGeom prst="rect">
+            <a:avLst/>
+          </a:prstGeom>
+        </p:spPr>
+        <p:style>
+          <a:lnRef idx="2">
+            <a:schemeClr val="dk1">
+              <a:shade val="50000"/>
+            </a:schemeClr>
+          </a:lnRef>
+          <a:fillRef idx="1">
+            <a:schemeClr val="dk1"/>
+          </a:fillRef>
+          <a:effectRef idx="0">
+            <a:schemeClr val="dk1"/>
+          </a:effectRef>
+          <a:fontRef idx="minor">
+            <a:schemeClr val="lt1"/>
+          </a:fontRef>
+        </p:style>
+        <p:txBody>
+          <a:bodyPr rtlCol="0" anchor="ctr"/>
+          <a:lstStyle/>
+          <a:p>
+            <a:pPr algn="ctr"/>
+            <a:r>
+              <a:rPr lang="en-US" sz="3200" b="1" dirty="0"/>
+              <a:t>PRESS SPACE TO BEGIN TEST</a:t>
             </a:r>
           </a:p>
         </p:txBody>
@@ -13326,7 +12874,7 @@
     </p:spTree>
     <p:extLst>
       <p:ext uri="{BB962C8B-B14F-4D97-AF65-F5344CB8AC3E}">
-        <p14:creationId xmlns:p14="http://schemas.microsoft.com/office/powerpoint/2010/main" val="3232452050"/>
+        <p14:creationId xmlns:p14="http://schemas.microsoft.com/office/powerpoint/2010/main" val="553731077"/>
       </p:ext>
     </p:extLst>
   </p:cSld>
@@ -13355,6 +12903,55 @@
       </p:grpSpPr>
       <p:sp>
         <p:nvSpPr>
+          <p:cNvPr id="4" name="Rectangle 3">
+            <a:extLst>
+              <a:ext uri="{FF2B5EF4-FFF2-40B4-BE49-F238E27FC236}">
+                <a16:creationId xmlns:a16="http://schemas.microsoft.com/office/drawing/2014/main" id="{EEA24FE4-CF88-4576-8D74-4D4BF0A7AC43}"/>
+              </a:ext>
+            </a:extLst>
+          </p:cNvPr>
+          <p:cNvSpPr/>
+          <p:nvPr/>
+        </p:nvSpPr>
+        <p:spPr>
+          <a:xfrm>
+            <a:off x="0" y="0"/>
+            <a:ext cx="12192000" cy="6858000"/>
+          </a:xfrm>
+          <a:prstGeom prst="rect">
+            <a:avLst/>
+          </a:prstGeom>
+          <a:solidFill>
+            <a:srgbClr val="F1CB68"/>
+          </a:solidFill>
+        </p:spPr>
+        <p:style>
+          <a:lnRef idx="2">
+            <a:schemeClr val="accent1">
+              <a:shade val="50000"/>
+            </a:schemeClr>
+          </a:lnRef>
+          <a:fillRef idx="1">
+            <a:schemeClr val="accent1"/>
+          </a:fillRef>
+          <a:effectRef idx="0">
+            <a:schemeClr val="accent1"/>
+          </a:effectRef>
+          <a:fontRef idx="minor">
+            <a:schemeClr val="lt1"/>
+          </a:fontRef>
+        </p:style>
+        <p:txBody>
+          <a:bodyPr rtlCol="0" anchor="ctr"/>
+          <a:lstStyle/>
+          <a:p>
+            <a:pPr algn="ctr"/>
+            <a:endParaRPr lang="en-US"/>
+          </a:p>
+        </p:txBody>
+      </p:sp>
+      <p:sp>
+        <p:nvSpPr>
           <p:cNvPr id="3" name="Content Placeholder 2">
             <a:extLst>
               <a:ext uri="{FF2B5EF4-FFF2-40B4-BE49-F238E27FC236}">
@@ -13371,13 +12968,13 @@
         </p:nvSpPr>
         <p:spPr>
           <a:xfrm>
-            <a:off x="0" y="240633"/>
-            <a:ext cx="12192000" cy="6424862"/>
+            <a:off x="0" y="1825625"/>
+            <a:ext cx="12192000" cy="3275764"/>
           </a:xfrm>
         </p:spPr>
         <p:txBody>
           <a:bodyPr>
-            <a:normAutofit lnSpcReduction="10000"/>
+            <a:normAutofit fontScale="92500" lnSpcReduction="10000"/>
           </a:bodyPr>
           <a:lstStyle/>
           <a:p>
@@ -13385,62 +12982,105 @@
               <a:buNone/>
             </a:pPr>
             <a:r>
-              <a:rPr lang="en-US" sz="6000" b="1" dirty="0"/>
-              <a:t>TRIAL 4 – FAIL TEST</a:t>
-            </a:r>
-          </a:p>
-          <a:p>
-            <a:pPr marL="0" indent="0" algn="ctr">
-              <a:buNone/>
-            </a:pPr>
-            <a:r>
-              <a:rPr lang="en-US" sz="6000" b="1" dirty="0"/>
-              <a:t>TRIAL CRITERION + RANDOM (R) </a:t>
-            </a:r>
-          </a:p>
-          <a:p>
-            <a:pPr marL="0" indent="0" algn="ctr">
-              <a:buNone/>
-            </a:pPr>
-            <a:r>
-              <a:rPr lang="en-US" sz="6000" dirty="0"/>
-              <a:t>Enclosure: Invisible Floor</a:t>
-            </a:r>
-          </a:p>
-          <a:p>
-            <a:pPr marL="0" indent="0" algn="ctr">
-              <a:buNone/>
-            </a:pPr>
-            <a:r>
-              <a:rPr lang="en-US" sz="6000" dirty="0"/>
-              <a:t>All Goals: (V: Sphere, I: Water)</a:t>
-            </a:r>
-          </a:p>
-          <a:p>
-            <a:pPr marL="0" indent="0" algn="ctr">
-              <a:buNone/>
-            </a:pPr>
-            <a:r>
-              <a:rPr lang="en-US" sz="6000" dirty="0"/>
-              <a:t>Quota = 2</a:t>
-            </a:r>
-          </a:p>
-          <a:p>
-            <a:pPr marL="0" indent="0" algn="ctr">
-              <a:buNone/>
-            </a:pPr>
-            <a:r>
-              <a:rPr lang="en-US" sz="6000" dirty="0"/>
-              <a:t>Landmarks: All</a:t>
-            </a:r>
-          </a:p>
-          <a:p>
-            <a:pPr marL="0" indent="0" algn="ctr">
-              <a:buNone/>
-            </a:pPr>
-            <a:r>
-              <a:rPr lang="en-US" sz="6000" dirty="0"/>
-              <a:t>Scene #3</a:t>
+              <a:rPr lang="en-US" sz="6000" b="1" dirty="0">
+                <a:solidFill>
+                  <a:schemeClr val="bg1"/>
+                </a:solidFill>
+              </a:rPr>
+              <a:t>TESTING BLOCKS</a:t>
+            </a:r>
+          </a:p>
+          <a:p>
+            <a:pPr marL="0" indent="0" algn="ctr">
+              <a:buNone/>
+            </a:pPr>
+            <a:r>
+              <a:rPr lang="en-US" sz="6000" b="1" dirty="0">
+                <a:solidFill>
+                  <a:schemeClr val="bg1"/>
+                </a:solidFill>
+              </a:rPr>
+              <a:t>Block Criterion = 2</a:t>
+            </a:r>
+          </a:p>
+          <a:p>
+            <a:pPr marL="0" indent="0" algn="ctr">
+              <a:buNone/>
+            </a:pPr>
+            <a:r>
+              <a:rPr lang="en-US" sz="6000" b="1" dirty="0">
+                <a:solidFill>
+                  <a:schemeClr val="bg1"/>
+                </a:solidFill>
+              </a:rPr>
+              <a:t>Random (NO R) 4 Trial </a:t>
+            </a:r>
+          </a:p>
+          <a:p>
+            <a:pPr marL="0" indent="0" algn="ctr">
+              <a:buNone/>
+            </a:pPr>
+            <a:r>
+              <a:rPr lang="en-US" sz="6000" b="1" dirty="0">
+                <a:solidFill>
+                  <a:srgbClr val="C00000"/>
+                </a:solidFill>
+              </a:rPr>
+              <a:t>Fail Test</a:t>
+            </a:r>
+            <a:endParaRPr lang="en-US" sz="6000" dirty="0">
+              <a:solidFill>
+                <a:srgbClr val="C00000"/>
+              </a:solidFill>
+            </a:endParaRPr>
+          </a:p>
+        </p:txBody>
+      </p:sp>
+      <p:sp>
+        <p:nvSpPr>
+          <p:cNvPr id="5" name="Rectangle 4">
+            <a:extLst>
+              <a:ext uri="{FF2B5EF4-FFF2-40B4-BE49-F238E27FC236}">
+                <a16:creationId xmlns:a16="http://schemas.microsoft.com/office/drawing/2014/main" id="{BA84D5DB-1ECE-4237-B45C-C6E5B618BBC4}"/>
+              </a:ext>
+            </a:extLst>
+          </p:cNvPr>
+          <p:cNvSpPr/>
+          <p:nvPr/>
+        </p:nvSpPr>
+        <p:spPr>
+          <a:xfrm>
+            <a:off x="3172326" y="5403834"/>
+            <a:ext cx="5847347" cy="866274"/>
+          </a:xfrm>
+          <a:prstGeom prst="rect">
+            <a:avLst/>
+          </a:prstGeom>
+        </p:spPr>
+        <p:style>
+          <a:lnRef idx="2">
+            <a:schemeClr val="dk1">
+              <a:shade val="50000"/>
+            </a:schemeClr>
+          </a:lnRef>
+          <a:fillRef idx="1">
+            <a:schemeClr val="dk1"/>
+          </a:fillRef>
+          <a:effectRef idx="0">
+            <a:schemeClr val="dk1"/>
+          </a:effectRef>
+          <a:fontRef idx="minor">
+            <a:schemeClr val="lt1"/>
+          </a:fontRef>
+        </p:style>
+        <p:txBody>
+          <a:bodyPr rtlCol="0" anchor="ctr"/>
+          <a:lstStyle/>
+          <a:p>
+            <a:pPr algn="ctr"/>
+            <a:r>
+              <a:rPr lang="en-US" sz="3200" b="1" dirty="0"/>
+              <a:t>PRESS SPACE TO BEGIN TEST</a:t>
             </a:r>
           </a:p>
         </p:txBody>
@@ -13448,7 +13088,7 @@
     </p:spTree>
     <p:extLst>
       <p:ext uri="{BB962C8B-B14F-4D97-AF65-F5344CB8AC3E}">
-        <p14:creationId xmlns:p14="http://schemas.microsoft.com/office/powerpoint/2010/main" val="4265112007"/>
+        <p14:creationId xmlns:p14="http://schemas.microsoft.com/office/powerpoint/2010/main" val="603648213"/>
       </p:ext>
     </p:extLst>
   </p:cSld>
@@ -13548,7 +13188,7 @@
         </p:spPr>
         <p:txBody>
           <a:bodyPr>
-            <a:normAutofit/>
+            <a:normAutofit fontScale="92500" lnSpcReduction="10000"/>
           </a:bodyPr>
           <a:lstStyle/>
           <a:p>
@@ -13574,7 +13214,7 @@
                   <a:schemeClr val="bg1"/>
                 </a:solidFill>
               </a:rPr>
-              <a:t>Trial Criterion = 3</a:t>
+              <a:t>Block Criterion = 2</a:t>
             </a:r>
           </a:p>
           <a:p>
@@ -13587,11 +13227,24 @@
                   <a:schemeClr val="bg1"/>
                 </a:solidFill>
               </a:rPr>
-              <a:t>Random (R) 2x4 Trial – PASS Test</a:t>
+              <a:t>Random (NO R) 4 Trial </a:t>
+            </a:r>
+          </a:p>
+          <a:p>
+            <a:pPr marL="0" indent="0" algn="ctr">
+              <a:buNone/>
+            </a:pPr>
+            <a:r>
+              <a:rPr lang="en-US" sz="6000" b="1" dirty="0">
+                <a:solidFill>
+                  <a:srgbClr val="548235"/>
+                </a:solidFill>
+              </a:rPr>
+              <a:t>Pass Test</a:t>
             </a:r>
             <a:endParaRPr lang="en-US" sz="6000" dirty="0">
               <a:solidFill>
-                <a:schemeClr val="bg1"/>
+                <a:srgbClr val="548235"/>
               </a:solidFill>
             </a:endParaRPr>
           </a:p>
@@ -13602,7 +13255,7 @@
           <p:cNvPr id="5" name="Rectangle 4">
             <a:extLst>
               <a:ext uri="{FF2B5EF4-FFF2-40B4-BE49-F238E27FC236}">
-                <a16:creationId xmlns:a16="http://schemas.microsoft.com/office/drawing/2014/main" id="{AD1D12CF-96BF-4068-B2D3-5785E65C5F15}"/>
+                <a16:creationId xmlns:a16="http://schemas.microsoft.com/office/drawing/2014/main" id="{BA84D5DB-1ECE-4237-B45C-C6E5B618BBC4}"/>
               </a:ext>
             </a:extLst>
           </p:cNvPr>
@@ -13649,7 +13302,7 @@
     </p:spTree>
     <p:extLst>
       <p:ext uri="{BB962C8B-B14F-4D97-AF65-F5344CB8AC3E}">
-        <p14:creationId xmlns:p14="http://schemas.microsoft.com/office/powerpoint/2010/main" val="2532454869"/>
+        <p14:creationId xmlns:p14="http://schemas.microsoft.com/office/powerpoint/2010/main" val="2724614823"/>
       </p:ext>
     </p:extLst>
   </p:cSld>
@@ -13678,6 +13331,55 @@
       </p:grpSpPr>
       <p:sp>
         <p:nvSpPr>
+          <p:cNvPr id="4" name="Rectangle 3">
+            <a:extLst>
+              <a:ext uri="{FF2B5EF4-FFF2-40B4-BE49-F238E27FC236}">
+                <a16:creationId xmlns:a16="http://schemas.microsoft.com/office/drawing/2014/main" id="{EEA24FE4-CF88-4576-8D74-4D4BF0A7AC43}"/>
+              </a:ext>
+            </a:extLst>
+          </p:cNvPr>
+          <p:cNvSpPr/>
+          <p:nvPr/>
+        </p:nvSpPr>
+        <p:spPr>
+          <a:xfrm>
+            <a:off x="0" y="0"/>
+            <a:ext cx="12192000" cy="6858000"/>
+          </a:xfrm>
+          <a:prstGeom prst="rect">
+            <a:avLst/>
+          </a:prstGeom>
+          <a:solidFill>
+            <a:srgbClr val="F1CB68"/>
+          </a:solidFill>
+        </p:spPr>
+        <p:style>
+          <a:lnRef idx="2">
+            <a:schemeClr val="accent1">
+              <a:shade val="50000"/>
+            </a:schemeClr>
+          </a:lnRef>
+          <a:fillRef idx="1">
+            <a:schemeClr val="accent1"/>
+          </a:fillRef>
+          <a:effectRef idx="0">
+            <a:schemeClr val="accent1"/>
+          </a:effectRef>
+          <a:fontRef idx="minor">
+            <a:schemeClr val="lt1"/>
+          </a:fontRef>
+        </p:style>
+        <p:txBody>
+          <a:bodyPr rtlCol="0" anchor="ctr"/>
+          <a:lstStyle/>
+          <a:p>
+            <a:pPr algn="ctr"/>
+            <a:endParaRPr lang="en-US"/>
+          </a:p>
+        </p:txBody>
+      </p:sp>
+      <p:sp>
+        <p:nvSpPr>
           <p:cNvPr id="3" name="Content Placeholder 2">
             <a:extLst>
               <a:ext uri="{FF2B5EF4-FFF2-40B4-BE49-F238E27FC236}">
@@ -13694,13 +13396,13 @@
         </p:nvSpPr>
         <p:spPr>
           <a:xfrm>
-            <a:off x="0" y="834189"/>
-            <a:ext cx="12192000" cy="5478379"/>
+            <a:off x="0" y="1155032"/>
+            <a:ext cx="12192000" cy="3946357"/>
           </a:xfrm>
         </p:spPr>
         <p:txBody>
           <a:bodyPr>
-            <a:normAutofit fontScale="92500" lnSpcReduction="20000"/>
+            <a:normAutofit/>
           </a:bodyPr>
           <a:lstStyle/>
           <a:p>
@@ -13708,62 +13410,100 @@
               <a:buNone/>
             </a:pPr>
             <a:r>
-              <a:rPr lang="en-US" sz="6000" b="1" dirty="0"/>
-              <a:t>TRIAL 1 - PASS TEST</a:t>
-            </a:r>
-          </a:p>
-          <a:p>
-            <a:pPr marL="0" indent="0" algn="ctr">
-              <a:buNone/>
-            </a:pPr>
-            <a:r>
-              <a:rPr lang="en-US" sz="6000" b="1" dirty="0"/>
-              <a:t>TRIAL CRITERION + RANDOM (R) </a:t>
-            </a:r>
-          </a:p>
-          <a:p>
-            <a:pPr marL="0" indent="0" algn="ctr">
-              <a:buNone/>
-            </a:pPr>
-            <a:r>
-              <a:rPr lang="en-US" sz="6000" dirty="0"/>
-              <a:t>Enclosure: Invisible Floor</a:t>
-            </a:r>
-          </a:p>
-          <a:p>
-            <a:pPr marL="0" indent="0" algn="ctr">
-              <a:buNone/>
-            </a:pPr>
-            <a:r>
-              <a:rPr lang="en-US" sz="6000" dirty="0"/>
-              <a:t>All Goals: (V: Water, I: Water, Cube)</a:t>
-            </a:r>
-          </a:p>
-          <a:p>
-            <a:pPr marL="0" indent="0" algn="ctr">
-              <a:buNone/>
-            </a:pPr>
-            <a:r>
-              <a:rPr lang="en-US" sz="6000" dirty="0"/>
-              <a:t>Quota = 2</a:t>
-            </a:r>
-          </a:p>
-          <a:p>
-            <a:pPr marL="0" indent="0" algn="ctr">
-              <a:buNone/>
-            </a:pPr>
-            <a:r>
-              <a:rPr lang="en-US" sz="6000" dirty="0"/>
-              <a:t>Landmarks: All</a:t>
-            </a:r>
-          </a:p>
-          <a:p>
-            <a:pPr marL="0" indent="0" algn="ctr">
-              <a:buNone/>
-            </a:pPr>
-            <a:r>
-              <a:rPr lang="en-US" sz="6000" dirty="0"/>
-              <a:t>Scene #3</a:t>
+              <a:rPr lang="en-US" sz="6000" b="1" dirty="0">
+                <a:solidFill>
+                  <a:schemeClr val="bg1"/>
+                </a:solidFill>
+              </a:rPr>
+              <a:t>TESTING BLOCKS</a:t>
+            </a:r>
+          </a:p>
+          <a:p>
+            <a:pPr marL="0" indent="0" algn="ctr">
+              <a:buNone/>
+            </a:pPr>
+            <a:r>
+              <a:rPr lang="en-US" sz="6000" b="1" dirty="0">
+                <a:solidFill>
+                  <a:schemeClr val="bg1"/>
+                </a:solidFill>
+              </a:rPr>
+              <a:t>Block/Trial Criterion = 3</a:t>
+            </a:r>
+          </a:p>
+          <a:p>
+            <a:pPr marL="0" indent="0" algn="ctr">
+              <a:buNone/>
+            </a:pPr>
+            <a:r>
+              <a:rPr lang="en-US" sz="6000" b="1" dirty="0">
+                <a:solidFill>
+                  <a:schemeClr val="bg1"/>
+                </a:solidFill>
+              </a:rPr>
+              <a:t># Trials = 4</a:t>
+            </a:r>
+          </a:p>
+          <a:p>
+            <a:pPr marL="0" indent="0" algn="ctr">
+              <a:buNone/>
+            </a:pPr>
+            <a:r>
+              <a:rPr lang="en-US" sz="6000" b="1" dirty="0">
+                <a:solidFill>
+                  <a:srgbClr val="FF0000"/>
+                </a:solidFill>
+              </a:rPr>
+              <a:t>Fail Test</a:t>
+            </a:r>
+          </a:p>
+        </p:txBody>
+      </p:sp>
+      <p:sp>
+        <p:nvSpPr>
+          <p:cNvPr id="5" name="Rectangle 4">
+            <a:extLst>
+              <a:ext uri="{FF2B5EF4-FFF2-40B4-BE49-F238E27FC236}">
+                <a16:creationId xmlns:a16="http://schemas.microsoft.com/office/drawing/2014/main" id="{2C94FF17-2823-4800-84E4-12617EB4FFF2}"/>
+              </a:ext>
+            </a:extLst>
+          </p:cNvPr>
+          <p:cNvSpPr/>
+          <p:nvPr/>
+        </p:nvSpPr>
+        <p:spPr>
+          <a:xfrm>
+            <a:off x="3172326" y="5403834"/>
+            <a:ext cx="5847347" cy="866274"/>
+          </a:xfrm>
+          <a:prstGeom prst="rect">
+            <a:avLst/>
+          </a:prstGeom>
+        </p:spPr>
+        <p:style>
+          <a:lnRef idx="2">
+            <a:schemeClr val="dk1">
+              <a:shade val="50000"/>
+            </a:schemeClr>
+          </a:lnRef>
+          <a:fillRef idx="1">
+            <a:schemeClr val="dk1"/>
+          </a:fillRef>
+          <a:effectRef idx="0">
+            <a:schemeClr val="dk1"/>
+          </a:effectRef>
+          <a:fontRef idx="minor">
+            <a:schemeClr val="lt1"/>
+          </a:fontRef>
+        </p:style>
+        <p:txBody>
+          <a:bodyPr rtlCol="0" anchor="ctr"/>
+          <a:lstStyle/>
+          <a:p>
+            <a:pPr algn="ctr"/>
+            <a:r>
+              <a:rPr lang="en-US" sz="3200" b="1" dirty="0"/>
+              <a:t>PRESS SPACE TO BEGIN TEST</a:t>
             </a:r>
           </a:p>
         </p:txBody>
@@ -13771,7 +13511,7 @@
     </p:spTree>
     <p:extLst>
       <p:ext uri="{BB962C8B-B14F-4D97-AF65-F5344CB8AC3E}">
-        <p14:creationId xmlns:p14="http://schemas.microsoft.com/office/powerpoint/2010/main" val="1053132312"/>
+        <p14:creationId xmlns:p14="http://schemas.microsoft.com/office/powerpoint/2010/main" val="553164437"/>
       </p:ext>
     </p:extLst>
   </p:cSld>
@@ -13800,6 +13540,55 @@
       </p:grpSpPr>
       <p:sp>
         <p:nvSpPr>
+          <p:cNvPr id="4" name="Rectangle 3">
+            <a:extLst>
+              <a:ext uri="{FF2B5EF4-FFF2-40B4-BE49-F238E27FC236}">
+                <a16:creationId xmlns:a16="http://schemas.microsoft.com/office/drawing/2014/main" id="{EEA24FE4-CF88-4576-8D74-4D4BF0A7AC43}"/>
+              </a:ext>
+            </a:extLst>
+          </p:cNvPr>
+          <p:cNvSpPr/>
+          <p:nvPr/>
+        </p:nvSpPr>
+        <p:spPr>
+          <a:xfrm>
+            <a:off x="0" y="0"/>
+            <a:ext cx="12192000" cy="6858000"/>
+          </a:xfrm>
+          <a:prstGeom prst="rect">
+            <a:avLst/>
+          </a:prstGeom>
+          <a:solidFill>
+            <a:srgbClr val="F1CB68"/>
+          </a:solidFill>
+        </p:spPr>
+        <p:style>
+          <a:lnRef idx="2">
+            <a:schemeClr val="accent1">
+              <a:shade val="50000"/>
+            </a:schemeClr>
+          </a:lnRef>
+          <a:fillRef idx="1">
+            <a:schemeClr val="accent1"/>
+          </a:fillRef>
+          <a:effectRef idx="0">
+            <a:schemeClr val="accent1"/>
+          </a:effectRef>
+          <a:fontRef idx="minor">
+            <a:schemeClr val="lt1"/>
+          </a:fontRef>
+        </p:style>
+        <p:txBody>
+          <a:bodyPr rtlCol="0" anchor="ctr"/>
+          <a:lstStyle/>
+          <a:p>
+            <a:pPr algn="ctr"/>
+            <a:endParaRPr lang="en-US"/>
+          </a:p>
+        </p:txBody>
+      </p:sp>
+      <p:sp>
+        <p:nvSpPr>
           <p:cNvPr id="3" name="Content Placeholder 2">
             <a:extLst>
               <a:ext uri="{FF2B5EF4-FFF2-40B4-BE49-F238E27FC236}">
@@ -13816,13 +13605,13 @@
         </p:nvSpPr>
         <p:spPr>
           <a:xfrm>
-            <a:off x="0" y="1126958"/>
-            <a:ext cx="12192000" cy="5273841"/>
+            <a:off x="0" y="1155032"/>
+            <a:ext cx="12192000" cy="3946357"/>
           </a:xfrm>
         </p:spPr>
         <p:txBody>
           <a:bodyPr>
-            <a:normAutofit fontScale="92500" lnSpcReduction="20000"/>
+            <a:normAutofit/>
           </a:bodyPr>
           <a:lstStyle/>
           <a:p>
@@ -13830,62 +13619,100 @@
               <a:buNone/>
             </a:pPr>
             <a:r>
-              <a:rPr lang="en-US" sz="6000" b="1" dirty="0"/>
-              <a:t>TRIAL 2 – PASS TEST</a:t>
-            </a:r>
-          </a:p>
-          <a:p>
-            <a:pPr marL="0" indent="0" algn="ctr">
-              <a:buNone/>
-            </a:pPr>
-            <a:r>
-              <a:rPr lang="en-US" sz="6000" b="1" dirty="0"/>
-              <a:t>TRIAL CRITERION + RANDOM (R) </a:t>
-            </a:r>
-          </a:p>
-          <a:p>
-            <a:pPr marL="0" indent="0" algn="ctr">
-              <a:buNone/>
-            </a:pPr>
-            <a:r>
-              <a:rPr lang="en-US" sz="6000" dirty="0"/>
-              <a:t>Enclosure: Square</a:t>
-            </a:r>
-          </a:p>
-          <a:p>
-            <a:pPr marL="0" indent="0" algn="ctr">
-              <a:buNone/>
-            </a:pPr>
-            <a:r>
-              <a:rPr lang="en-US" sz="6000" dirty="0"/>
-              <a:t>All Goals: All Active</a:t>
-            </a:r>
-          </a:p>
-          <a:p>
-            <a:pPr marL="0" indent="0" algn="ctr">
-              <a:buNone/>
-            </a:pPr>
-            <a:r>
-              <a:rPr lang="en-US" sz="6000" dirty="0"/>
-              <a:t>Quota = 4</a:t>
-            </a:r>
-          </a:p>
-          <a:p>
-            <a:pPr marL="0" indent="0" algn="ctr">
-              <a:buNone/>
-            </a:pPr>
-            <a:r>
-              <a:rPr lang="en-US" sz="6000" dirty="0"/>
-              <a:t>Landmarks: All</a:t>
-            </a:r>
-          </a:p>
-          <a:p>
-            <a:pPr marL="0" indent="0" algn="ctr">
-              <a:buNone/>
-            </a:pPr>
-            <a:r>
-              <a:rPr lang="en-US" sz="6000" dirty="0"/>
-              <a:t>Scene #2</a:t>
+              <a:rPr lang="en-US" sz="6000" b="1" dirty="0">
+                <a:solidFill>
+                  <a:schemeClr val="bg1"/>
+                </a:solidFill>
+              </a:rPr>
+              <a:t>TESTING BLOCKS</a:t>
+            </a:r>
+          </a:p>
+          <a:p>
+            <a:pPr marL="0" indent="0" algn="ctr">
+              <a:buNone/>
+            </a:pPr>
+            <a:r>
+              <a:rPr lang="en-US" sz="6000" b="1" dirty="0">
+                <a:solidFill>
+                  <a:schemeClr val="bg1"/>
+                </a:solidFill>
+              </a:rPr>
+              <a:t>Block/Trial Criterion = 3</a:t>
+            </a:r>
+          </a:p>
+          <a:p>
+            <a:pPr marL="0" indent="0" algn="ctr">
+              <a:buNone/>
+            </a:pPr>
+            <a:r>
+              <a:rPr lang="en-US" sz="6000" b="1" dirty="0">
+                <a:solidFill>
+                  <a:schemeClr val="bg1"/>
+                </a:solidFill>
+              </a:rPr>
+              <a:t># Trials = 4</a:t>
+            </a:r>
+          </a:p>
+          <a:p>
+            <a:pPr marL="0" indent="0" algn="ctr">
+              <a:buNone/>
+            </a:pPr>
+            <a:r>
+              <a:rPr lang="en-US" sz="6000" b="1" dirty="0">
+                <a:solidFill>
+                  <a:srgbClr val="548235"/>
+                </a:solidFill>
+              </a:rPr>
+              <a:t>Pass Test</a:t>
+            </a:r>
+          </a:p>
+        </p:txBody>
+      </p:sp>
+      <p:sp>
+        <p:nvSpPr>
+          <p:cNvPr id="5" name="Rectangle 4">
+            <a:extLst>
+              <a:ext uri="{FF2B5EF4-FFF2-40B4-BE49-F238E27FC236}">
+                <a16:creationId xmlns:a16="http://schemas.microsoft.com/office/drawing/2014/main" id="{2C94FF17-2823-4800-84E4-12617EB4FFF2}"/>
+              </a:ext>
+            </a:extLst>
+          </p:cNvPr>
+          <p:cNvSpPr/>
+          <p:nvPr/>
+        </p:nvSpPr>
+        <p:spPr>
+          <a:xfrm>
+            <a:off x="3172326" y="5403834"/>
+            <a:ext cx="5847347" cy="866274"/>
+          </a:xfrm>
+          <a:prstGeom prst="rect">
+            <a:avLst/>
+          </a:prstGeom>
+        </p:spPr>
+        <p:style>
+          <a:lnRef idx="2">
+            <a:schemeClr val="dk1">
+              <a:shade val="50000"/>
+            </a:schemeClr>
+          </a:lnRef>
+          <a:fillRef idx="1">
+            <a:schemeClr val="dk1"/>
+          </a:fillRef>
+          <a:effectRef idx="0">
+            <a:schemeClr val="dk1"/>
+          </a:effectRef>
+          <a:fontRef idx="minor">
+            <a:schemeClr val="lt1"/>
+          </a:fontRef>
+        </p:style>
+        <p:txBody>
+          <a:bodyPr rtlCol="0" anchor="ctr"/>
+          <a:lstStyle/>
+          <a:p>
+            <a:pPr algn="ctr"/>
+            <a:r>
+              <a:rPr lang="en-US" sz="3200" b="1" dirty="0"/>
+              <a:t>PRESS SPACE TO BEGIN TEST</a:t>
             </a:r>
           </a:p>
         </p:txBody>
@@ -13893,7 +13720,7 @@
     </p:spTree>
     <p:extLst>
       <p:ext uri="{BB962C8B-B14F-4D97-AF65-F5344CB8AC3E}">
-        <p14:creationId xmlns:p14="http://schemas.microsoft.com/office/powerpoint/2010/main" val="1997916702"/>
+        <p14:creationId xmlns:p14="http://schemas.microsoft.com/office/powerpoint/2010/main" val="2898619322"/>
       </p:ext>
     </p:extLst>
   </p:cSld>
@@ -14015,6 +13842,55 @@
       </p:grpSpPr>
       <p:sp>
         <p:nvSpPr>
+          <p:cNvPr id="4" name="Rectangle 3">
+            <a:extLst>
+              <a:ext uri="{FF2B5EF4-FFF2-40B4-BE49-F238E27FC236}">
+                <a16:creationId xmlns:a16="http://schemas.microsoft.com/office/drawing/2014/main" id="{EEA24FE4-CF88-4576-8D74-4D4BF0A7AC43}"/>
+              </a:ext>
+            </a:extLst>
+          </p:cNvPr>
+          <p:cNvSpPr/>
+          <p:nvPr/>
+        </p:nvSpPr>
+        <p:spPr>
+          <a:xfrm>
+            <a:off x="-1" y="0"/>
+            <a:ext cx="12192000" cy="6858000"/>
+          </a:xfrm>
+          <a:prstGeom prst="rect">
+            <a:avLst/>
+          </a:prstGeom>
+          <a:solidFill>
+            <a:srgbClr val="F1CB68"/>
+          </a:solidFill>
+        </p:spPr>
+        <p:style>
+          <a:lnRef idx="2">
+            <a:schemeClr val="accent1">
+              <a:shade val="50000"/>
+            </a:schemeClr>
+          </a:lnRef>
+          <a:fillRef idx="1">
+            <a:schemeClr val="accent1"/>
+          </a:fillRef>
+          <a:effectRef idx="0">
+            <a:schemeClr val="accent1"/>
+          </a:effectRef>
+          <a:fontRef idx="minor">
+            <a:schemeClr val="lt1"/>
+          </a:fontRef>
+        </p:style>
+        <p:txBody>
+          <a:bodyPr rtlCol="0" anchor="ctr"/>
+          <a:lstStyle/>
+          <a:p>
+            <a:pPr algn="ctr"/>
+            <a:endParaRPr lang="en-US"/>
+          </a:p>
+        </p:txBody>
+      </p:sp>
+      <p:sp>
+        <p:nvSpPr>
           <p:cNvPr id="3" name="Content Placeholder 2">
             <a:extLst>
               <a:ext uri="{FF2B5EF4-FFF2-40B4-BE49-F238E27FC236}">
@@ -14031,13 +13907,13 @@
         </p:nvSpPr>
         <p:spPr>
           <a:xfrm>
-            <a:off x="0" y="360947"/>
-            <a:ext cx="12192000" cy="5710990"/>
+            <a:off x="-1" y="899193"/>
+            <a:ext cx="12192000" cy="4154070"/>
           </a:xfrm>
         </p:spPr>
         <p:txBody>
           <a:bodyPr>
-            <a:normAutofit fontScale="92500" lnSpcReduction="10000"/>
+            <a:normAutofit/>
           </a:bodyPr>
           <a:lstStyle/>
           <a:p>
@@ -14045,62 +13921,100 @@
               <a:buNone/>
             </a:pPr>
             <a:r>
-              <a:rPr lang="en-US" sz="6000" b="1" dirty="0"/>
-              <a:t>TRIAL 3 – PASS TEST</a:t>
-            </a:r>
-          </a:p>
-          <a:p>
-            <a:pPr marL="0" indent="0" algn="ctr">
-              <a:buNone/>
-            </a:pPr>
-            <a:r>
-              <a:rPr lang="en-US" sz="6000" b="1" dirty="0"/>
-              <a:t>TRIAL CRITERION + RANDOM (R) </a:t>
-            </a:r>
-          </a:p>
-          <a:p>
-            <a:pPr marL="0" indent="0" algn="ctr">
-              <a:buNone/>
-            </a:pPr>
-            <a:r>
-              <a:rPr lang="en-US" sz="6000" dirty="0"/>
-              <a:t>Enclosure: Circle</a:t>
-            </a:r>
-          </a:p>
-          <a:p>
-            <a:pPr marL="0" indent="0" algn="ctr">
-              <a:buNone/>
-            </a:pPr>
-            <a:r>
-              <a:rPr lang="en-US" sz="6000" dirty="0"/>
-              <a:t>All Goals: (V: Cube + Apple, I: Sphere)</a:t>
-            </a:r>
-          </a:p>
-          <a:p>
-            <a:pPr marL="0" indent="0" algn="ctr">
-              <a:buNone/>
-            </a:pPr>
-            <a:r>
-              <a:rPr lang="en-US" sz="6000" dirty="0"/>
-              <a:t>Quota = 3</a:t>
-            </a:r>
-          </a:p>
-          <a:p>
-            <a:pPr marL="0" indent="0" algn="ctr">
-              <a:buNone/>
-            </a:pPr>
-            <a:r>
-              <a:rPr lang="en-US" sz="6000" dirty="0"/>
-              <a:t>Landmarks: All</a:t>
-            </a:r>
-          </a:p>
-          <a:p>
-            <a:pPr marL="0" indent="0" algn="ctr">
-              <a:buNone/>
-            </a:pPr>
-            <a:r>
-              <a:rPr lang="en-US" sz="6000" dirty="0"/>
-              <a:t>Scene #3</a:t>
+              <a:rPr lang="en-US" sz="6000" b="1" dirty="0">
+                <a:solidFill>
+                  <a:schemeClr val="bg1"/>
+                </a:solidFill>
+              </a:rPr>
+              <a:t>TESTING BLOCKS</a:t>
+            </a:r>
+          </a:p>
+          <a:p>
+            <a:pPr marL="0" indent="0" algn="ctr">
+              <a:buNone/>
+            </a:pPr>
+            <a:r>
+              <a:rPr lang="en-US" sz="6000" b="1" dirty="0">
+                <a:solidFill>
+                  <a:schemeClr val="bg1"/>
+                </a:solidFill>
+              </a:rPr>
+              <a:t>Block/Trial Criterion = 5</a:t>
+            </a:r>
+          </a:p>
+          <a:p>
+            <a:pPr marL="0" indent="0" algn="ctr">
+              <a:buNone/>
+            </a:pPr>
+            <a:r>
+              <a:rPr lang="en-US" sz="6000" b="1" dirty="0">
+                <a:solidFill>
+                  <a:schemeClr val="bg1"/>
+                </a:solidFill>
+              </a:rPr>
+              <a:t>Random (R) 2x4 Trial</a:t>
+            </a:r>
+          </a:p>
+          <a:p>
+            <a:pPr marL="0" indent="0" algn="ctr">
+              <a:buNone/>
+            </a:pPr>
+            <a:r>
+              <a:rPr lang="en-US" sz="6000" b="1" dirty="0">
+                <a:solidFill>
+                  <a:srgbClr val="C00000"/>
+                </a:solidFill>
+              </a:rPr>
+              <a:t>Fail Test</a:t>
+            </a:r>
+          </a:p>
+        </p:txBody>
+      </p:sp>
+      <p:sp>
+        <p:nvSpPr>
+          <p:cNvPr id="5" name="Rectangle 4">
+            <a:extLst>
+              <a:ext uri="{FF2B5EF4-FFF2-40B4-BE49-F238E27FC236}">
+                <a16:creationId xmlns:a16="http://schemas.microsoft.com/office/drawing/2014/main" id="{C196E51C-464B-43DE-BB7E-C8035C94136E}"/>
+              </a:ext>
+            </a:extLst>
+          </p:cNvPr>
+          <p:cNvSpPr/>
+          <p:nvPr/>
+        </p:nvSpPr>
+        <p:spPr>
+          <a:xfrm>
+            <a:off x="3172326" y="5403834"/>
+            <a:ext cx="5847347" cy="866274"/>
+          </a:xfrm>
+          <a:prstGeom prst="rect">
+            <a:avLst/>
+          </a:prstGeom>
+        </p:spPr>
+        <p:style>
+          <a:lnRef idx="2">
+            <a:schemeClr val="dk1">
+              <a:shade val="50000"/>
+            </a:schemeClr>
+          </a:lnRef>
+          <a:fillRef idx="1">
+            <a:schemeClr val="dk1"/>
+          </a:fillRef>
+          <a:effectRef idx="0">
+            <a:schemeClr val="dk1"/>
+          </a:effectRef>
+          <a:fontRef idx="minor">
+            <a:schemeClr val="lt1"/>
+          </a:fontRef>
+        </p:style>
+        <p:txBody>
+          <a:bodyPr rtlCol="0" anchor="ctr"/>
+          <a:lstStyle/>
+          <a:p>
+            <a:pPr algn="ctr"/>
+            <a:r>
+              <a:rPr lang="en-US" sz="3200" b="1" dirty="0"/>
+              <a:t>PRESS SPACE TO BEGIN TEST</a:t>
             </a:r>
           </a:p>
         </p:txBody>
@@ -14108,7 +14022,7 @@
     </p:spTree>
     <p:extLst>
       <p:ext uri="{BB962C8B-B14F-4D97-AF65-F5344CB8AC3E}">
-        <p14:creationId xmlns:p14="http://schemas.microsoft.com/office/powerpoint/2010/main" val="55320859"/>
+        <p14:creationId xmlns:p14="http://schemas.microsoft.com/office/powerpoint/2010/main" val="2166985645"/>
       </p:ext>
     </p:extLst>
   </p:cSld>
@@ -14137,6 +14051,55 @@
       </p:grpSpPr>
       <p:sp>
         <p:nvSpPr>
+          <p:cNvPr id="4" name="Rectangle 3">
+            <a:extLst>
+              <a:ext uri="{FF2B5EF4-FFF2-40B4-BE49-F238E27FC236}">
+                <a16:creationId xmlns:a16="http://schemas.microsoft.com/office/drawing/2014/main" id="{EEA24FE4-CF88-4576-8D74-4D4BF0A7AC43}"/>
+              </a:ext>
+            </a:extLst>
+          </p:cNvPr>
+          <p:cNvSpPr/>
+          <p:nvPr/>
+        </p:nvSpPr>
+        <p:spPr>
+          <a:xfrm>
+            <a:off x="-1" y="0"/>
+            <a:ext cx="12192000" cy="6858000"/>
+          </a:xfrm>
+          <a:prstGeom prst="rect">
+            <a:avLst/>
+          </a:prstGeom>
+          <a:solidFill>
+            <a:srgbClr val="F1CB68"/>
+          </a:solidFill>
+        </p:spPr>
+        <p:style>
+          <a:lnRef idx="2">
+            <a:schemeClr val="accent1">
+              <a:shade val="50000"/>
+            </a:schemeClr>
+          </a:lnRef>
+          <a:fillRef idx="1">
+            <a:schemeClr val="accent1"/>
+          </a:fillRef>
+          <a:effectRef idx="0">
+            <a:schemeClr val="accent1"/>
+          </a:effectRef>
+          <a:fontRef idx="minor">
+            <a:schemeClr val="lt1"/>
+          </a:fontRef>
+        </p:style>
+        <p:txBody>
+          <a:bodyPr rtlCol="0" anchor="ctr"/>
+          <a:lstStyle/>
+          <a:p>
+            <a:pPr algn="ctr"/>
+            <a:endParaRPr lang="en-US"/>
+          </a:p>
+        </p:txBody>
+      </p:sp>
+      <p:sp>
+        <p:nvSpPr>
           <p:cNvPr id="3" name="Content Placeholder 2">
             <a:extLst>
               <a:ext uri="{FF2B5EF4-FFF2-40B4-BE49-F238E27FC236}">
@@ -14153,13 +14116,13 @@
         </p:nvSpPr>
         <p:spPr>
           <a:xfrm>
-            <a:off x="0" y="240633"/>
-            <a:ext cx="12192000" cy="6424862"/>
+            <a:off x="-1" y="899193"/>
+            <a:ext cx="12192000" cy="4154070"/>
           </a:xfrm>
         </p:spPr>
         <p:txBody>
           <a:bodyPr>
-            <a:normAutofit lnSpcReduction="10000"/>
+            <a:normAutofit/>
           </a:bodyPr>
           <a:lstStyle/>
           <a:p>
@@ -14167,62 +14130,100 @@
               <a:buNone/>
             </a:pPr>
             <a:r>
-              <a:rPr lang="en-US" sz="6000" b="1" dirty="0"/>
-              <a:t>TRIAL 4 – PASS TEST</a:t>
-            </a:r>
-          </a:p>
-          <a:p>
-            <a:pPr marL="0" indent="0" algn="ctr">
-              <a:buNone/>
-            </a:pPr>
-            <a:r>
-              <a:rPr lang="en-US" sz="6000" b="1" dirty="0"/>
-              <a:t>TRIAL CRITERION + RANDOM (R) </a:t>
-            </a:r>
-          </a:p>
-          <a:p>
-            <a:pPr marL="0" indent="0" algn="ctr">
-              <a:buNone/>
-            </a:pPr>
-            <a:r>
-              <a:rPr lang="en-US" sz="6000" dirty="0"/>
-              <a:t>Enclosure: Invisible Floor</a:t>
-            </a:r>
-          </a:p>
-          <a:p>
-            <a:pPr marL="0" indent="0" algn="ctr">
-              <a:buNone/>
-            </a:pPr>
-            <a:r>
-              <a:rPr lang="en-US" sz="6000" dirty="0"/>
-              <a:t>All Goals: (V: Sphere, I: Water)</a:t>
-            </a:r>
-          </a:p>
-          <a:p>
-            <a:pPr marL="0" indent="0" algn="ctr">
-              <a:buNone/>
-            </a:pPr>
-            <a:r>
-              <a:rPr lang="en-US" sz="6000" dirty="0"/>
-              <a:t>Quota = 2</a:t>
-            </a:r>
-          </a:p>
-          <a:p>
-            <a:pPr marL="0" indent="0" algn="ctr">
-              <a:buNone/>
-            </a:pPr>
-            <a:r>
-              <a:rPr lang="en-US" sz="6000" dirty="0"/>
-              <a:t>Landmarks: All</a:t>
-            </a:r>
-          </a:p>
-          <a:p>
-            <a:pPr marL="0" indent="0" algn="ctr">
-              <a:buNone/>
-            </a:pPr>
-            <a:r>
-              <a:rPr lang="en-US" sz="6000" dirty="0"/>
-              <a:t>Scene #3</a:t>
+              <a:rPr lang="en-US" sz="6000" b="1" dirty="0">
+                <a:solidFill>
+                  <a:schemeClr val="bg1"/>
+                </a:solidFill>
+              </a:rPr>
+              <a:t>TESTING BLOCKS</a:t>
+            </a:r>
+          </a:p>
+          <a:p>
+            <a:pPr marL="0" indent="0" algn="ctr">
+              <a:buNone/>
+            </a:pPr>
+            <a:r>
+              <a:rPr lang="en-US" sz="6000" b="1" dirty="0">
+                <a:solidFill>
+                  <a:schemeClr val="bg1"/>
+                </a:solidFill>
+              </a:rPr>
+              <a:t>Block/Trial Criterion = 5</a:t>
+            </a:r>
+          </a:p>
+          <a:p>
+            <a:pPr marL="0" indent="0" algn="ctr">
+              <a:buNone/>
+            </a:pPr>
+            <a:r>
+              <a:rPr lang="en-US" sz="6000" b="1" dirty="0">
+                <a:solidFill>
+                  <a:schemeClr val="bg1"/>
+                </a:solidFill>
+              </a:rPr>
+              <a:t>Random (R) 2x4 Trial</a:t>
+            </a:r>
+          </a:p>
+          <a:p>
+            <a:pPr marL="0" indent="0" algn="ctr">
+              <a:buNone/>
+            </a:pPr>
+            <a:r>
+              <a:rPr lang="en-US" sz="6000" b="1" dirty="0">
+                <a:solidFill>
+                  <a:srgbClr val="548235"/>
+                </a:solidFill>
+              </a:rPr>
+              <a:t>Pass Test</a:t>
+            </a:r>
+          </a:p>
+        </p:txBody>
+      </p:sp>
+      <p:sp>
+        <p:nvSpPr>
+          <p:cNvPr id="5" name="Rectangle 4">
+            <a:extLst>
+              <a:ext uri="{FF2B5EF4-FFF2-40B4-BE49-F238E27FC236}">
+                <a16:creationId xmlns:a16="http://schemas.microsoft.com/office/drawing/2014/main" id="{C196E51C-464B-43DE-BB7E-C8035C94136E}"/>
+              </a:ext>
+            </a:extLst>
+          </p:cNvPr>
+          <p:cNvSpPr/>
+          <p:nvPr/>
+        </p:nvSpPr>
+        <p:spPr>
+          <a:xfrm>
+            <a:off x="3172326" y="5403834"/>
+            <a:ext cx="5847347" cy="866274"/>
+          </a:xfrm>
+          <a:prstGeom prst="rect">
+            <a:avLst/>
+          </a:prstGeom>
+        </p:spPr>
+        <p:style>
+          <a:lnRef idx="2">
+            <a:schemeClr val="dk1">
+              <a:shade val="50000"/>
+            </a:schemeClr>
+          </a:lnRef>
+          <a:fillRef idx="1">
+            <a:schemeClr val="dk1"/>
+          </a:fillRef>
+          <a:effectRef idx="0">
+            <a:schemeClr val="dk1"/>
+          </a:effectRef>
+          <a:fontRef idx="minor">
+            <a:schemeClr val="lt1"/>
+          </a:fontRef>
+        </p:style>
+        <p:txBody>
+          <a:bodyPr rtlCol="0" anchor="ctr"/>
+          <a:lstStyle/>
+          <a:p>
+            <a:pPr algn="ctr"/>
+            <a:r>
+              <a:rPr lang="en-US" sz="3200" b="1" dirty="0"/>
+              <a:t>PRESS SPACE TO BEGIN TEST</a:t>
             </a:r>
           </a:p>
         </p:txBody>
@@ -14230,7 +14231,7 @@
     </p:spTree>
     <p:extLst>
       <p:ext uri="{BB962C8B-B14F-4D97-AF65-F5344CB8AC3E}">
-        <p14:creationId xmlns:p14="http://schemas.microsoft.com/office/powerpoint/2010/main" val="73056379"/>
+        <p14:creationId xmlns:p14="http://schemas.microsoft.com/office/powerpoint/2010/main" val="2555906079"/>
       </p:ext>
     </p:extLst>
   </p:cSld>
@@ -14330,7 +14331,7 @@
         </p:spPr>
         <p:txBody>
           <a:bodyPr>
-            <a:normAutofit/>
+            <a:normAutofit fontScale="92500" lnSpcReduction="10000"/>
           </a:bodyPr>
           <a:lstStyle/>
           <a:p>
@@ -14356,7 +14357,7 @@
                   <a:schemeClr val="bg1"/>
                 </a:solidFill>
               </a:rPr>
-              <a:t>Trial Criterion = 3</a:t>
+              <a:t>Block/Trial Criterion = 2</a:t>
             </a:r>
           </a:p>
           <a:p>
@@ -14369,11 +14370,24 @@
                   <a:schemeClr val="bg1"/>
                 </a:solidFill>
               </a:rPr>
-              <a:t>Random (NO R) 4 Trial – FAIL Test</a:t>
+              <a:t>Random (NO R) 4 Trial </a:t>
+            </a:r>
+          </a:p>
+          <a:p>
+            <a:pPr marL="0" indent="0" algn="ctr">
+              <a:buNone/>
+            </a:pPr>
+            <a:r>
+              <a:rPr lang="en-US" sz="6000" b="1" dirty="0">
+                <a:solidFill>
+                  <a:srgbClr val="C00000"/>
+                </a:solidFill>
+              </a:rPr>
+              <a:t>Fail Test</a:t>
             </a:r>
             <a:endParaRPr lang="en-US" sz="6000" dirty="0">
               <a:solidFill>
-                <a:schemeClr val="bg1"/>
+                <a:srgbClr val="C00000"/>
               </a:solidFill>
             </a:endParaRPr>
           </a:p>
@@ -14431,7 +14445,7 @@
     </p:spTree>
     <p:extLst>
       <p:ext uri="{BB962C8B-B14F-4D97-AF65-F5344CB8AC3E}">
-        <p14:creationId xmlns:p14="http://schemas.microsoft.com/office/powerpoint/2010/main" val="3626532655"/>
+        <p14:creationId xmlns:p14="http://schemas.microsoft.com/office/powerpoint/2010/main" val="3617561129"/>
       </p:ext>
     </p:extLst>
   </p:cSld>
@@ -14460,6 +14474,55 @@
       </p:grpSpPr>
       <p:sp>
         <p:nvSpPr>
+          <p:cNvPr id="4" name="Rectangle 3">
+            <a:extLst>
+              <a:ext uri="{FF2B5EF4-FFF2-40B4-BE49-F238E27FC236}">
+                <a16:creationId xmlns:a16="http://schemas.microsoft.com/office/drawing/2014/main" id="{EEA24FE4-CF88-4576-8D74-4D4BF0A7AC43}"/>
+              </a:ext>
+            </a:extLst>
+          </p:cNvPr>
+          <p:cNvSpPr/>
+          <p:nvPr/>
+        </p:nvSpPr>
+        <p:spPr>
+          <a:xfrm>
+            <a:off x="0" y="0"/>
+            <a:ext cx="12192000" cy="6858000"/>
+          </a:xfrm>
+          <a:prstGeom prst="rect">
+            <a:avLst/>
+          </a:prstGeom>
+          <a:solidFill>
+            <a:srgbClr val="F1CB68"/>
+          </a:solidFill>
+        </p:spPr>
+        <p:style>
+          <a:lnRef idx="2">
+            <a:schemeClr val="accent1">
+              <a:shade val="50000"/>
+            </a:schemeClr>
+          </a:lnRef>
+          <a:fillRef idx="1">
+            <a:schemeClr val="accent1"/>
+          </a:fillRef>
+          <a:effectRef idx="0">
+            <a:schemeClr val="accent1"/>
+          </a:effectRef>
+          <a:fontRef idx="minor">
+            <a:schemeClr val="lt1"/>
+          </a:fontRef>
+        </p:style>
+        <p:txBody>
+          <a:bodyPr rtlCol="0" anchor="ctr"/>
+          <a:lstStyle/>
+          <a:p>
+            <a:pPr algn="ctr"/>
+            <a:endParaRPr lang="en-US"/>
+          </a:p>
+        </p:txBody>
+      </p:sp>
+      <p:sp>
+        <p:nvSpPr>
           <p:cNvPr id="3" name="Content Placeholder 2">
             <a:extLst>
               <a:ext uri="{FF2B5EF4-FFF2-40B4-BE49-F238E27FC236}">
@@ -14476,13 +14539,13 @@
         </p:nvSpPr>
         <p:spPr>
           <a:xfrm>
-            <a:off x="0" y="834189"/>
-            <a:ext cx="12192000" cy="5478379"/>
+            <a:off x="0" y="1825625"/>
+            <a:ext cx="12192000" cy="3275764"/>
           </a:xfrm>
         </p:spPr>
         <p:txBody>
           <a:bodyPr>
-            <a:normAutofit fontScale="92500" lnSpcReduction="20000"/>
+            <a:normAutofit fontScale="92500" lnSpcReduction="10000"/>
           </a:bodyPr>
           <a:lstStyle/>
           <a:p>
@@ -14490,62 +14553,105 @@
               <a:buNone/>
             </a:pPr>
             <a:r>
-              <a:rPr lang="en-US" sz="6000" b="1" dirty="0"/>
-              <a:t>TRIAL 1 - FAIL TEST</a:t>
-            </a:r>
-          </a:p>
-          <a:p>
-            <a:pPr marL="0" indent="0" algn="ctr">
-              <a:buNone/>
-            </a:pPr>
-            <a:r>
-              <a:rPr lang="en-US" sz="6000" b="1" dirty="0"/>
-              <a:t>TRIAL CRITERION + RANDOM (NO R) </a:t>
-            </a:r>
-          </a:p>
-          <a:p>
-            <a:pPr marL="0" indent="0" algn="ctr">
-              <a:buNone/>
-            </a:pPr>
-            <a:r>
-              <a:rPr lang="en-US" sz="6000" dirty="0"/>
-              <a:t>Enclosure: Invisible Floor</a:t>
-            </a:r>
-          </a:p>
-          <a:p>
-            <a:pPr marL="0" indent="0" algn="ctr">
-              <a:buNone/>
-            </a:pPr>
-            <a:r>
-              <a:rPr lang="en-US" sz="6000" dirty="0"/>
-              <a:t>All Goals: (V: Water, I: Water, Cube)</a:t>
-            </a:r>
-          </a:p>
-          <a:p>
-            <a:pPr marL="0" indent="0" algn="ctr">
-              <a:buNone/>
-            </a:pPr>
-            <a:r>
-              <a:rPr lang="en-US" sz="6000" dirty="0"/>
-              <a:t>Quota = 2</a:t>
-            </a:r>
-          </a:p>
-          <a:p>
-            <a:pPr marL="0" indent="0" algn="ctr">
-              <a:buNone/>
-            </a:pPr>
-            <a:r>
-              <a:rPr lang="en-US" sz="6000" dirty="0"/>
-              <a:t>Landmarks: All</a:t>
-            </a:r>
-          </a:p>
-          <a:p>
-            <a:pPr marL="0" indent="0" algn="ctr">
-              <a:buNone/>
-            </a:pPr>
-            <a:r>
-              <a:rPr lang="en-US" sz="6000" dirty="0"/>
-              <a:t>Scene #3</a:t>
+              <a:rPr lang="en-US" sz="6000" b="1" dirty="0">
+                <a:solidFill>
+                  <a:schemeClr val="bg1"/>
+                </a:solidFill>
+              </a:rPr>
+              <a:t>TESTING BLOCKS</a:t>
+            </a:r>
+          </a:p>
+          <a:p>
+            <a:pPr marL="0" indent="0" algn="ctr">
+              <a:buNone/>
+            </a:pPr>
+            <a:r>
+              <a:rPr lang="en-US" sz="6000" b="1" dirty="0">
+                <a:solidFill>
+                  <a:schemeClr val="bg1"/>
+                </a:solidFill>
+              </a:rPr>
+              <a:t>Block/Trial Criterion = 2</a:t>
+            </a:r>
+          </a:p>
+          <a:p>
+            <a:pPr marL="0" indent="0" algn="ctr">
+              <a:buNone/>
+            </a:pPr>
+            <a:r>
+              <a:rPr lang="en-US" sz="6000" b="1" dirty="0">
+                <a:solidFill>
+                  <a:schemeClr val="bg1"/>
+                </a:solidFill>
+              </a:rPr>
+              <a:t>Random (NO R) 4 Trial </a:t>
+            </a:r>
+          </a:p>
+          <a:p>
+            <a:pPr marL="0" indent="0" algn="ctr">
+              <a:buNone/>
+            </a:pPr>
+            <a:r>
+              <a:rPr lang="en-US" sz="6000" b="1" dirty="0">
+                <a:solidFill>
+                  <a:srgbClr val="548235"/>
+                </a:solidFill>
+              </a:rPr>
+              <a:t>Pass Test</a:t>
+            </a:r>
+            <a:endParaRPr lang="en-US" sz="6000" dirty="0">
+              <a:solidFill>
+                <a:srgbClr val="548235"/>
+              </a:solidFill>
+            </a:endParaRPr>
+          </a:p>
+        </p:txBody>
+      </p:sp>
+      <p:sp>
+        <p:nvSpPr>
+          <p:cNvPr id="5" name="Rectangle 4">
+            <a:extLst>
+              <a:ext uri="{FF2B5EF4-FFF2-40B4-BE49-F238E27FC236}">
+                <a16:creationId xmlns:a16="http://schemas.microsoft.com/office/drawing/2014/main" id="{BA84D5DB-1ECE-4237-B45C-C6E5B618BBC4}"/>
+              </a:ext>
+            </a:extLst>
+          </p:cNvPr>
+          <p:cNvSpPr/>
+          <p:nvPr/>
+        </p:nvSpPr>
+        <p:spPr>
+          <a:xfrm>
+            <a:off x="3172326" y="5403834"/>
+            <a:ext cx="5847347" cy="866274"/>
+          </a:xfrm>
+          <a:prstGeom prst="rect">
+            <a:avLst/>
+          </a:prstGeom>
+        </p:spPr>
+        <p:style>
+          <a:lnRef idx="2">
+            <a:schemeClr val="dk1">
+              <a:shade val="50000"/>
+            </a:schemeClr>
+          </a:lnRef>
+          <a:fillRef idx="1">
+            <a:schemeClr val="dk1"/>
+          </a:fillRef>
+          <a:effectRef idx="0">
+            <a:schemeClr val="dk1"/>
+          </a:effectRef>
+          <a:fontRef idx="minor">
+            <a:schemeClr val="lt1"/>
+          </a:fontRef>
+        </p:style>
+        <p:txBody>
+          <a:bodyPr rtlCol="0" anchor="ctr"/>
+          <a:lstStyle/>
+          <a:p>
+            <a:pPr algn="ctr"/>
+            <a:r>
+              <a:rPr lang="en-US" sz="3200" b="1" dirty="0"/>
+              <a:t>PRESS SPACE TO BEGIN TEST</a:t>
             </a:r>
           </a:p>
         </p:txBody>
@@ -14553,7 +14659,7 @@
     </p:spTree>
     <p:extLst>
       <p:ext uri="{BB962C8B-B14F-4D97-AF65-F5344CB8AC3E}">
-        <p14:creationId xmlns:p14="http://schemas.microsoft.com/office/powerpoint/2010/main" val="1250479030"/>
+        <p14:creationId xmlns:p14="http://schemas.microsoft.com/office/powerpoint/2010/main" val="397273944"/>
       </p:ext>
     </p:extLst>
   </p:cSld>
@@ -14582,372 +14688,6 @@
       </p:grpSpPr>
       <p:sp>
         <p:nvSpPr>
-          <p:cNvPr id="3" name="Content Placeholder 2">
-            <a:extLst>
-              <a:ext uri="{FF2B5EF4-FFF2-40B4-BE49-F238E27FC236}">
-                <a16:creationId xmlns:a16="http://schemas.microsoft.com/office/drawing/2014/main" id="{22D632B1-FAA3-4BF6-8228-E17DFD494D6A}"/>
-              </a:ext>
-            </a:extLst>
-          </p:cNvPr>
-          <p:cNvSpPr>
-            <a:spLocks noGrp="1"/>
-          </p:cNvSpPr>
-          <p:nvPr>
-            <p:ph idx="1"/>
-          </p:nvPr>
-        </p:nvSpPr>
-        <p:spPr>
-          <a:xfrm>
-            <a:off x="0" y="1126958"/>
-            <a:ext cx="12192000" cy="5273841"/>
-          </a:xfrm>
-        </p:spPr>
-        <p:txBody>
-          <a:bodyPr>
-            <a:normAutofit fontScale="92500" lnSpcReduction="20000"/>
-          </a:bodyPr>
-          <a:lstStyle/>
-          <a:p>
-            <a:pPr marL="0" indent="0" algn="ctr">
-              <a:buNone/>
-            </a:pPr>
-            <a:r>
-              <a:rPr lang="en-US" sz="6000" b="1" dirty="0"/>
-              <a:t>TRIAL 2 – FAIL TEST</a:t>
-            </a:r>
-          </a:p>
-          <a:p>
-            <a:pPr marL="0" indent="0" algn="ctr">
-              <a:buNone/>
-            </a:pPr>
-            <a:r>
-              <a:rPr lang="en-US" sz="6000" b="1" dirty="0"/>
-              <a:t>TRIAL CRITERION + RANDOM (NO R) </a:t>
-            </a:r>
-          </a:p>
-          <a:p>
-            <a:pPr marL="0" indent="0" algn="ctr">
-              <a:buNone/>
-            </a:pPr>
-            <a:r>
-              <a:rPr lang="en-US" sz="6000" dirty="0"/>
-              <a:t>Enclosure: Square</a:t>
-            </a:r>
-          </a:p>
-          <a:p>
-            <a:pPr marL="0" indent="0" algn="ctr">
-              <a:buNone/>
-            </a:pPr>
-            <a:r>
-              <a:rPr lang="en-US" sz="6000" dirty="0"/>
-              <a:t>All Goals: All Active</a:t>
-            </a:r>
-          </a:p>
-          <a:p>
-            <a:pPr marL="0" indent="0" algn="ctr">
-              <a:buNone/>
-            </a:pPr>
-            <a:r>
-              <a:rPr lang="en-US" sz="6000" dirty="0"/>
-              <a:t>Quota = 4</a:t>
-            </a:r>
-          </a:p>
-          <a:p>
-            <a:pPr marL="0" indent="0" algn="ctr">
-              <a:buNone/>
-            </a:pPr>
-            <a:r>
-              <a:rPr lang="en-US" sz="6000" dirty="0"/>
-              <a:t>Landmarks: All</a:t>
-            </a:r>
-          </a:p>
-          <a:p>
-            <a:pPr marL="0" indent="0" algn="ctr">
-              <a:buNone/>
-            </a:pPr>
-            <a:r>
-              <a:rPr lang="en-US" sz="6000" dirty="0"/>
-              <a:t>Scene #2</a:t>
-            </a:r>
-          </a:p>
-        </p:txBody>
-      </p:sp>
-    </p:spTree>
-    <p:extLst>
-      <p:ext uri="{BB962C8B-B14F-4D97-AF65-F5344CB8AC3E}">
-        <p14:creationId xmlns:p14="http://schemas.microsoft.com/office/powerpoint/2010/main" val="609121540"/>
-      </p:ext>
-    </p:extLst>
-  </p:cSld>
-  <p:clrMapOvr>
-    <a:masterClrMapping/>
-  </p:clrMapOvr>
-</p:sld>
-</file>
-
-<file path=ppt/slides/slide85.xml><?xml version="1.0" encoding="utf-8"?>
-<p:sld xmlns:a="http://schemas.openxmlformats.org/drawingml/2006/main" xmlns:r="http://schemas.openxmlformats.org/officeDocument/2006/relationships" xmlns:p="http://schemas.openxmlformats.org/presentationml/2006/main">
-  <p:cSld>
-    <p:spTree>
-      <p:nvGrpSpPr>
-        <p:cNvPr id="1" name=""/>
-        <p:cNvGrpSpPr/>
-        <p:nvPr/>
-      </p:nvGrpSpPr>
-      <p:grpSpPr>
-        <a:xfrm>
-          <a:off x="0" y="0"/>
-          <a:ext cx="0" cy="0"/>
-          <a:chOff x="0" y="0"/>
-          <a:chExt cx="0" cy="0"/>
-        </a:xfrm>
-      </p:grpSpPr>
-      <p:sp>
-        <p:nvSpPr>
-          <p:cNvPr id="3" name="Content Placeholder 2">
-            <a:extLst>
-              <a:ext uri="{FF2B5EF4-FFF2-40B4-BE49-F238E27FC236}">
-                <a16:creationId xmlns:a16="http://schemas.microsoft.com/office/drawing/2014/main" id="{22D632B1-FAA3-4BF6-8228-E17DFD494D6A}"/>
-              </a:ext>
-            </a:extLst>
-          </p:cNvPr>
-          <p:cNvSpPr>
-            <a:spLocks noGrp="1"/>
-          </p:cNvSpPr>
-          <p:nvPr>
-            <p:ph idx="1"/>
-          </p:nvPr>
-        </p:nvSpPr>
-        <p:spPr>
-          <a:xfrm>
-            <a:off x="0" y="360947"/>
-            <a:ext cx="12192000" cy="5710990"/>
-          </a:xfrm>
-        </p:spPr>
-        <p:txBody>
-          <a:bodyPr>
-            <a:normAutofit fontScale="92500" lnSpcReduction="10000"/>
-          </a:bodyPr>
-          <a:lstStyle/>
-          <a:p>
-            <a:pPr marL="0" indent="0" algn="ctr">
-              <a:buNone/>
-            </a:pPr>
-            <a:r>
-              <a:rPr lang="en-US" sz="6000" b="1" dirty="0"/>
-              <a:t>TRIAL 3 – FAIL TEST</a:t>
-            </a:r>
-          </a:p>
-          <a:p>
-            <a:pPr marL="0" indent="0" algn="ctr">
-              <a:buNone/>
-            </a:pPr>
-            <a:r>
-              <a:rPr lang="en-US" sz="6000" b="1" dirty="0"/>
-              <a:t>TRIAL CRITERION + RANDOM (NO R) </a:t>
-            </a:r>
-          </a:p>
-          <a:p>
-            <a:pPr marL="0" indent="0" algn="ctr">
-              <a:buNone/>
-            </a:pPr>
-            <a:r>
-              <a:rPr lang="en-US" sz="6000" dirty="0"/>
-              <a:t>Enclosure: Circle</a:t>
-            </a:r>
-          </a:p>
-          <a:p>
-            <a:pPr marL="0" indent="0" algn="ctr">
-              <a:buNone/>
-            </a:pPr>
-            <a:r>
-              <a:rPr lang="en-US" sz="6000" dirty="0"/>
-              <a:t>All Goals: (V: Cube + Apple, I: Sphere)</a:t>
-            </a:r>
-          </a:p>
-          <a:p>
-            <a:pPr marL="0" indent="0" algn="ctr">
-              <a:buNone/>
-            </a:pPr>
-            <a:r>
-              <a:rPr lang="en-US" sz="6000" dirty="0"/>
-              <a:t>Quota = 3</a:t>
-            </a:r>
-          </a:p>
-          <a:p>
-            <a:pPr marL="0" indent="0" algn="ctr">
-              <a:buNone/>
-            </a:pPr>
-            <a:r>
-              <a:rPr lang="en-US" sz="6000" dirty="0"/>
-              <a:t>Landmarks: All</a:t>
-            </a:r>
-          </a:p>
-          <a:p>
-            <a:pPr marL="0" indent="0" algn="ctr">
-              <a:buNone/>
-            </a:pPr>
-            <a:r>
-              <a:rPr lang="en-US" sz="6000" dirty="0"/>
-              <a:t>Scene #3</a:t>
-            </a:r>
-          </a:p>
-        </p:txBody>
-      </p:sp>
-    </p:spTree>
-    <p:extLst>
-      <p:ext uri="{BB962C8B-B14F-4D97-AF65-F5344CB8AC3E}">
-        <p14:creationId xmlns:p14="http://schemas.microsoft.com/office/powerpoint/2010/main" val="4210147096"/>
-      </p:ext>
-    </p:extLst>
-  </p:cSld>
-  <p:clrMapOvr>
-    <a:masterClrMapping/>
-  </p:clrMapOvr>
-</p:sld>
-</file>
-
-<file path=ppt/slides/slide86.xml><?xml version="1.0" encoding="utf-8"?>
-<p:sld xmlns:a="http://schemas.openxmlformats.org/drawingml/2006/main" xmlns:r="http://schemas.openxmlformats.org/officeDocument/2006/relationships" xmlns:p="http://schemas.openxmlformats.org/presentationml/2006/main">
-  <p:cSld>
-    <p:spTree>
-      <p:nvGrpSpPr>
-        <p:cNvPr id="1" name=""/>
-        <p:cNvGrpSpPr/>
-        <p:nvPr/>
-      </p:nvGrpSpPr>
-      <p:grpSpPr>
-        <a:xfrm>
-          <a:off x="0" y="0"/>
-          <a:ext cx="0" cy="0"/>
-          <a:chOff x="0" y="0"/>
-          <a:chExt cx="0" cy="0"/>
-        </a:xfrm>
-      </p:grpSpPr>
-      <p:sp>
-        <p:nvSpPr>
-          <p:cNvPr id="3" name="Content Placeholder 2">
-            <a:extLst>
-              <a:ext uri="{FF2B5EF4-FFF2-40B4-BE49-F238E27FC236}">
-                <a16:creationId xmlns:a16="http://schemas.microsoft.com/office/drawing/2014/main" id="{22D632B1-FAA3-4BF6-8228-E17DFD494D6A}"/>
-              </a:ext>
-            </a:extLst>
-          </p:cNvPr>
-          <p:cNvSpPr>
-            <a:spLocks noGrp="1"/>
-          </p:cNvSpPr>
-          <p:nvPr>
-            <p:ph idx="1"/>
-          </p:nvPr>
-        </p:nvSpPr>
-        <p:spPr>
-          <a:xfrm>
-            <a:off x="0" y="240633"/>
-            <a:ext cx="12192000" cy="6424862"/>
-          </a:xfrm>
-        </p:spPr>
-        <p:txBody>
-          <a:bodyPr>
-            <a:normAutofit lnSpcReduction="10000"/>
-          </a:bodyPr>
-          <a:lstStyle/>
-          <a:p>
-            <a:pPr marL="0" indent="0" algn="ctr">
-              <a:buNone/>
-            </a:pPr>
-            <a:r>
-              <a:rPr lang="en-US" sz="6000" b="1" dirty="0"/>
-              <a:t>TRIAL 4 – FAIL TEST</a:t>
-            </a:r>
-          </a:p>
-          <a:p>
-            <a:pPr marL="0" indent="0" algn="ctr">
-              <a:buNone/>
-            </a:pPr>
-            <a:r>
-              <a:rPr lang="en-US" sz="6000" b="1" dirty="0"/>
-              <a:t>TRIAL CRITERION + RANDOM (NO R) </a:t>
-            </a:r>
-          </a:p>
-          <a:p>
-            <a:pPr marL="0" indent="0" algn="ctr">
-              <a:buNone/>
-            </a:pPr>
-            <a:r>
-              <a:rPr lang="en-US" sz="6000" dirty="0"/>
-              <a:t>Enclosure: Invisible Floor</a:t>
-            </a:r>
-          </a:p>
-          <a:p>
-            <a:pPr marL="0" indent="0" algn="ctr">
-              <a:buNone/>
-            </a:pPr>
-            <a:r>
-              <a:rPr lang="en-US" sz="6000" dirty="0"/>
-              <a:t>All Goals: (V: Sphere, I: Water)</a:t>
-            </a:r>
-          </a:p>
-          <a:p>
-            <a:pPr marL="0" indent="0" algn="ctr">
-              <a:buNone/>
-            </a:pPr>
-            <a:r>
-              <a:rPr lang="en-US" sz="6000" dirty="0"/>
-              <a:t>Quota = 2</a:t>
-            </a:r>
-          </a:p>
-          <a:p>
-            <a:pPr marL="0" indent="0" algn="ctr">
-              <a:buNone/>
-            </a:pPr>
-            <a:r>
-              <a:rPr lang="en-US" sz="6000" dirty="0"/>
-              <a:t>Landmarks: All</a:t>
-            </a:r>
-          </a:p>
-          <a:p>
-            <a:pPr marL="0" indent="0" algn="ctr">
-              <a:buNone/>
-            </a:pPr>
-            <a:r>
-              <a:rPr lang="en-US" sz="6000" dirty="0"/>
-              <a:t>Scene #3</a:t>
-            </a:r>
-          </a:p>
-        </p:txBody>
-      </p:sp>
-    </p:spTree>
-    <p:extLst>
-      <p:ext uri="{BB962C8B-B14F-4D97-AF65-F5344CB8AC3E}">
-        <p14:creationId xmlns:p14="http://schemas.microsoft.com/office/powerpoint/2010/main" val="2797285500"/>
-      </p:ext>
-    </p:extLst>
-  </p:cSld>
-  <p:clrMapOvr>
-    <a:masterClrMapping/>
-  </p:clrMapOvr>
-</p:sld>
-</file>
-
-<file path=ppt/slides/slide87.xml><?xml version="1.0" encoding="utf-8"?>
-<p:sld xmlns:a="http://schemas.openxmlformats.org/drawingml/2006/main" xmlns:r="http://schemas.openxmlformats.org/officeDocument/2006/relationships" xmlns:p="http://schemas.openxmlformats.org/presentationml/2006/main">
-  <p:cSld>
-    <p:spTree>
-      <p:nvGrpSpPr>
-        <p:cNvPr id="1" name=""/>
-        <p:cNvGrpSpPr/>
-        <p:nvPr/>
-      </p:nvGrpSpPr>
-      <p:grpSpPr>
-        <a:xfrm>
-          <a:off x="0" y="0"/>
-          <a:ext cx="0" cy="0"/>
-          <a:chOff x="0" y="0"/>
-          <a:chExt cx="0" cy="0"/>
-        </a:xfrm>
-      </p:grpSpPr>
-      <p:sp>
-        <p:nvSpPr>
           <p:cNvPr id="4" name="Rectangle 3">
             <a:extLst>
               <a:ext uri="{FF2B5EF4-FFF2-40B4-BE49-F238E27FC236}">
@@ -14967,7 +14707,7 @@
             <a:avLst/>
           </a:prstGeom>
           <a:solidFill>
-            <a:srgbClr val="F1CB68"/>
+            <a:schemeClr val="tx1"/>
           </a:solidFill>
         </p:spPr>
         <p:style>
@@ -15013,8 +14753,8 @@
         </p:nvSpPr>
         <p:spPr>
           <a:xfrm>
-            <a:off x="0" y="1825625"/>
-            <a:ext cx="12192000" cy="3275764"/>
+            <a:off x="0" y="2962192"/>
+            <a:ext cx="12192000" cy="933617"/>
           </a:xfrm>
         </p:spPr>
         <p:txBody>
@@ -15032,339 +14772,20 @@
                   <a:schemeClr val="bg1"/>
                 </a:solidFill>
               </a:rPr>
-              <a:t>TESTING BLOCKS</a:t>
-            </a:r>
-          </a:p>
-          <a:p>
-            <a:pPr marL="0" indent="0" algn="ctr">
-              <a:buNone/>
-            </a:pPr>
-            <a:r>
-              <a:rPr lang="en-US" sz="6000" b="1" dirty="0">
-                <a:solidFill>
-                  <a:schemeClr val="bg1"/>
-                </a:solidFill>
-              </a:rPr>
-              <a:t>Trial Criterion = 3</a:t>
-            </a:r>
-          </a:p>
-          <a:p>
-            <a:pPr marL="0" indent="0" algn="ctr">
-              <a:buNone/>
-            </a:pPr>
-            <a:r>
-              <a:rPr lang="en-US" sz="6000" b="1" dirty="0">
-                <a:solidFill>
-                  <a:schemeClr val="bg1"/>
-                </a:solidFill>
-              </a:rPr>
-              <a:t>Random (NO R) 4 Trial – PASS Test</a:t>
+              <a:t>TESTING COMPLETE</a:t>
             </a:r>
             <a:endParaRPr lang="en-US" sz="6000" dirty="0">
               <a:solidFill>
-                <a:schemeClr val="bg1"/>
+                <a:srgbClr val="548235"/>
               </a:solidFill>
             </a:endParaRPr>
-          </a:p>
-        </p:txBody>
-      </p:sp>
-      <p:sp>
-        <p:nvSpPr>
-          <p:cNvPr id="5" name="Rectangle 4">
-            <a:extLst>
-              <a:ext uri="{FF2B5EF4-FFF2-40B4-BE49-F238E27FC236}">
-                <a16:creationId xmlns:a16="http://schemas.microsoft.com/office/drawing/2014/main" id="{39619423-00BB-4AD2-8F0E-37DDC3470B25}"/>
-              </a:ext>
-            </a:extLst>
-          </p:cNvPr>
-          <p:cNvSpPr/>
-          <p:nvPr/>
-        </p:nvSpPr>
-        <p:spPr>
-          <a:xfrm>
-            <a:off x="3172326" y="5403834"/>
-            <a:ext cx="5847347" cy="866274"/>
-          </a:xfrm>
-          <a:prstGeom prst="rect">
-            <a:avLst/>
-          </a:prstGeom>
-        </p:spPr>
-        <p:style>
-          <a:lnRef idx="2">
-            <a:schemeClr val="dk1">
-              <a:shade val="50000"/>
-            </a:schemeClr>
-          </a:lnRef>
-          <a:fillRef idx="1">
-            <a:schemeClr val="dk1"/>
-          </a:fillRef>
-          <a:effectRef idx="0">
-            <a:schemeClr val="dk1"/>
-          </a:effectRef>
-          <a:fontRef idx="minor">
-            <a:schemeClr val="lt1"/>
-          </a:fontRef>
-        </p:style>
-        <p:txBody>
-          <a:bodyPr rtlCol="0" anchor="ctr"/>
-          <a:lstStyle/>
-          <a:p>
-            <a:pPr algn="ctr"/>
-            <a:r>
-              <a:rPr lang="en-US" sz="3200" b="1" dirty="0"/>
-              <a:t>PRESS SPACE TO BEGIN TEST</a:t>
-            </a:r>
           </a:p>
         </p:txBody>
       </p:sp>
     </p:spTree>
     <p:extLst>
       <p:ext uri="{BB962C8B-B14F-4D97-AF65-F5344CB8AC3E}">
-        <p14:creationId xmlns:p14="http://schemas.microsoft.com/office/powerpoint/2010/main" val="1707323581"/>
-      </p:ext>
-    </p:extLst>
-  </p:cSld>
-  <p:clrMapOvr>
-    <a:masterClrMapping/>
-  </p:clrMapOvr>
-</p:sld>
-</file>
-
-<file path=ppt/slides/slide88.xml><?xml version="1.0" encoding="utf-8"?>
-<p:sld xmlns:a="http://schemas.openxmlformats.org/drawingml/2006/main" xmlns:r="http://schemas.openxmlformats.org/officeDocument/2006/relationships" xmlns:p="http://schemas.openxmlformats.org/presentationml/2006/main">
-  <p:cSld>
-    <p:spTree>
-      <p:nvGrpSpPr>
-        <p:cNvPr id="1" name=""/>
-        <p:cNvGrpSpPr/>
-        <p:nvPr/>
-      </p:nvGrpSpPr>
-      <p:grpSpPr>
-        <a:xfrm>
-          <a:off x="0" y="0"/>
-          <a:ext cx="0" cy="0"/>
-          <a:chOff x="0" y="0"/>
-          <a:chExt cx="0" cy="0"/>
-        </a:xfrm>
-      </p:grpSpPr>
-      <p:sp>
-        <p:nvSpPr>
-          <p:cNvPr id="3" name="Content Placeholder 2">
-            <a:extLst>
-              <a:ext uri="{FF2B5EF4-FFF2-40B4-BE49-F238E27FC236}">
-                <a16:creationId xmlns:a16="http://schemas.microsoft.com/office/drawing/2014/main" id="{22D632B1-FAA3-4BF6-8228-E17DFD494D6A}"/>
-              </a:ext>
-            </a:extLst>
-          </p:cNvPr>
-          <p:cNvSpPr>
-            <a:spLocks noGrp="1"/>
-          </p:cNvSpPr>
-          <p:nvPr>
-            <p:ph idx="1"/>
-          </p:nvPr>
-        </p:nvSpPr>
-        <p:spPr>
-          <a:xfrm>
-            <a:off x="0" y="834189"/>
-            <a:ext cx="12192000" cy="5478379"/>
-          </a:xfrm>
-        </p:spPr>
-        <p:txBody>
-          <a:bodyPr>
-            <a:normAutofit fontScale="92500" lnSpcReduction="20000"/>
-          </a:bodyPr>
-          <a:lstStyle/>
-          <a:p>
-            <a:pPr marL="0" indent="0" algn="ctr">
-              <a:buNone/>
-            </a:pPr>
-            <a:r>
-              <a:rPr lang="en-US" sz="6000" b="1" dirty="0"/>
-              <a:t>TRIAL 1 - PASS TEST</a:t>
-            </a:r>
-          </a:p>
-          <a:p>
-            <a:pPr marL="0" indent="0" algn="ctr">
-              <a:buNone/>
-            </a:pPr>
-            <a:r>
-              <a:rPr lang="en-US" sz="6000" b="1" dirty="0"/>
-              <a:t>TRIAL CRITERION + RANDOM (NO R) </a:t>
-            </a:r>
-          </a:p>
-          <a:p>
-            <a:pPr marL="0" indent="0" algn="ctr">
-              <a:buNone/>
-            </a:pPr>
-            <a:r>
-              <a:rPr lang="en-US" sz="6000" dirty="0"/>
-              <a:t>Enclosure: Invisible Floor</a:t>
-            </a:r>
-          </a:p>
-          <a:p>
-            <a:pPr marL="0" indent="0" algn="ctr">
-              <a:buNone/>
-            </a:pPr>
-            <a:r>
-              <a:rPr lang="en-US" sz="6000" dirty="0"/>
-              <a:t>All Goals: (V: Water, I: Water, Cube)</a:t>
-            </a:r>
-          </a:p>
-          <a:p>
-            <a:pPr marL="0" indent="0" algn="ctr">
-              <a:buNone/>
-            </a:pPr>
-            <a:r>
-              <a:rPr lang="en-US" sz="6000" dirty="0"/>
-              <a:t>Quota = 2</a:t>
-            </a:r>
-          </a:p>
-          <a:p>
-            <a:pPr marL="0" indent="0" algn="ctr">
-              <a:buNone/>
-            </a:pPr>
-            <a:r>
-              <a:rPr lang="en-US" sz="6000" dirty="0"/>
-              <a:t>Landmarks: All</a:t>
-            </a:r>
-          </a:p>
-          <a:p>
-            <a:pPr marL="0" indent="0" algn="ctr">
-              <a:buNone/>
-            </a:pPr>
-            <a:r>
-              <a:rPr lang="en-US" sz="6000" dirty="0"/>
-              <a:t>Scene #3</a:t>
-            </a:r>
-          </a:p>
-        </p:txBody>
-      </p:sp>
-    </p:spTree>
-    <p:extLst>
-      <p:ext uri="{BB962C8B-B14F-4D97-AF65-F5344CB8AC3E}">
-        <p14:creationId xmlns:p14="http://schemas.microsoft.com/office/powerpoint/2010/main" val="1135141056"/>
-      </p:ext>
-    </p:extLst>
-  </p:cSld>
-  <p:clrMapOvr>
-    <a:masterClrMapping/>
-  </p:clrMapOvr>
-</p:sld>
-</file>
-
-<file path=ppt/slides/slide89.xml><?xml version="1.0" encoding="utf-8"?>
-<p:sld xmlns:a="http://schemas.openxmlformats.org/drawingml/2006/main" xmlns:r="http://schemas.openxmlformats.org/officeDocument/2006/relationships" xmlns:p="http://schemas.openxmlformats.org/presentationml/2006/main">
-  <p:cSld>
-    <p:spTree>
-      <p:nvGrpSpPr>
-        <p:cNvPr id="1" name=""/>
-        <p:cNvGrpSpPr/>
-        <p:nvPr/>
-      </p:nvGrpSpPr>
-      <p:grpSpPr>
-        <a:xfrm>
-          <a:off x="0" y="0"/>
-          <a:ext cx="0" cy="0"/>
-          <a:chOff x="0" y="0"/>
-          <a:chExt cx="0" cy="0"/>
-        </a:xfrm>
-      </p:grpSpPr>
-      <p:sp>
-        <p:nvSpPr>
-          <p:cNvPr id="3" name="Content Placeholder 2">
-            <a:extLst>
-              <a:ext uri="{FF2B5EF4-FFF2-40B4-BE49-F238E27FC236}">
-                <a16:creationId xmlns:a16="http://schemas.microsoft.com/office/drawing/2014/main" id="{22D632B1-FAA3-4BF6-8228-E17DFD494D6A}"/>
-              </a:ext>
-            </a:extLst>
-          </p:cNvPr>
-          <p:cNvSpPr>
-            <a:spLocks noGrp="1"/>
-          </p:cNvSpPr>
-          <p:nvPr>
-            <p:ph idx="1"/>
-          </p:nvPr>
-        </p:nvSpPr>
-        <p:spPr>
-          <a:xfrm>
-            <a:off x="0" y="1126958"/>
-            <a:ext cx="12192000" cy="5273841"/>
-          </a:xfrm>
-        </p:spPr>
-        <p:txBody>
-          <a:bodyPr>
-            <a:normAutofit fontScale="92500" lnSpcReduction="20000"/>
-          </a:bodyPr>
-          <a:lstStyle/>
-          <a:p>
-            <a:pPr marL="0" indent="0" algn="ctr">
-              <a:buNone/>
-            </a:pPr>
-            <a:r>
-              <a:rPr lang="en-US" sz="6000" b="1" dirty="0"/>
-              <a:t>TRIAL 2 – PASS TEST</a:t>
-            </a:r>
-          </a:p>
-          <a:p>
-            <a:pPr marL="0" indent="0" algn="ctr">
-              <a:buNone/>
-            </a:pPr>
-            <a:r>
-              <a:rPr lang="en-US" sz="6000" b="1" dirty="0"/>
-              <a:t>TRIAL CRITERION + RANDOM (NO R) </a:t>
-            </a:r>
-          </a:p>
-          <a:p>
-            <a:pPr marL="0" indent="0" algn="ctr">
-              <a:buNone/>
-            </a:pPr>
-            <a:r>
-              <a:rPr lang="en-US" sz="6000" dirty="0"/>
-              <a:t>Enclosure: Square</a:t>
-            </a:r>
-          </a:p>
-          <a:p>
-            <a:pPr marL="0" indent="0" algn="ctr">
-              <a:buNone/>
-            </a:pPr>
-            <a:r>
-              <a:rPr lang="en-US" sz="6000" dirty="0"/>
-              <a:t>All Goals: All Active</a:t>
-            </a:r>
-          </a:p>
-          <a:p>
-            <a:pPr marL="0" indent="0" algn="ctr">
-              <a:buNone/>
-            </a:pPr>
-            <a:r>
-              <a:rPr lang="en-US" sz="6000" dirty="0"/>
-              <a:t>Quota = 4</a:t>
-            </a:r>
-          </a:p>
-          <a:p>
-            <a:pPr marL="0" indent="0" algn="ctr">
-              <a:buNone/>
-            </a:pPr>
-            <a:r>
-              <a:rPr lang="en-US" sz="6000" dirty="0"/>
-              <a:t>Landmarks: All</a:t>
-            </a:r>
-          </a:p>
-          <a:p>
-            <a:pPr marL="0" indent="0" algn="ctr">
-              <a:buNone/>
-            </a:pPr>
-            <a:r>
-              <a:rPr lang="en-US" sz="6000" dirty="0"/>
-              <a:t>Scene #2</a:t>
-            </a:r>
-          </a:p>
-        </p:txBody>
-      </p:sp>
-    </p:spTree>
-    <p:extLst>
-      <p:ext uri="{BB962C8B-B14F-4D97-AF65-F5344CB8AC3E}">
-        <p14:creationId xmlns:p14="http://schemas.microsoft.com/office/powerpoint/2010/main" val="3959164106"/>
+        <p14:creationId xmlns:p14="http://schemas.microsoft.com/office/powerpoint/2010/main" val="3694324671"/>
       </p:ext>
     </p:extLst>
   </p:cSld>
@@ -15452,1384 +14873,6 @@
     <p:extLst>
       <p:ext uri="{BB962C8B-B14F-4D97-AF65-F5344CB8AC3E}">
         <p14:creationId xmlns:p14="http://schemas.microsoft.com/office/powerpoint/2010/main" val="2590870922"/>
-      </p:ext>
-    </p:extLst>
-  </p:cSld>
-  <p:clrMapOvr>
-    <a:masterClrMapping/>
-  </p:clrMapOvr>
-</p:sld>
-</file>
-
-<file path=ppt/slides/slide90.xml><?xml version="1.0" encoding="utf-8"?>
-<p:sld xmlns:a="http://schemas.openxmlformats.org/drawingml/2006/main" xmlns:r="http://schemas.openxmlformats.org/officeDocument/2006/relationships" xmlns:p="http://schemas.openxmlformats.org/presentationml/2006/main">
-  <p:cSld>
-    <p:spTree>
-      <p:nvGrpSpPr>
-        <p:cNvPr id="1" name=""/>
-        <p:cNvGrpSpPr/>
-        <p:nvPr/>
-      </p:nvGrpSpPr>
-      <p:grpSpPr>
-        <a:xfrm>
-          <a:off x="0" y="0"/>
-          <a:ext cx="0" cy="0"/>
-          <a:chOff x="0" y="0"/>
-          <a:chExt cx="0" cy="0"/>
-        </a:xfrm>
-      </p:grpSpPr>
-      <p:sp>
-        <p:nvSpPr>
-          <p:cNvPr id="3" name="Content Placeholder 2">
-            <a:extLst>
-              <a:ext uri="{FF2B5EF4-FFF2-40B4-BE49-F238E27FC236}">
-                <a16:creationId xmlns:a16="http://schemas.microsoft.com/office/drawing/2014/main" id="{22D632B1-FAA3-4BF6-8228-E17DFD494D6A}"/>
-              </a:ext>
-            </a:extLst>
-          </p:cNvPr>
-          <p:cNvSpPr>
-            <a:spLocks noGrp="1"/>
-          </p:cNvSpPr>
-          <p:nvPr>
-            <p:ph idx="1"/>
-          </p:nvPr>
-        </p:nvSpPr>
-        <p:spPr>
-          <a:xfrm>
-            <a:off x="0" y="360947"/>
-            <a:ext cx="12192000" cy="5710990"/>
-          </a:xfrm>
-        </p:spPr>
-        <p:txBody>
-          <a:bodyPr>
-            <a:normAutofit fontScale="92500" lnSpcReduction="10000"/>
-          </a:bodyPr>
-          <a:lstStyle/>
-          <a:p>
-            <a:pPr marL="0" indent="0" algn="ctr">
-              <a:buNone/>
-            </a:pPr>
-            <a:r>
-              <a:rPr lang="en-US" sz="6000" b="1" dirty="0"/>
-              <a:t>TRIAL 3 – PASS TEST</a:t>
-            </a:r>
-          </a:p>
-          <a:p>
-            <a:pPr marL="0" indent="0" algn="ctr">
-              <a:buNone/>
-            </a:pPr>
-            <a:r>
-              <a:rPr lang="en-US" sz="6000" b="1" dirty="0"/>
-              <a:t>TRIAL CRITERION + RANDOM (NO R) </a:t>
-            </a:r>
-          </a:p>
-          <a:p>
-            <a:pPr marL="0" indent="0" algn="ctr">
-              <a:buNone/>
-            </a:pPr>
-            <a:r>
-              <a:rPr lang="en-US" sz="6000" dirty="0"/>
-              <a:t>Enclosure: Circle</a:t>
-            </a:r>
-          </a:p>
-          <a:p>
-            <a:pPr marL="0" indent="0" algn="ctr">
-              <a:buNone/>
-            </a:pPr>
-            <a:r>
-              <a:rPr lang="en-US" sz="6000" dirty="0"/>
-              <a:t>All Goals: (V: Cube + Apple, I: Sphere)</a:t>
-            </a:r>
-          </a:p>
-          <a:p>
-            <a:pPr marL="0" indent="0" algn="ctr">
-              <a:buNone/>
-            </a:pPr>
-            <a:r>
-              <a:rPr lang="en-US" sz="6000" dirty="0"/>
-              <a:t>Quota = 3</a:t>
-            </a:r>
-          </a:p>
-          <a:p>
-            <a:pPr marL="0" indent="0" algn="ctr">
-              <a:buNone/>
-            </a:pPr>
-            <a:r>
-              <a:rPr lang="en-US" sz="6000" dirty="0"/>
-              <a:t>Landmarks: All</a:t>
-            </a:r>
-          </a:p>
-          <a:p>
-            <a:pPr marL="0" indent="0" algn="ctr">
-              <a:buNone/>
-            </a:pPr>
-            <a:r>
-              <a:rPr lang="en-US" sz="6000" dirty="0"/>
-              <a:t>Scene #3</a:t>
-            </a:r>
-          </a:p>
-        </p:txBody>
-      </p:sp>
-    </p:spTree>
-    <p:extLst>
-      <p:ext uri="{BB962C8B-B14F-4D97-AF65-F5344CB8AC3E}">
-        <p14:creationId xmlns:p14="http://schemas.microsoft.com/office/powerpoint/2010/main" val="1791789705"/>
-      </p:ext>
-    </p:extLst>
-  </p:cSld>
-  <p:clrMapOvr>
-    <a:masterClrMapping/>
-  </p:clrMapOvr>
-</p:sld>
-</file>
-
-<file path=ppt/slides/slide91.xml><?xml version="1.0" encoding="utf-8"?>
-<p:sld xmlns:a="http://schemas.openxmlformats.org/drawingml/2006/main" xmlns:r="http://schemas.openxmlformats.org/officeDocument/2006/relationships" xmlns:p="http://schemas.openxmlformats.org/presentationml/2006/main">
-  <p:cSld>
-    <p:spTree>
-      <p:nvGrpSpPr>
-        <p:cNvPr id="1" name=""/>
-        <p:cNvGrpSpPr/>
-        <p:nvPr/>
-      </p:nvGrpSpPr>
-      <p:grpSpPr>
-        <a:xfrm>
-          <a:off x="0" y="0"/>
-          <a:ext cx="0" cy="0"/>
-          <a:chOff x="0" y="0"/>
-          <a:chExt cx="0" cy="0"/>
-        </a:xfrm>
-      </p:grpSpPr>
-      <p:sp>
-        <p:nvSpPr>
-          <p:cNvPr id="3" name="Content Placeholder 2">
-            <a:extLst>
-              <a:ext uri="{FF2B5EF4-FFF2-40B4-BE49-F238E27FC236}">
-                <a16:creationId xmlns:a16="http://schemas.microsoft.com/office/drawing/2014/main" id="{22D632B1-FAA3-4BF6-8228-E17DFD494D6A}"/>
-              </a:ext>
-            </a:extLst>
-          </p:cNvPr>
-          <p:cNvSpPr>
-            <a:spLocks noGrp="1"/>
-          </p:cNvSpPr>
-          <p:nvPr>
-            <p:ph idx="1"/>
-          </p:nvPr>
-        </p:nvSpPr>
-        <p:spPr>
-          <a:xfrm>
-            <a:off x="0" y="240633"/>
-            <a:ext cx="12192000" cy="6424862"/>
-          </a:xfrm>
-        </p:spPr>
-        <p:txBody>
-          <a:bodyPr>
-            <a:normAutofit lnSpcReduction="10000"/>
-          </a:bodyPr>
-          <a:lstStyle/>
-          <a:p>
-            <a:pPr marL="0" indent="0" algn="ctr">
-              <a:buNone/>
-            </a:pPr>
-            <a:r>
-              <a:rPr lang="en-US" sz="6000" b="1" dirty="0"/>
-              <a:t>TRIAL 4 – PASS TEST</a:t>
-            </a:r>
-          </a:p>
-          <a:p>
-            <a:pPr marL="0" indent="0" algn="ctr">
-              <a:buNone/>
-            </a:pPr>
-            <a:r>
-              <a:rPr lang="en-US" sz="6000" b="1" dirty="0"/>
-              <a:t>TRIAL CRITERION + RANDOM (NO R) </a:t>
-            </a:r>
-          </a:p>
-          <a:p>
-            <a:pPr marL="0" indent="0" algn="ctr">
-              <a:buNone/>
-            </a:pPr>
-            <a:r>
-              <a:rPr lang="en-US" sz="6000" dirty="0"/>
-              <a:t>Enclosure: Invisible Floor</a:t>
-            </a:r>
-          </a:p>
-          <a:p>
-            <a:pPr marL="0" indent="0" algn="ctr">
-              <a:buNone/>
-            </a:pPr>
-            <a:r>
-              <a:rPr lang="en-US" sz="6000" dirty="0"/>
-              <a:t>All Goals: (V: Sphere, I: Water)</a:t>
-            </a:r>
-          </a:p>
-          <a:p>
-            <a:pPr marL="0" indent="0" algn="ctr">
-              <a:buNone/>
-            </a:pPr>
-            <a:r>
-              <a:rPr lang="en-US" sz="6000" dirty="0"/>
-              <a:t>Quota = 2</a:t>
-            </a:r>
-          </a:p>
-          <a:p>
-            <a:pPr marL="0" indent="0" algn="ctr">
-              <a:buNone/>
-            </a:pPr>
-            <a:r>
-              <a:rPr lang="en-US" sz="6000" dirty="0"/>
-              <a:t>Landmarks: All</a:t>
-            </a:r>
-          </a:p>
-          <a:p>
-            <a:pPr marL="0" indent="0" algn="ctr">
-              <a:buNone/>
-            </a:pPr>
-            <a:r>
-              <a:rPr lang="en-US" sz="6000" dirty="0"/>
-              <a:t>Scene #3</a:t>
-            </a:r>
-          </a:p>
-        </p:txBody>
-      </p:sp>
-    </p:spTree>
-    <p:extLst>
-      <p:ext uri="{BB962C8B-B14F-4D97-AF65-F5344CB8AC3E}">
-        <p14:creationId xmlns:p14="http://schemas.microsoft.com/office/powerpoint/2010/main" val="3107209454"/>
-      </p:ext>
-    </p:extLst>
-  </p:cSld>
-  <p:clrMapOvr>
-    <a:masterClrMapping/>
-  </p:clrMapOvr>
-</p:sld>
-</file>
-
-<file path=ppt/slides/slide92.xml><?xml version="1.0" encoding="utf-8"?>
-<p:sld xmlns:a="http://schemas.openxmlformats.org/drawingml/2006/main" xmlns:r="http://schemas.openxmlformats.org/officeDocument/2006/relationships" xmlns:p="http://schemas.openxmlformats.org/presentationml/2006/main">
-  <p:cSld>
-    <p:spTree>
-      <p:nvGrpSpPr>
-        <p:cNvPr id="1" name=""/>
-        <p:cNvGrpSpPr/>
-        <p:nvPr/>
-      </p:nvGrpSpPr>
-      <p:grpSpPr>
-        <a:xfrm>
-          <a:off x="0" y="0"/>
-          <a:ext cx="0" cy="0"/>
-          <a:chOff x="0" y="0"/>
-          <a:chExt cx="0" cy="0"/>
-        </a:xfrm>
-      </p:grpSpPr>
-      <p:sp>
-        <p:nvSpPr>
-          <p:cNvPr id="4" name="Rectangle 3">
-            <a:extLst>
-              <a:ext uri="{FF2B5EF4-FFF2-40B4-BE49-F238E27FC236}">
-                <a16:creationId xmlns:a16="http://schemas.microsoft.com/office/drawing/2014/main" id="{EEA24FE4-CF88-4576-8D74-4D4BF0A7AC43}"/>
-              </a:ext>
-            </a:extLst>
-          </p:cNvPr>
-          <p:cNvSpPr/>
-          <p:nvPr/>
-        </p:nvSpPr>
-        <p:spPr>
-          <a:xfrm>
-            <a:off x="0" y="0"/>
-            <a:ext cx="12192000" cy="6858000"/>
-          </a:xfrm>
-          <a:prstGeom prst="rect">
-            <a:avLst/>
-          </a:prstGeom>
-          <a:solidFill>
-            <a:srgbClr val="F1CB68"/>
-          </a:solidFill>
-        </p:spPr>
-        <p:style>
-          <a:lnRef idx="2">
-            <a:schemeClr val="accent1">
-              <a:shade val="50000"/>
-            </a:schemeClr>
-          </a:lnRef>
-          <a:fillRef idx="1">
-            <a:schemeClr val="accent1"/>
-          </a:fillRef>
-          <a:effectRef idx="0">
-            <a:schemeClr val="accent1"/>
-          </a:effectRef>
-          <a:fontRef idx="minor">
-            <a:schemeClr val="lt1"/>
-          </a:fontRef>
-        </p:style>
-        <p:txBody>
-          <a:bodyPr rtlCol="0" anchor="ctr"/>
-          <a:lstStyle/>
-          <a:p>
-            <a:pPr algn="ctr"/>
-            <a:endParaRPr lang="en-US"/>
-          </a:p>
-        </p:txBody>
-      </p:sp>
-      <p:sp>
-        <p:nvSpPr>
-          <p:cNvPr id="3" name="Content Placeholder 2">
-            <a:extLst>
-              <a:ext uri="{FF2B5EF4-FFF2-40B4-BE49-F238E27FC236}">
-                <a16:creationId xmlns:a16="http://schemas.microsoft.com/office/drawing/2014/main" id="{22D632B1-FAA3-4BF6-8228-E17DFD494D6A}"/>
-              </a:ext>
-            </a:extLst>
-          </p:cNvPr>
-          <p:cNvSpPr>
-            <a:spLocks noGrp="1"/>
-          </p:cNvSpPr>
-          <p:nvPr>
-            <p:ph idx="1"/>
-          </p:nvPr>
-        </p:nvSpPr>
-        <p:spPr>
-          <a:xfrm>
-            <a:off x="0" y="1825625"/>
-            <a:ext cx="12192000" cy="3275764"/>
-          </a:xfrm>
-        </p:spPr>
-        <p:txBody>
-          <a:bodyPr>
-            <a:normAutofit/>
-          </a:bodyPr>
-          <a:lstStyle/>
-          <a:p>
-            <a:pPr marL="0" indent="0" algn="ctr">
-              <a:buNone/>
-            </a:pPr>
-            <a:r>
-              <a:rPr lang="en-US" sz="6000" b="1" dirty="0">
-                <a:solidFill>
-                  <a:schemeClr val="bg1"/>
-                </a:solidFill>
-              </a:rPr>
-              <a:t>TESTING BLOCKS</a:t>
-            </a:r>
-          </a:p>
-          <a:p>
-            <a:pPr marL="0" indent="0" algn="ctr">
-              <a:buNone/>
-            </a:pPr>
-            <a:r>
-              <a:rPr lang="en-US" sz="6000" b="1" dirty="0">
-                <a:solidFill>
-                  <a:schemeClr val="bg1"/>
-                </a:solidFill>
-              </a:rPr>
-              <a:t>BLOCK Criterion = 3</a:t>
-            </a:r>
-          </a:p>
-          <a:p>
-            <a:pPr marL="0" indent="0" algn="ctr">
-              <a:buNone/>
-            </a:pPr>
-            <a:r>
-              <a:rPr lang="en-US" sz="6000" b="1" dirty="0">
-                <a:solidFill>
-                  <a:schemeClr val="bg1"/>
-                </a:solidFill>
-              </a:rPr>
-              <a:t>Serial 4 Trial – Test</a:t>
-            </a:r>
-            <a:endParaRPr lang="en-US" sz="6000" dirty="0">
-              <a:solidFill>
-                <a:schemeClr val="bg1"/>
-              </a:solidFill>
-            </a:endParaRPr>
-          </a:p>
-        </p:txBody>
-      </p:sp>
-      <p:sp>
-        <p:nvSpPr>
-          <p:cNvPr id="5" name="Rectangle 4">
-            <a:extLst>
-              <a:ext uri="{FF2B5EF4-FFF2-40B4-BE49-F238E27FC236}">
-                <a16:creationId xmlns:a16="http://schemas.microsoft.com/office/drawing/2014/main" id="{8773B93A-5FA2-4254-9481-12C7D51FB89E}"/>
-              </a:ext>
-            </a:extLst>
-          </p:cNvPr>
-          <p:cNvSpPr/>
-          <p:nvPr/>
-        </p:nvSpPr>
-        <p:spPr>
-          <a:xfrm>
-            <a:off x="3172326" y="5403834"/>
-            <a:ext cx="5847347" cy="866274"/>
-          </a:xfrm>
-          <a:prstGeom prst="rect">
-            <a:avLst/>
-          </a:prstGeom>
-        </p:spPr>
-        <p:style>
-          <a:lnRef idx="2">
-            <a:schemeClr val="dk1">
-              <a:shade val="50000"/>
-            </a:schemeClr>
-          </a:lnRef>
-          <a:fillRef idx="1">
-            <a:schemeClr val="dk1"/>
-          </a:fillRef>
-          <a:effectRef idx="0">
-            <a:schemeClr val="dk1"/>
-          </a:effectRef>
-          <a:fontRef idx="minor">
-            <a:schemeClr val="lt1"/>
-          </a:fontRef>
-        </p:style>
-        <p:txBody>
-          <a:bodyPr rtlCol="0" anchor="ctr"/>
-          <a:lstStyle/>
-          <a:p>
-            <a:pPr algn="ctr"/>
-            <a:r>
-              <a:rPr lang="en-US" sz="3200" b="1" dirty="0"/>
-              <a:t>PRESS SPACE TO BEGIN TEST</a:t>
-            </a:r>
-          </a:p>
-        </p:txBody>
-      </p:sp>
-    </p:spTree>
-    <p:extLst>
-      <p:ext uri="{BB962C8B-B14F-4D97-AF65-F5344CB8AC3E}">
-        <p14:creationId xmlns:p14="http://schemas.microsoft.com/office/powerpoint/2010/main" val="49321715"/>
-      </p:ext>
-    </p:extLst>
-  </p:cSld>
-  <p:clrMapOvr>
-    <a:masterClrMapping/>
-  </p:clrMapOvr>
-</p:sld>
-</file>
-
-<file path=ppt/slides/slide93.xml><?xml version="1.0" encoding="utf-8"?>
-<p:sld xmlns:a="http://schemas.openxmlformats.org/drawingml/2006/main" xmlns:r="http://schemas.openxmlformats.org/officeDocument/2006/relationships" xmlns:p="http://schemas.openxmlformats.org/presentationml/2006/main">
-  <p:cSld>
-    <p:spTree>
-      <p:nvGrpSpPr>
-        <p:cNvPr id="1" name=""/>
-        <p:cNvGrpSpPr/>
-        <p:nvPr/>
-      </p:nvGrpSpPr>
-      <p:grpSpPr>
-        <a:xfrm>
-          <a:off x="0" y="0"/>
-          <a:ext cx="0" cy="0"/>
-          <a:chOff x="0" y="0"/>
-          <a:chExt cx="0" cy="0"/>
-        </a:xfrm>
-      </p:grpSpPr>
-      <p:sp>
-        <p:nvSpPr>
-          <p:cNvPr id="3" name="Content Placeholder 2">
-            <a:extLst>
-              <a:ext uri="{FF2B5EF4-FFF2-40B4-BE49-F238E27FC236}">
-                <a16:creationId xmlns:a16="http://schemas.microsoft.com/office/drawing/2014/main" id="{22D632B1-FAA3-4BF6-8228-E17DFD494D6A}"/>
-              </a:ext>
-            </a:extLst>
-          </p:cNvPr>
-          <p:cNvSpPr>
-            <a:spLocks noGrp="1"/>
-          </p:cNvSpPr>
-          <p:nvPr>
-            <p:ph idx="1"/>
-          </p:nvPr>
-        </p:nvSpPr>
-        <p:spPr>
-          <a:xfrm>
-            <a:off x="0" y="834189"/>
-            <a:ext cx="12192000" cy="5478379"/>
-          </a:xfrm>
-        </p:spPr>
-        <p:txBody>
-          <a:bodyPr>
-            <a:normAutofit fontScale="92500" lnSpcReduction="20000"/>
-          </a:bodyPr>
-          <a:lstStyle/>
-          <a:p>
-            <a:pPr marL="0" indent="0" algn="ctr">
-              <a:buNone/>
-            </a:pPr>
-            <a:r>
-              <a:rPr lang="en-US" sz="6000" b="1" dirty="0"/>
-              <a:t>TRIAL 1 </a:t>
-            </a:r>
-          </a:p>
-          <a:p>
-            <a:pPr marL="0" indent="0" algn="ctr">
-              <a:buNone/>
-            </a:pPr>
-            <a:r>
-              <a:rPr lang="en-US" sz="6000" b="1" dirty="0"/>
-              <a:t>BLOCK CRITERION + SERIAL</a:t>
-            </a:r>
-          </a:p>
-          <a:p>
-            <a:pPr marL="0" indent="0" algn="ctr">
-              <a:buNone/>
-            </a:pPr>
-            <a:r>
-              <a:rPr lang="en-US" sz="6000" dirty="0"/>
-              <a:t>Enclosure: Invisible Floor</a:t>
-            </a:r>
-          </a:p>
-          <a:p>
-            <a:pPr marL="0" indent="0" algn="ctr">
-              <a:buNone/>
-            </a:pPr>
-            <a:r>
-              <a:rPr lang="en-US" sz="6000" dirty="0"/>
-              <a:t>All Goals: (V: Water, I: Water, Cube)</a:t>
-            </a:r>
-          </a:p>
-          <a:p>
-            <a:pPr marL="0" indent="0" algn="ctr">
-              <a:buNone/>
-            </a:pPr>
-            <a:r>
-              <a:rPr lang="en-US" sz="6000" dirty="0"/>
-              <a:t>Quota = 2</a:t>
-            </a:r>
-          </a:p>
-          <a:p>
-            <a:pPr marL="0" indent="0" algn="ctr">
-              <a:buNone/>
-            </a:pPr>
-            <a:r>
-              <a:rPr lang="en-US" sz="6000" dirty="0"/>
-              <a:t>Landmarks: All</a:t>
-            </a:r>
-          </a:p>
-          <a:p>
-            <a:pPr marL="0" indent="0" algn="ctr">
-              <a:buNone/>
-            </a:pPr>
-            <a:r>
-              <a:rPr lang="en-US" sz="6000" dirty="0"/>
-              <a:t>Scene #3</a:t>
-            </a:r>
-          </a:p>
-        </p:txBody>
-      </p:sp>
-    </p:spTree>
-    <p:extLst>
-      <p:ext uri="{BB962C8B-B14F-4D97-AF65-F5344CB8AC3E}">
-        <p14:creationId xmlns:p14="http://schemas.microsoft.com/office/powerpoint/2010/main" val="3038932270"/>
-      </p:ext>
-    </p:extLst>
-  </p:cSld>
-  <p:clrMapOvr>
-    <a:masterClrMapping/>
-  </p:clrMapOvr>
-</p:sld>
-</file>
-
-<file path=ppt/slides/slide94.xml><?xml version="1.0" encoding="utf-8"?>
-<p:sld xmlns:a="http://schemas.openxmlformats.org/drawingml/2006/main" xmlns:r="http://schemas.openxmlformats.org/officeDocument/2006/relationships" xmlns:p="http://schemas.openxmlformats.org/presentationml/2006/main">
-  <p:cSld>
-    <p:spTree>
-      <p:nvGrpSpPr>
-        <p:cNvPr id="1" name=""/>
-        <p:cNvGrpSpPr/>
-        <p:nvPr/>
-      </p:nvGrpSpPr>
-      <p:grpSpPr>
-        <a:xfrm>
-          <a:off x="0" y="0"/>
-          <a:ext cx="0" cy="0"/>
-          <a:chOff x="0" y="0"/>
-          <a:chExt cx="0" cy="0"/>
-        </a:xfrm>
-      </p:grpSpPr>
-      <p:sp>
-        <p:nvSpPr>
-          <p:cNvPr id="3" name="Content Placeholder 2">
-            <a:extLst>
-              <a:ext uri="{FF2B5EF4-FFF2-40B4-BE49-F238E27FC236}">
-                <a16:creationId xmlns:a16="http://schemas.microsoft.com/office/drawing/2014/main" id="{22D632B1-FAA3-4BF6-8228-E17DFD494D6A}"/>
-              </a:ext>
-            </a:extLst>
-          </p:cNvPr>
-          <p:cNvSpPr>
-            <a:spLocks noGrp="1"/>
-          </p:cNvSpPr>
-          <p:nvPr>
-            <p:ph idx="1"/>
-          </p:nvPr>
-        </p:nvSpPr>
-        <p:spPr>
-          <a:xfrm>
-            <a:off x="0" y="1126958"/>
-            <a:ext cx="12192000" cy="5273841"/>
-          </a:xfrm>
-        </p:spPr>
-        <p:txBody>
-          <a:bodyPr>
-            <a:normAutofit fontScale="92500" lnSpcReduction="20000"/>
-          </a:bodyPr>
-          <a:lstStyle/>
-          <a:p>
-            <a:pPr marL="0" indent="0" algn="ctr">
-              <a:buNone/>
-            </a:pPr>
-            <a:r>
-              <a:rPr lang="en-US" sz="6000" b="1" dirty="0"/>
-              <a:t>TRIAL 2 </a:t>
-            </a:r>
-          </a:p>
-          <a:p>
-            <a:pPr marL="0" indent="0" algn="ctr">
-              <a:buNone/>
-            </a:pPr>
-            <a:r>
-              <a:rPr lang="en-US" sz="6000" b="1" dirty="0"/>
-              <a:t>BLOCK CRITERION + SERIAL</a:t>
-            </a:r>
-          </a:p>
-          <a:p>
-            <a:pPr marL="0" indent="0" algn="ctr">
-              <a:buNone/>
-            </a:pPr>
-            <a:r>
-              <a:rPr lang="en-US" sz="6000" dirty="0"/>
-              <a:t>Enclosure: Square</a:t>
-            </a:r>
-          </a:p>
-          <a:p>
-            <a:pPr marL="0" indent="0" algn="ctr">
-              <a:buNone/>
-            </a:pPr>
-            <a:r>
-              <a:rPr lang="en-US" sz="6000" dirty="0"/>
-              <a:t>All Goals: All Active</a:t>
-            </a:r>
-          </a:p>
-          <a:p>
-            <a:pPr marL="0" indent="0" algn="ctr">
-              <a:buNone/>
-            </a:pPr>
-            <a:r>
-              <a:rPr lang="en-US" sz="6000" dirty="0"/>
-              <a:t>Quota = 4</a:t>
-            </a:r>
-          </a:p>
-          <a:p>
-            <a:pPr marL="0" indent="0" algn="ctr">
-              <a:buNone/>
-            </a:pPr>
-            <a:r>
-              <a:rPr lang="en-US" sz="6000" dirty="0"/>
-              <a:t>Landmarks: All</a:t>
-            </a:r>
-          </a:p>
-          <a:p>
-            <a:pPr marL="0" indent="0" algn="ctr">
-              <a:buNone/>
-            </a:pPr>
-            <a:r>
-              <a:rPr lang="en-US" sz="6000" dirty="0"/>
-              <a:t>Scene #2</a:t>
-            </a:r>
-          </a:p>
-        </p:txBody>
-      </p:sp>
-    </p:spTree>
-    <p:extLst>
-      <p:ext uri="{BB962C8B-B14F-4D97-AF65-F5344CB8AC3E}">
-        <p14:creationId xmlns:p14="http://schemas.microsoft.com/office/powerpoint/2010/main" val="1723672394"/>
-      </p:ext>
-    </p:extLst>
-  </p:cSld>
-  <p:clrMapOvr>
-    <a:masterClrMapping/>
-  </p:clrMapOvr>
-</p:sld>
-</file>
-
-<file path=ppt/slides/slide95.xml><?xml version="1.0" encoding="utf-8"?>
-<p:sld xmlns:a="http://schemas.openxmlformats.org/drawingml/2006/main" xmlns:r="http://schemas.openxmlformats.org/officeDocument/2006/relationships" xmlns:p="http://schemas.openxmlformats.org/presentationml/2006/main">
-  <p:cSld>
-    <p:spTree>
-      <p:nvGrpSpPr>
-        <p:cNvPr id="1" name=""/>
-        <p:cNvGrpSpPr/>
-        <p:nvPr/>
-      </p:nvGrpSpPr>
-      <p:grpSpPr>
-        <a:xfrm>
-          <a:off x="0" y="0"/>
-          <a:ext cx="0" cy="0"/>
-          <a:chOff x="0" y="0"/>
-          <a:chExt cx="0" cy="0"/>
-        </a:xfrm>
-      </p:grpSpPr>
-      <p:sp>
-        <p:nvSpPr>
-          <p:cNvPr id="3" name="Content Placeholder 2">
-            <a:extLst>
-              <a:ext uri="{FF2B5EF4-FFF2-40B4-BE49-F238E27FC236}">
-                <a16:creationId xmlns:a16="http://schemas.microsoft.com/office/drawing/2014/main" id="{22D632B1-FAA3-4BF6-8228-E17DFD494D6A}"/>
-              </a:ext>
-            </a:extLst>
-          </p:cNvPr>
-          <p:cNvSpPr>
-            <a:spLocks noGrp="1"/>
-          </p:cNvSpPr>
-          <p:nvPr>
-            <p:ph idx="1"/>
-          </p:nvPr>
-        </p:nvSpPr>
-        <p:spPr>
-          <a:xfrm>
-            <a:off x="0" y="360947"/>
-            <a:ext cx="12192000" cy="5710990"/>
-          </a:xfrm>
-        </p:spPr>
-        <p:txBody>
-          <a:bodyPr>
-            <a:normAutofit fontScale="92500" lnSpcReduction="10000"/>
-          </a:bodyPr>
-          <a:lstStyle/>
-          <a:p>
-            <a:pPr marL="0" indent="0" algn="ctr">
-              <a:buNone/>
-            </a:pPr>
-            <a:r>
-              <a:rPr lang="en-US" sz="6000" b="1" dirty="0"/>
-              <a:t>TRIAL 3</a:t>
-            </a:r>
-          </a:p>
-          <a:p>
-            <a:pPr marL="0" indent="0" algn="ctr">
-              <a:buNone/>
-            </a:pPr>
-            <a:r>
-              <a:rPr lang="en-US" sz="6000" b="1" dirty="0"/>
-              <a:t>BLOCK CRITERION + SERIAL</a:t>
-            </a:r>
-          </a:p>
-          <a:p>
-            <a:pPr marL="0" indent="0" algn="ctr">
-              <a:buNone/>
-            </a:pPr>
-            <a:r>
-              <a:rPr lang="en-US" sz="6000" dirty="0"/>
-              <a:t>Enclosure: Circle</a:t>
-            </a:r>
-          </a:p>
-          <a:p>
-            <a:pPr marL="0" indent="0" algn="ctr">
-              <a:buNone/>
-            </a:pPr>
-            <a:r>
-              <a:rPr lang="en-US" sz="6000" dirty="0"/>
-              <a:t>All Goals: (V: Cube + Apple, I: Sphere)</a:t>
-            </a:r>
-          </a:p>
-          <a:p>
-            <a:pPr marL="0" indent="0" algn="ctr">
-              <a:buNone/>
-            </a:pPr>
-            <a:r>
-              <a:rPr lang="en-US" sz="6000" dirty="0"/>
-              <a:t>Quota = 3</a:t>
-            </a:r>
-          </a:p>
-          <a:p>
-            <a:pPr marL="0" indent="0" algn="ctr">
-              <a:buNone/>
-            </a:pPr>
-            <a:r>
-              <a:rPr lang="en-US" sz="6000" dirty="0"/>
-              <a:t>Landmarks: All</a:t>
-            </a:r>
-          </a:p>
-          <a:p>
-            <a:pPr marL="0" indent="0" algn="ctr">
-              <a:buNone/>
-            </a:pPr>
-            <a:r>
-              <a:rPr lang="en-US" sz="6000" dirty="0"/>
-              <a:t>Scene #3</a:t>
-            </a:r>
-          </a:p>
-        </p:txBody>
-      </p:sp>
-    </p:spTree>
-    <p:extLst>
-      <p:ext uri="{BB962C8B-B14F-4D97-AF65-F5344CB8AC3E}">
-        <p14:creationId xmlns:p14="http://schemas.microsoft.com/office/powerpoint/2010/main" val="2986808559"/>
-      </p:ext>
-    </p:extLst>
-  </p:cSld>
-  <p:clrMapOvr>
-    <a:masterClrMapping/>
-  </p:clrMapOvr>
-</p:sld>
-</file>
-
-<file path=ppt/slides/slide96.xml><?xml version="1.0" encoding="utf-8"?>
-<p:sld xmlns:a="http://schemas.openxmlformats.org/drawingml/2006/main" xmlns:r="http://schemas.openxmlformats.org/officeDocument/2006/relationships" xmlns:p="http://schemas.openxmlformats.org/presentationml/2006/main">
-  <p:cSld>
-    <p:spTree>
-      <p:nvGrpSpPr>
-        <p:cNvPr id="1" name=""/>
-        <p:cNvGrpSpPr/>
-        <p:nvPr/>
-      </p:nvGrpSpPr>
-      <p:grpSpPr>
-        <a:xfrm>
-          <a:off x="0" y="0"/>
-          <a:ext cx="0" cy="0"/>
-          <a:chOff x="0" y="0"/>
-          <a:chExt cx="0" cy="0"/>
-        </a:xfrm>
-      </p:grpSpPr>
-      <p:sp>
-        <p:nvSpPr>
-          <p:cNvPr id="3" name="Content Placeholder 2">
-            <a:extLst>
-              <a:ext uri="{FF2B5EF4-FFF2-40B4-BE49-F238E27FC236}">
-                <a16:creationId xmlns:a16="http://schemas.microsoft.com/office/drawing/2014/main" id="{22D632B1-FAA3-4BF6-8228-E17DFD494D6A}"/>
-              </a:ext>
-            </a:extLst>
-          </p:cNvPr>
-          <p:cNvSpPr>
-            <a:spLocks noGrp="1"/>
-          </p:cNvSpPr>
-          <p:nvPr>
-            <p:ph idx="1"/>
-          </p:nvPr>
-        </p:nvSpPr>
-        <p:spPr>
-          <a:xfrm>
-            <a:off x="0" y="240633"/>
-            <a:ext cx="12192000" cy="6424862"/>
-          </a:xfrm>
-        </p:spPr>
-        <p:txBody>
-          <a:bodyPr>
-            <a:normAutofit lnSpcReduction="10000"/>
-          </a:bodyPr>
-          <a:lstStyle/>
-          <a:p>
-            <a:pPr marL="0" indent="0" algn="ctr">
-              <a:buNone/>
-            </a:pPr>
-            <a:r>
-              <a:rPr lang="en-US" sz="6000" b="1" dirty="0"/>
-              <a:t>TRIAL 4 </a:t>
-            </a:r>
-          </a:p>
-          <a:p>
-            <a:pPr marL="0" indent="0" algn="ctr">
-              <a:buNone/>
-            </a:pPr>
-            <a:r>
-              <a:rPr lang="en-US" sz="6000" b="1" dirty="0"/>
-              <a:t>BLOCK CRITERION + SERIAL</a:t>
-            </a:r>
-          </a:p>
-          <a:p>
-            <a:pPr marL="0" indent="0" algn="ctr">
-              <a:buNone/>
-            </a:pPr>
-            <a:r>
-              <a:rPr lang="en-US" sz="6000" dirty="0"/>
-              <a:t>Enclosure: Invisible Floor</a:t>
-            </a:r>
-          </a:p>
-          <a:p>
-            <a:pPr marL="0" indent="0" algn="ctr">
-              <a:buNone/>
-            </a:pPr>
-            <a:r>
-              <a:rPr lang="en-US" sz="6000" dirty="0"/>
-              <a:t>All Goals: (V: Sphere, I: Water)</a:t>
-            </a:r>
-          </a:p>
-          <a:p>
-            <a:pPr marL="0" indent="0" algn="ctr">
-              <a:buNone/>
-            </a:pPr>
-            <a:r>
-              <a:rPr lang="en-US" sz="6000" dirty="0"/>
-              <a:t>Quota = 2</a:t>
-            </a:r>
-          </a:p>
-          <a:p>
-            <a:pPr marL="0" indent="0" algn="ctr">
-              <a:buNone/>
-            </a:pPr>
-            <a:r>
-              <a:rPr lang="en-US" sz="6000" dirty="0"/>
-              <a:t>Landmarks: All</a:t>
-            </a:r>
-          </a:p>
-          <a:p>
-            <a:pPr marL="0" indent="0" algn="ctr">
-              <a:buNone/>
-            </a:pPr>
-            <a:r>
-              <a:rPr lang="en-US" sz="6000" dirty="0"/>
-              <a:t>Scene #3</a:t>
-            </a:r>
-          </a:p>
-        </p:txBody>
-      </p:sp>
-    </p:spTree>
-    <p:extLst>
-      <p:ext uri="{BB962C8B-B14F-4D97-AF65-F5344CB8AC3E}">
-        <p14:creationId xmlns:p14="http://schemas.microsoft.com/office/powerpoint/2010/main" val="4232734734"/>
-      </p:ext>
-    </p:extLst>
-  </p:cSld>
-  <p:clrMapOvr>
-    <a:masterClrMapping/>
-  </p:clrMapOvr>
-</p:sld>
-</file>
-
-<file path=ppt/slides/slide97.xml><?xml version="1.0" encoding="utf-8"?>
-<p:sld xmlns:a="http://schemas.openxmlformats.org/drawingml/2006/main" xmlns:r="http://schemas.openxmlformats.org/officeDocument/2006/relationships" xmlns:p="http://schemas.openxmlformats.org/presentationml/2006/main">
-  <p:cSld>
-    <p:spTree>
-      <p:nvGrpSpPr>
-        <p:cNvPr id="1" name=""/>
-        <p:cNvGrpSpPr/>
-        <p:nvPr/>
-      </p:nvGrpSpPr>
-      <p:grpSpPr>
-        <a:xfrm>
-          <a:off x="0" y="0"/>
-          <a:ext cx="0" cy="0"/>
-          <a:chOff x="0" y="0"/>
-          <a:chExt cx="0" cy="0"/>
-        </a:xfrm>
-      </p:grpSpPr>
-      <p:sp>
-        <p:nvSpPr>
-          <p:cNvPr id="4" name="Rectangle 3">
-            <a:extLst>
-              <a:ext uri="{FF2B5EF4-FFF2-40B4-BE49-F238E27FC236}">
-                <a16:creationId xmlns:a16="http://schemas.microsoft.com/office/drawing/2014/main" id="{EEA24FE4-CF88-4576-8D74-4D4BF0A7AC43}"/>
-              </a:ext>
-            </a:extLst>
-          </p:cNvPr>
-          <p:cNvSpPr/>
-          <p:nvPr/>
-        </p:nvSpPr>
-        <p:spPr>
-          <a:xfrm>
-            <a:off x="0" y="0"/>
-            <a:ext cx="12192000" cy="6858000"/>
-          </a:xfrm>
-          <a:prstGeom prst="rect">
-            <a:avLst/>
-          </a:prstGeom>
-          <a:solidFill>
-            <a:srgbClr val="F1CB68"/>
-          </a:solidFill>
-        </p:spPr>
-        <p:style>
-          <a:lnRef idx="2">
-            <a:schemeClr val="accent1">
-              <a:shade val="50000"/>
-            </a:schemeClr>
-          </a:lnRef>
-          <a:fillRef idx="1">
-            <a:schemeClr val="accent1"/>
-          </a:fillRef>
-          <a:effectRef idx="0">
-            <a:schemeClr val="accent1"/>
-          </a:effectRef>
-          <a:fontRef idx="minor">
-            <a:schemeClr val="lt1"/>
-          </a:fontRef>
-        </p:style>
-        <p:txBody>
-          <a:bodyPr rtlCol="0" anchor="ctr"/>
-          <a:lstStyle/>
-          <a:p>
-            <a:pPr algn="ctr"/>
-            <a:endParaRPr lang="en-US"/>
-          </a:p>
-        </p:txBody>
-      </p:sp>
-      <p:sp>
-        <p:nvSpPr>
-          <p:cNvPr id="3" name="Content Placeholder 2">
-            <a:extLst>
-              <a:ext uri="{FF2B5EF4-FFF2-40B4-BE49-F238E27FC236}">
-                <a16:creationId xmlns:a16="http://schemas.microsoft.com/office/drawing/2014/main" id="{22D632B1-FAA3-4BF6-8228-E17DFD494D6A}"/>
-              </a:ext>
-            </a:extLst>
-          </p:cNvPr>
-          <p:cNvSpPr>
-            <a:spLocks noGrp="1"/>
-          </p:cNvSpPr>
-          <p:nvPr>
-            <p:ph idx="1"/>
-          </p:nvPr>
-        </p:nvSpPr>
-        <p:spPr>
-          <a:xfrm>
-            <a:off x="0" y="1825625"/>
-            <a:ext cx="12192000" cy="3275764"/>
-          </a:xfrm>
-        </p:spPr>
-        <p:txBody>
-          <a:bodyPr>
-            <a:normAutofit/>
-          </a:bodyPr>
-          <a:lstStyle/>
-          <a:p>
-            <a:pPr marL="0" indent="0" algn="ctr">
-              <a:buNone/>
-            </a:pPr>
-            <a:r>
-              <a:rPr lang="en-US" sz="6000" b="1" dirty="0">
-                <a:solidFill>
-                  <a:schemeClr val="bg1"/>
-                </a:solidFill>
-              </a:rPr>
-              <a:t>TESTING BLOCKS</a:t>
-            </a:r>
-          </a:p>
-          <a:p>
-            <a:pPr marL="0" indent="0" algn="ctr">
-              <a:buNone/>
-            </a:pPr>
-            <a:r>
-              <a:rPr lang="en-US" sz="6000" b="1" dirty="0">
-                <a:solidFill>
-                  <a:schemeClr val="bg1"/>
-                </a:solidFill>
-              </a:rPr>
-              <a:t>BLOCK Criterion = 3</a:t>
-            </a:r>
-          </a:p>
-          <a:p>
-            <a:pPr marL="0" indent="0" algn="ctr">
-              <a:buNone/>
-            </a:pPr>
-            <a:r>
-              <a:rPr lang="en-US" sz="6000" b="1" dirty="0">
-                <a:solidFill>
-                  <a:schemeClr val="bg1"/>
-                </a:solidFill>
-              </a:rPr>
-              <a:t>RANDOM (R) 4 Trial – Test</a:t>
-            </a:r>
-            <a:endParaRPr lang="en-US" sz="6000" dirty="0">
-              <a:solidFill>
-                <a:schemeClr val="bg1"/>
-              </a:solidFill>
-            </a:endParaRPr>
-          </a:p>
-        </p:txBody>
-      </p:sp>
-      <p:sp>
-        <p:nvSpPr>
-          <p:cNvPr id="5" name="Rectangle 4">
-            <a:extLst>
-              <a:ext uri="{FF2B5EF4-FFF2-40B4-BE49-F238E27FC236}">
-                <a16:creationId xmlns:a16="http://schemas.microsoft.com/office/drawing/2014/main" id="{663D26CC-E231-471A-9F1E-61C09D37CD03}"/>
-              </a:ext>
-            </a:extLst>
-          </p:cNvPr>
-          <p:cNvSpPr/>
-          <p:nvPr/>
-        </p:nvSpPr>
-        <p:spPr>
-          <a:xfrm>
-            <a:off x="3172326" y="5403834"/>
-            <a:ext cx="5847347" cy="866274"/>
-          </a:xfrm>
-          <a:prstGeom prst="rect">
-            <a:avLst/>
-          </a:prstGeom>
-        </p:spPr>
-        <p:style>
-          <a:lnRef idx="2">
-            <a:schemeClr val="dk1">
-              <a:shade val="50000"/>
-            </a:schemeClr>
-          </a:lnRef>
-          <a:fillRef idx="1">
-            <a:schemeClr val="dk1"/>
-          </a:fillRef>
-          <a:effectRef idx="0">
-            <a:schemeClr val="dk1"/>
-          </a:effectRef>
-          <a:fontRef idx="minor">
-            <a:schemeClr val="lt1"/>
-          </a:fontRef>
-        </p:style>
-        <p:txBody>
-          <a:bodyPr rtlCol="0" anchor="ctr"/>
-          <a:lstStyle/>
-          <a:p>
-            <a:pPr algn="ctr"/>
-            <a:r>
-              <a:rPr lang="en-US" sz="3200" b="1" dirty="0"/>
-              <a:t>PRESS SPACE TO BEGIN TEST</a:t>
-            </a:r>
-          </a:p>
-        </p:txBody>
-      </p:sp>
-    </p:spTree>
-    <p:extLst>
-      <p:ext uri="{BB962C8B-B14F-4D97-AF65-F5344CB8AC3E}">
-        <p14:creationId xmlns:p14="http://schemas.microsoft.com/office/powerpoint/2010/main" val="456449924"/>
-      </p:ext>
-    </p:extLst>
-  </p:cSld>
-  <p:clrMapOvr>
-    <a:masterClrMapping/>
-  </p:clrMapOvr>
-</p:sld>
-</file>
-
-<file path=ppt/slides/slide98.xml><?xml version="1.0" encoding="utf-8"?>
-<p:sld xmlns:a="http://schemas.openxmlformats.org/drawingml/2006/main" xmlns:r="http://schemas.openxmlformats.org/officeDocument/2006/relationships" xmlns:p="http://schemas.openxmlformats.org/presentationml/2006/main">
-  <p:cSld>
-    <p:spTree>
-      <p:nvGrpSpPr>
-        <p:cNvPr id="1" name=""/>
-        <p:cNvGrpSpPr/>
-        <p:nvPr/>
-      </p:nvGrpSpPr>
-      <p:grpSpPr>
-        <a:xfrm>
-          <a:off x="0" y="0"/>
-          <a:ext cx="0" cy="0"/>
-          <a:chOff x="0" y="0"/>
-          <a:chExt cx="0" cy="0"/>
-        </a:xfrm>
-      </p:grpSpPr>
-      <p:sp>
-        <p:nvSpPr>
-          <p:cNvPr id="3" name="Content Placeholder 2">
-            <a:extLst>
-              <a:ext uri="{FF2B5EF4-FFF2-40B4-BE49-F238E27FC236}">
-                <a16:creationId xmlns:a16="http://schemas.microsoft.com/office/drawing/2014/main" id="{22D632B1-FAA3-4BF6-8228-E17DFD494D6A}"/>
-              </a:ext>
-            </a:extLst>
-          </p:cNvPr>
-          <p:cNvSpPr>
-            <a:spLocks noGrp="1"/>
-          </p:cNvSpPr>
-          <p:nvPr>
-            <p:ph idx="1"/>
-          </p:nvPr>
-        </p:nvSpPr>
-        <p:spPr>
-          <a:xfrm>
-            <a:off x="0" y="834189"/>
-            <a:ext cx="12192000" cy="5478379"/>
-          </a:xfrm>
-        </p:spPr>
-        <p:txBody>
-          <a:bodyPr>
-            <a:normAutofit fontScale="92500" lnSpcReduction="20000"/>
-          </a:bodyPr>
-          <a:lstStyle/>
-          <a:p>
-            <a:pPr marL="0" indent="0" algn="ctr">
-              <a:buNone/>
-            </a:pPr>
-            <a:r>
-              <a:rPr lang="en-US" sz="6000" b="1" dirty="0"/>
-              <a:t>TRIAL 1 </a:t>
-            </a:r>
-          </a:p>
-          <a:p>
-            <a:pPr marL="0" indent="0" algn="ctr">
-              <a:buNone/>
-            </a:pPr>
-            <a:r>
-              <a:rPr lang="en-US" sz="6000" b="1" dirty="0"/>
-              <a:t>BLOCK CRITERION + RANDOM (R) </a:t>
-            </a:r>
-          </a:p>
-          <a:p>
-            <a:pPr marL="0" indent="0" algn="ctr">
-              <a:buNone/>
-            </a:pPr>
-            <a:r>
-              <a:rPr lang="en-US" sz="6000" dirty="0"/>
-              <a:t>Enclosure: Invisible Floor</a:t>
-            </a:r>
-          </a:p>
-          <a:p>
-            <a:pPr marL="0" indent="0" algn="ctr">
-              <a:buNone/>
-            </a:pPr>
-            <a:r>
-              <a:rPr lang="en-US" sz="6000" dirty="0"/>
-              <a:t>All Goals: (V: Water, I: Water, Cube)</a:t>
-            </a:r>
-          </a:p>
-          <a:p>
-            <a:pPr marL="0" indent="0" algn="ctr">
-              <a:buNone/>
-            </a:pPr>
-            <a:r>
-              <a:rPr lang="en-US" sz="6000" dirty="0"/>
-              <a:t>Quota = 2</a:t>
-            </a:r>
-          </a:p>
-          <a:p>
-            <a:pPr marL="0" indent="0" algn="ctr">
-              <a:buNone/>
-            </a:pPr>
-            <a:r>
-              <a:rPr lang="en-US" sz="6000" dirty="0"/>
-              <a:t>Landmarks: All</a:t>
-            </a:r>
-          </a:p>
-          <a:p>
-            <a:pPr marL="0" indent="0" algn="ctr">
-              <a:buNone/>
-            </a:pPr>
-            <a:r>
-              <a:rPr lang="en-US" sz="6000" dirty="0"/>
-              <a:t>Scene #3</a:t>
-            </a:r>
-          </a:p>
-        </p:txBody>
-      </p:sp>
-    </p:spTree>
-    <p:extLst>
-      <p:ext uri="{BB962C8B-B14F-4D97-AF65-F5344CB8AC3E}">
-        <p14:creationId xmlns:p14="http://schemas.microsoft.com/office/powerpoint/2010/main" val="1699246585"/>
-      </p:ext>
-    </p:extLst>
-  </p:cSld>
-  <p:clrMapOvr>
-    <a:masterClrMapping/>
-  </p:clrMapOvr>
-</p:sld>
-</file>
-
-<file path=ppt/slides/slide99.xml><?xml version="1.0" encoding="utf-8"?>
-<p:sld xmlns:a="http://schemas.openxmlformats.org/drawingml/2006/main" xmlns:r="http://schemas.openxmlformats.org/officeDocument/2006/relationships" xmlns:p="http://schemas.openxmlformats.org/presentationml/2006/main">
-  <p:cSld>
-    <p:spTree>
-      <p:nvGrpSpPr>
-        <p:cNvPr id="1" name=""/>
-        <p:cNvGrpSpPr/>
-        <p:nvPr/>
-      </p:nvGrpSpPr>
-      <p:grpSpPr>
-        <a:xfrm>
-          <a:off x="0" y="0"/>
-          <a:ext cx="0" cy="0"/>
-          <a:chOff x="0" y="0"/>
-          <a:chExt cx="0" cy="0"/>
-        </a:xfrm>
-      </p:grpSpPr>
-      <p:sp>
-        <p:nvSpPr>
-          <p:cNvPr id="3" name="Content Placeholder 2">
-            <a:extLst>
-              <a:ext uri="{FF2B5EF4-FFF2-40B4-BE49-F238E27FC236}">
-                <a16:creationId xmlns:a16="http://schemas.microsoft.com/office/drawing/2014/main" id="{22D632B1-FAA3-4BF6-8228-E17DFD494D6A}"/>
-              </a:ext>
-            </a:extLst>
-          </p:cNvPr>
-          <p:cNvSpPr>
-            <a:spLocks noGrp="1"/>
-          </p:cNvSpPr>
-          <p:nvPr>
-            <p:ph idx="1"/>
-          </p:nvPr>
-        </p:nvSpPr>
-        <p:spPr>
-          <a:xfrm>
-            <a:off x="0" y="1126958"/>
-            <a:ext cx="12192000" cy="5273841"/>
-          </a:xfrm>
-        </p:spPr>
-        <p:txBody>
-          <a:bodyPr>
-            <a:normAutofit fontScale="92500" lnSpcReduction="20000"/>
-          </a:bodyPr>
-          <a:lstStyle/>
-          <a:p>
-            <a:pPr marL="0" indent="0" algn="ctr">
-              <a:buNone/>
-            </a:pPr>
-            <a:r>
-              <a:rPr lang="en-US" sz="6000" b="1" dirty="0"/>
-              <a:t>TRIAL 2 </a:t>
-            </a:r>
-          </a:p>
-          <a:p>
-            <a:pPr marL="0" indent="0" algn="ctr">
-              <a:buNone/>
-            </a:pPr>
-            <a:r>
-              <a:rPr lang="en-US" sz="6000" b="1" dirty="0"/>
-              <a:t>BLOCK CRITERION + RANDOM (R) </a:t>
-            </a:r>
-          </a:p>
-          <a:p>
-            <a:pPr marL="0" indent="0" algn="ctr">
-              <a:buNone/>
-            </a:pPr>
-            <a:r>
-              <a:rPr lang="en-US" sz="6000" dirty="0"/>
-              <a:t>Enclosure: Square</a:t>
-            </a:r>
-          </a:p>
-          <a:p>
-            <a:pPr marL="0" indent="0" algn="ctr">
-              <a:buNone/>
-            </a:pPr>
-            <a:r>
-              <a:rPr lang="en-US" sz="6000" dirty="0"/>
-              <a:t>All Goals: All Active</a:t>
-            </a:r>
-          </a:p>
-          <a:p>
-            <a:pPr marL="0" indent="0" algn="ctr">
-              <a:buNone/>
-            </a:pPr>
-            <a:r>
-              <a:rPr lang="en-US" sz="6000" dirty="0"/>
-              <a:t>Quota = 4</a:t>
-            </a:r>
-          </a:p>
-          <a:p>
-            <a:pPr marL="0" indent="0" algn="ctr">
-              <a:buNone/>
-            </a:pPr>
-            <a:r>
-              <a:rPr lang="en-US" sz="6000" dirty="0"/>
-              <a:t>Landmarks: All</a:t>
-            </a:r>
-          </a:p>
-          <a:p>
-            <a:pPr marL="0" indent="0" algn="ctr">
-              <a:buNone/>
-            </a:pPr>
-            <a:r>
-              <a:rPr lang="en-US" sz="6000" dirty="0"/>
-              <a:t>Scene #2</a:t>
-            </a:r>
-          </a:p>
-        </p:txBody>
-      </p:sp>
-    </p:spTree>
-    <p:extLst>
-      <p:ext uri="{BB962C8B-B14F-4D97-AF65-F5344CB8AC3E}">
-        <p14:creationId xmlns:p14="http://schemas.microsoft.com/office/powerpoint/2010/main" val="3804465186"/>
       </p:ext>
     </p:extLst>
   </p:cSld>
